--- a/2025-04-16 Roma Designing Monolith First For Microservices/Monolith First Presentation.pptx
+++ b/2025-04-16 Roma Designing Monolith First For Microservices/Monolith First Presentation.pptx
@@ -6,55 +6,56 @@
   </p:sldMasterIdLst>
   <p:sldIdLst>
     <p:sldId id="256" r:id="rId2"/>
-    <p:sldId id="257" r:id="rId3"/>
-    <p:sldId id="360" r:id="rId4"/>
-    <p:sldId id="281" r:id="rId5"/>
-    <p:sldId id="282" r:id="rId6"/>
-    <p:sldId id="283" r:id="rId7"/>
-    <p:sldId id="287" r:id="rId8"/>
-    <p:sldId id="288" r:id="rId9"/>
-    <p:sldId id="270" r:id="rId10"/>
-    <p:sldId id="299" r:id="rId11"/>
-    <p:sldId id="260" r:id="rId12"/>
-    <p:sldId id="261" r:id="rId13"/>
-    <p:sldId id="289" r:id="rId14"/>
-    <p:sldId id="290" r:id="rId15"/>
-    <p:sldId id="311" r:id="rId16"/>
-    <p:sldId id="310" r:id="rId17"/>
-    <p:sldId id="295" r:id="rId18"/>
-    <p:sldId id="312" r:id="rId19"/>
-    <p:sldId id="313" r:id="rId20"/>
-    <p:sldId id="304" r:id="rId21"/>
-    <p:sldId id="315" r:id="rId22"/>
-    <p:sldId id="305" r:id="rId23"/>
-    <p:sldId id="316" r:id="rId24"/>
-    <p:sldId id="317" r:id="rId25"/>
-    <p:sldId id="318" r:id="rId26"/>
-    <p:sldId id="319" r:id="rId27"/>
-    <p:sldId id="320" r:id="rId28"/>
-    <p:sldId id="321" r:id="rId29"/>
-    <p:sldId id="323" r:id="rId30"/>
-    <p:sldId id="325" r:id="rId31"/>
-    <p:sldId id="326" r:id="rId32"/>
-    <p:sldId id="333" r:id="rId33"/>
-    <p:sldId id="327" r:id="rId34"/>
-    <p:sldId id="334" r:id="rId35"/>
-    <p:sldId id="328" r:id="rId36"/>
-    <p:sldId id="271" r:id="rId37"/>
-    <p:sldId id="339" r:id="rId38"/>
-    <p:sldId id="344" r:id="rId39"/>
-    <p:sldId id="351" r:id="rId40"/>
-    <p:sldId id="353" r:id="rId41"/>
-    <p:sldId id="346" r:id="rId42"/>
-    <p:sldId id="347" r:id="rId43"/>
-    <p:sldId id="348" r:id="rId44"/>
-    <p:sldId id="349" r:id="rId45"/>
-    <p:sldId id="350" r:id="rId46"/>
-    <p:sldId id="355" r:id="rId47"/>
-    <p:sldId id="357" r:id="rId48"/>
-    <p:sldId id="361" r:id="rId49"/>
-    <p:sldId id="286" r:id="rId50"/>
-    <p:sldId id="284" r:id="rId51"/>
+    <p:sldId id="362" r:id="rId3"/>
+    <p:sldId id="257" r:id="rId4"/>
+    <p:sldId id="360" r:id="rId5"/>
+    <p:sldId id="281" r:id="rId6"/>
+    <p:sldId id="282" r:id="rId7"/>
+    <p:sldId id="283" r:id="rId8"/>
+    <p:sldId id="287" r:id="rId9"/>
+    <p:sldId id="288" r:id="rId10"/>
+    <p:sldId id="270" r:id="rId11"/>
+    <p:sldId id="299" r:id="rId12"/>
+    <p:sldId id="260" r:id="rId13"/>
+    <p:sldId id="261" r:id="rId14"/>
+    <p:sldId id="289" r:id="rId15"/>
+    <p:sldId id="290" r:id="rId16"/>
+    <p:sldId id="311" r:id="rId17"/>
+    <p:sldId id="310" r:id="rId18"/>
+    <p:sldId id="295" r:id="rId19"/>
+    <p:sldId id="312" r:id="rId20"/>
+    <p:sldId id="313" r:id="rId21"/>
+    <p:sldId id="304" r:id="rId22"/>
+    <p:sldId id="315" r:id="rId23"/>
+    <p:sldId id="305" r:id="rId24"/>
+    <p:sldId id="316" r:id="rId25"/>
+    <p:sldId id="317" r:id="rId26"/>
+    <p:sldId id="318" r:id="rId27"/>
+    <p:sldId id="319" r:id="rId28"/>
+    <p:sldId id="320" r:id="rId29"/>
+    <p:sldId id="321" r:id="rId30"/>
+    <p:sldId id="323" r:id="rId31"/>
+    <p:sldId id="325" r:id="rId32"/>
+    <p:sldId id="326" r:id="rId33"/>
+    <p:sldId id="333" r:id="rId34"/>
+    <p:sldId id="327" r:id="rId35"/>
+    <p:sldId id="334" r:id="rId36"/>
+    <p:sldId id="328" r:id="rId37"/>
+    <p:sldId id="271" r:id="rId38"/>
+    <p:sldId id="339" r:id="rId39"/>
+    <p:sldId id="344" r:id="rId40"/>
+    <p:sldId id="351" r:id="rId41"/>
+    <p:sldId id="353" r:id="rId42"/>
+    <p:sldId id="346" r:id="rId43"/>
+    <p:sldId id="347" r:id="rId44"/>
+    <p:sldId id="348" r:id="rId45"/>
+    <p:sldId id="349" r:id="rId46"/>
+    <p:sldId id="350" r:id="rId47"/>
+    <p:sldId id="355" r:id="rId48"/>
+    <p:sldId id="357" r:id="rId49"/>
+    <p:sldId id="361" r:id="rId50"/>
+    <p:sldId id="286" r:id="rId51"/>
+    <p:sldId id="284" r:id="rId52"/>
   </p:sldIdLst>
   <p:sldSz cx="12192000" cy="6858000"/>
   <p:notesSz cx="6858000" cy="9144000"/>
@@ -159,6 +160,7 @@
         <p14:section name="Default Section" id="{59306EF3-5978-4498-B6C1-4A98A64CD2C0}">
           <p14:sldIdLst>
             <p14:sldId id="256"/>
+            <p14:sldId id="362"/>
             <p14:sldId id="257"/>
             <p14:sldId id="360"/>
             <p14:sldId id="281"/>
@@ -3676,6 +3678,145 @@
                 <a:latin typeface="Euclid Circular B" panose="020B0504000000000000" pitchFamily="34" charset="0"/>
                 <a:ea typeface="Euclid Circular B" panose="020B0504000000000000" pitchFamily="34" charset="0"/>
               </a:rPr>
+              <a:t>DESIGNING</a:t>
+            </a:r>
+            <a:br>
+              <a:rPr lang="en-US" sz="4800" b="1" dirty="0">
+                <a:solidFill>
+                  <a:srgbClr val="292D33"/>
+                </a:solidFill>
+                <a:latin typeface="Euclid Circular B" panose="020B0504000000000000" pitchFamily="34" charset="0"/>
+                <a:ea typeface="Euclid Circular B" panose="020B0504000000000000" pitchFamily="34" charset="0"/>
+              </a:rPr>
+            </a:br>
+            <a:r>
+              <a:rPr lang="en-US" sz="4800" b="1" dirty="0">
+                <a:solidFill>
+                  <a:srgbClr val="292D33"/>
+                </a:solidFill>
+                <a:latin typeface="Euclid Circular B" panose="020B0504000000000000" pitchFamily="34" charset="0"/>
+                <a:ea typeface="Euclid Circular B" panose="020B0504000000000000" pitchFamily="34" charset="0"/>
+              </a:rPr>
+              <a:t>A MODULAR MONOLITH</a:t>
+            </a:r>
+          </a:p>
+        </p:txBody>
+      </p:sp>
+      <p:sp>
+        <p:nvSpPr>
+          <p:cNvPr id="3" name="Subtitle 2">
+            <a:extLst>
+              <a:ext uri="{FF2B5EF4-FFF2-40B4-BE49-F238E27FC236}">
+                <a16:creationId xmlns:a16="http://schemas.microsoft.com/office/drawing/2014/main" id="{265612B9-B745-46CB-8A20-997CA82E05E7}"/>
+              </a:ext>
+            </a:extLst>
+          </p:cNvPr>
+          <p:cNvSpPr>
+            <a:spLocks noGrp="1"/>
+          </p:cNvSpPr>
+          <p:nvPr>
+            <p:ph type="subTitle" idx="1"/>
+          </p:nvPr>
+        </p:nvSpPr>
+        <p:spPr/>
+        <p:txBody>
+          <a:bodyPr>
+            <a:normAutofit/>
+          </a:bodyPr>
+          <a:lstStyle/>
+          <a:p>
+            <a:r>
+              <a:rPr lang="en-US" sz="2000" b="1" dirty="0">
+                <a:solidFill>
+                  <a:srgbClr val="292D33"/>
+                </a:solidFill>
+                <a:latin typeface="Euclid Circular B" panose="020B0504000000000000" pitchFamily="34" charset="0"/>
+                <a:ea typeface="Euclid Circular B" panose="020B0504000000000000" pitchFamily="34" charset="0"/>
+              </a:rPr>
+              <a:t>DESIGNING MONOLITH FIRST FOR MICROSERVICE ARCHITECTURE</a:t>
+            </a:r>
+            <a:endParaRPr lang="en-US" sz="2000" dirty="0">
+              <a:latin typeface="Euclid Circular B" panose="020B0504000000000000" pitchFamily="34" charset="0"/>
+              <a:ea typeface="Euclid Circular B" panose="020B0504000000000000" pitchFamily="34" charset="0"/>
+            </a:endParaRPr>
+          </a:p>
+        </p:txBody>
+      </p:sp>
+    </p:spTree>
+    <p:extLst>
+      <p:ext uri="{BB962C8B-B14F-4D97-AF65-F5344CB8AC3E}">
+        <p14:creationId xmlns:p14="http://schemas.microsoft.com/office/powerpoint/2010/main" val="3204605943"/>
+      </p:ext>
+    </p:extLst>
+  </p:cSld>
+  <p:clrMapOvr>
+    <a:masterClrMapping/>
+  </p:clrMapOvr>
+</p:sld>
+</file>
+
+<file path=ppt/slides/slide11.xml><?xml version="1.0" encoding="utf-8"?>
+<p:sld xmlns:a="http://schemas.openxmlformats.org/drawingml/2006/main" xmlns:r="http://schemas.openxmlformats.org/officeDocument/2006/relationships" xmlns:p="http://schemas.openxmlformats.org/presentationml/2006/main">
+  <p:cSld>
+    <p:bg>
+      <p:bgPr>
+        <a:blipFill dpi="0" rotWithShape="1">
+          <a:blip r:embed="rId2">
+            <a:lum/>
+          </a:blip>
+          <a:srcRect/>
+          <a:stretch>
+            <a:fillRect/>
+          </a:stretch>
+        </a:blipFill>
+        <a:effectLst/>
+      </p:bgPr>
+    </p:bg>
+    <p:spTree>
+      <p:nvGrpSpPr>
+        <p:cNvPr id="1" name=""/>
+        <p:cNvGrpSpPr/>
+        <p:nvPr/>
+      </p:nvGrpSpPr>
+      <p:grpSpPr>
+        <a:xfrm>
+          <a:off x="0" y="0"/>
+          <a:ext cx="0" cy="0"/>
+          <a:chOff x="0" y="0"/>
+          <a:chExt cx="0" cy="0"/>
+        </a:xfrm>
+      </p:grpSpPr>
+      <p:sp>
+        <p:nvSpPr>
+          <p:cNvPr id="2" name="Title 1">
+            <a:extLst>
+              <a:ext uri="{FF2B5EF4-FFF2-40B4-BE49-F238E27FC236}">
+                <a16:creationId xmlns:a16="http://schemas.microsoft.com/office/drawing/2014/main" id="{9255DFBE-19DA-408D-84E6-F4043FC30BD3}"/>
+              </a:ext>
+            </a:extLst>
+          </p:cNvPr>
+          <p:cNvSpPr>
+            <a:spLocks noGrp="1"/>
+          </p:cNvSpPr>
+          <p:nvPr>
+            <p:ph type="ctrTitle"/>
+          </p:nvPr>
+        </p:nvSpPr>
+        <p:spPr/>
+        <p:txBody>
+          <a:bodyPr>
+            <a:normAutofit/>
+          </a:bodyPr>
+          <a:lstStyle/>
+          <a:p>
+            <a:r>
+              <a:rPr lang="en-US" sz="4800" b="1" dirty="0">
+                <a:solidFill>
+                  <a:srgbClr val="292D33"/>
+                </a:solidFill>
+                <a:latin typeface="Euclid Circular B" panose="020B0504000000000000" pitchFamily="34" charset="0"/>
+                <a:ea typeface="Euclid Circular B" panose="020B0504000000000000" pitchFamily="34" charset="0"/>
+              </a:rPr>
               <a:t>The need for layering</a:t>
             </a:r>
           </a:p>
@@ -3734,7 +3875,7 @@
 </p:sld>
 </file>
 
-<file path=ppt/slides/slide11.xml><?xml version="1.0" encoding="utf-8"?>
+<file path=ppt/slides/slide12.xml><?xml version="1.0" encoding="utf-8"?>
 <p:sld xmlns:a="http://schemas.openxmlformats.org/drawingml/2006/main" xmlns:r="http://schemas.openxmlformats.org/officeDocument/2006/relationships" xmlns:p="http://schemas.openxmlformats.org/presentationml/2006/main">
   <p:cSld>
     <p:bg>
@@ -4962,7 +5103,7 @@
 </p:sld>
 </file>
 
-<file path=ppt/slides/slide12.xml><?xml version="1.0" encoding="utf-8"?>
+<file path=ppt/slides/slide13.xml><?xml version="1.0" encoding="utf-8"?>
 <p:sld xmlns:a="http://schemas.openxmlformats.org/drawingml/2006/main" xmlns:r="http://schemas.openxmlformats.org/officeDocument/2006/relationships" xmlns:p="http://schemas.openxmlformats.org/presentationml/2006/main">
   <p:cSld>
     <p:bg>
@@ -7213,7 +7354,7 @@
 </p:sld>
 </file>
 
-<file path=ppt/slides/slide13.xml><?xml version="1.0" encoding="utf-8"?>
+<file path=ppt/slides/slide14.xml><?xml version="1.0" encoding="utf-8"?>
 <p:sld xmlns:a="http://schemas.openxmlformats.org/drawingml/2006/main" xmlns:r="http://schemas.openxmlformats.org/officeDocument/2006/relationships" xmlns:p="http://schemas.openxmlformats.org/presentationml/2006/main">
   <p:cSld>
     <p:bg>
@@ -7574,7 +7715,7 @@
 </p:sld>
 </file>
 
-<file path=ppt/slides/slide14.xml><?xml version="1.0" encoding="utf-8"?>
+<file path=ppt/slides/slide15.xml><?xml version="1.0" encoding="utf-8"?>
 <p:sld xmlns:a="http://schemas.openxmlformats.org/drawingml/2006/main" xmlns:r="http://schemas.openxmlformats.org/officeDocument/2006/relationships" xmlns:p="http://schemas.openxmlformats.org/presentationml/2006/main">
   <p:cSld>
     <p:bg>
@@ -8030,7 +8171,7 @@
 </p:sld>
 </file>
 
-<file path=ppt/slides/slide15.xml><?xml version="1.0" encoding="utf-8"?>
+<file path=ppt/slides/slide16.xml><?xml version="1.0" encoding="utf-8"?>
 <p:sld xmlns:a="http://schemas.openxmlformats.org/drawingml/2006/main" xmlns:r="http://schemas.openxmlformats.org/officeDocument/2006/relationships" xmlns:p="http://schemas.openxmlformats.org/presentationml/2006/main">
   <p:cSld>
     <p:bg>
@@ -9912,7 +10053,7 @@
 </p:sld>
 </file>
 
-<file path=ppt/slides/slide16.xml><?xml version="1.0" encoding="utf-8"?>
+<file path=ppt/slides/slide17.xml><?xml version="1.0" encoding="utf-8"?>
 <p:sld xmlns:a="http://schemas.openxmlformats.org/drawingml/2006/main" xmlns:r="http://schemas.openxmlformats.org/officeDocument/2006/relationships" xmlns:p="http://schemas.openxmlformats.org/presentationml/2006/main">
   <p:cSld>
     <p:bg>
@@ -10032,7 +10173,7 @@
 </p:sld>
 </file>
 
-<file path=ppt/slides/slide17.xml><?xml version="1.0" encoding="utf-8"?>
+<file path=ppt/slides/slide18.xml><?xml version="1.0" encoding="utf-8"?>
 <p:sld xmlns:a="http://schemas.openxmlformats.org/drawingml/2006/main" xmlns:r="http://schemas.openxmlformats.org/officeDocument/2006/relationships" xmlns:p="http://schemas.openxmlformats.org/presentationml/2006/main">
   <p:cSld>
     <p:bg>
@@ -12247,7 +12388,7 @@
 </p:sld>
 </file>
 
-<file path=ppt/slides/slide18.xml><?xml version="1.0" encoding="utf-8"?>
+<file path=ppt/slides/slide19.xml><?xml version="1.0" encoding="utf-8"?>
 <p:sld xmlns:a="http://schemas.openxmlformats.org/drawingml/2006/main" xmlns:r="http://schemas.openxmlformats.org/officeDocument/2006/relationships" xmlns:p="http://schemas.openxmlformats.org/presentationml/2006/main">
   <p:cSld>
     <p:bg>
@@ -14497,7 +14638,1441 @@
 </p:sld>
 </file>
 
-<file path=ppt/slides/slide19.xml><?xml version="1.0" encoding="utf-8"?>
+<file path=ppt/slides/slide2.xml><?xml version="1.0" encoding="utf-8"?>
+<p:sld xmlns:a="http://schemas.openxmlformats.org/drawingml/2006/main" xmlns:r="http://schemas.openxmlformats.org/officeDocument/2006/relationships" xmlns:p="http://schemas.openxmlformats.org/presentationml/2006/main">
+  <p:cSld>
+    <p:spTree>
+      <p:nvGrpSpPr>
+        <p:cNvPr id="1" name=""/>
+        <p:cNvGrpSpPr/>
+        <p:nvPr/>
+      </p:nvGrpSpPr>
+      <p:grpSpPr>
+        <a:xfrm>
+          <a:off x="0" y="0"/>
+          <a:ext cx="0" cy="0"/>
+          <a:chOff x="0" y="0"/>
+          <a:chExt cx="0" cy="0"/>
+        </a:xfrm>
+      </p:grpSpPr>
+      <p:sp>
+        <p:nvSpPr>
+          <p:cNvPr id="4" name="Metin kutusu 3">
+            <a:extLst>
+              <a:ext uri="{FF2B5EF4-FFF2-40B4-BE49-F238E27FC236}">
+                <a16:creationId xmlns:a16="http://schemas.microsoft.com/office/drawing/2014/main" id="{B56770D1-44BD-6E2D-2E37-C9F8DD18B156}"/>
+              </a:ext>
+            </a:extLst>
+          </p:cNvPr>
+          <p:cNvSpPr txBox="1">
+            <a:spLocks/>
+          </p:cNvSpPr>
+          <p:nvPr/>
+        </p:nvSpPr>
+        <p:spPr>
+          <a:xfrm>
+            <a:off x="231261" y="407657"/>
+            <a:ext cx="11464553" cy="708763"/>
+          </a:xfrm>
+          <a:prstGeom prst="rect">
+            <a:avLst/>
+          </a:prstGeom>
+          <a:noFill/>
+        </p:spPr>
+        <p:txBody>
+          <a:bodyPr wrap="square" rtlCol="0">
+            <a:normAutofit/>
+          </a:bodyPr>
+          <a:lstStyle/>
+          <a:p>
+            <a:pPr marL="0" lvl="0" indent="0" algn="l" rtl="0">
+              <a:spcBef>
+                <a:spcPts val="0"/>
+              </a:spcBef>
+              <a:spcAft>
+                <a:spcPts val="0"/>
+              </a:spcAft>
+              <a:buNone/>
+            </a:pPr>
+            <a:r>
+              <a:rPr lang="tr-TR" sz="3600" b="1" dirty="0">
+                <a:solidFill>
+                  <a:srgbClr val="292D33"/>
+                </a:solidFill>
+                <a:latin typeface="Lexend"/>
+                <a:ea typeface="Lexend"/>
+                <a:cs typeface="Lexend"/>
+                <a:sym typeface="Lexend"/>
+              </a:rPr>
+              <a:t>ABOUT ME</a:t>
+            </a:r>
+            <a:r>
+              <a:rPr lang="tr-TR" sz="3600" dirty="0">
+                <a:solidFill>
+                  <a:srgbClr val="292D33"/>
+                </a:solidFill>
+                <a:latin typeface="Lexend"/>
+                <a:ea typeface="Lexend"/>
+                <a:cs typeface="Lexend"/>
+                <a:sym typeface="Lexend"/>
+              </a:rPr>
+              <a:t>: HALİL İBRAHİM KALKAN</a:t>
+            </a:r>
+          </a:p>
+        </p:txBody>
+      </p:sp>
+      <p:pic>
+        <p:nvPicPr>
+          <p:cNvPr id="5" name="Picture 4" descr="Logo&#10;&#10;Description automatically generated">
+            <a:extLst>
+              <a:ext uri="{FF2B5EF4-FFF2-40B4-BE49-F238E27FC236}">
+                <a16:creationId xmlns:a16="http://schemas.microsoft.com/office/drawing/2014/main" id="{B8FECD86-6AA2-6EAD-CFC3-DB7EE5CB3110}"/>
+              </a:ext>
+            </a:extLst>
+          </p:cNvPr>
+          <p:cNvPicPr>
+            <a:picLocks noChangeAspect="1"/>
+          </p:cNvPicPr>
+          <p:nvPr/>
+        </p:nvPicPr>
+        <p:blipFill>
+          <a:blip r:embed="rId2">
+            <a:extLst>
+              <a:ext uri="{28A0092B-C50C-407E-A947-70E740481C1C}">
+                <a14:useLocalDpi xmlns:a14="http://schemas.microsoft.com/office/drawing/2010/main" val="0"/>
+              </a:ext>
+            </a:extLst>
+          </a:blip>
+          <a:stretch>
+            <a:fillRect/>
+          </a:stretch>
+        </p:blipFill>
+        <p:spPr>
+          <a:xfrm>
+            <a:off x="234870" y="4065773"/>
+            <a:ext cx="1962431" cy="480059"/>
+          </a:xfrm>
+          <a:prstGeom prst="rect">
+            <a:avLst/>
+          </a:prstGeom>
+        </p:spPr>
+      </p:pic>
+      <p:pic>
+        <p:nvPicPr>
+          <p:cNvPr id="6" name="Picture 5" descr="Logo&#10;&#10;Description automatically generated with low confidence">
+            <a:extLst>
+              <a:ext uri="{FF2B5EF4-FFF2-40B4-BE49-F238E27FC236}">
+                <a16:creationId xmlns:a16="http://schemas.microsoft.com/office/drawing/2014/main" id="{11E77CC4-BAEA-7594-AC6C-5E8CDB043580}"/>
+              </a:ext>
+            </a:extLst>
+          </p:cNvPr>
+          <p:cNvPicPr>
+            <a:picLocks noChangeAspect="1"/>
+          </p:cNvPicPr>
+          <p:nvPr/>
+        </p:nvPicPr>
+        <p:blipFill>
+          <a:blip r:embed="rId3">
+            <a:extLst>
+              <a:ext uri="{28A0092B-C50C-407E-A947-70E740481C1C}">
+                <a14:useLocalDpi xmlns:a14="http://schemas.microsoft.com/office/drawing/2010/main" val="0"/>
+              </a:ext>
+            </a:extLst>
+          </a:blip>
+          <a:stretch>
+            <a:fillRect/>
+          </a:stretch>
+        </p:blipFill>
+        <p:spPr>
+          <a:xfrm>
+            <a:off x="234870" y="3414824"/>
+            <a:ext cx="1394484" cy="480059"/>
+          </a:xfrm>
+          <a:prstGeom prst="rect">
+            <a:avLst/>
+          </a:prstGeom>
+        </p:spPr>
+      </p:pic>
+      <p:pic>
+        <p:nvPicPr>
+          <p:cNvPr id="7" name="Picture 6" descr="Shape&#10;&#10;Description automatically generated with low confidence">
+            <a:extLst>
+              <a:ext uri="{FF2B5EF4-FFF2-40B4-BE49-F238E27FC236}">
+                <a16:creationId xmlns:a16="http://schemas.microsoft.com/office/drawing/2014/main" id="{4F28BCEE-E347-BF42-EF7D-B5B31218339F}"/>
+              </a:ext>
+            </a:extLst>
+          </p:cNvPr>
+          <p:cNvPicPr>
+            <a:picLocks noChangeAspect="1"/>
+          </p:cNvPicPr>
+          <p:nvPr/>
+        </p:nvPicPr>
+        <p:blipFill>
+          <a:blip r:embed="rId4">
+            <a:extLst>
+              <a:ext uri="{28A0092B-C50C-407E-A947-70E740481C1C}">
+                <a14:useLocalDpi xmlns:a14="http://schemas.microsoft.com/office/drawing/2010/main" val="0"/>
+              </a:ext>
+            </a:extLst>
+          </a:blip>
+          <a:stretch>
+            <a:fillRect/>
+          </a:stretch>
+        </p:blipFill>
+        <p:spPr>
+          <a:xfrm>
+            <a:off x="234869" y="2129634"/>
+            <a:ext cx="480059" cy="480059"/>
+          </a:xfrm>
+          <a:prstGeom prst="rect">
+            <a:avLst/>
+          </a:prstGeom>
+        </p:spPr>
+      </p:pic>
+      <p:pic>
+        <p:nvPicPr>
+          <p:cNvPr id="8" name="Picture 7" descr="Graphical user interface&#10;&#10;Description automatically generated">
+            <a:extLst>
+              <a:ext uri="{FF2B5EF4-FFF2-40B4-BE49-F238E27FC236}">
+                <a16:creationId xmlns:a16="http://schemas.microsoft.com/office/drawing/2014/main" id="{75C95E6C-23C0-2E99-F401-F67E16A8789B}"/>
+              </a:ext>
+            </a:extLst>
+          </p:cNvPr>
+          <p:cNvPicPr>
+            <a:picLocks noChangeAspect="1"/>
+          </p:cNvPicPr>
+          <p:nvPr/>
+        </p:nvPicPr>
+        <p:blipFill>
+          <a:blip r:embed="rId5">
+            <a:extLst>
+              <a:ext uri="{28A0092B-C50C-407E-A947-70E740481C1C}">
+                <a14:useLocalDpi xmlns:a14="http://schemas.microsoft.com/office/drawing/2010/main" val="0"/>
+              </a:ext>
+            </a:extLst>
+          </a:blip>
+          <a:stretch>
+            <a:fillRect/>
+          </a:stretch>
+        </p:blipFill>
+        <p:spPr>
+          <a:xfrm>
+            <a:off x="234869" y="2731937"/>
+            <a:ext cx="476451" cy="476451"/>
+          </a:xfrm>
+          <a:prstGeom prst="rect">
+            <a:avLst/>
+          </a:prstGeom>
+        </p:spPr>
+      </p:pic>
+      <p:sp>
+        <p:nvSpPr>
+          <p:cNvPr id="9" name="TextBox 8">
+            <a:extLst>
+              <a:ext uri="{FF2B5EF4-FFF2-40B4-BE49-F238E27FC236}">
+                <a16:creationId xmlns:a16="http://schemas.microsoft.com/office/drawing/2014/main" id="{727BD3DF-527B-8FC8-1818-690C2ACEDB78}"/>
+              </a:ext>
+            </a:extLst>
+          </p:cNvPr>
+          <p:cNvSpPr txBox="1"/>
+          <p:nvPr/>
+        </p:nvSpPr>
+        <p:spPr>
+          <a:xfrm>
+            <a:off x="849071" y="2198974"/>
+            <a:ext cx="8278180" cy="369332"/>
+          </a:xfrm>
+          <a:prstGeom prst="rect">
+            <a:avLst/>
+          </a:prstGeom>
+          <a:noFill/>
+        </p:spPr>
+        <p:txBody>
+          <a:bodyPr wrap="square" rtlCol="0">
+            <a:spAutoFit/>
+          </a:bodyPr>
+          <a:lstStyle/>
+          <a:p>
+            <a:r>
+              <a:rPr lang="tr-TR" dirty="0">
+                <a:latin typeface="Poppins" panose="00000500000000000000" pitchFamily="2" charset="-94"/>
+                <a:cs typeface="Poppins" panose="00000500000000000000" pitchFamily="2" charset="-94"/>
+              </a:rPr>
+              <a:t>2003-</a:t>
+            </a:r>
+            <a:r>
+              <a:rPr lang="en-US" dirty="0">
+                <a:latin typeface="Poppins" panose="00000500000000000000" pitchFamily="2" charset="-94"/>
+                <a:cs typeface="Poppins" panose="00000500000000000000" pitchFamily="2" charset="-94"/>
+              </a:rPr>
+              <a:t>2007, Computer Engineering</a:t>
+            </a:r>
+          </a:p>
+        </p:txBody>
+      </p:sp>
+      <p:sp>
+        <p:nvSpPr>
+          <p:cNvPr id="10" name="TextBox 9">
+            <a:extLst>
+              <a:ext uri="{FF2B5EF4-FFF2-40B4-BE49-F238E27FC236}">
+                <a16:creationId xmlns:a16="http://schemas.microsoft.com/office/drawing/2014/main" id="{D60C885F-9593-EE27-6676-CE547C2AB3EB}"/>
+              </a:ext>
+            </a:extLst>
+          </p:cNvPr>
+          <p:cNvSpPr txBox="1"/>
+          <p:nvPr/>
+        </p:nvSpPr>
+        <p:spPr>
+          <a:xfrm>
+            <a:off x="849071" y="2819924"/>
+            <a:ext cx="8278180" cy="369332"/>
+          </a:xfrm>
+          <a:prstGeom prst="rect">
+            <a:avLst/>
+          </a:prstGeom>
+          <a:noFill/>
+        </p:spPr>
+        <p:txBody>
+          <a:bodyPr wrap="square" rtlCol="0">
+            <a:spAutoFit/>
+          </a:bodyPr>
+          <a:lstStyle/>
+          <a:p>
+            <a:r>
+              <a:rPr lang="en-US" dirty="0">
+                <a:latin typeface="Poppins" panose="00000500000000000000" pitchFamily="2" charset="-94"/>
+                <a:cs typeface="Poppins" panose="00000500000000000000" pitchFamily="2" charset="-94"/>
+              </a:rPr>
+              <a:t>2007 - 2015: Software developer, software architect, team leader</a:t>
+            </a:r>
+          </a:p>
+        </p:txBody>
+      </p:sp>
+      <p:sp>
+        <p:nvSpPr>
+          <p:cNvPr id="11" name="TextBox 10">
+            <a:extLst>
+              <a:ext uri="{FF2B5EF4-FFF2-40B4-BE49-F238E27FC236}">
+                <a16:creationId xmlns:a16="http://schemas.microsoft.com/office/drawing/2014/main" id="{B7062EF5-EE68-9EFC-47CA-867AFD51BDBF}"/>
+              </a:ext>
+            </a:extLst>
+          </p:cNvPr>
+          <p:cNvSpPr txBox="1"/>
+          <p:nvPr/>
+        </p:nvSpPr>
+        <p:spPr>
+          <a:xfrm>
+            <a:off x="2399450" y="4149857"/>
+            <a:ext cx="6727801" cy="369332"/>
+          </a:xfrm>
+          <a:prstGeom prst="rect">
+            <a:avLst/>
+          </a:prstGeom>
+          <a:noFill/>
+        </p:spPr>
+        <p:txBody>
+          <a:bodyPr wrap="square" rtlCol="0">
+            <a:spAutoFit/>
+          </a:bodyPr>
+          <a:lstStyle/>
+          <a:p>
+            <a:r>
+              <a:rPr lang="en-US" dirty="0">
+                <a:latin typeface="Poppins" panose="00000500000000000000" pitchFamily="2" charset="-94"/>
+                <a:cs typeface="Poppins" panose="00000500000000000000" pitchFamily="2" charset="-94"/>
+              </a:rPr>
+              <a:t>2016 - ∞: Co-founder, software architect</a:t>
+            </a:r>
+          </a:p>
+        </p:txBody>
+      </p:sp>
+      <p:sp>
+        <p:nvSpPr>
+          <p:cNvPr id="12" name="TextBox 11">
+            <a:extLst>
+              <a:ext uri="{FF2B5EF4-FFF2-40B4-BE49-F238E27FC236}">
+                <a16:creationId xmlns:a16="http://schemas.microsoft.com/office/drawing/2014/main" id="{B4AC0D83-BF21-05E0-D0F2-C3956D833D76}"/>
+              </a:ext>
+            </a:extLst>
+          </p:cNvPr>
+          <p:cNvSpPr txBox="1"/>
+          <p:nvPr/>
+        </p:nvSpPr>
+        <p:spPr>
+          <a:xfrm>
+            <a:off x="1775486" y="3470187"/>
+            <a:ext cx="7351765" cy="369332"/>
+          </a:xfrm>
+          <a:prstGeom prst="rect">
+            <a:avLst/>
+          </a:prstGeom>
+          <a:noFill/>
+        </p:spPr>
+        <p:txBody>
+          <a:bodyPr wrap="square" rtlCol="0">
+            <a:spAutoFit/>
+          </a:bodyPr>
+          <a:lstStyle/>
+          <a:p>
+            <a:r>
+              <a:rPr lang="en-US" dirty="0">
+                <a:latin typeface="Poppins" panose="00000500000000000000" pitchFamily="2" charset="-94"/>
+                <a:cs typeface="Poppins" panose="00000500000000000000" pitchFamily="2" charset="-94"/>
+              </a:rPr>
+              <a:t>2013 - ∞: Lead developer of the open source ABP Framework</a:t>
+            </a:r>
+          </a:p>
+        </p:txBody>
+      </p:sp>
+      <p:pic>
+        <p:nvPicPr>
+          <p:cNvPr id="13" name="Picture 12">
+            <a:extLst>
+              <a:ext uri="{FF2B5EF4-FFF2-40B4-BE49-F238E27FC236}">
+                <a16:creationId xmlns:a16="http://schemas.microsoft.com/office/drawing/2014/main" id="{5AB83744-0FEF-8C5D-3C01-021FD26B130F}"/>
+              </a:ext>
+            </a:extLst>
+          </p:cNvPr>
+          <p:cNvPicPr>
+            <a:picLocks noChangeAspect="1"/>
+          </p:cNvPicPr>
+          <p:nvPr/>
+        </p:nvPicPr>
+        <p:blipFill>
+          <a:blip r:embed="rId6">
+            <a:extLst>
+              <a:ext uri="{28A0092B-C50C-407E-A947-70E740481C1C}">
+                <a14:useLocalDpi xmlns:a14="http://schemas.microsoft.com/office/drawing/2010/main" val="0"/>
+              </a:ext>
+            </a:extLst>
+          </a:blip>
+          <a:stretch>
+            <a:fillRect/>
+          </a:stretch>
+        </p:blipFill>
+        <p:spPr>
+          <a:xfrm>
+            <a:off x="234869" y="4716722"/>
+            <a:ext cx="476451" cy="476451"/>
+          </a:xfrm>
+          <a:prstGeom prst="rect">
+            <a:avLst/>
+          </a:prstGeom>
+        </p:spPr>
+      </p:pic>
+      <p:sp>
+        <p:nvSpPr>
+          <p:cNvPr id="14" name="TextBox 13">
+            <a:extLst>
+              <a:ext uri="{FF2B5EF4-FFF2-40B4-BE49-F238E27FC236}">
+                <a16:creationId xmlns:a16="http://schemas.microsoft.com/office/drawing/2014/main" id="{2EA33D77-4655-0D03-B2CF-67C2D15F7862}"/>
+              </a:ext>
+            </a:extLst>
+          </p:cNvPr>
+          <p:cNvSpPr txBox="1"/>
+          <p:nvPr/>
+        </p:nvSpPr>
+        <p:spPr>
+          <a:xfrm>
+            <a:off x="711320" y="4665792"/>
+            <a:ext cx="8415931" cy="646331"/>
+          </a:xfrm>
+          <a:prstGeom prst="rect">
+            <a:avLst/>
+          </a:prstGeom>
+          <a:noFill/>
+        </p:spPr>
+        <p:txBody>
+          <a:bodyPr wrap="square" rtlCol="0">
+            <a:spAutoFit/>
+          </a:bodyPr>
+          <a:lstStyle/>
+          <a:p>
+            <a:r>
+              <a:rPr lang="en-US" dirty="0">
+                <a:latin typeface="Poppins" panose="00000500000000000000" pitchFamily="2" charset="-94"/>
+                <a:cs typeface="Poppins" panose="00000500000000000000" pitchFamily="2" charset="-94"/>
+              </a:rPr>
+              <a:t>Multi-threading, distributed</a:t>
+            </a:r>
+            <a:r>
+              <a:rPr lang="tr-TR" dirty="0">
+                <a:latin typeface="Poppins" panose="00000500000000000000" pitchFamily="2" charset="-94"/>
+                <a:cs typeface="Poppins" panose="00000500000000000000" pitchFamily="2" charset="-94"/>
+              </a:rPr>
+              <a:t>/microservice</a:t>
+            </a:r>
+            <a:r>
+              <a:rPr lang="en-US" dirty="0">
+                <a:latin typeface="Poppins" panose="00000500000000000000" pitchFamily="2" charset="-94"/>
+                <a:cs typeface="Poppins" panose="00000500000000000000" pitchFamily="2" charset="-94"/>
+              </a:rPr>
+              <a:t> systems, OOP, DDD, software architectures.. etc.</a:t>
+            </a:r>
+          </a:p>
+        </p:txBody>
+      </p:sp>
+      <p:pic>
+        <p:nvPicPr>
+          <p:cNvPr id="15" name="Picture 14" descr="Shape&#10;&#10;Description automatically generated with low confidence">
+            <a:extLst>
+              <a:ext uri="{FF2B5EF4-FFF2-40B4-BE49-F238E27FC236}">
+                <a16:creationId xmlns:a16="http://schemas.microsoft.com/office/drawing/2014/main" id="{30C5A222-3B2E-183B-2B95-DD3067C9AFB6}"/>
+              </a:ext>
+            </a:extLst>
+          </p:cNvPr>
+          <p:cNvPicPr>
+            <a:picLocks noChangeAspect="1"/>
+          </p:cNvPicPr>
+          <p:nvPr/>
+        </p:nvPicPr>
+        <p:blipFill>
+          <a:blip r:embed="rId7">
+            <a:extLst>
+              <a:ext uri="{28A0092B-C50C-407E-A947-70E740481C1C}">
+                <a14:useLocalDpi xmlns:a14="http://schemas.microsoft.com/office/drawing/2010/main" val="0"/>
+              </a:ext>
+            </a:extLst>
+          </a:blip>
+          <a:stretch>
+            <a:fillRect/>
+          </a:stretch>
+        </p:blipFill>
+        <p:spPr>
+          <a:xfrm>
+            <a:off x="234869" y="5480429"/>
+            <a:ext cx="476451" cy="476451"/>
+          </a:xfrm>
+          <a:prstGeom prst="rect">
+            <a:avLst/>
+          </a:prstGeom>
+        </p:spPr>
+      </p:pic>
+      <p:sp>
+        <p:nvSpPr>
+          <p:cNvPr id="16" name="TextBox 15">
+            <a:extLst>
+              <a:ext uri="{FF2B5EF4-FFF2-40B4-BE49-F238E27FC236}">
+                <a16:creationId xmlns:a16="http://schemas.microsoft.com/office/drawing/2014/main" id="{07637232-90F5-B383-E3AC-F019E8ED29EC}"/>
+              </a:ext>
+            </a:extLst>
+          </p:cNvPr>
+          <p:cNvSpPr txBox="1"/>
+          <p:nvPr/>
+        </p:nvSpPr>
+        <p:spPr>
+          <a:xfrm>
+            <a:off x="711320" y="5432083"/>
+            <a:ext cx="8415931" cy="646331"/>
+          </a:xfrm>
+          <a:prstGeom prst="rect">
+            <a:avLst/>
+          </a:prstGeom>
+          <a:noFill/>
+        </p:spPr>
+        <p:txBody>
+          <a:bodyPr wrap="square" rtlCol="0">
+            <a:spAutoFit/>
+          </a:bodyPr>
+          <a:lstStyle/>
+          <a:p>
+            <a:r>
+              <a:rPr lang="tr-TR" dirty="0">
+                <a:latin typeface="Poppins" panose="00000500000000000000" pitchFamily="2" charset="-94"/>
+                <a:cs typeface="Poppins" panose="00000500000000000000" pitchFamily="2" charset="-94"/>
+              </a:rPr>
+              <a:t>A</a:t>
+            </a:r>
+            <a:r>
+              <a:rPr lang="en-US" dirty="0" err="1">
+                <a:latin typeface="Poppins" panose="00000500000000000000" pitchFamily="2" charset="-94"/>
+                <a:cs typeface="Poppins" panose="00000500000000000000" pitchFamily="2" charset="-94"/>
+              </a:rPr>
+              <a:t>ctive</a:t>
+            </a:r>
+            <a:r>
+              <a:rPr lang="en-US" dirty="0">
+                <a:latin typeface="Poppins" panose="00000500000000000000" pitchFamily="2" charset="-94"/>
+                <a:cs typeface="Poppins" panose="00000500000000000000" pitchFamily="2" charset="-94"/>
+              </a:rPr>
+              <a:t> coder, open</a:t>
+            </a:r>
+            <a:r>
+              <a:rPr lang="tr-TR" dirty="0">
+                <a:latin typeface="Poppins" panose="00000500000000000000" pitchFamily="2" charset="-94"/>
+                <a:cs typeface="Poppins" panose="00000500000000000000" pitchFamily="2" charset="-94"/>
+              </a:rPr>
+              <a:t>-</a:t>
+            </a:r>
+            <a:r>
+              <a:rPr lang="en-US" dirty="0">
+                <a:latin typeface="Poppins" panose="00000500000000000000" pitchFamily="2" charset="-94"/>
+                <a:cs typeface="Poppins" panose="00000500000000000000" pitchFamily="2" charset="-94"/>
+              </a:rPr>
+              <a:t>source</a:t>
+            </a:r>
+            <a:r>
+              <a:rPr lang="tr-TR" dirty="0">
+                <a:latin typeface="Poppins" panose="00000500000000000000" pitchFamily="2" charset="-94"/>
+                <a:cs typeface="Poppins" panose="00000500000000000000" pitchFamily="2" charset="-94"/>
+              </a:rPr>
+              <a:t> contributor</a:t>
+            </a:r>
+          </a:p>
+          <a:p>
+            <a:r>
+              <a:rPr lang="tr-TR" b="1" i="1" dirty="0">
+                <a:latin typeface="Poppins" panose="00000500000000000000" pitchFamily="2" charset="-94"/>
+                <a:cs typeface="Poppins" panose="00000500000000000000" pitchFamily="2" charset="-94"/>
+              </a:rPr>
+              <a:t>30,000+ total contributions on GitHub</a:t>
+            </a:r>
+            <a:endParaRPr lang="en-US" b="1" i="1" dirty="0">
+              <a:latin typeface="Poppins" panose="00000500000000000000" pitchFamily="2" charset="-94"/>
+              <a:cs typeface="Poppins" panose="00000500000000000000" pitchFamily="2" charset="-94"/>
+            </a:endParaRPr>
+          </a:p>
+        </p:txBody>
+      </p:sp>
+      <p:sp>
+        <p:nvSpPr>
+          <p:cNvPr id="17" name="TextBox 16">
+            <a:extLst>
+              <a:ext uri="{FF2B5EF4-FFF2-40B4-BE49-F238E27FC236}">
+                <a16:creationId xmlns:a16="http://schemas.microsoft.com/office/drawing/2014/main" id="{F10DFA1F-7B81-53D5-510E-1EC445E10968}"/>
+              </a:ext>
+            </a:extLst>
+          </p:cNvPr>
+          <p:cNvSpPr txBox="1"/>
+          <p:nvPr/>
+        </p:nvSpPr>
+        <p:spPr>
+          <a:xfrm>
+            <a:off x="849071" y="1674473"/>
+            <a:ext cx="8278180" cy="369332"/>
+          </a:xfrm>
+          <a:prstGeom prst="rect">
+            <a:avLst/>
+          </a:prstGeom>
+          <a:noFill/>
+        </p:spPr>
+        <p:txBody>
+          <a:bodyPr wrap="square" rtlCol="0">
+            <a:spAutoFit/>
+          </a:bodyPr>
+          <a:lstStyle/>
+          <a:p>
+            <a:r>
+              <a:rPr lang="tr-TR" dirty="0">
+                <a:latin typeface="Poppins" panose="00000500000000000000" pitchFamily="2" charset="-94"/>
+                <a:cs typeface="Poppins" panose="00000500000000000000" pitchFamily="2" charset="-94"/>
+              </a:rPr>
+              <a:t>1997</a:t>
+            </a:r>
+            <a:r>
+              <a:rPr lang="en-US" dirty="0">
+                <a:latin typeface="Poppins" panose="00000500000000000000" pitchFamily="2" charset="-94"/>
+                <a:cs typeface="Poppins" panose="00000500000000000000" pitchFamily="2" charset="-94"/>
+              </a:rPr>
+              <a:t>, </a:t>
+            </a:r>
+            <a:r>
+              <a:rPr lang="tr-TR" dirty="0">
+                <a:latin typeface="Poppins" panose="00000500000000000000" pitchFamily="2" charset="-94"/>
+                <a:cs typeface="Poppins" panose="00000500000000000000" pitchFamily="2" charset="-94"/>
+              </a:rPr>
+              <a:t>Started programming (at 14 years old, with Turbo Pascal)</a:t>
+            </a:r>
+            <a:endParaRPr lang="en-US" dirty="0">
+              <a:latin typeface="Poppins" panose="00000500000000000000" pitchFamily="2" charset="-94"/>
+              <a:cs typeface="Poppins" panose="00000500000000000000" pitchFamily="2" charset="-94"/>
+            </a:endParaRPr>
+          </a:p>
+        </p:txBody>
+      </p:sp>
+      <p:pic>
+        <p:nvPicPr>
+          <p:cNvPr id="18" name="Picture 4" descr="Div Coding icon PNG and SVG Vector Free Download">
+            <a:extLst>
+              <a:ext uri="{FF2B5EF4-FFF2-40B4-BE49-F238E27FC236}">
+                <a16:creationId xmlns:a16="http://schemas.microsoft.com/office/drawing/2014/main" id="{14C64ECF-0DDD-93E1-1E16-ACC7AE9C56A4}"/>
+              </a:ext>
+            </a:extLst>
+          </p:cNvPr>
+          <p:cNvPicPr>
+            <a:picLocks noChangeAspect="1" noChangeArrowheads="1"/>
+          </p:cNvPicPr>
+          <p:nvPr/>
+        </p:nvPicPr>
+        <p:blipFill>
+          <a:blip r:embed="rId8">
+            <a:extLst>
+              <a:ext uri="{28A0092B-C50C-407E-A947-70E740481C1C}">
+                <a14:useLocalDpi xmlns:a14="http://schemas.microsoft.com/office/drawing/2010/main" val="0"/>
+              </a:ext>
+            </a:extLst>
+          </a:blip>
+          <a:srcRect/>
+          <a:stretch>
+            <a:fillRect/>
+          </a:stretch>
+        </p:blipFill>
+        <p:spPr bwMode="auto">
+          <a:xfrm>
+            <a:off x="231261" y="1583505"/>
+            <a:ext cx="517747" cy="517747"/>
+          </a:xfrm>
+          <a:prstGeom prst="rect">
+            <a:avLst/>
+          </a:prstGeom>
+          <a:noFill/>
+          <a:extLst>
+            <a:ext uri="{909E8E84-426E-40DD-AFC4-6F175D3DCCD1}">
+              <a14:hiddenFill xmlns:a14="http://schemas.microsoft.com/office/drawing/2010/main">
+                <a:solidFill>
+                  <a:srgbClr val="FFFFFF"/>
+                </a:solidFill>
+              </a14:hiddenFill>
+            </a:ext>
+          </a:extLst>
+        </p:spPr>
+      </p:pic>
+      <p:pic>
+        <p:nvPicPr>
+          <p:cNvPr id="19" name="Picture 18">
+            <a:extLst>
+              <a:ext uri="{FF2B5EF4-FFF2-40B4-BE49-F238E27FC236}">
+                <a16:creationId xmlns:a16="http://schemas.microsoft.com/office/drawing/2014/main" id="{09BF63BE-FB5C-844A-3A40-9E4FBD9A5F0A}"/>
+              </a:ext>
+            </a:extLst>
+          </p:cNvPr>
+          <p:cNvPicPr>
+            <a:picLocks noChangeAspect="1"/>
+          </p:cNvPicPr>
+          <p:nvPr/>
+        </p:nvPicPr>
+        <p:blipFill>
+          <a:blip r:embed="rId9"/>
+          <a:stretch>
+            <a:fillRect/>
+          </a:stretch>
+        </p:blipFill>
+        <p:spPr>
+          <a:xfrm>
+            <a:off x="9176084" y="60320"/>
+            <a:ext cx="2996181" cy="6683789"/>
+          </a:xfrm>
+          <a:prstGeom prst="roundRect">
+            <a:avLst>
+              <a:gd name="adj" fmla="val 9116"/>
+            </a:avLst>
+          </a:prstGeom>
+        </p:spPr>
+      </p:pic>
+    </p:spTree>
+    <p:extLst>
+      <p:ext uri="{BB962C8B-B14F-4D97-AF65-F5344CB8AC3E}">
+        <p14:creationId xmlns:p14="http://schemas.microsoft.com/office/powerpoint/2010/main" val="1673533086"/>
+      </p:ext>
+    </p:extLst>
+  </p:cSld>
+  <p:clrMapOvr>
+    <a:masterClrMapping/>
+  </p:clrMapOvr>
+  <p:timing>
+    <p:tnLst>
+      <p:par>
+        <p:cTn id="1" dur="indefinite" restart="never" nodeType="tmRoot">
+          <p:childTnLst>
+            <p:seq concurrent="1" nextAc="seek">
+              <p:cTn id="2" dur="indefinite" nodeType="mainSeq">
+                <p:childTnLst>
+                  <p:par>
+                    <p:cTn id="3" fill="hold">
+                      <p:stCondLst>
+                        <p:cond delay="indefinite"/>
+                      </p:stCondLst>
+                      <p:childTnLst>
+                        <p:par>
+                          <p:cTn id="4" fill="hold">
+                            <p:stCondLst>
+                              <p:cond delay="0"/>
+                            </p:stCondLst>
+                            <p:childTnLst>
+                              <p:par>
+                                <p:cTn id="5" presetID="10" presetClass="entr" presetSubtype="0" fill="hold" nodeType="clickEffect">
+                                  <p:stCondLst>
+                                    <p:cond delay="0"/>
+                                  </p:stCondLst>
+                                  <p:childTnLst>
+                                    <p:set>
+                                      <p:cBhvr>
+                                        <p:cTn id="6" dur="1" fill="hold">
+                                          <p:stCondLst>
+                                            <p:cond delay="0"/>
+                                          </p:stCondLst>
+                                        </p:cTn>
+                                        <p:tgtEl>
+                                          <p:spTgt spid="18"/>
+                                        </p:tgtEl>
+                                        <p:attrNameLst>
+                                          <p:attrName>style.visibility</p:attrName>
+                                        </p:attrNameLst>
+                                      </p:cBhvr>
+                                      <p:to>
+                                        <p:strVal val="visible"/>
+                                      </p:to>
+                                    </p:set>
+                                    <p:animEffect transition="in" filter="fade">
+                                      <p:cBhvr>
+                                        <p:cTn id="7" dur="500"/>
+                                        <p:tgtEl>
+                                          <p:spTgt spid="18"/>
+                                        </p:tgtEl>
+                                      </p:cBhvr>
+                                    </p:animEffect>
+                                  </p:childTnLst>
+                                </p:cTn>
+                              </p:par>
+                              <p:par>
+                                <p:cTn id="8" presetID="10" presetClass="entr" presetSubtype="0" fill="hold" grpId="0" nodeType="withEffect">
+                                  <p:stCondLst>
+                                    <p:cond delay="0"/>
+                                  </p:stCondLst>
+                                  <p:childTnLst>
+                                    <p:set>
+                                      <p:cBhvr>
+                                        <p:cTn id="9" dur="1" fill="hold">
+                                          <p:stCondLst>
+                                            <p:cond delay="0"/>
+                                          </p:stCondLst>
+                                        </p:cTn>
+                                        <p:tgtEl>
+                                          <p:spTgt spid="17"/>
+                                        </p:tgtEl>
+                                        <p:attrNameLst>
+                                          <p:attrName>style.visibility</p:attrName>
+                                        </p:attrNameLst>
+                                      </p:cBhvr>
+                                      <p:to>
+                                        <p:strVal val="visible"/>
+                                      </p:to>
+                                    </p:set>
+                                    <p:animEffect transition="in" filter="fade">
+                                      <p:cBhvr>
+                                        <p:cTn id="10" dur="500"/>
+                                        <p:tgtEl>
+                                          <p:spTgt spid="17"/>
+                                        </p:tgtEl>
+                                      </p:cBhvr>
+                                    </p:animEffect>
+                                  </p:childTnLst>
+                                </p:cTn>
+                              </p:par>
+                            </p:childTnLst>
+                          </p:cTn>
+                        </p:par>
+                      </p:childTnLst>
+                    </p:cTn>
+                  </p:par>
+                  <p:par>
+                    <p:cTn id="11" fill="hold">
+                      <p:stCondLst>
+                        <p:cond delay="indefinite"/>
+                      </p:stCondLst>
+                      <p:childTnLst>
+                        <p:par>
+                          <p:cTn id="12" fill="hold">
+                            <p:stCondLst>
+                              <p:cond delay="0"/>
+                            </p:stCondLst>
+                            <p:childTnLst>
+                              <p:par>
+                                <p:cTn id="13" presetID="10" presetClass="entr" presetSubtype="0" fill="hold" nodeType="clickEffect">
+                                  <p:stCondLst>
+                                    <p:cond delay="0"/>
+                                  </p:stCondLst>
+                                  <p:childTnLst>
+                                    <p:set>
+                                      <p:cBhvr>
+                                        <p:cTn id="14" dur="1" fill="hold">
+                                          <p:stCondLst>
+                                            <p:cond delay="0"/>
+                                          </p:stCondLst>
+                                        </p:cTn>
+                                        <p:tgtEl>
+                                          <p:spTgt spid="7"/>
+                                        </p:tgtEl>
+                                        <p:attrNameLst>
+                                          <p:attrName>style.visibility</p:attrName>
+                                        </p:attrNameLst>
+                                      </p:cBhvr>
+                                      <p:to>
+                                        <p:strVal val="visible"/>
+                                      </p:to>
+                                    </p:set>
+                                    <p:animEffect transition="in" filter="fade">
+                                      <p:cBhvr>
+                                        <p:cTn id="15" dur="500"/>
+                                        <p:tgtEl>
+                                          <p:spTgt spid="7"/>
+                                        </p:tgtEl>
+                                      </p:cBhvr>
+                                    </p:animEffect>
+                                  </p:childTnLst>
+                                </p:cTn>
+                              </p:par>
+                              <p:par>
+                                <p:cTn id="16" presetID="10" presetClass="entr" presetSubtype="0" fill="hold" grpId="0" nodeType="withEffect">
+                                  <p:stCondLst>
+                                    <p:cond delay="0"/>
+                                  </p:stCondLst>
+                                  <p:childTnLst>
+                                    <p:set>
+                                      <p:cBhvr>
+                                        <p:cTn id="17" dur="1" fill="hold">
+                                          <p:stCondLst>
+                                            <p:cond delay="0"/>
+                                          </p:stCondLst>
+                                        </p:cTn>
+                                        <p:tgtEl>
+                                          <p:spTgt spid="9"/>
+                                        </p:tgtEl>
+                                        <p:attrNameLst>
+                                          <p:attrName>style.visibility</p:attrName>
+                                        </p:attrNameLst>
+                                      </p:cBhvr>
+                                      <p:to>
+                                        <p:strVal val="visible"/>
+                                      </p:to>
+                                    </p:set>
+                                    <p:animEffect transition="in" filter="fade">
+                                      <p:cBhvr>
+                                        <p:cTn id="18" dur="500"/>
+                                        <p:tgtEl>
+                                          <p:spTgt spid="9"/>
+                                        </p:tgtEl>
+                                      </p:cBhvr>
+                                    </p:animEffect>
+                                  </p:childTnLst>
+                                </p:cTn>
+                              </p:par>
+                            </p:childTnLst>
+                          </p:cTn>
+                        </p:par>
+                      </p:childTnLst>
+                    </p:cTn>
+                  </p:par>
+                  <p:par>
+                    <p:cTn id="19" fill="hold">
+                      <p:stCondLst>
+                        <p:cond delay="indefinite"/>
+                      </p:stCondLst>
+                      <p:childTnLst>
+                        <p:par>
+                          <p:cTn id="20" fill="hold">
+                            <p:stCondLst>
+                              <p:cond delay="0"/>
+                            </p:stCondLst>
+                            <p:childTnLst>
+                              <p:par>
+                                <p:cTn id="21" presetID="10" presetClass="entr" presetSubtype="0" fill="hold" nodeType="clickEffect">
+                                  <p:stCondLst>
+                                    <p:cond delay="0"/>
+                                  </p:stCondLst>
+                                  <p:childTnLst>
+                                    <p:set>
+                                      <p:cBhvr>
+                                        <p:cTn id="22" dur="1" fill="hold">
+                                          <p:stCondLst>
+                                            <p:cond delay="0"/>
+                                          </p:stCondLst>
+                                        </p:cTn>
+                                        <p:tgtEl>
+                                          <p:spTgt spid="8"/>
+                                        </p:tgtEl>
+                                        <p:attrNameLst>
+                                          <p:attrName>style.visibility</p:attrName>
+                                        </p:attrNameLst>
+                                      </p:cBhvr>
+                                      <p:to>
+                                        <p:strVal val="visible"/>
+                                      </p:to>
+                                    </p:set>
+                                    <p:animEffect transition="in" filter="fade">
+                                      <p:cBhvr>
+                                        <p:cTn id="23" dur="500"/>
+                                        <p:tgtEl>
+                                          <p:spTgt spid="8"/>
+                                        </p:tgtEl>
+                                      </p:cBhvr>
+                                    </p:animEffect>
+                                  </p:childTnLst>
+                                </p:cTn>
+                              </p:par>
+                              <p:par>
+                                <p:cTn id="24" presetID="10" presetClass="entr" presetSubtype="0" fill="hold" grpId="0" nodeType="withEffect">
+                                  <p:stCondLst>
+                                    <p:cond delay="0"/>
+                                  </p:stCondLst>
+                                  <p:childTnLst>
+                                    <p:set>
+                                      <p:cBhvr>
+                                        <p:cTn id="25" dur="1" fill="hold">
+                                          <p:stCondLst>
+                                            <p:cond delay="0"/>
+                                          </p:stCondLst>
+                                        </p:cTn>
+                                        <p:tgtEl>
+                                          <p:spTgt spid="10"/>
+                                        </p:tgtEl>
+                                        <p:attrNameLst>
+                                          <p:attrName>style.visibility</p:attrName>
+                                        </p:attrNameLst>
+                                      </p:cBhvr>
+                                      <p:to>
+                                        <p:strVal val="visible"/>
+                                      </p:to>
+                                    </p:set>
+                                    <p:animEffect transition="in" filter="fade">
+                                      <p:cBhvr>
+                                        <p:cTn id="26" dur="500"/>
+                                        <p:tgtEl>
+                                          <p:spTgt spid="10"/>
+                                        </p:tgtEl>
+                                      </p:cBhvr>
+                                    </p:animEffect>
+                                  </p:childTnLst>
+                                </p:cTn>
+                              </p:par>
+                            </p:childTnLst>
+                          </p:cTn>
+                        </p:par>
+                      </p:childTnLst>
+                    </p:cTn>
+                  </p:par>
+                  <p:par>
+                    <p:cTn id="27" fill="hold">
+                      <p:stCondLst>
+                        <p:cond delay="indefinite"/>
+                      </p:stCondLst>
+                      <p:childTnLst>
+                        <p:par>
+                          <p:cTn id="28" fill="hold">
+                            <p:stCondLst>
+                              <p:cond delay="0"/>
+                            </p:stCondLst>
+                            <p:childTnLst>
+                              <p:par>
+                                <p:cTn id="29" presetID="10" presetClass="entr" presetSubtype="0" fill="hold" nodeType="clickEffect">
+                                  <p:stCondLst>
+                                    <p:cond delay="0"/>
+                                  </p:stCondLst>
+                                  <p:childTnLst>
+                                    <p:set>
+                                      <p:cBhvr>
+                                        <p:cTn id="30" dur="1" fill="hold">
+                                          <p:stCondLst>
+                                            <p:cond delay="0"/>
+                                          </p:stCondLst>
+                                        </p:cTn>
+                                        <p:tgtEl>
+                                          <p:spTgt spid="6"/>
+                                        </p:tgtEl>
+                                        <p:attrNameLst>
+                                          <p:attrName>style.visibility</p:attrName>
+                                        </p:attrNameLst>
+                                      </p:cBhvr>
+                                      <p:to>
+                                        <p:strVal val="visible"/>
+                                      </p:to>
+                                    </p:set>
+                                    <p:animEffect transition="in" filter="fade">
+                                      <p:cBhvr>
+                                        <p:cTn id="31" dur="500"/>
+                                        <p:tgtEl>
+                                          <p:spTgt spid="6"/>
+                                        </p:tgtEl>
+                                      </p:cBhvr>
+                                    </p:animEffect>
+                                  </p:childTnLst>
+                                </p:cTn>
+                              </p:par>
+                              <p:par>
+                                <p:cTn id="32" presetID="10" presetClass="entr" presetSubtype="0" fill="hold" grpId="0" nodeType="withEffect">
+                                  <p:stCondLst>
+                                    <p:cond delay="0"/>
+                                  </p:stCondLst>
+                                  <p:childTnLst>
+                                    <p:set>
+                                      <p:cBhvr>
+                                        <p:cTn id="33" dur="1" fill="hold">
+                                          <p:stCondLst>
+                                            <p:cond delay="0"/>
+                                          </p:stCondLst>
+                                        </p:cTn>
+                                        <p:tgtEl>
+                                          <p:spTgt spid="12"/>
+                                        </p:tgtEl>
+                                        <p:attrNameLst>
+                                          <p:attrName>style.visibility</p:attrName>
+                                        </p:attrNameLst>
+                                      </p:cBhvr>
+                                      <p:to>
+                                        <p:strVal val="visible"/>
+                                      </p:to>
+                                    </p:set>
+                                    <p:animEffect transition="in" filter="fade">
+                                      <p:cBhvr>
+                                        <p:cTn id="34" dur="500"/>
+                                        <p:tgtEl>
+                                          <p:spTgt spid="12"/>
+                                        </p:tgtEl>
+                                      </p:cBhvr>
+                                    </p:animEffect>
+                                  </p:childTnLst>
+                                </p:cTn>
+                              </p:par>
+                            </p:childTnLst>
+                          </p:cTn>
+                        </p:par>
+                      </p:childTnLst>
+                    </p:cTn>
+                  </p:par>
+                  <p:par>
+                    <p:cTn id="35" fill="hold">
+                      <p:stCondLst>
+                        <p:cond delay="indefinite"/>
+                      </p:stCondLst>
+                      <p:childTnLst>
+                        <p:par>
+                          <p:cTn id="36" fill="hold">
+                            <p:stCondLst>
+                              <p:cond delay="0"/>
+                            </p:stCondLst>
+                            <p:childTnLst>
+                              <p:par>
+                                <p:cTn id="37" presetID="10" presetClass="entr" presetSubtype="0" fill="hold" nodeType="clickEffect">
+                                  <p:stCondLst>
+                                    <p:cond delay="0"/>
+                                  </p:stCondLst>
+                                  <p:childTnLst>
+                                    <p:set>
+                                      <p:cBhvr>
+                                        <p:cTn id="38" dur="1" fill="hold">
+                                          <p:stCondLst>
+                                            <p:cond delay="0"/>
+                                          </p:stCondLst>
+                                        </p:cTn>
+                                        <p:tgtEl>
+                                          <p:spTgt spid="5"/>
+                                        </p:tgtEl>
+                                        <p:attrNameLst>
+                                          <p:attrName>style.visibility</p:attrName>
+                                        </p:attrNameLst>
+                                      </p:cBhvr>
+                                      <p:to>
+                                        <p:strVal val="visible"/>
+                                      </p:to>
+                                    </p:set>
+                                    <p:animEffect transition="in" filter="fade">
+                                      <p:cBhvr>
+                                        <p:cTn id="39" dur="500"/>
+                                        <p:tgtEl>
+                                          <p:spTgt spid="5"/>
+                                        </p:tgtEl>
+                                      </p:cBhvr>
+                                    </p:animEffect>
+                                  </p:childTnLst>
+                                </p:cTn>
+                              </p:par>
+                              <p:par>
+                                <p:cTn id="40" presetID="10" presetClass="entr" presetSubtype="0" fill="hold" grpId="0" nodeType="withEffect">
+                                  <p:stCondLst>
+                                    <p:cond delay="0"/>
+                                  </p:stCondLst>
+                                  <p:childTnLst>
+                                    <p:set>
+                                      <p:cBhvr>
+                                        <p:cTn id="41" dur="1" fill="hold">
+                                          <p:stCondLst>
+                                            <p:cond delay="0"/>
+                                          </p:stCondLst>
+                                        </p:cTn>
+                                        <p:tgtEl>
+                                          <p:spTgt spid="11"/>
+                                        </p:tgtEl>
+                                        <p:attrNameLst>
+                                          <p:attrName>style.visibility</p:attrName>
+                                        </p:attrNameLst>
+                                      </p:cBhvr>
+                                      <p:to>
+                                        <p:strVal val="visible"/>
+                                      </p:to>
+                                    </p:set>
+                                    <p:animEffect transition="in" filter="fade">
+                                      <p:cBhvr>
+                                        <p:cTn id="42" dur="500"/>
+                                        <p:tgtEl>
+                                          <p:spTgt spid="11"/>
+                                        </p:tgtEl>
+                                      </p:cBhvr>
+                                    </p:animEffect>
+                                  </p:childTnLst>
+                                </p:cTn>
+                              </p:par>
+                            </p:childTnLst>
+                          </p:cTn>
+                        </p:par>
+                      </p:childTnLst>
+                    </p:cTn>
+                  </p:par>
+                  <p:par>
+                    <p:cTn id="43" fill="hold">
+                      <p:stCondLst>
+                        <p:cond delay="indefinite"/>
+                      </p:stCondLst>
+                      <p:childTnLst>
+                        <p:par>
+                          <p:cTn id="44" fill="hold">
+                            <p:stCondLst>
+                              <p:cond delay="0"/>
+                            </p:stCondLst>
+                            <p:childTnLst>
+                              <p:par>
+                                <p:cTn id="45" presetID="10" presetClass="entr" presetSubtype="0" fill="hold" nodeType="clickEffect">
+                                  <p:stCondLst>
+                                    <p:cond delay="0"/>
+                                  </p:stCondLst>
+                                  <p:childTnLst>
+                                    <p:set>
+                                      <p:cBhvr>
+                                        <p:cTn id="46" dur="1" fill="hold">
+                                          <p:stCondLst>
+                                            <p:cond delay="0"/>
+                                          </p:stCondLst>
+                                        </p:cTn>
+                                        <p:tgtEl>
+                                          <p:spTgt spid="13"/>
+                                        </p:tgtEl>
+                                        <p:attrNameLst>
+                                          <p:attrName>style.visibility</p:attrName>
+                                        </p:attrNameLst>
+                                      </p:cBhvr>
+                                      <p:to>
+                                        <p:strVal val="visible"/>
+                                      </p:to>
+                                    </p:set>
+                                    <p:animEffect transition="in" filter="fade">
+                                      <p:cBhvr>
+                                        <p:cTn id="47" dur="500"/>
+                                        <p:tgtEl>
+                                          <p:spTgt spid="13"/>
+                                        </p:tgtEl>
+                                      </p:cBhvr>
+                                    </p:animEffect>
+                                  </p:childTnLst>
+                                </p:cTn>
+                              </p:par>
+                              <p:par>
+                                <p:cTn id="48" presetID="10" presetClass="entr" presetSubtype="0" fill="hold" grpId="0" nodeType="withEffect">
+                                  <p:stCondLst>
+                                    <p:cond delay="0"/>
+                                  </p:stCondLst>
+                                  <p:childTnLst>
+                                    <p:set>
+                                      <p:cBhvr>
+                                        <p:cTn id="49" dur="1" fill="hold">
+                                          <p:stCondLst>
+                                            <p:cond delay="0"/>
+                                          </p:stCondLst>
+                                        </p:cTn>
+                                        <p:tgtEl>
+                                          <p:spTgt spid="14"/>
+                                        </p:tgtEl>
+                                        <p:attrNameLst>
+                                          <p:attrName>style.visibility</p:attrName>
+                                        </p:attrNameLst>
+                                      </p:cBhvr>
+                                      <p:to>
+                                        <p:strVal val="visible"/>
+                                      </p:to>
+                                    </p:set>
+                                    <p:animEffect transition="in" filter="fade">
+                                      <p:cBhvr>
+                                        <p:cTn id="50" dur="500"/>
+                                        <p:tgtEl>
+                                          <p:spTgt spid="14"/>
+                                        </p:tgtEl>
+                                      </p:cBhvr>
+                                    </p:animEffect>
+                                  </p:childTnLst>
+                                </p:cTn>
+                              </p:par>
+                            </p:childTnLst>
+                          </p:cTn>
+                        </p:par>
+                      </p:childTnLst>
+                    </p:cTn>
+                  </p:par>
+                  <p:par>
+                    <p:cTn id="51" fill="hold">
+                      <p:stCondLst>
+                        <p:cond delay="indefinite"/>
+                      </p:stCondLst>
+                      <p:childTnLst>
+                        <p:par>
+                          <p:cTn id="52" fill="hold">
+                            <p:stCondLst>
+                              <p:cond delay="0"/>
+                            </p:stCondLst>
+                            <p:childTnLst>
+                              <p:par>
+                                <p:cTn id="53" presetID="10" presetClass="entr" presetSubtype="0" fill="hold" nodeType="clickEffect">
+                                  <p:stCondLst>
+                                    <p:cond delay="0"/>
+                                  </p:stCondLst>
+                                  <p:childTnLst>
+                                    <p:set>
+                                      <p:cBhvr>
+                                        <p:cTn id="54" dur="1" fill="hold">
+                                          <p:stCondLst>
+                                            <p:cond delay="0"/>
+                                          </p:stCondLst>
+                                        </p:cTn>
+                                        <p:tgtEl>
+                                          <p:spTgt spid="15"/>
+                                        </p:tgtEl>
+                                        <p:attrNameLst>
+                                          <p:attrName>style.visibility</p:attrName>
+                                        </p:attrNameLst>
+                                      </p:cBhvr>
+                                      <p:to>
+                                        <p:strVal val="visible"/>
+                                      </p:to>
+                                    </p:set>
+                                    <p:animEffect transition="in" filter="fade">
+                                      <p:cBhvr>
+                                        <p:cTn id="55" dur="500"/>
+                                        <p:tgtEl>
+                                          <p:spTgt spid="15"/>
+                                        </p:tgtEl>
+                                      </p:cBhvr>
+                                    </p:animEffect>
+                                  </p:childTnLst>
+                                </p:cTn>
+                              </p:par>
+                              <p:par>
+                                <p:cTn id="56" presetID="10" presetClass="entr" presetSubtype="0" fill="hold" grpId="0" nodeType="withEffect">
+                                  <p:stCondLst>
+                                    <p:cond delay="0"/>
+                                  </p:stCondLst>
+                                  <p:childTnLst>
+                                    <p:set>
+                                      <p:cBhvr>
+                                        <p:cTn id="57" dur="1" fill="hold">
+                                          <p:stCondLst>
+                                            <p:cond delay="0"/>
+                                          </p:stCondLst>
+                                        </p:cTn>
+                                        <p:tgtEl>
+                                          <p:spTgt spid="16"/>
+                                        </p:tgtEl>
+                                        <p:attrNameLst>
+                                          <p:attrName>style.visibility</p:attrName>
+                                        </p:attrNameLst>
+                                      </p:cBhvr>
+                                      <p:to>
+                                        <p:strVal val="visible"/>
+                                      </p:to>
+                                    </p:set>
+                                    <p:animEffect transition="in" filter="fade">
+                                      <p:cBhvr>
+                                        <p:cTn id="58" dur="500"/>
+                                        <p:tgtEl>
+                                          <p:spTgt spid="16"/>
+                                        </p:tgtEl>
+                                      </p:cBhvr>
+                                    </p:animEffect>
+                                  </p:childTnLst>
+                                </p:cTn>
+                              </p:par>
+                              <p:par>
+                                <p:cTn id="59" presetID="10" presetClass="entr" presetSubtype="0" fill="hold" nodeType="withEffect">
+                                  <p:stCondLst>
+                                    <p:cond delay="0"/>
+                                  </p:stCondLst>
+                                  <p:childTnLst>
+                                    <p:set>
+                                      <p:cBhvr>
+                                        <p:cTn id="60" dur="1" fill="hold">
+                                          <p:stCondLst>
+                                            <p:cond delay="0"/>
+                                          </p:stCondLst>
+                                        </p:cTn>
+                                        <p:tgtEl>
+                                          <p:spTgt spid="19"/>
+                                        </p:tgtEl>
+                                        <p:attrNameLst>
+                                          <p:attrName>style.visibility</p:attrName>
+                                        </p:attrNameLst>
+                                      </p:cBhvr>
+                                      <p:to>
+                                        <p:strVal val="visible"/>
+                                      </p:to>
+                                    </p:set>
+                                    <p:animEffect transition="in" filter="fade">
+                                      <p:cBhvr>
+                                        <p:cTn id="61" dur="500"/>
+                                        <p:tgtEl>
+                                          <p:spTgt spid="19"/>
+                                        </p:tgtEl>
+                                      </p:cBhvr>
+                                    </p:animEffect>
+                                  </p:childTnLst>
+                                </p:cTn>
+                              </p:par>
+                            </p:childTnLst>
+                          </p:cTn>
+                        </p:par>
+                      </p:childTnLst>
+                    </p:cTn>
+                  </p:par>
+                </p:childTnLst>
+              </p:cTn>
+              <p:prevCondLst>
+                <p:cond evt="onPrev" delay="0">
+                  <p:tgtEl>
+                    <p:sldTgt/>
+                  </p:tgtEl>
+                </p:cond>
+              </p:prevCondLst>
+              <p:nextCondLst>
+                <p:cond evt="onNext" delay="0">
+                  <p:tgtEl>
+                    <p:sldTgt/>
+                  </p:tgtEl>
+                </p:cond>
+              </p:nextCondLst>
+            </p:seq>
+          </p:childTnLst>
+        </p:cTn>
+      </p:par>
+    </p:tnLst>
+    <p:bldLst>
+      <p:bldP spid="9" grpId="0"/>
+      <p:bldP spid="10" grpId="0"/>
+      <p:bldP spid="11" grpId="0"/>
+      <p:bldP spid="12" grpId="0"/>
+      <p:bldP spid="14" grpId="0"/>
+      <p:bldP spid="16" grpId="0"/>
+      <p:bldP spid="17" grpId="0"/>
+    </p:bldLst>
+  </p:timing>
+</p:sld>
+</file>
+
+<file path=ppt/slides/slide20.xml><?xml version="1.0" encoding="utf-8"?>
 <p:sld xmlns:a="http://schemas.openxmlformats.org/drawingml/2006/main" xmlns:r="http://schemas.openxmlformats.org/officeDocument/2006/relationships" xmlns:p="http://schemas.openxmlformats.org/presentationml/2006/main">
   <p:cSld>
     <p:bg>
@@ -16898,1277 +18473,7 @@
 </p:sld>
 </file>
 
-<file path=ppt/slides/slide2.xml><?xml version="1.0" encoding="utf-8"?>
-<p:sld xmlns:a="http://schemas.openxmlformats.org/drawingml/2006/main" xmlns:r="http://schemas.openxmlformats.org/officeDocument/2006/relationships" xmlns:p="http://schemas.openxmlformats.org/presentationml/2006/main">
-  <p:cSld>
-    <p:bg>
-      <p:bgPr>
-        <a:blipFill dpi="0" rotWithShape="1">
-          <a:blip r:embed="rId2">
-            <a:lum/>
-          </a:blip>
-          <a:srcRect/>
-          <a:stretch>
-            <a:fillRect/>
-          </a:stretch>
-        </a:blipFill>
-        <a:effectLst/>
-      </p:bgPr>
-    </p:bg>
-    <p:spTree>
-      <p:nvGrpSpPr>
-        <p:cNvPr id="1" name=""/>
-        <p:cNvGrpSpPr/>
-        <p:nvPr/>
-      </p:nvGrpSpPr>
-      <p:grpSpPr>
-        <a:xfrm>
-          <a:off x="0" y="0"/>
-          <a:ext cx="0" cy="0"/>
-          <a:chOff x="0" y="0"/>
-          <a:chExt cx="0" cy="0"/>
-        </a:xfrm>
-      </p:grpSpPr>
-      <p:sp>
-        <p:nvSpPr>
-          <p:cNvPr id="2" name="Title 1">
-            <a:extLst>
-              <a:ext uri="{FF2B5EF4-FFF2-40B4-BE49-F238E27FC236}">
-                <a16:creationId xmlns:a16="http://schemas.microsoft.com/office/drawing/2014/main" id="{55E11F08-6CA0-48F1-AD67-97430DDA07F0}"/>
-              </a:ext>
-            </a:extLst>
-          </p:cNvPr>
-          <p:cNvSpPr>
-            <a:spLocks noGrp="1"/>
-          </p:cNvSpPr>
-          <p:nvPr>
-            <p:ph type="title"/>
-          </p:nvPr>
-        </p:nvSpPr>
-        <p:spPr/>
-        <p:txBody>
-          <a:bodyPr/>
-          <a:lstStyle/>
-          <a:p>
-            <a:r>
-              <a:rPr lang="en-US" b="1" dirty="0">
-                <a:solidFill>
-                  <a:srgbClr val="292D33"/>
-                </a:solidFill>
-                <a:latin typeface="Euclid Circular B" panose="020B0504000000000000" pitchFamily="34" charset="0"/>
-                <a:ea typeface="Euclid Circular B" panose="020B0504000000000000" pitchFamily="34" charset="0"/>
-              </a:rPr>
-              <a:t>Agenda</a:t>
-            </a:r>
-          </a:p>
-        </p:txBody>
-      </p:sp>
-      <p:sp>
-        <p:nvSpPr>
-          <p:cNvPr id="3" name="Content Placeholder 2">
-            <a:extLst>
-              <a:ext uri="{FF2B5EF4-FFF2-40B4-BE49-F238E27FC236}">
-                <a16:creationId xmlns:a16="http://schemas.microsoft.com/office/drawing/2014/main" id="{891C7693-D3DF-4635-96F4-97F3B4136FDF}"/>
-              </a:ext>
-            </a:extLst>
-          </p:cNvPr>
-          <p:cNvSpPr>
-            <a:spLocks noGrp="1"/>
-          </p:cNvSpPr>
-          <p:nvPr>
-            <p:ph idx="1"/>
-          </p:nvPr>
-        </p:nvSpPr>
-        <p:spPr>
-          <a:xfrm>
-            <a:off x="838200" y="1825625"/>
-            <a:ext cx="5037056" cy="4351338"/>
-          </a:xfrm>
-        </p:spPr>
-        <p:txBody>
-          <a:bodyPr>
-            <a:normAutofit/>
-          </a:bodyPr>
-          <a:lstStyle/>
-          <a:p>
-            <a:r>
-              <a:rPr lang="en-US" dirty="0">
-                <a:latin typeface="Euclid Circular B" panose="020B0504000000000000" pitchFamily="34" charset="0"/>
-                <a:ea typeface="Euclid Circular B" panose="020B0504000000000000" pitchFamily="34" charset="0"/>
-              </a:rPr>
-              <a:t>Microservices and the </a:t>
-            </a:r>
-            <a:r>
-              <a:rPr lang="en-US" b="1" dirty="0">
-                <a:latin typeface="Euclid Circular B" panose="020B0504000000000000" pitchFamily="34" charset="0"/>
-                <a:ea typeface="Euclid Circular B" panose="020B0504000000000000" pitchFamily="34" charset="0"/>
-              </a:rPr>
-              <a:t>monolith-first approach</a:t>
-            </a:r>
-          </a:p>
-          <a:p>
-            <a:r>
-              <a:rPr lang="en-US" dirty="0">
-                <a:latin typeface="Euclid Circular B" panose="020B0504000000000000" pitchFamily="34" charset="0"/>
-                <a:ea typeface="Euclid Circular B" panose="020B0504000000000000" pitchFamily="34" charset="0"/>
-              </a:rPr>
-              <a:t>Designing a </a:t>
-            </a:r>
-            <a:r>
-              <a:rPr lang="en-US" b="1" dirty="0">
-                <a:latin typeface="Euclid Circular B" panose="020B0504000000000000" pitchFamily="34" charset="0"/>
-                <a:ea typeface="Euclid Circular B" panose="020B0504000000000000" pitchFamily="34" charset="0"/>
-              </a:rPr>
-              <a:t>modular monolith</a:t>
-            </a:r>
-          </a:p>
-          <a:p>
-            <a:pPr lvl="1"/>
-            <a:r>
-              <a:rPr lang="en-US" dirty="0">
-                <a:latin typeface="Euclid Circular B" panose="020B0504000000000000" pitchFamily="34" charset="0"/>
-                <a:ea typeface="Euclid Circular B" panose="020B0504000000000000" pitchFamily="34" charset="0"/>
-              </a:rPr>
-              <a:t>The need for </a:t>
-            </a:r>
-            <a:r>
-              <a:rPr lang="en-US" b="1" dirty="0">
-                <a:latin typeface="Euclid Circular B" panose="020B0504000000000000" pitchFamily="34" charset="0"/>
-                <a:ea typeface="Euclid Circular B" panose="020B0504000000000000" pitchFamily="34" charset="0"/>
-              </a:rPr>
-              <a:t>layering</a:t>
-            </a:r>
-          </a:p>
-          <a:p>
-            <a:pPr lvl="1"/>
-            <a:r>
-              <a:rPr lang="en-US" dirty="0">
-                <a:latin typeface="Euclid Circular B" panose="020B0504000000000000" pitchFamily="34" charset="0"/>
-                <a:ea typeface="Euclid Circular B" panose="020B0504000000000000" pitchFamily="34" charset="0"/>
-              </a:rPr>
-              <a:t>Designing the </a:t>
-            </a:r>
-            <a:r>
-              <a:rPr lang="en-US" b="1" dirty="0">
-                <a:latin typeface="Euclid Circular B" panose="020B0504000000000000" pitchFamily="34" charset="0"/>
-                <a:ea typeface="Euclid Circular B" panose="020B0504000000000000" pitchFamily="34" charset="0"/>
-              </a:rPr>
-              <a:t>database</a:t>
-            </a:r>
-          </a:p>
-          <a:p>
-            <a:pPr lvl="1"/>
-            <a:r>
-              <a:rPr lang="en-US" b="1" dirty="0">
-                <a:latin typeface="Euclid Circular B" panose="020B0504000000000000" pitchFamily="34" charset="0"/>
-                <a:ea typeface="Euclid Circular B" panose="020B0504000000000000" pitchFamily="34" charset="0"/>
-              </a:rPr>
-              <a:t>Integrating</a:t>
-            </a:r>
-            <a:r>
-              <a:rPr lang="en-US" dirty="0">
-                <a:latin typeface="Euclid Circular B" panose="020B0504000000000000" pitchFamily="34" charset="0"/>
-                <a:ea typeface="Euclid Circular B" panose="020B0504000000000000" pitchFamily="34" charset="0"/>
-              </a:rPr>
-              <a:t> the modules</a:t>
-            </a:r>
-          </a:p>
-        </p:txBody>
-      </p:sp>
-      <p:sp>
-        <p:nvSpPr>
-          <p:cNvPr id="4" name="Content Placeholder 2">
-            <a:extLst>
-              <a:ext uri="{FF2B5EF4-FFF2-40B4-BE49-F238E27FC236}">
-                <a16:creationId xmlns:a16="http://schemas.microsoft.com/office/drawing/2014/main" id="{9DC40808-74A7-4CAD-A1D4-4A716A873F0C}"/>
-              </a:ext>
-            </a:extLst>
-          </p:cNvPr>
-          <p:cNvSpPr txBox="1">
-            <a:spLocks/>
-          </p:cNvSpPr>
-          <p:nvPr/>
-        </p:nvSpPr>
-        <p:spPr>
-          <a:xfrm>
-            <a:off x="6316744" y="1825625"/>
-            <a:ext cx="5037056" cy="4351338"/>
-          </a:xfrm>
-          <a:prstGeom prst="rect">
-            <a:avLst/>
-          </a:prstGeom>
-        </p:spPr>
-        <p:txBody>
-          <a:bodyPr vert="horz" lIns="91440" tIns="45720" rIns="91440" bIns="45720" rtlCol="0">
-            <a:normAutofit/>
-          </a:bodyPr>
-          <a:lstStyle>
-            <a:lvl1pPr marL="228600" indent="-228600" algn="l" defTabSz="914400" rtl="0" eaLnBrk="1" latinLnBrk="0" hangingPunct="1">
-              <a:lnSpc>
-                <a:spcPct val="90000"/>
-              </a:lnSpc>
-              <a:spcBef>
-                <a:spcPts val="1000"/>
-              </a:spcBef>
-              <a:buFont typeface="Arial" panose="020B0604020202020204" pitchFamily="34" charset="0"/>
-              <a:buChar char="•"/>
-              <a:defRPr sz="2800" kern="1200">
-                <a:solidFill>
-                  <a:schemeClr val="tx1"/>
-                </a:solidFill>
-                <a:latin typeface="+mn-lt"/>
-                <a:ea typeface="+mn-ea"/>
-                <a:cs typeface="+mn-cs"/>
-              </a:defRPr>
-            </a:lvl1pPr>
-            <a:lvl2pPr marL="685800" indent="-228600" algn="l" defTabSz="914400" rtl="0" eaLnBrk="1" latinLnBrk="0" hangingPunct="1">
-              <a:lnSpc>
-                <a:spcPct val="90000"/>
-              </a:lnSpc>
-              <a:spcBef>
-                <a:spcPts val="500"/>
-              </a:spcBef>
-              <a:buFont typeface="Arial" panose="020B0604020202020204" pitchFamily="34" charset="0"/>
-              <a:buChar char="•"/>
-              <a:defRPr sz="2400" kern="1200">
-                <a:solidFill>
-                  <a:schemeClr val="tx1"/>
-                </a:solidFill>
-                <a:latin typeface="+mn-lt"/>
-                <a:ea typeface="+mn-ea"/>
-                <a:cs typeface="+mn-cs"/>
-              </a:defRPr>
-            </a:lvl2pPr>
-            <a:lvl3pPr marL="1143000" indent="-228600" algn="l" defTabSz="914400" rtl="0" eaLnBrk="1" latinLnBrk="0" hangingPunct="1">
-              <a:lnSpc>
-                <a:spcPct val="90000"/>
-              </a:lnSpc>
-              <a:spcBef>
-                <a:spcPts val="500"/>
-              </a:spcBef>
-              <a:buFont typeface="Arial" panose="020B0604020202020204" pitchFamily="34" charset="0"/>
-              <a:buChar char="•"/>
-              <a:defRPr sz="2000" kern="1200">
-                <a:solidFill>
-                  <a:schemeClr val="tx1"/>
-                </a:solidFill>
-                <a:latin typeface="+mn-lt"/>
-                <a:ea typeface="+mn-ea"/>
-                <a:cs typeface="+mn-cs"/>
-              </a:defRPr>
-            </a:lvl3pPr>
-            <a:lvl4pPr marL="1600200" indent="-228600" algn="l" defTabSz="914400" rtl="0" eaLnBrk="1" latinLnBrk="0" hangingPunct="1">
-              <a:lnSpc>
-                <a:spcPct val="90000"/>
-              </a:lnSpc>
-              <a:spcBef>
-                <a:spcPts val="500"/>
-              </a:spcBef>
-              <a:buFont typeface="Arial" panose="020B0604020202020204" pitchFamily="34" charset="0"/>
-              <a:buChar char="•"/>
-              <a:defRPr sz="1800" kern="1200">
-                <a:solidFill>
-                  <a:schemeClr val="tx1"/>
-                </a:solidFill>
-                <a:latin typeface="+mn-lt"/>
-                <a:ea typeface="+mn-ea"/>
-                <a:cs typeface="+mn-cs"/>
-              </a:defRPr>
-            </a:lvl4pPr>
-            <a:lvl5pPr marL="2057400" indent="-228600" algn="l" defTabSz="914400" rtl="0" eaLnBrk="1" latinLnBrk="0" hangingPunct="1">
-              <a:lnSpc>
-                <a:spcPct val="90000"/>
-              </a:lnSpc>
-              <a:spcBef>
-                <a:spcPts val="500"/>
-              </a:spcBef>
-              <a:buFont typeface="Arial" panose="020B0604020202020204" pitchFamily="34" charset="0"/>
-              <a:buChar char="•"/>
-              <a:defRPr sz="1800" kern="1200">
-                <a:solidFill>
-                  <a:schemeClr val="tx1"/>
-                </a:solidFill>
-                <a:latin typeface="+mn-lt"/>
-                <a:ea typeface="+mn-ea"/>
-                <a:cs typeface="+mn-cs"/>
-              </a:defRPr>
-            </a:lvl5pPr>
-            <a:lvl6pPr marL="2514600" indent="-228600" algn="l" defTabSz="914400" rtl="0" eaLnBrk="1" latinLnBrk="0" hangingPunct="1">
-              <a:lnSpc>
-                <a:spcPct val="90000"/>
-              </a:lnSpc>
-              <a:spcBef>
-                <a:spcPts val="500"/>
-              </a:spcBef>
-              <a:buFont typeface="Arial" panose="020B0604020202020204" pitchFamily="34" charset="0"/>
-              <a:buChar char="•"/>
-              <a:defRPr sz="1800" kern="1200">
-                <a:solidFill>
-                  <a:schemeClr val="tx1"/>
-                </a:solidFill>
-                <a:latin typeface="+mn-lt"/>
-                <a:ea typeface="+mn-ea"/>
-                <a:cs typeface="+mn-cs"/>
-              </a:defRPr>
-            </a:lvl6pPr>
-            <a:lvl7pPr marL="2971800" indent="-228600" algn="l" defTabSz="914400" rtl="0" eaLnBrk="1" latinLnBrk="0" hangingPunct="1">
-              <a:lnSpc>
-                <a:spcPct val="90000"/>
-              </a:lnSpc>
-              <a:spcBef>
-                <a:spcPts val="500"/>
-              </a:spcBef>
-              <a:buFont typeface="Arial" panose="020B0604020202020204" pitchFamily="34" charset="0"/>
-              <a:buChar char="•"/>
-              <a:defRPr sz="1800" kern="1200">
-                <a:solidFill>
-                  <a:schemeClr val="tx1"/>
-                </a:solidFill>
-                <a:latin typeface="+mn-lt"/>
-                <a:ea typeface="+mn-ea"/>
-                <a:cs typeface="+mn-cs"/>
-              </a:defRPr>
-            </a:lvl7pPr>
-            <a:lvl8pPr marL="3429000" indent="-228600" algn="l" defTabSz="914400" rtl="0" eaLnBrk="1" latinLnBrk="0" hangingPunct="1">
-              <a:lnSpc>
-                <a:spcPct val="90000"/>
-              </a:lnSpc>
-              <a:spcBef>
-                <a:spcPts val="500"/>
-              </a:spcBef>
-              <a:buFont typeface="Arial" panose="020B0604020202020204" pitchFamily="34" charset="0"/>
-              <a:buChar char="•"/>
-              <a:defRPr sz="1800" kern="1200">
-                <a:solidFill>
-                  <a:schemeClr val="tx1"/>
-                </a:solidFill>
-                <a:latin typeface="+mn-lt"/>
-                <a:ea typeface="+mn-ea"/>
-                <a:cs typeface="+mn-cs"/>
-              </a:defRPr>
-            </a:lvl8pPr>
-            <a:lvl9pPr marL="3886200" indent="-228600" algn="l" defTabSz="914400" rtl="0" eaLnBrk="1" latinLnBrk="0" hangingPunct="1">
-              <a:lnSpc>
-                <a:spcPct val="90000"/>
-              </a:lnSpc>
-              <a:spcBef>
-                <a:spcPts val="500"/>
-              </a:spcBef>
-              <a:buFont typeface="Arial" panose="020B0604020202020204" pitchFamily="34" charset="0"/>
-              <a:buChar char="•"/>
-              <a:defRPr sz="1800" kern="1200">
-                <a:solidFill>
-                  <a:schemeClr val="tx1"/>
-                </a:solidFill>
-                <a:latin typeface="+mn-lt"/>
-                <a:ea typeface="+mn-ea"/>
-                <a:cs typeface="+mn-cs"/>
-              </a:defRPr>
-            </a:lvl9pPr>
-          </a:lstStyle>
-          <a:p>
-            <a:r>
-              <a:rPr lang="en-US" b="1" dirty="0">
-                <a:latin typeface="Euclid Circular B" panose="020B0504000000000000" pitchFamily="34" charset="0"/>
-                <a:ea typeface="Euclid Circular B" panose="020B0504000000000000" pitchFamily="34" charset="0"/>
-              </a:rPr>
-              <a:t>Migrating</a:t>
-            </a:r>
-            <a:r>
-              <a:rPr lang="en-US" dirty="0">
-                <a:latin typeface="Euclid Circular B" panose="020B0504000000000000" pitchFamily="34" charset="0"/>
-                <a:ea typeface="Euclid Circular B" panose="020B0504000000000000" pitchFamily="34" charset="0"/>
-              </a:rPr>
-              <a:t> to microservices</a:t>
-            </a:r>
-          </a:p>
-          <a:p>
-            <a:pPr lvl="1"/>
-            <a:r>
-              <a:rPr lang="en-US" dirty="0">
-                <a:latin typeface="Euclid Circular B" panose="020B0504000000000000" pitchFamily="34" charset="0"/>
-                <a:ea typeface="Euclid Circular B" panose="020B0504000000000000" pitchFamily="34" charset="0"/>
-              </a:rPr>
-              <a:t>Hosting &amp; </a:t>
-            </a:r>
-            <a:r>
-              <a:rPr lang="en-US" b="1" dirty="0">
-                <a:latin typeface="Euclid Circular B" panose="020B0504000000000000" pitchFamily="34" charset="0"/>
-                <a:ea typeface="Euclid Circular B" panose="020B0504000000000000" pitchFamily="34" charset="0"/>
-              </a:rPr>
-              <a:t>distribution</a:t>
-            </a:r>
-          </a:p>
-          <a:p>
-            <a:pPr lvl="1"/>
-            <a:r>
-              <a:rPr lang="en-US" dirty="0">
-                <a:latin typeface="Euclid Circular B" panose="020B0504000000000000" pitchFamily="34" charset="0"/>
-                <a:ea typeface="Euclid Circular B" panose="020B0504000000000000" pitchFamily="34" charset="0"/>
-              </a:rPr>
-              <a:t>Replacing in-process </a:t>
-            </a:r>
-            <a:r>
-              <a:rPr lang="en-US" b="1" dirty="0">
-                <a:latin typeface="Euclid Circular B" panose="020B0504000000000000" pitchFamily="34" charset="0"/>
-                <a:ea typeface="Euclid Circular B" panose="020B0504000000000000" pitchFamily="34" charset="0"/>
-              </a:rPr>
-              <a:t>service calls</a:t>
-            </a:r>
-          </a:p>
-          <a:p>
-            <a:pPr lvl="1"/>
-            <a:r>
-              <a:rPr lang="en-US" dirty="0">
-                <a:latin typeface="Euclid Circular B" panose="020B0504000000000000" pitchFamily="34" charset="0"/>
-                <a:ea typeface="Euclid Circular B" panose="020B0504000000000000" pitchFamily="34" charset="0"/>
-              </a:rPr>
-              <a:t>Enabling </a:t>
-            </a:r>
-            <a:r>
-              <a:rPr lang="en-US" b="1" dirty="0">
-                <a:latin typeface="Euclid Circular B" panose="020B0504000000000000" pitchFamily="34" charset="0"/>
-                <a:ea typeface="Euclid Circular B" panose="020B0504000000000000" pitchFamily="34" charset="0"/>
-              </a:rPr>
-              <a:t>transactional events</a:t>
-            </a:r>
-          </a:p>
-          <a:p>
-            <a:pPr lvl="1"/>
-            <a:r>
-              <a:rPr lang="en-US" dirty="0">
-                <a:latin typeface="Euclid Circular B" panose="020B0504000000000000" pitchFamily="34" charset="0"/>
-                <a:ea typeface="Euclid Circular B" panose="020B0504000000000000" pitchFamily="34" charset="0"/>
-              </a:rPr>
-              <a:t>Handling </a:t>
-            </a:r>
-            <a:r>
-              <a:rPr lang="en-US" b="1" dirty="0">
-                <a:latin typeface="Euclid Circular B" panose="020B0504000000000000" pitchFamily="34" charset="0"/>
-                <a:ea typeface="Euclid Circular B" panose="020B0504000000000000" pitchFamily="34" charset="0"/>
-              </a:rPr>
-              <a:t>database migrations</a:t>
-            </a:r>
-          </a:p>
-          <a:p>
-            <a:pPr lvl="1"/>
-            <a:r>
-              <a:rPr lang="en-US" b="1" dirty="0">
-                <a:latin typeface="Euclid Circular B" panose="020B0504000000000000" pitchFamily="34" charset="0"/>
-                <a:ea typeface="Euclid Circular B" panose="020B0504000000000000" pitchFamily="34" charset="0"/>
-              </a:rPr>
-              <a:t>Authentication</a:t>
-            </a:r>
-            <a:r>
-              <a:rPr lang="en-US" dirty="0">
-                <a:latin typeface="Euclid Circular B" panose="020B0504000000000000" pitchFamily="34" charset="0"/>
-                <a:ea typeface="Euclid Circular B" panose="020B0504000000000000" pitchFamily="34" charset="0"/>
-              </a:rPr>
-              <a:t> and </a:t>
-            </a:r>
-            <a:r>
-              <a:rPr lang="en-US" b="1" dirty="0">
-                <a:latin typeface="Euclid Circular B" panose="020B0504000000000000" pitchFamily="34" charset="0"/>
-                <a:ea typeface="Euclid Circular B" panose="020B0504000000000000" pitchFamily="34" charset="0"/>
-              </a:rPr>
-              <a:t>authorization</a:t>
-            </a:r>
-            <a:r>
-              <a:rPr lang="en-US" dirty="0">
-                <a:latin typeface="Euclid Circular B" panose="020B0504000000000000" pitchFamily="34" charset="0"/>
-                <a:ea typeface="Euclid Circular B" panose="020B0504000000000000" pitchFamily="34" charset="0"/>
-              </a:rPr>
-              <a:t> changes</a:t>
-            </a:r>
-          </a:p>
-          <a:p>
-            <a:pPr lvl="1"/>
-            <a:r>
-              <a:rPr lang="en-US" b="1" dirty="0">
-                <a:latin typeface="Euclid Circular B" panose="020B0504000000000000" pitchFamily="34" charset="0"/>
-                <a:ea typeface="Euclid Circular B" panose="020B0504000000000000" pitchFamily="34" charset="0"/>
-              </a:rPr>
-              <a:t>Deployment</a:t>
-            </a:r>
-          </a:p>
-        </p:txBody>
-      </p:sp>
-    </p:spTree>
-    <p:extLst>
-      <p:ext uri="{BB962C8B-B14F-4D97-AF65-F5344CB8AC3E}">
-        <p14:creationId xmlns:p14="http://schemas.microsoft.com/office/powerpoint/2010/main" val="721846992"/>
-      </p:ext>
-    </p:extLst>
-  </p:cSld>
-  <p:clrMapOvr>
-    <a:masterClrMapping/>
-  </p:clrMapOvr>
-  <p:timing>
-    <p:tnLst>
-      <p:par>
-        <p:cTn id="1" dur="indefinite" restart="never" nodeType="tmRoot">
-          <p:childTnLst>
-            <p:seq concurrent="1" nextAc="seek">
-              <p:cTn id="2" dur="indefinite" nodeType="mainSeq">
-                <p:childTnLst>
-                  <p:par>
-                    <p:cTn id="3" fill="hold">
-                      <p:stCondLst>
-                        <p:cond delay="indefinite"/>
-                      </p:stCondLst>
-                      <p:childTnLst>
-                        <p:par>
-                          <p:cTn id="4" fill="hold">
-                            <p:stCondLst>
-                              <p:cond delay="0"/>
-                            </p:stCondLst>
-                            <p:childTnLst>
-                              <p:par>
-                                <p:cTn id="5" presetID="10" presetClass="entr" presetSubtype="0" fill="hold" nodeType="clickEffect">
-                                  <p:stCondLst>
-                                    <p:cond delay="0"/>
-                                  </p:stCondLst>
-                                  <p:childTnLst>
-                                    <p:set>
-                                      <p:cBhvr>
-                                        <p:cTn id="6" dur="1" fill="hold">
-                                          <p:stCondLst>
-                                            <p:cond delay="0"/>
-                                          </p:stCondLst>
-                                        </p:cTn>
-                                        <p:tgtEl>
-                                          <p:spTgt spid="3">
-                                            <p:txEl>
-                                              <p:pRg st="0" end="0"/>
-                                            </p:txEl>
-                                          </p:spTgt>
-                                        </p:tgtEl>
-                                        <p:attrNameLst>
-                                          <p:attrName>style.visibility</p:attrName>
-                                        </p:attrNameLst>
-                                      </p:cBhvr>
-                                      <p:to>
-                                        <p:strVal val="visible"/>
-                                      </p:to>
-                                    </p:set>
-                                    <p:animEffect transition="in" filter="fade">
-                                      <p:cBhvr>
-                                        <p:cTn id="7" dur="500"/>
-                                        <p:tgtEl>
-                                          <p:spTgt spid="3">
-                                            <p:txEl>
-                                              <p:pRg st="0" end="0"/>
-                                            </p:txEl>
-                                          </p:spTgt>
-                                        </p:tgtEl>
-                                      </p:cBhvr>
-                                    </p:animEffect>
-                                  </p:childTnLst>
-                                </p:cTn>
-                              </p:par>
-                            </p:childTnLst>
-                          </p:cTn>
-                        </p:par>
-                      </p:childTnLst>
-                    </p:cTn>
-                  </p:par>
-                  <p:par>
-                    <p:cTn id="8" fill="hold">
-                      <p:stCondLst>
-                        <p:cond delay="indefinite"/>
-                      </p:stCondLst>
-                      <p:childTnLst>
-                        <p:par>
-                          <p:cTn id="9" fill="hold">
-                            <p:stCondLst>
-                              <p:cond delay="0"/>
-                            </p:stCondLst>
-                            <p:childTnLst>
-                              <p:par>
-                                <p:cTn id="10" presetID="10" presetClass="entr" presetSubtype="0" fill="hold" nodeType="clickEffect">
-                                  <p:stCondLst>
-                                    <p:cond delay="0"/>
-                                  </p:stCondLst>
-                                  <p:childTnLst>
-                                    <p:set>
-                                      <p:cBhvr>
-                                        <p:cTn id="11" dur="1" fill="hold">
-                                          <p:stCondLst>
-                                            <p:cond delay="0"/>
-                                          </p:stCondLst>
-                                        </p:cTn>
-                                        <p:tgtEl>
-                                          <p:spTgt spid="3">
-                                            <p:txEl>
-                                              <p:pRg st="1" end="1"/>
-                                            </p:txEl>
-                                          </p:spTgt>
-                                        </p:tgtEl>
-                                        <p:attrNameLst>
-                                          <p:attrName>style.visibility</p:attrName>
-                                        </p:attrNameLst>
-                                      </p:cBhvr>
-                                      <p:to>
-                                        <p:strVal val="visible"/>
-                                      </p:to>
-                                    </p:set>
-                                    <p:animEffect transition="in" filter="fade">
-                                      <p:cBhvr>
-                                        <p:cTn id="12" dur="500"/>
-                                        <p:tgtEl>
-                                          <p:spTgt spid="3">
-                                            <p:txEl>
-                                              <p:pRg st="1" end="1"/>
-                                            </p:txEl>
-                                          </p:spTgt>
-                                        </p:tgtEl>
-                                      </p:cBhvr>
-                                    </p:animEffect>
-                                  </p:childTnLst>
-                                </p:cTn>
-                              </p:par>
-                            </p:childTnLst>
-                          </p:cTn>
-                        </p:par>
-                      </p:childTnLst>
-                    </p:cTn>
-                  </p:par>
-                  <p:par>
-                    <p:cTn id="13" fill="hold">
-                      <p:stCondLst>
-                        <p:cond delay="indefinite"/>
-                      </p:stCondLst>
-                      <p:childTnLst>
-                        <p:par>
-                          <p:cTn id="14" fill="hold">
-                            <p:stCondLst>
-                              <p:cond delay="0"/>
-                            </p:stCondLst>
-                            <p:childTnLst>
-                              <p:par>
-                                <p:cTn id="15" presetID="10" presetClass="entr" presetSubtype="0" fill="hold" nodeType="clickEffect">
-                                  <p:stCondLst>
-                                    <p:cond delay="0"/>
-                                  </p:stCondLst>
-                                  <p:childTnLst>
-                                    <p:set>
-                                      <p:cBhvr>
-                                        <p:cTn id="16" dur="1" fill="hold">
-                                          <p:stCondLst>
-                                            <p:cond delay="0"/>
-                                          </p:stCondLst>
-                                        </p:cTn>
-                                        <p:tgtEl>
-                                          <p:spTgt spid="3">
-                                            <p:txEl>
-                                              <p:pRg st="2" end="2"/>
-                                            </p:txEl>
-                                          </p:spTgt>
-                                        </p:tgtEl>
-                                        <p:attrNameLst>
-                                          <p:attrName>style.visibility</p:attrName>
-                                        </p:attrNameLst>
-                                      </p:cBhvr>
-                                      <p:to>
-                                        <p:strVal val="visible"/>
-                                      </p:to>
-                                    </p:set>
-                                    <p:animEffect transition="in" filter="fade">
-                                      <p:cBhvr>
-                                        <p:cTn id="17" dur="500"/>
-                                        <p:tgtEl>
-                                          <p:spTgt spid="3">
-                                            <p:txEl>
-                                              <p:pRg st="2" end="2"/>
-                                            </p:txEl>
-                                          </p:spTgt>
-                                        </p:tgtEl>
-                                      </p:cBhvr>
-                                    </p:animEffect>
-                                  </p:childTnLst>
-                                </p:cTn>
-                              </p:par>
-                            </p:childTnLst>
-                          </p:cTn>
-                        </p:par>
-                      </p:childTnLst>
-                    </p:cTn>
-                  </p:par>
-                  <p:par>
-                    <p:cTn id="18" fill="hold">
-                      <p:stCondLst>
-                        <p:cond delay="indefinite"/>
-                      </p:stCondLst>
-                      <p:childTnLst>
-                        <p:par>
-                          <p:cTn id="19" fill="hold">
-                            <p:stCondLst>
-                              <p:cond delay="0"/>
-                            </p:stCondLst>
-                            <p:childTnLst>
-                              <p:par>
-                                <p:cTn id="20" presetID="10" presetClass="entr" presetSubtype="0" fill="hold" nodeType="clickEffect">
-                                  <p:stCondLst>
-                                    <p:cond delay="0"/>
-                                  </p:stCondLst>
-                                  <p:childTnLst>
-                                    <p:set>
-                                      <p:cBhvr>
-                                        <p:cTn id="21" dur="1" fill="hold">
-                                          <p:stCondLst>
-                                            <p:cond delay="0"/>
-                                          </p:stCondLst>
-                                        </p:cTn>
-                                        <p:tgtEl>
-                                          <p:spTgt spid="3">
-                                            <p:txEl>
-                                              <p:pRg st="3" end="3"/>
-                                            </p:txEl>
-                                          </p:spTgt>
-                                        </p:tgtEl>
-                                        <p:attrNameLst>
-                                          <p:attrName>style.visibility</p:attrName>
-                                        </p:attrNameLst>
-                                      </p:cBhvr>
-                                      <p:to>
-                                        <p:strVal val="visible"/>
-                                      </p:to>
-                                    </p:set>
-                                    <p:animEffect transition="in" filter="fade">
-                                      <p:cBhvr>
-                                        <p:cTn id="22" dur="500"/>
-                                        <p:tgtEl>
-                                          <p:spTgt spid="3">
-                                            <p:txEl>
-                                              <p:pRg st="3" end="3"/>
-                                            </p:txEl>
-                                          </p:spTgt>
-                                        </p:tgtEl>
-                                      </p:cBhvr>
-                                    </p:animEffect>
-                                  </p:childTnLst>
-                                </p:cTn>
-                              </p:par>
-                            </p:childTnLst>
-                          </p:cTn>
-                        </p:par>
-                      </p:childTnLst>
-                    </p:cTn>
-                  </p:par>
-                  <p:par>
-                    <p:cTn id="23" fill="hold">
-                      <p:stCondLst>
-                        <p:cond delay="indefinite"/>
-                      </p:stCondLst>
-                      <p:childTnLst>
-                        <p:par>
-                          <p:cTn id="24" fill="hold">
-                            <p:stCondLst>
-                              <p:cond delay="0"/>
-                            </p:stCondLst>
-                            <p:childTnLst>
-                              <p:par>
-                                <p:cTn id="25" presetID="10" presetClass="entr" presetSubtype="0" fill="hold" nodeType="clickEffect">
-                                  <p:stCondLst>
-                                    <p:cond delay="0"/>
-                                  </p:stCondLst>
-                                  <p:childTnLst>
-                                    <p:set>
-                                      <p:cBhvr>
-                                        <p:cTn id="26" dur="1" fill="hold">
-                                          <p:stCondLst>
-                                            <p:cond delay="0"/>
-                                          </p:stCondLst>
-                                        </p:cTn>
-                                        <p:tgtEl>
-                                          <p:spTgt spid="3">
-                                            <p:txEl>
-                                              <p:pRg st="4" end="4"/>
-                                            </p:txEl>
-                                          </p:spTgt>
-                                        </p:tgtEl>
-                                        <p:attrNameLst>
-                                          <p:attrName>style.visibility</p:attrName>
-                                        </p:attrNameLst>
-                                      </p:cBhvr>
-                                      <p:to>
-                                        <p:strVal val="visible"/>
-                                      </p:to>
-                                    </p:set>
-                                    <p:animEffect transition="in" filter="fade">
-                                      <p:cBhvr>
-                                        <p:cTn id="27" dur="500"/>
-                                        <p:tgtEl>
-                                          <p:spTgt spid="3">
-                                            <p:txEl>
-                                              <p:pRg st="4" end="4"/>
-                                            </p:txEl>
-                                          </p:spTgt>
-                                        </p:tgtEl>
-                                      </p:cBhvr>
-                                    </p:animEffect>
-                                  </p:childTnLst>
-                                </p:cTn>
-                              </p:par>
-                            </p:childTnLst>
-                          </p:cTn>
-                        </p:par>
-                      </p:childTnLst>
-                    </p:cTn>
-                  </p:par>
-                  <p:par>
-                    <p:cTn id="28" fill="hold">
-                      <p:stCondLst>
-                        <p:cond delay="indefinite"/>
-                      </p:stCondLst>
-                      <p:childTnLst>
-                        <p:par>
-                          <p:cTn id="29" fill="hold">
-                            <p:stCondLst>
-                              <p:cond delay="0"/>
-                            </p:stCondLst>
-                            <p:childTnLst>
-                              <p:par>
-                                <p:cTn id="30" presetID="10" presetClass="entr" presetSubtype="0" fill="hold" nodeType="clickEffect">
-                                  <p:stCondLst>
-                                    <p:cond delay="0"/>
-                                  </p:stCondLst>
-                                  <p:childTnLst>
-                                    <p:set>
-                                      <p:cBhvr>
-                                        <p:cTn id="31" dur="1" fill="hold">
-                                          <p:stCondLst>
-                                            <p:cond delay="0"/>
-                                          </p:stCondLst>
-                                        </p:cTn>
-                                        <p:tgtEl>
-                                          <p:spTgt spid="4">
-                                            <p:txEl>
-                                              <p:pRg st="0" end="0"/>
-                                            </p:txEl>
-                                          </p:spTgt>
-                                        </p:tgtEl>
-                                        <p:attrNameLst>
-                                          <p:attrName>style.visibility</p:attrName>
-                                        </p:attrNameLst>
-                                      </p:cBhvr>
-                                      <p:to>
-                                        <p:strVal val="visible"/>
-                                      </p:to>
-                                    </p:set>
-                                    <p:animEffect transition="in" filter="fade">
-                                      <p:cBhvr>
-                                        <p:cTn id="32" dur="500"/>
-                                        <p:tgtEl>
-                                          <p:spTgt spid="4">
-                                            <p:txEl>
-                                              <p:pRg st="0" end="0"/>
-                                            </p:txEl>
-                                          </p:spTgt>
-                                        </p:tgtEl>
-                                      </p:cBhvr>
-                                    </p:animEffect>
-                                  </p:childTnLst>
-                                </p:cTn>
-                              </p:par>
-                            </p:childTnLst>
-                          </p:cTn>
-                        </p:par>
-                      </p:childTnLst>
-                    </p:cTn>
-                  </p:par>
-                  <p:par>
-                    <p:cTn id="33" fill="hold">
-                      <p:stCondLst>
-                        <p:cond delay="indefinite"/>
-                      </p:stCondLst>
-                      <p:childTnLst>
-                        <p:par>
-                          <p:cTn id="34" fill="hold">
-                            <p:stCondLst>
-                              <p:cond delay="0"/>
-                            </p:stCondLst>
-                            <p:childTnLst>
-                              <p:par>
-                                <p:cTn id="35" presetID="10" presetClass="entr" presetSubtype="0" fill="hold" nodeType="clickEffect">
-                                  <p:stCondLst>
-                                    <p:cond delay="0"/>
-                                  </p:stCondLst>
-                                  <p:childTnLst>
-                                    <p:set>
-                                      <p:cBhvr>
-                                        <p:cTn id="36" dur="1" fill="hold">
-                                          <p:stCondLst>
-                                            <p:cond delay="0"/>
-                                          </p:stCondLst>
-                                        </p:cTn>
-                                        <p:tgtEl>
-                                          <p:spTgt spid="4">
-                                            <p:txEl>
-                                              <p:pRg st="1" end="1"/>
-                                            </p:txEl>
-                                          </p:spTgt>
-                                        </p:tgtEl>
-                                        <p:attrNameLst>
-                                          <p:attrName>style.visibility</p:attrName>
-                                        </p:attrNameLst>
-                                      </p:cBhvr>
-                                      <p:to>
-                                        <p:strVal val="visible"/>
-                                      </p:to>
-                                    </p:set>
-                                    <p:animEffect transition="in" filter="fade">
-                                      <p:cBhvr>
-                                        <p:cTn id="37" dur="500"/>
-                                        <p:tgtEl>
-                                          <p:spTgt spid="4">
-                                            <p:txEl>
-                                              <p:pRg st="1" end="1"/>
-                                            </p:txEl>
-                                          </p:spTgt>
-                                        </p:tgtEl>
-                                      </p:cBhvr>
-                                    </p:animEffect>
-                                  </p:childTnLst>
-                                </p:cTn>
-                              </p:par>
-                            </p:childTnLst>
-                          </p:cTn>
-                        </p:par>
-                      </p:childTnLst>
-                    </p:cTn>
-                  </p:par>
-                  <p:par>
-                    <p:cTn id="38" fill="hold">
-                      <p:stCondLst>
-                        <p:cond delay="indefinite"/>
-                      </p:stCondLst>
-                      <p:childTnLst>
-                        <p:par>
-                          <p:cTn id="39" fill="hold">
-                            <p:stCondLst>
-                              <p:cond delay="0"/>
-                            </p:stCondLst>
-                            <p:childTnLst>
-                              <p:par>
-                                <p:cTn id="40" presetID="10" presetClass="entr" presetSubtype="0" fill="hold" nodeType="clickEffect">
-                                  <p:stCondLst>
-                                    <p:cond delay="0"/>
-                                  </p:stCondLst>
-                                  <p:childTnLst>
-                                    <p:set>
-                                      <p:cBhvr>
-                                        <p:cTn id="41" dur="1" fill="hold">
-                                          <p:stCondLst>
-                                            <p:cond delay="0"/>
-                                          </p:stCondLst>
-                                        </p:cTn>
-                                        <p:tgtEl>
-                                          <p:spTgt spid="4">
-                                            <p:txEl>
-                                              <p:pRg st="2" end="2"/>
-                                            </p:txEl>
-                                          </p:spTgt>
-                                        </p:tgtEl>
-                                        <p:attrNameLst>
-                                          <p:attrName>style.visibility</p:attrName>
-                                        </p:attrNameLst>
-                                      </p:cBhvr>
-                                      <p:to>
-                                        <p:strVal val="visible"/>
-                                      </p:to>
-                                    </p:set>
-                                    <p:animEffect transition="in" filter="fade">
-                                      <p:cBhvr>
-                                        <p:cTn id="42" dur="500"/>
-                                        <p:tgtEl>
-                                          <p:spTgt spid="4">
-                                            <p:txEl>
-                                              <p:pRg st="2" end="2"/>
-                                            </p:txEl>
-                                          </p:spTgt>
-                                        </p:tgtEl>
-                                      </p:cBhvr>
-                                    </p:animEffect>
-                                  </p:childTnLst>
-                                </p:cTn>
-                              </p:par>
-                            </p:childTnLst>
-                          </p:cTn>
-                        </p:par>
-                      </p:childTnLst>
-                    </p:cTn>
-                  </p:par>
-                  <p:par>
-                    <p:cTn id="43" fill="hold">
-                      <p:stCondLst>
-                        <p:cond delay="indefinite"/>
-                      </p:stCondLst>
-                      <p:childTnLst>
-                        <p:par>
-                          <p:cTn id="44" fill="hold">
-                            <p:stCondLst>
-                              <p:cond delay="0"/>
-                            </p:stCondLst>
-                            <p:childTnLst>
-                              <p:par>
-                                <p:cTn id="45" presetID="10" presetClass="entr" presetSubtype="0" fill="hold" nodeType="clickEffect">
-                                  <p:stCondLst>
-                                    <p:cond delay="0"/>
-                                  </p:stCondLst>
-                                  <p:childTnLst>
-                                    <p:set>
-                                      <p:cBhvr>
-                                        <p:cTn id="46" dur="1" fill="hold">
-                                          <p:stCondLst>
-                                            <p:cond delay="0"/>
-                                          </p:stCondLst>
-                                        </p:cTn>
-                                        <p:tgtEl>
-                                          <p:spTgt spid="4">
-                                            <p:txEl>
-                                              <p:pRg st="3" end="3"/>
-                                            </p:txEl>
-                                          </p:spTgt>
-                                        </p:tgtEl>
-                                        <p:attrNameLst>
-                                          <p:attrName>style.visibility</p:attrName>
-                                        </p:attrNameLst>
-                                      </p:cBhvr>
-                                      <p:to>
-                                        <p:strVal val="visible"/>
-                                      </p:to>
-                                    </p:set>
-                                    <p:animEffect transition="in" filter="fade">
-                                      <p:cBhvr>
-                                        <p:cTn id="47" dur="500"/>
-                                        <p:tgtEl>
-                                          <p:spTgt spid="4">
-                                            <p:txEl>
-                                              <p:pRg st="3" end="3"/>
-                                            </p:txEl>
-                                          </p:spTgt>
-                                        </p:tgtEl>
-                                      </p:cBhvr>
-                                    </p:animEffect>
-                                  </p:childTnLst>
-                                </p:cTn>
-                              </p:par>
-                            </p:childTnLst>
-                          </p:cTn>
-                        </p:par>
-                      </p:childTnLst>
-                    </p:cTn>
-                  </p:par>
-                  <p:par>
-                    <p:cTn id="48" fill="hold">
-                      <p:stCondLst>
-                        <p:cond delay="indefinite"/>
-                      </p:stCondLst>
-                      <p:childTnLst>
-                        <p:par>
-                          <p:cTn id="49" fill="hold">
-                            <p:stCondLst>
-                              <p:cond delay="0"/>
-                            </p:stCondLst>
-                            <p:childTnLst>
-                              <p:par>
-                                <p:cTn id="50" presetID="10" presetClass="entr" presetSubtype="0" fill="hold" nodeType="clickEffect">
-                                  <p:stCondLst>
-                                    <p:cond delay="0"/>
-                                  </p:stCondLst>
-                                  <p:childTnLst>
-                                    <p:set>
-                                      <p:cBhvr>
-                                        <p:cTn id="51" dur="1" fill="hold">
-                                          <p:stCondLst>
-                                            <p:cond delay="0"/>
-                                          </p:stCondLst>
-                                        </p:cTn>
-                                        <p:tgtEl>
-                                          <p:spTgt spid="4">
-                                            <p:txEl>
-                                              <p:pRg st="4" end="4"/>
-                                            </p:txEl>
-                                          </p:spTgt>
-                                        </p:tgtEl>
-                                        <p:attrNameLst>
-                                          <p:attrName>style.visibility</p:attrName>
-                                        </p:attrNameLst>
-                                      </p:cBhvr>
-                                      <p:to>
-                                        <p:strVal val="visible"/>
-                                      </p:to>
-                                    </p:set>
-                                    <p:animEffect transition="in" filter="fade">
-                                      <p:cBhvr>
-                                        <p:cTn id="52" dur="500"/>
-                                        <p:tgtEl>
-                                          <p:spTgt spid="4">
-                                            <p:txEl>
-                                              <p:pRg st="4" end="4"/>
-                                            </p:txEl>
-                                          </p:spTgt>
-                                        </p:tgtEl>
-                                      </p:cBhvr>
-                                    </p:animEffect>
-                                  </p:childTnLst>
-                                </p:cTn>
-                              </p:par>
-                            </p:childTnLst>
-                          </p:cTn>
-                        </p:par>
-                      </p:childTnLst>
-                    </p:cTn>
-                  </p:par>
-                  <p:par>
-                    <p:cTn id="53" fill="hold">
-                      <p:stCondLst>
-                        <p:cond delay="indefinite"/>
-                      </p:stCondLst>
-                      <p:childTnLst>
-                        <p:par>
-                          <p:cTn id="54" fill="hold">
-                            <p:stCondLst>
-                              <p:cond delay="0"/>
-                            </p:stCondLst>
-                            <p:childTnLst>
-                              <p:par>
-                                <p:cTn id="55" presetID="10" presetClass="entr" presetSubtype="0" fill="hold" nodeType="clickEffect">
-                                  <p:stCondLst>
-                                    <p:cond delay="0"/>
-                                  </p:stCondLst>
-                                  <p:childTnLst>
-                                    <p:set>
-                                      <p:cBhvr>
-                                        <p:cTn id="56" dur="1" fill="hold">
-                                          <p:stCondLst>
-                                            <p:cond delay="0"/>
-                                          </p:stCondLst>
-                                        </p:cTn>
-                                        <p:tgtEl>
-                                          <p:spTgt spid="4">
-                                            <p:txEl>
-                                              <p:pRg st="5" end="5"/>
-                                            </p:txEl>
-                                          </p:spTgt>
-                                        </p:tgtEl>
-                                        <p:attrNameLst>
-                                          <p:attrName>style.visibility</p:attrName>
-                                        </p:attrNameLst>
-                                      </p:cBhvr>
-                                      <p:to>
-                                        <p:strVal val="visible"/>
-                                      </p:to>
-                                    </p:set>
-                                    <p:animEffect transition="in" filter="fade">
-                                      <p:cBhvr>
-                                        <p:cTn id="57" dur="500"/>
-                                        <p:tgtEl>
-                                          <p:spTgt spid="4">
-                                            <p:txEl>
-                                              <p:pRg st="5" end="5"/>
-                                            </p:txEl>
-                                          </p:spTgt>
-                                        </p:tgtEl>
-                                      </p:cBhvr>
-                                    </p:animEffect>
-                                  </p:childTnLst>
-                                </p:cTn>
-                              </p:par>
-                            </p:childTnLst>
-                          </p:cTn>
-                        </p:par>
-                      </p:childTnLst>
-                    </p:cTn>
-                  </p:par>
-                  <p:par>
-                    <p:cTn id="58" fill="hold">
-                      <p:stCondLst>
-                        <p:cond delay="indefinite"/>
-                      </p:stCondLst>
-                      <p:childTnLst>
-                        <p:par>
-                          <p:cTn id="59" fill="hold">
-                            <p:stCondLst>
-                              <p:cond delay="0"/>
-                            </p:stCondLst>
-                            <p:childTnLst>
-                              <p:par>
-                                <p:cTn id="60" presetID="10" presetClass="entr" presetSubtype="0" fill="hold" nodeType="clickEffect">
-                                  <p:stCondLst>
-                                    <p:cond delay="0"/>
-                                  </p:stCondLst>
-                                  <p:childTnLst>
-                                    <p:set>
-                                      <p:cBhvr>
-                                        <p:cTn id="61" dur="1" fill="hold">
-                                          <p:stCondLst>
-                                            <p:cond delay="0"/>
-                                          </p:stCondLst>
-                                        </p:cTn>
-                                        <p:tgtEl>
-                                          <p:spTgt spid="4">
-                                            <p:txEl>
-                                              <p:pRg st="6" end="6"/>
-                                            </p:txEl>
-                                          </p:spTgt>
-                                        </p:tgtEl>
-                                        <p:attrNameLst>
-                                          <p:attrName>style.visibility</p:attrName>
-                                        </p:attrNameLst>
-                                      </p:cBhvr>
-                                      <p:to>
-                                        <p:strVal val="visible"/>
-                                      </p:to>
-                                    </p:set>
-                                    <p:animEffect transition="in" filter="fade">
-                                      <p:cBhvr>
-                                        <p:cTn id="62" dur="500"/>
-                                        <p:tgtEl>
-                                          <p:spTgt spid="4">
-                                            <p:txEl>
-                                              <p:pRg st="6" end="6"/>
-                                            </p:txEl>
-                                          </p:spTgt>
-                                        </p:tgtEl>
-                                      </p:cBhvr>
-                                    </p:animEffect>
-                                  </p:childTnLst>
-                                </p:cTn>
-                              </p:par>
-                            </p:childTnLst>
-                          </p:cTn>
-                        </p:par>
-                      </p:childTnLst>
-                    </p:cTn>
-                  </p:par>
-                </p:childTnLst>
-              </p:cTn>
-              <p:prevCondLst>
-                <p:cond evt="onPrev" delay="0">
-                  <p:tgtEl>
-                    <p:sldTgt/>
-                  </p:tgtEl>
-                </p:cond>
-              </p:prevCondLst>
-              <p:nextCondLst>
-                <p:cond evt="onNext" delay="0">
-                  <p:tgtEl>
-                    <p:sldTgt/>
-                  </p:tgtEl>
-                </p:cond>
-              </p:nextCondLst>
-            </p:seq>
-          </p:childTnLst>
-        </p:cTn>
-      </p:par>
-    </p:tnLst>
-  </p:timing>
-</p:sld>
-</file>
-
-<file path=ppt/slides/slide20.xml><?xml version="1.0" encoding="utf-8"?>
+<file path=ppt/slides/slide21.xml><?xml version="1.0" encoding="utf-8"?>
 <p:sld xmlns:a="http://schemas.openxmlformats.org/drawingml/2006/main" xmlns:r="http://schemas.openxmlformats.org/officeDocument/2006/relationships" xmlns:p="http://schemas.openxmlformats.org/presentationml/2006/main">
   <p:cSld>
     <p:bg>
@@ -18752,7 +19057,7 @@
 </p:sld>
 </file>
 
-<file path=ppt/slides/slide21.xml><?xml version="1.0" encoding="utf-8"?>
+<file path=ppt/slides/slide22.xml><?xml version="1.0" encoding="utf-8"?>
 <p:sld xmlns:a="http://schemas.openxmlformats.org/drawingml/2006/main" xmlns:r="http://schemas.openxmlformats.org/officeDocument/2006/relationships" xmlns:p="http://schemas.openxmlformats.org/presentationml/2006/main">
   <p:cSld>
     <p:bg>
@@ -18872,7 +19177,7 @@
 </p:sld>
 </file>
 
-<file path=ppt/slides/slide22.xml><?xml version="1.0" encoding="utf-8"?>
+<file path=ppt/slides/slide23.xml><?xml version="1.0" encoding="utf-8"?>
 <p:sld xmlns:a="http://schemas.openxmlformats.org/drawingml/2006/main" xmlns:r="http://schemas.openxmlformats.org/officeDocument/2006/relationships" xmlns:p="http://schemas.openxmlformats.org/presentationml/2006/main">
   <p:cSld>
     <p:bg>
@@ -19252,7 +19557,7 @@
 </p:sld>
 </file>
 
-<file path=ppt/slides/slide23.xml><?xml version="1.0" encoding="utf-8"?>
+<file path=ppt/slides/slide24.xml><?xml version="1.0" encoding="utf-8"?>
 <p:sld xmlns:a="http://schemas.openxmlformats.org/drawingml/2006/main" xmlns:r="http://schemas.openxmlformats.org/officeDocument/2006/relationships" xmlns:p="http://schemas.openxmlformats.org/presentationml/2006/main">
   <p:cSld>
     <p:bg>
@@ -21024,7 +21329,7 @@
 </p:sld>
 </file>
 
-<file path=ppt/slides/slide24.xml><?xml version="1.0" encoding="utf-8"?>
+<file path=ppt/slides/slide25.xml><?xml version="1.0" encoding="utf-8"?>
 <p:sld xmlns:a="http://schemas.openxmlformats.org/drawingml/2006/main" xmlns:r="http://schemas.openxmlformats.org/officeDocument/2006/relationships" xmlns:p="http://schemas.openxmlformats.org/presentationml/2006/main">
   <p:cSld>
     <p:bg>
@@ -21621,7 +21926,7 @@
 </p:sld>
 </file>
 
-<file path=ppt/slides/slide25.xml><?xml version="1.0" encoding="utf-8"?>
+<file path=ppt/slides/slide26.xml><?xml version="1.0" encoding="utf-8"?>
 <p:sld xmlns:a="http://schemas.openxmlformats.org/drawingml/2006/main" xmlns:r="http://schemas.openxmlformats.org/officeDocument/2006/relationships" xmlns:p="http://schemas.openxmlformats.org/presentationml/2006/main">
   <p:cSld>
     <p:bg>
@@ -23567,147 +23872,6 @@
 </p:sld>
 </file>
 
-<file path=ppt/slides/slide26.xml><?xml version="1.0" encoding="utf-8"?>
-<p:sld xmlns:a="http://schemas.openxmlformats.org/drawingml/2006/main" xmlns:r="http://schemas.openxmlformats.org/officeDocument/2006/relationships" xmlns:p="http://schemas.openxmlformats.org/presentationml/2006/main">
-  <p:cSld>
-    <p:bg>
-      <p:bgPr>
-        <a:blipFill dpi="0" rotWithShape="1">
-          <a:blip r:embed="rId2">
-            <a:lum/>
-          </a:blip>
-          <a:srcRect/>
-          <a:stretch>
-            <a:fillRect/>
-          </a:stretch>
-        </a:blipFill>
-        <a:effectLst/>
-      </p:bgPr>
-    </p:bg>
-    <p:spTree>
-      <p:nvGrpSpPr>
-        <p:cNvPr id="1" name=""/>
-        <p:cNvGrpSpPr/>
-        <p:nvPr/>
-      </p:nvGrpSpPr>
-      <p:grpSpPr>
-        <a:xfrm>
-          <a:off x="0" y="0"/>
-          <a:ext cx="0" cy="0"/>
-          <a:chOff x="0" y="0"/>
-          <a:chExt cx="0" cy="0"/>
-        </a:xfrm>
-      </p:grpSpPr>
-      <p:sp>
-        <p:nvSpPr>
-          <p:cNvPr id="6" name="Title 1">
-            <a:extLst>
-              <a:ext uri="{FF2B5EF4-FFF2-40B4-BE49-F238E27FC236}">
-                <a16:creationId xmlns:a16="http://schemas.microsoft.com/office/drawing/2014/main" id="{331D04E0-6416-4CBE-AD16-B2D9C4FE44C3}"/>
-              </a:ext>
-            </a:extLst>
-          </p:cNvPr>
-          <p:cNvSpPr>
-            <a:spLocks noGrp="1"/>
-          </p:cNvSpPr>
-          <p:nvPr>
-            <p:ph type="title"/>
-          </p:nvPr>
-        </p:nvSpPr>
-        <p:spPr>
-          <a:xfrm>
-            <a:off x="838200" y="365125"/>
-            <a:ext cx="10515600" cy="1325563"/>
-          </a:xfrm>
-        </p:spPr>
-        <p:txBody>
-          <a:bodyPr>
-            <a:normAutofit/>
-          </a:bodyPr>
-          <a:lstStyle/>
-          <a:p>
-            <a:r>
-              <a:rPr lang="en-US" b="1" dirty="0">
-                <a:solidFill>
-                  <a:srgbClr val="292D33"/>
-                </a:solidFill>
-                <a:latin typeface="Euclid Circular B" panose="020B0504000000000000" pitchFamily="34" charset="0"/>
-                <a:ea typeface="Euclid Circular B" panose="020B0504000000000000" pitchFamily="34" charset="0"/>
-              </a:rPr>
-              <a:t>Integrating the modules</a:t>
-            </a:r>
-            <a:br>
-              <a:rPr lang="en-US" b="1" dirty="0">
-                <a:solidFill>
-                  <a:srgbClr val="292D33"/>
-                </a:solidFill>
-                <a:latin typeface="Euclid Circular B" panose="020B0504000000000000" pitchFamily="34" charset="0"/>
-                <a:ea typeface="Euclid Circular B" panose="020B0504000000000000" pitchFamily="34" charset="0"/>
-              </a:rPr>
-            </a:br>
-            <a:r>
-              <a:rPr lang="en-US" sz="3200" b="1" i="1" dirty="0">
-                <a:solidFill>
-                  <a:srgbClr val="292D33"/>
-                </a:solidFill>
-                <a:latin typeface="Euclid Circular B" panose="020B0504000000000000" pitchFamily="34" charset="0"/>
-                <a:ea typeface="Euclid Circular B" panose="020B0504000000000000" pitchFamily="34" charset="0"/>
-              </a:rPr>
-              <a:t>Synchronous communication: caching</a:t>
-            </a:r>
-            <a:endParaRPr lang="en-US" b="1" dirty="0">
-              <a:solidFill>
-                <a:srgbClr val="292D33"/>
-              </a:solidFill>
-              <a:latin typeface="Euclid Circular B" panose="020B0504000000000000" pitchFamily="34" charset="0"/>
-              <a:ea typeface="Euclid Circular B" panose="020B0504000000000000" pitchFamily="34" charset="0"/>
-            </a:endParaRPr>
-          </a:p>
-        </p:txBody>
-      </p:sp>
-      <p:pic>
-        <p:nvPicPr>
-          <p:cNvPr id="12" name="Picture 11">
-            <a:extLst>
-              <a:ext uri="{FF2B5EF4-FFF2-40B4-BE49-F238E27FC236}">
-                <a16:creationId xmlns:a16="http://schemas.microsoft.com/office/drawing/2014/main" id="{7CC43CC1-9B12-42E3-A2A6-BFB2866CF9C2}"/>
-              </a:ext>
-            </a:extLst>
-          </p:cNvPr>
-          <p:cNvPicPr>
-            <a:picLocks noChangeAspect="1"/>
-          </p:cNvPicPr>
-          <p:nvPr/>
-        </p:nvPicPr>
-        <p:blipFill>
-          <a:blip r:embed="rId3"/>
-          <a:stretch>
-            <a:fillRect/>
-          </a:stretch>
-        </p:blipFill>
-        <p:spPr>
-          <a:xfrm>
-            <a:off x="1524000" y="1985411"/>
-            <a:ext cx="9144000" cy="3695700"/>
-          </a:xfrm>
-          <a:prstGeom prst="rect">
-            <a:avLst/>
-          </a:prstGeom>
-        </p:spPr>
-      </p:pic>
-    </p:spTree>
-    <p:extLst>
-      <p:ext uri="{BB962C8B-B14F-4D97-AF65-F5344CB8AC3E}">
-        <p14:creationId xmlns:p14="http://schemas.microsoft.com/office/powerpoint/2010/main" val="1017573538"/>
-      </p:ext>
-    </p:extLst>
-  </p:cSld>
-  <p:clrMapOvr>
-    <a:masterClrMapping/>
-  </p:clrMapOvr>
-</p:sld>
-</file>
-
 <file path=ppt/slides/slide27.xml><?xml version="1.0" encoding="utf-8"?>
 <p:sld xmlns:a="http://schemas.openxmlformats.org/drawingml/2006/main" xmlns:r="http://schemas.openxmlformats.org/officeDocument/2006/relationships" xmlns:p="http://schemas.openxmlformats.org/presentationml/2006/main">
   <p:cSld>
@@ -23768,6 +23932,147 @@
           <a:lstStyle/>
           <a:p>
             <a:r>
+              <a:rPr lang="en-US" b="1" dirty="0">
+                <a:solidFill>
+                  <a:srgbClr val="292D33"/>
+                </a:solidFill>
+                <a:latin typeface="Euclid Circular B" panose="020B0504000000000000" pitchFamily="34" charset="0"/>
+                <a:ea typeface="Euclid Circular B" panose="020B0504000000000000" pitchFamily="34" charset="0"/>
+              </a:rPr>
+              <a:t>Integrating the modules</a:t>
+            </a:r>
+            <a:br>
+              <a:rPr lang="en-US" b="1" dirty="0">
+                <a:solidFill>
+                  <a:srgbClr val="292D33"/>
+                </a:solidFill>
+                <a:latin typeface="Euclid Circular B" panose="020B0504000000000000" pitchFamily="34" charset="0"/>
+                <a:ea typeface="Euclid Circular B" panose="020B0504000000000000" pitchFamily="34" charset="0"/>
+              </a:rPr>
+            </a:br>
+            <a:r>
+              <a:rPr lang="en-US" sz="3200" b="1" i="1" dirty="0">
+                <a:solidFill>
+                  <a:srgbClr val="292D33"/>
+                </a:solidFill>
+                <a:latin typeface="Euclid Circular B" panose="020B0504000000000000" pitchFamily="34" charset="0"/>
+                <a:ea typeface="Euclid Circular B" panose="020B0504000000000000" pitchFamily="34" charset="0"/>
+              </a:rPr>
+              <a:t>Synchronous communication: caching</a:t>
+            </a:r>
+            <a:endParaRPr lang="en-US" b="1" dirty="0">
+              <a:solidFill>
+                <a:srgbClr val="292D33"/>
+              </a:solidFill>
+              <a:latin typeface="Euclid Circular B" panose="020B0504000000000000" pitchFamily="34" charset="0"/>
+              <a:ea typeface="Euclid Circular B" panose="020B0504000000000000" pitchFamily="34" charset="0"/>
+            </a:endParaRPr>
+          </a:p>
+        </p:txBody>
+      </p:sp>
+      <p:pic>
+        <p:nvPicPr>
+          <p:cNvPr id="12" name="Picture 11">
+            <a:extLst>
+              <a:ext uri="{FF2B5EF4-FFF2-40B4-BE49-F238E27FC236}">
+                <a16:creationId xmlns:a16="http://schemas.microsoft.com/office/drawing/2014/main" id="{7CC43CC1-9B12-42E3-A2A6-BFB2866CF9C2}"/>
+              </a:ext>
+            </a:extLst>
+          </p:cNvPr>
+          <p:cNvPicPr>
+            <a:picLocks noChangeAspect="1"/>
+          </p:cNvPicPr>
+          <p:nvPr/>
+        </p:nvPicPr>
+        <p:blipFill>
+          <a:blip r:embed="rId3"/>
+          <a:stretch>
+            <a:fillRect/>
+          </a:stretch>
+        </p:blipFill>
+        <p:spPr>
+          <a:xfrm>
+            <a:off x="1524000" y="1985411"/>
+            <a:ext cx="9144000" cy="3695700"/>
+          </a:xfrm>
+          <a:prstGeom prst="rect">
+            <a:avLst/>
+          </a:prstGeom>
+        </p:spPr>
+      </p:pic>
+    </p:spTree>
+    <p:extLst>
+      <p:ext uri="{BB962C8B-B14F-4D97-AF65-F5344CB8AC3E}">
+        <p14:creationId xmlns:p14="http://schemas.microsoft.com/office/powerpoint/2010/main" val="1017573538"/>
+      </p:ext>
+    </p:extLst>
+  </p:cSld>
+  <p:clrMapOvr>
+    <a:masterClrMapping/>
+  </p:clrMapOvr>
+</p:sld>
+</file>
+
+<file path=ppt/slides/slide28.xml><?xml version="1.0" encoding="utf-8"?>
+<p:sld xmlns:a="http://schemas.openxmlformats.org/drawingml/2006/main" xmlns:r="http://schemas.openxmlformats.org/officeDocument/2006/relationships" xmlns:p="http://schemas.openxmlformats.org/presentationml/2006/main">
+  <p:cSld>
+    <p:bg>
+      <p:bgPr>
+        <a:blipFill dpi="0" rotWithShape="1">
+          <a:blip r:embed="rId2">
+            <a:lum/>
+          </a:blip>
+          <a:srcRect/>
+          <a:stretch>
+            <a:fillRect/>
+          </a:stretch>
+        </a:blipFill>
+        <a:effectLst/>
+      </p:bgPr>
+    </p:bg>
+    <p:spTree>
+      <p:nvGrpSpPr>
+        <p:cNvPr id="1" name=""/>
+        <p:cNvGrpSpPr/>
+        <p:nvPr/>
+      </p:nvGrpSpPr>
+      <p:grpSpPr>
+        <a:xfrm>
+          <a:off x="0" y="0"/>
+          <a:ext cx="0" cy="0"/>
+          <a:chOff x="0" y="0"/>
+          <a:chExt cx="0" cy="0"/>
+        </a:xfrm>
+      </p:grpSpPr>
+      <p:sp>
+        <p:nvSpPr>
+          <p:cNvPr id="6" name="Title 1">
+            <a:extLst>
+              <a:ext uri="{FF2B5EF4-FFF2-40B4-BE49-F238E27FC236}">
+                <a16:creationId xmlns:a16="http://schemas.microsoft.com/office/drawing/2014/main" id="{331D04E0-6416-4CBE-AD16-B2D9C4FE44C3}"/>
+              </a:ext>
+            </a:extLst>
+          </p:cNvPr>
+          <p:cNvSpPr>
+            <a:spLocks noGrp="1"/>
+          </p:cNvSpPr>
+          <p:nvPr>
+            <p:ph type="title"/>
+          </p:nvPr>
+        </p:nvSpPr>
+        <p:spPr>
+          <a:xfrm>
+            <a:off x="838200" y="365125"/>
+            <a:ext cx="10515600" cy="1325563"/>
+          </a:xfrm>
+        </p:spPr>
+        <p:txBody>
+          <a:bodyPr>
+            <a:normAutofit/>
+          </a:bodyPr>
+          <a:lstStyle/>
+          <a:p>
+            <a:r>
               <a:rPr lang="en-US" b="1">
                 <a:solidFill>
                   <a:srgbClr val="292D33"/>
@@ -23849,7 +24154,7 @@
 </p:sld>
 </file>
 
-<file path=ppt/slides/slide28.xml><?xml version="1.0" encoding="utf-8"?>
+<file path=ppt/slides/slide29.xml><?xml version="1.0" encoding="utf-8"?>
 <p:sld xmlns:a="http://schemas.openxmlformats.org/drawingml/2006/main" xmlns:r="http://schemas.openxmlformats.org/officeDocument/2006/relationships" xmlns:p="http://schemas.openxmlformats.org/presentationml/2006/main">
   <p:cSld>
     <p:bg>
@@ -26617,7 +26922,1277 @@
 </p:sld>
 </file>
 
-<file path=ppt/slides/slide29.xml><?xml version="1.0" encoding="utf-8"?>
+<file path=ppt/slides/slide3.xml><?xml version="1.0" encoding="utf-8"?>
+<p:sld xmlns:a="http://schemas.openxmlformats.org/drawingml/2006/main" xmlns:r="http://schemas.openxmlformats.org/officeDocument/2006/relationships" xmlns:p="http://schemas.openxmlformats.org/presentationml/2006/main">
+  <p:cSld>
+    <p:bg>
+      <p:bgPr>
+        <a:blipFill dpi="0" rotWithShape="1">
+          <a:blip r:embed="rId2">
+            <a:lum/>
+          </a:blip>
+          <a:srcRect/>
+          <a:stretch>
+            <a:fillRect/>
+          </a:stretch>
+        </a:blipFill>
+        <a:effectLst/>
+      </p:bgPr>
+    </p:bg>
+    <p:spTree>
+      <p:nvGrpSpPr>
+        <p:cNvPr id="1" name=""/>
+        <p:cNvGrpSpPr/>
+        <p:nvPr/>
+      </p:nvGrpSpPr>
+      <p:grpSpPr>
+        <a:xfrm>
+          <a:off x="0" y="0"/>
+          <a:ext cx="0" cy="0"/>
+          <a:chOff x="0" y="0"/>
+          <a:chExt cx="0" cy="0"/>
+        </a:xfrm>
+      </p:grpSpPr>
+      <p:sp>
+        <p:nvSpPr>
+          <p:cNvPr id="2" name="Title 1">
+            <a:extLst>
+              <a:ext uri="{FF2B5EF4-FFF2-40B4-BE49-F238E27FC236}">
+                <a16:creationId xmlns:a16="http://schemas.microsoft.com/office/drawing/2014/main" id="{55E11F08-6CA0-48F1-AD67-97430DDA07F0}"/>
+              </a:ext>
+            </a:extLst>
+          </p:cNvPr>
+          <p:cNvSpPr>
+            <a:spLocks noGrp="1"/>
+          </p:cNvSpPr>
+          <p:nvPr>
+            <p:ph type="title"/>
+          </p:nvPr>
+        </p:nvSpPr>
+        <p:spPr/>
+        <p:txBody>
+          <a:bodyPr/>
+          <a:lstStyle/>
+          <a:p>
+            <a:r>
+              <a:rPr lang="en-US" b="1" dirty="0">
+                <a:solidFill>
+                  <a:srgbClr val="292D33"/>
+                </a:solidFill>
+                <a:latin typeface="Euclid Circular B" panose="020B0504000000000000" pitchFamily="34" charset="0"/>
+                <a:ea typeface="Euclid Circular B" panose="020B0504000000000000" pitchFamily="34" charset="0"/>
+              </a:rPr>
+              <a:t>Agenda</a:t>
+            </a:r>
+          </a:p>
+        </p:txBody>
+      </p:sp>
+      <p:sp>
+        <p:nvSpPr>
+          <p:cNvPr id="3" name="Content Placeholder 2">
+            <a:extLst>
+              <a:ext uri="{FF2B5EF4-FFF2-40B4-BE49-F238E27FC236}">
+                <a16:creationId xmlns:a16="http://schemas.microsoft.com/office/drawing/2014/main" id="{891C7693-D3DF-4635-96F4-97F3B4136FDF}"/>
+              </a:ext>
+            </a:extLst>
+          </p:cNvPr>
+          <p:cNvSpPr>
+            <a:spLocks noGrp="1"/>
+          </p:cNvSpPr>
+          <p:nvPr>
+            <p:ph idx="1"/>
+          </p:nvPr>
+        </p:nvSpPr>
+        <p:spPr>
+          <a:xfrm>
+            <a:off x="838200" y="1825625"/>
+            <a:ext cx="5037056" cy="4351338"/>
+          </a:xfrm>
+        </p:spPr>
+        <p:txBody>
+          <a:bodyPr>
+            <a:normAutofit/>
+          </a:bodyPr>
+          <a:lstStyle/>
+          <a:p>
+            <a:r>
+              <a:rPr lang="en-US" dirty="0">
+                <a:latin typeface="Euclid Circular B" panose="020B0504000000000000" pitchFamily="34" charset="0"/>
+                <a:ea typeface="Euclid Circular B" panose="020B0504000000000000" pitchFamily="34" charset="0"/>
+              </a:rPr>
+              <a:t>Microservices and the </a:t>
+            </a:r>
+            <a:r>
+              <a:rPr lang="en-US" b="1" dirty="0">
+                <a:latin typeface="Euclid Circular B" panose="020B0504000000000000" pitchFamily="34" charset="0"/>
+                <a:ea typeface="Euclid Circular B" panose="020B0504000000000000" pitchFamily="34" charset="0"/>
+              </a:rPr>
+              <a:t>monolith-first approach</a:t>
+            </a:r>
+          </a:p>
+          <a:p>
+            <a:r>
+              <a:rPr lang="en-US" dirty="0">
+                <a:latin typeface="Euclid Circular B" panose="020B0504000000000000" pitchFamily="34" charset="0"/>
+                <a:ea typeface="Euclid Circular B" panose="020B0504000000000000" pitchFamily="34" charset="0"/>
+              </a:rPr>
+              <a:t>Designing a </a:t>
+            </a:r>
+            <a:r>
+              <a:rPr lang="en-US" b="1" dirty="0">
+                <a:latin typeface="Euclid Circular B" panose="020B0504000000000000" pitchFamily="34" charset="0"/>
+                <a:ea typeface="Euclid Circular B" panose="020B0504000000000000" pitchFamily="34" charset="0"/>
+              </a:rPr>
+              <a:t>modular monolith</a:t>
+            </a:r>
+          </a:p>
+          <a:p>
+            <a:pPr lvl="1"/>
+            <a:r>
+              <a:rPr lang="en-US" dirty="0">
+                <a:latin typeface="Euclid Circular B" panose="020B0504000000000000" pitchFamily="34" charset="0"/>
+                <a:ea typeface="Euclid Circular B" panose="020B0504000000000000" pitchFamily="34" charset="0"/>
+              </a:rPr>
+              <a:t>The need for </a:t>
+            </a:r>
+            <a:r>
+              <a:rPr lang="en-US" b="1" dirty="0">
+                <a:latin typeface="Euclid Circular B" panose="020B0504000000000000" pitchFamily="34" charset="0"/>
+                <a:ea typeface="Euclid Circular B" panose="020B0504000000000000" pitchFamily="34" charset="0"/>
+              </a:rPr>
+              <a:t>layering</a:t>
+            </a:r>
+          </a:p>
+          <a:p>
+            <a:pPr lvl="1"/>
+            <a:r>
+              <a:rPr lang="en-US" dirty="0">
+                <a:latin typeface="Euclid Circular B" panose="020B0504000000000000" pitchFamily="34" charset="0"/>
+                <a:ea typeface="Euclid Circular B" panose="020B0504000000000000" pitchFamily="34" charset="0"/>
+              </a:rPr>
+              <a:t>Designing the </a:t>
+            </a:r>
+            <a:r>
+              <a:rPr lang="en-US" b="1" dirty="0">
+                <a:latin typeface="Euclid Circular B" panose="020B0504000000000000" pitchFamily="34" charset="0"/>
+                <a:ea typeface="Euclid Circular B" panose="020B0504000000000000" pitchFamily="34" charset="0"/>
+              </a:rPr>
+              <a:t>database</a:t>
+            </a:r>
+          </a:p>
+          <a:p>
+            <a:pPr lvl="1"/>
+            <a:r>
+              <a:rPr lang="en-US" b="1" dirty="0">
+                <a:latin typeface="Euclid Circular B" panose="020B0504000000000000" pitchFamily="34" charset="0"/>
+                <a:ea typeface="Euclid Circular B" panose="020B0504000000000000" pitchFamily="34" charset="0"/>
+              </a:rPr>
+              <a:t>Integrating</a:t>
+            </a:r>
+            <a:r>
+              <a:rPr lang="en-US" dirty="0">
+                <a:latin typeface="Euclid Circular B" panose="020B0504000000000000" pitchFamily="34" charset="0"/>
+                <a:ea typeface="Euclid Circular B" panose="020B0504000000000000" pitchFamily="34" charset="0"/>
+              </a:rPr>
+              <a:t> the modules</a:t>
+            </a:r>
+          </a:p>
+        </p:txBody>
+      </p:sp>
+      <p:sp>
+        <p:nvSpPr>
+          <p:cNvPr id="4" name="Content Placeholder 2">
+            <a:extLst>
+              <a:ext uri="{FF2B5EF4-FFF2-40B4-BE49-F238E27FC236}">
+                <a16:creationId xmlns:a16="http://schemas.microsoft.com/office/drawing/2014/main" id="{9DC40808-74A7-4CAD-A1D4-4A716A873F0C}"/>
+              </a:ext>
+            </a:extLst>
+          </p:cNvPr>
+          <p:cNvSpPr txBox="1">
+            <a:spLocks/>
+          </p:cNvSpPr>
+          <p:nvPr/>
+        </p:nvSpPr>
+        <p:spPr>
+          <a:xfrm>
+            <a:off x="6316744" y="1825625"/>
+            <a:ext cx="5037056" cy="4351338"/>
+          </a:xfrm>
+          <a:prstGeom prst="rect">
+            <a:avLst/>
+          </a:prstGeom>
+        </p:spPr>
+        <p:txBody>
+          <a:bodyPr vert="horz" lIns="91440" tIns="45720" rIns="91440" bIns="45720" rtlCol="0">
+            <a:normAutofit/>
+          </a:bodyPr>
+          <a:lstStyle>
+            <a:lvl1pPr marL="228600" indent="-228600" algn="l" defTabSz="914400" rtl="0" eaLnBrk="1" latinLnBrk="0" hangingPunct="1">
+              <a:lnSpc>
+                <a:spcPct val="90000"/>
+              </a:lnSpc>
+              <a:spcBef>
+                <a:spcPts val="1000"/>
+              </a:spcBef>
+              <a:buFont typeface="Arial" panose="020B0604020202020204" pitchFamily="34" charset="0"/>
+              <a:buChar char="•"/>
+              <a:defRPr sz="2800" kern="1200">
+                <a:solidFill>
+                  <a:schemeClr val="tx1"/>
+                </a:solidFill>
+                <a:latin typeface="+mn-lt"/>
+                <a:ea typeface="+mn-ea"/>
+                <a:cs typeface="+mn-cs"/>
+              </a:defRPr>
+            </a:lvl1pPr>
+            <a:lvl2pPr marL="685800" indent="-228600" algn="l" defTabSz="914400" rtl="0" eaLnBrk="1" latinLnBrk="0" hangingPunct="1">
+              <a:lnSpc>
+                <a:spcPct val="90000"/>
+              </a:lnSpc>
+              <a:spcBef>
+                <a:spcPts val="500"/>
+              </a:spcBef>
+              <a:buFont typeface="Arial" panose="020B0604020202020204" pitchFamily="34" charset="0"/>
+              <a:buChar char="•"/>
+              <a:defRPr sz="2400" kern="1200">
+                <a:solidFill>
+                  <a:schemeClr val="tx1"/>
+                </a:solidFill>
+                <a:latin typeface="+mn-lt"/>
+                <a:ea typeface="+mn-ea"/>
+                <a:cs typeface="+mn-cs"/>
+              </a:defRPr>
+            </a:lvl2pPr>
+            <a:lvl3pPr marL="1143000" indent="-228600" algn="l" defTabSz="914400" rtl="0" eaLnBrk="1" latinLnBrk="0" hangingPunct="1">
+              <a:lnSpc>
+                <a:spcPct val="90000"/>
+              </a:lnSpc>
+              <a:spcBef>
+                <a:spcPts val="500"/>
+              </a:spcBef>
+              <a:buFont typeface="Arial" panose="020B0604020202020204" pitchFamily="34" charset="0"/>
+              <a:buChar char="•"/>
+              <a:defRPr sz="2000" kern="1200">
+                <a:solidFill>
+                  <a:schemeClr val="tx1"/>
+                </a:solidFill>
+                <a:latin typeface="+mn-lt"/>
+                <a:ea typeface="+mn-ea"/>
+                <a:cs typeface="+mn-cs"/>
+              </a:defRPr>
+            </a:lvl3pPr>
+            <a:lvl4pPr marL="1600200" indent="-228600" algn="l" defTabSz="914400" rtl="0" eaLnBrk="1" latinLnBrk="0" hangingPunct="1">
+              <a:lnSpc>
+                <a:spcPct val="90000"/>
+              </a:lnSpc>
+              <a:spcBef>
+                <a:spcPts val="500"/>
+              </a:spcBef>
+              <a:buFont typeface="Arial" panose="020B0604020202020204" pitchFamily="34" charset="0"/>
+              <a:buChar char="•"/>
+              <a:defRPr sz="1800" kern="1200">
+                <a:solidFill>
+                  <a:schemeClr val="tx1"/>
+                </a:solidFill>
+                <a:latin typeface="+mn-lt"/>
+                <a:ea typeface="+mn-ea"/>
+                <a:cs typeface="+mn-cs"/>
+              </a:defRPr>
+            </a:lvl4pPr>
+            <a:lvl5pPr marL="2057400" indent="-228600" algn="l" defTabSz="914400" rtl="0" eaLnBrk="1" latinLnBrk="0" hangingPunct="1">
+              <a:lnSpc>
+                <a:spcPct val="90000"/>
+              </a:lnSpc>
+              <a:spcBef>
+                <a:spcPts val="500"/>
+              </a:spcBef>
+              <a:buFont typeface="Arial" panose="020B0604020202020204" pitchFamily="34" charset="0"/>
+              <a:buChar char="•"/>
+              <a:defRPr sz="1800" kern="1200">
+                <a:solidFill>
+                  <a:schemeClr val="tx1"/>
+                </a:solidFill>
+                <a:latin typeface="+mn-lt"/>
+                <a:ea typeface="+mn-ea"/>
+                <a:cs typeface="+mn-cs"/>
+              </a:defRPr>
+            </a:lvl5pPr>
+            <a:lvl6pPr marL="2514600" indent="-228600" algn="l" defTabSz="914400" rtl="0" eaLnBrk="1" latinLnBrk="0" hangingPunct="1">
+              <a:lnSpc>
+                <a:spcPct val="90000"/>
+              </a:lnSpc>
+              <a:spcBef>
+                <a:spcPts val="500"/>
+              </a:spcBef>
+              <a:buFont typeface="Arial" panose="020B0604020202020204" pitchFamily="34" charset="0"/>
+              <a:buChar char="•"/>
+              <a:defRPr sz="1800" kern="1200">
+                <a:solidFill>
+                  <a:schemeClr val="tx1"/>
+                </a:solidFill>
+                <a:latin typeface="+mn-lt"/>
+                <a:ea typeface="+mn-ea"/>
+                <a:cs typeface="+mn-cs"/>
+              </a:defRPr>
+            </a:lvl6pPr>
+            <a:lvl7pPr marL="2971800" indent="-228600" algn="l" defTabSz="914400" rtl="0" eaLnBrk="1" latinLnBrk="0" hangingPunct="1">
+              <a:lnSpc>
+                <a:spcPct val="90000"/>
+              </a:lnSpc>
+              <a:spcBef>
+                <a:spcPts val="500"/>
+              </a:spcBef>
+              <a:buFont typeface="Arial" panose="020B0604020202020204" pitchFamily="34" charset="0"/>
+              <a:buChar char="•"/>
+              <a:defRPr sz="1800" kern="1200">
+                <a:solidFill>
+                  <a:schemeClr val="tx1"/>
+                </a:solidFill>
+                <a:latin typeface="+mn-lt"/>
+                <a:ea typeface="+mn-ea"/>
+                <a:cs typeface="+mn-cs"/>
+              </a:defRPr>
+            </a:lvl7pPr>
+            <a:lvl8pPr marL="3429000" indent="-228600" algn="l" defTabSz="914400" rtl="0" eaLnBrk="1" latinLnBrk="0" hangingPunct="1">
+              <a:lnSpc>
+                <a:spcPct val="90000"/>
+              </a:lnSpc>
+              <a:spcBef>
+                <a:spcPts val="500"/>
+              </a:spcBef>
+              <a:buFont typeface="Arial" panose="020B0604020202020204" pitchFamily="34" charset="0"/>
+              <a:buChar char="•"/>
+              <a:defRPr sz="1800" kern="1200">
+                <a:solidFill>
+                  <a:schemeClr val="tx1"/>
+                </a:solidFill>
+                <a:latin typeface="+mn-lt"/>
+                <a:ea typeface="+mn-ea"/>
+                <a:cs typeface="+mn-cs"/>
+              </a:defRPr>
+            </a:lvl8pPr>
+            <a:lvl9pPr marL="3886200" indent="-228600" algn="l" defTabSz="914400" rtl="0" eaLnBrk="1" latinLnBrk="0" hangingPunct="1">
+              <a:lnSpc>
+                <a:spcPct val="90000"/>
+              </a:lnSpc>
+              <a:spcBef>
+                <a:spcPts val="500"/>
+              </a:spcBef>
+              <a:buFont typeface="Arial" panose="020B0604020202020204" pitchFamily="34" charset="0"/>
+              <a:buChar char="•"/>
+              <a:defRPr sz="1800" kern="1200">
+                <a:solidFill>
+                  <a:schemeClr val="tx1"/>
+                </a:solidFill>
+                <a:latin typeface="+mn-lt"/>
+                <a:ea typeface="+mn-ea"/>
+                <a:cs typeface="+mn-cs"/>
+              </a:defRPr>
+            </a:lvl9pPr>
+          </a:lstStyle>
+          <a:p>
+            <a:r>
+              <a:rPr lang="en-US" b="1" dirty="0">
+                <a:latin typeface="Euclid Circular B" panose="020B0504000000000000" pitchFamily="34" charset="0"/>
+                <a:ea typeface="Euclid Circular B" panose="020B0504000000000000" pitchFamily="34" charset="0"/>
+              </a:rPr>
+              <a:t>Migrating</a:t>
+            </a:r>
+            <a:r>
+              <a:rPr lang="en-US" dirty="0">
+                <a:latin typeface="Euclid Circular B" panose="020B0504000000000000" pitchFamily="34" charset="0"/>
+                <a:ea typeface="Euclid Circular B" panose="020B0504000000000000" pitchFamily="34" charset="0"/>
+              </a:rPr>
+              <a:t> to microservices</a:t>
+            </a:r>
+          </a:p>
+          <a:p>
+            <a:pPr lvl="1"/>
+            <a:r>
+              <a:rPr lang="en-US" dirty="0">
+                <a:latin typeface="Euclid Circular B" panose="020B0504000000000000" pitchFamily="34" charset="0"/>
+                <a:ea typeface="Euclid Circular B" panose="020B0504000000000000" pitchFamily="34" charset="0"/>
+              </a:rPr>
+              <a:t>Hosting &amp; </a:t>
+            </a:r>
+            <a:r>
+              <a:rPr lang="en-US" b="1" dirty="0">
+                <a:latin typeface="Euclid Circular B" panose="020B0504000000000000" pitchFamily="34" charset="0"/>
+                <a:ea typeface="Euclid Circular B" panose="020B0504000000000000" pitchFamily="34" charset="0"/>
+              </a:rPr>
+              <a:t>distribution</a:t>
+            </a:r>
+          </a:p>
+          <a:p>
+            <a:pPr lvl="1"/>
+            <a:r>
+              <a:rPr lang="en-US" dirty="0">
+                <a:latin typeface="Euclid Circular B" panose="020B0504000000000000" pitchFamily="34" charset="0"/>
+                <a:ea typeface="Euclid Circular B" panose="020B0504000000000000" pitchFamily="34" charset="0"/>
+              </a:rPr>
+              <a:t>Replacing in-process </a:t>
+            </a:r>
+            <a:r>
+              <a:rPr lang="en-US" b="1" dirty="0">
+                <a:latin typeface="Euclid Circular B" panose="020B0504000000000000" pitchFamily="34" charset="0"/>
+                <a:ea typeface="Euclid Circular B" panose="020B0504000000000000" pitchFamily="34" charset="0"/>
+              </a:rPr>
+              <a:t>service calls</a:t>
+            </a:r>
+          </a:p>
+          <a:p>
+            <a:pPr lvl="1"/>
+            <a:r>
+              <a:rPr lang="en-US" dirty="0">
+                <a:latin typeface="Euclid Circular B" panose="020B0504000000000000" pitchFamily="34" charset="0"/>
+                <a:ea typeface="Euclid Circular B" panose="020B0504000000000000" pitchFamily="34" charset="0"/>
+              </a:rPr>
+              <a:t>Enabling </a:t>
+            </a:r>
+            <a:r>
+              <a:rPr lang="en-US" b="1" dirty="0">
+                <a:latin typeface="Euclid Circular B" panose="020B0504000000000000" pitchFamily="34" charset="0"/>
+                <a:ea typeface="Euclid Circular B" panose="020B0504000000000000" pitchFamily="34" charset="0"/>
+              </a:rPr>
+              <a:t>transactional events</a:t>
+            </a:r>
+          </a:p>
+          <a:p>
+            <a:pPr lvl="1"/>
+            <a:r>
+              <a:rPr lang="en-US" dirty="0">
+                <a:latin typeface="Euclid Circular B" panose="020B0504000000000000" pitchFamily="34" charset="0"/>
+                <a:ea typeface="Euclid Circular B" panose="020B0504000000000000" pitchFamily="34" charset="0"/>
+              </a:rPr>
+              <a:t>Handling </a:t>
+            </a:r>
+            <a:r>
+              <a:rPr lang="en-US" b="1" dirty="0">
+                <a:latin typeface="Euclid Circular B" panose="020B0504000000000000" pitchFamily="34" charset="0"/>
+                <a:ea typeface="Euclid Circular B" panose="020B0504000000000000" pitchFamily="34" charset="0"/>
+              </a:rPr>
+              <a:t>database migrations</a:t>
+            </a:r>
+          </a:p>
+          <a:p>
+            <a:pPr lvl="1"/>
+            <a:r>
+              <a:rPr lang="en-US" b="1" dirty="0">
+                <a:latin typeface="Euclid Circular B" panose="020B0504000000000000" pitchFamily="34" charset="0"/>
+                <a:ea typeface="Euclid Circular B" panose="020B0504000000000000" pitchFamily="34" charset="0"/>
+              </a:rPr>
+              <a:t>Authentication</a:t>
+            </a:r>
+            <a:r>
+              <a:rPr lang="en-US" dirty="0">
+                <a:latin typeface="Euclid Circular B" panose="020B0504000000000000" pitchFamily="34" charset="0"/>
+                <a:ea typeface="Euclid Circular B" panose="020B0504000000000000" pitchFamily="34" charset="0"/>
+              </a:rPr>
+              <a:t> and </a:t>
+            </a:r>
+            <a:r>
+              <a:rPr lang="en-US" b="1" dirty="0">
+                <a:latin typeface="Euclid Circular B" panose="020B0504000000000000" pitchFamily="34" charset="0"/>
+                <a:ea typeface="Euclid Circular B" panose="020B0504000000000000" pitchFamily="34" charset="0"/>
+              </a:rPr>
+              <a:t>authorization</a:t>
+            </a:r>
+            <a:r>
+              <a:rPr lang="en-US" dirty="0">
+                <a:latin typeface="Euclid Circular B" panose="020B0504000000000000" pitchFamily="34" charset="0"/>
+                <a:ea typeface="Euclid Circular B" panose="020B0504000000000000" pitchFamily="34" charset="0"/>
+              </a:rPr>
+              <a:t> changes</a:t>
+            </a:r>
+          </a:p>
+          <a:p>
+            <a:pPr lvl="1"/>
+            <a:r>
+              <a:rPr lang="en-US" b="1" dirty="0">
+                <a:latin typeface="Euclid Circular B" panose="020B0504000000000000" pitchFamily="34" charset="0"/>
+                <a:ea typeface="Euclid Circular B" panose="020B0504000000000000" pitchFamily="34" charset="0"/>
+              </a:rPr>
+              <a:t>Deployment</a:t>
+            </a:r>
+          </a:p>
+        </p:txBody>
+      </p:sp>
+    </p:spTree>
+    <p:extLst>
+      <p:ext uri="{BB962C8B-B14F-4D97-AF65-F5344CB8AC3E}">
+        <p14:creationId xmlns:p14="http://schemas.microsoft.com/office/powerpoint/2010/main" val="721846992"/>
+      </p:ext>
+    </p:extLst>
+  </p:cSld>
+  <p:clrMapOvr>
+    <a:masterClrMapping/>
+  </p:clrMapOvr>
+  <p:timing>
+    <p:tnLst>
+      <p:par>
+        <p:cTn id="1" dur="indefinite" restart="never" nodeType="tmRoot">
+          <p:childTnLst>
+            <p:seq concurrent="1" nextAc="seek">
+              <p:cTn id="2" dur="indefinite" nodeType="mainSeq">
+                <p:childTnLst>
+                  <p:par>
+                    <p:cTn id="3" fill="hold">
+                      <p:stCondLst>
+                        <p:cond delay="indefinite"/>
+                      </p:stCondLst>
+                      <p:childTnLst>
+                        <p:par>
+                          <p:cTn id="4" fill="hold">
+                            <p:stCondLst>
+                              <p:cond delay="0"/>
+                            </p:stCondLst>
+                            <p:childTnLst>
+                              <p:par>
+                                <p:cTn id="5" presetID="10" presetClass="entr" presetSubtype="0" fill="hold" nodeType="clickEffect">
+                                  <p:stCondLst>
+                                    <p:cond delay="0"/>
+                                  </p:stCondLst>
+                                  <p:childTnLst>
+                                    <p:set>
+                                      <p:cBhvr>
+                                        <p:cTn id="6" dur="1" fill="hold">
+                                          <p:stCondLst>
+                                            <p:cond delay="0"/>
+                                          </p:stCondLst>
+                                        </p:cTn>
+                                        <p:tgtEl>
+                                          <p:spTgt spid="3">
+                                            <p:txEl>
+                                              <p:pRg st="0" end="0"/>
+                                            </p:txEl>
+                                          </p:spTgt>
+                                        </p:tgtEl>
+                                        <p:attrNameLst>
+                                          <p:attrName>style.visibility</p:attrName>
+                                        </p:attrNameLst>
+                                      </p:cBhvr>
+                                      <p:to>
+                                        <p:strVal val="visible"/>
+                                      </p:to>
+                                    </p:set>
+                                    <p:animEffect transition="in" filter="fade">
+                                      <p:cBhvr>
+                                        <p:cTn id="7" dur="500"/>
+                                        <p:tgtEl>
+                                          <p:spTgt spid="3">
+                                            <p:txEl>
+                                              <p:pRg st="0" end="0"/>
+                                            </p:txEl>
+                                          </p:spTgt>
+                                        </p:tgtEl>
+                                      </p:cBhvr>
+                                    </p:animEffect>
+                                  </p:childTnLst>
+                                </p:cTn>
+                              </p:par>
+                            </p:childTnLst>
+                          </p:cTn>
+                        </p:par>
+                      </p:childTnLst>
+                    </p:cTn>
+                  </p:par>
+                  <p:par>
+                    <p:cTn id="8" fill="hold">
+                      <p:stCondLst>
+                        <p:cond delay="indefinite"/>
+                      </p:stCondLst>
+                      <p:childTnLst>
+                        <p:par>
+                          <p:cTn id="9" fill="hold">
+                            <p:stCondLst>
+                              <p:cond delay="0"/>
+                            </p:stCondLst>
+                            <p:childTnLst>
+                              <p:par>
+                                <p:cTn id="10" presetID="10" presetClass="entr" presetSubtype="0" fill="hold" nodeType="clickEffect">
+                                  <p:stCondLst>
+                                    <p:cond delay="0"/>
+                                  </p:stCondLst>
+                                  <p:childTnLst>
+                                    <p:set>
+                                      <p:cBhvr>
+                                        <p:cTn id="11" dur="1" fill="hold">
+                                          <p:stCondLst>
+                                            <p:cond delay="0"/>
+                                          </p:stCondLst>
+                                        </p:cTn>
+                                        <p:tgtEl>
+                                          <p:spTgt spid="3">
+                                            <p:txEl>
+                                              <p:pRg st="1" end="1"/>
+                                            </p:txEl>
+                                          </p:spTgt>
+                                        </p:tgtEl>
+                                        <p:attrNameLst>
+                                          <p:attrName>style.visibility</p:attrName>
+                                        </p:attrNameLst>
+                                      </p:cBhvr>
+                                      <p:to>
+                                        <p:strVal val="visible"/>
+                                      </p:to>
+                                    </p:set>
+                                    <p:animEffect transition="in" filter="fade">
+                                      <p:cBhvr>
+                                        <p:cTn id="12" dur="500"/>
+                                        <p:tgtEl>
+                                          <p:spTgt spid="3">
+                                            <p:txEl>
+                                              <p:pRg st="1" end="1"/>
+                                            </p:txEl>
+                                          </p:spTgt>
+                                        </p:tgtEl>
+                                      </p:cBhvr>
+                                    </p:animEffect>
+                                  </p:childTnLst>
+                                </p:cTn>
+                              </p:par>
+                            </p:childTnLst>
+                          </p:cTn>
+                        </p:par>
+                      </p:childTnLst>
+                    </p:cTn>
+                  </p:par>
+                  <p:par>
+                    <p:cTn id="13" fill="hold">
+                      <p:stCondLst>
+                        <p:cond delay="indefinite"/>
+                      </p:stCondLst>
+                      <p:childTnLst>
+                        <p:par>
+                          <p:cTn id="14" fill="hold">
+                            <p:stCondLst>
+                              <p:cond delay="0"/>
+                            </p:stCondLst>
+                            <p:childTnLst>
+                              <p:par>
+                                <p:cTn id="15" presetID="10" presetClass="entr" presetSubtype="0" fill="hold" nodeType="clickEffect">
+                                  <p:stCondLst>
+                                    <p:cond delay="0"/>
+                                  </p:stCondLst>
+                                  <p:childTnLst>
+                                    <p:set>
+                                      <p:cBhvr>
+                                        <p:cTn id="16" dur="1" fill="hold">
+                                          <p:stCondLst>
+                                            <p:cond delay="0"/>
+                                          </p:stCondLst>
+                                        </p:cTn>
+                                        <p:tgtEl>
+                                          <p:spTgt spid="3">
+                                            <p:txEl>
+                                              <p:pRg st="2" end="2"/>
+                                            </p:txEl>
+                                          </p:spTgt>
+                                        </p:tgtEl>
+                                        <p:attrNameLst>
+                                          <p:attrName>style.visibility</p:attrName>
+                                        </p:attrNameLst>
+                                      </p:cBhvr>
+                                      <p:to>
+                                        <p:strVal val="visible"/>
+                                      </p:to>
+                                    </p:set>
+                                    <p:animEffect transition="in" filter="fade">
+                                      <p:cBhvr>
+                                        <p:cTn id="17" dur="500"/>
+                                        <p:tgtEl>
+                                          <p:spTgt spid="3">
+                                            <p:txEl>
+                                              <p:pRg st="2" end="2"/>
+                                            </p:txEl>
+                                          </p:spTgt>
+                                        </p:tgtEl>
+                                      </p:cBhvr>
+                                    </p:animEffect>
+                                  </p:childTnLst>
+                                </p:cTn>
+                              </p:par>
+                            </p:childTnLst>
+                          </p:cTn>
+                        </p:par>
+                      </p:childTnLst>
+                    </p:cTn>
+                  </p:par>
+                  <p:par>
+                    <p:cTn id="18" fill="hold">
+                      <p:stCondLst>
+                        <p:cond delay="indefinite"/>
+                      </p:stCondLst>
+                      <p:childTnLst>
+                        <p:par>
+                          <p:cTn id="19" fill="hold">
+                            <p:stCondLst>
+                              <p:cond delay="0"/>
+                            </p:stCondLst>
+                            <p:childTnLst>
+                              <p:par>
+                                <p:cTn id="20" presetID="10" presetClass="entr" presetSubtype="0" fill="hold" nodeType="clickEffect">
+                                  <p:stCondLst>
+                                    <p:cond delay="0"/>
+                                  </p:stCondLst>
+                                  <p:childTnLst>
+                                    <p:set>
+                                      <p:cBhvr>
+                                        <p:cTn id="21" dur="1" fill="hold">
+                                          <p:stCondLst>
+                                            <p:cond delay="0"/>
+                                          </p:stCondLst>
+                                        </p:cTn>
+                                        <p:tgtEl>
+                                          <p:spTgt spid="3">
+                                            <p:txEl>
+                                              <p:pRg st="3" end="3"/>
+                                            </p:txEl>
+                                          </p:spTgt>
+                                        </p:tgtEl>
+                                        <p:attrNameLst>
+                                          <p:attrName>style.visibility</p:attrName>
+                                        </p:attrNameLst>
+                                      </p:cBhvr>
+                                      <p:to>
+                                        <p:strVal val="visible"/>
+                                      </p:to>
+                                    </p:set>
+                                    <p:animEffect transition="in" filter="fade">
+                                      <p:cBhvr>
+                                        <p:cTn id="22" dur="500"/>
+                                        <p:tgtEl>
+                                          <p:spTgt spid="3">
+                                            <p:txEl>
+                                              <p:pRg st="3" end="3"/>
+                                            </p:txEl>
+                                          </p:spTgt>
+                                        </p:tgtEl>
+                                      </p:cBhvr>
+                                    </p:animEffect>
+                                  </p:childTnLst>
+                                </p:cTn>
+                              </p:par>
+                            </p:childTnLst>
+                          </p:cTn>
+                        </p:par>
+                      </p:childTnLst>
+                    </p:cTn>
+                  </p:par>
+                  <p:par>
+                    <p:cTn id="23" fill="hold">
+                      <p:stCondLst>
+                        <p:cond delay="indefinite"/>
+                      </p:stCondLst>
+                      <p:childTnLst>
+                        <p:par>
+                          <p:cTn id="24" fill="hold">
+                            <p:stCondLst>
+                              <p:cond delay="0"/>
+                            </p:stCondLst>
+                            <p:childTnLst>
+                              <p:par>
+                                <p:cTn id="25" presetID="10" presetClass="entr" presetSubtype="0" fill="hold" nodeType="clickEffect">
+                                  <p:stCondLst>
+                                    <p:cond delay="0"/>
+                                  </p:stCondLst>
+                                  <p:childTnLst>
+                                    <p:set>
+                                      <p:cBhvr>
+                                        <p:cTn id="26" dur="1" fill="hold">
+                                          <p:stCondLst>
+                                            <p:cond delay="0"/>
+                                          </p:stCondLst>
+                                        </p:cTn>
+                                        <p:tgtEl>
+                                          <p:spTgt spid="3">
+                                            <p:txEl>
+                                              <p:pRg st="4" end="4"/>
+                                            </p:txEl>
+                                          </p:spTgt>
+                                        </p:tgtEl>
+                                        <p:attrNameLst>
+                                          <p:attrName>style.visibility</p:attrName>
+                                        </p:attrNameLst>
+                                      </p:cBhvr>
+                                      <p:to>
+                                        <p:strVal val="visible"/>
+                                      </p:to>
+                                    </p:set>
+                                    <p:animEffect transition="in" filter="fade">
+                                      <p:cBhvr>
+                                        <p:cTn id="27" dur="500"/>
+                                        <p:tgtEl>
+                                          <p:spTgt spid="3">
+                                            <p:txEl>
+                                              <p:pRg st="4" end="4"/>
+                                            </p:txEl>
+                                          </p:spTgt>
+                                        </p:tgtEl>
+                                      </p:cBhvr>
+                                    </p:animEffect>
+                                  </p:childTnLst>
+                                </p:cTn>
+                              </p:par>
+                            </p:childTnLst>
+                          </p:cTn>
+                        </p:par>
+                      </p:childTnLst>
+                    </p:cTn>
+                  </p:par>
+                  <p:par>
+                    <p:cTn id="28" fill="hold">
+                      <p:stCondLst>
+                        <p:cond delay="indefinite"/>
+                      </p:stCondLst>
+                      <p:childTnLst>
+                        <p:par>
+                          <p:cTn id="29" fill="hold">
+                            <p:stCondLst>
+                              <p:cond delay="0"/>
+                            </p:stCondLst>
+                            <p:childTnLst>
+                              <p:par>
+                                <p:cTn id="30" presetID="10" presetClass="entr" presetSubtype="0" fill="hold" nodeType="clickEffect">
+                                  <p:stCondLst>
+                                    <p:cond delay="0"/>
+                                  </p:stCondLst>
+                                  <p:childTnLst>
+                                    <p:set>
+                                      <p:cBhvr>
+                                        <p:cTn id="31" dur="1" fill="hold">
+                                          <p:stCondLst>
+                                            <p:cond delay="0"/>
+                                          </p:stCondLst>
+                                        </p:cTn>
+                                        <p:tgtEl>
+                                          <p:spTgt spid="4">
+                                            <p:txEl>
+                                              <p:pRg st="0" end="0"/>
+                                            </p:txEl>
+                                          </p:spTgt>
+                                        </p:tgtEl>
+                                        <p:attrNameLst>
+                                          <p:attrName>style.visibility</p:attrName>
+                                        </p:attrNameLst>
+                                      </p:cBhvr>
+                                      <p:to>
+                                        <p:strVal val="visible"/>
+                                      </p:to>
+                                    </p:set>
+                                    <p:animEffect transition="in" filter="fade">
+                                      <p:cBhvr>
+                                        <p:cTn id="32" dur="500"/>
+                                        <p:tgtEl>
+                                          <p:spTgt spid="4">
+                                            <p:txEl>
+                                              <p:pRg st="0" end="0"/>
+                                            </p:txEl>
+                                          </p:spTgt>
+                                        </p:tgtEl>
+                                      </p:cBhvr>
+                                    </p:animEffect>
+                                  </p:childTnLst>
+                                </p:cTn>
+                              </p:par>
+                            </p:childTnLst>
+                          </p:cTn>
+                        </p:par>
+                      </p:childTnLst>
+                    </p:cTn>
+                  </p:par>
+                  <p:par>
+                    <p:cTn id="33" fill="hold">
+                      <p:stCondLst>
+                        <p:cond delay="indefinite"/>
+                      </p:stCondLst>
+                      <p:childTnLst>
+                        <p:par>
+                          <p:cTn id="34" fill="hold">
+                            <p:stCondLst>
+                              <p:cond delay="0"/>
+                            </p:stCondLst>
+                            <p:childTnLst>
+                              <p:par>
+                                <p:cTn id="35" presetID="10" presetClass="entr" presetSubtype="0" fill="hold" nodeType="clickEffect">
+                                  <p:stCondLst>
+                                    <p:cond delay="0"/>
+                                  </p:stCondLst>
+                                  <p:childTnLst>
+                                    <p:set>
+                                      <p:cBhvr>
+                                        <p:cTn id="36" dur="1" fill="hold">
+                                          <p:stCondLst>
+                                            <p:cond delay="0"/>
+                                          </p:stCondLst>
+                                        </p:cTn>
+                                        <p:tgtEl>
+                                          <p:spTgt spid="4">
+                                            <p:txEl>
+                                              <p:pRg st="1" end="1"/>
+                                            </p:txEl>
+                                          </p:spTgt>
+                                        </p:tgtEl>
+                                        <p:attrNameLst>
+                                          <p:attrName>style.visibility</p:attrName>
+                                        </p:attrNameLst>
+                                      </p:cBhvr>
+                                      <p:to>
+                                        <p:strVal val="visible"/>
+                                      </p:to>
+                                    </p:set>
+                                    <p:animEffect transition="in" filter="fade">
+                                      <p:cBhvr>
+                                        <p:cTn id="37" dur="500"/>
+                                        <p:tgtEl>
+                                          <p:spTgt spid="4">
+                                            <p:txEl>
+                                              <p:pRg st="1" end="1"/>
+                                            </p:txEl>
+                                          </p:spTgt>
+                                        </p:tgtEl>
+                                      </p:cBhvr>
+                                    </p:animEffect>
+                                  </p:childTnLst>
+                                </p:cTn>
+                              </p:par>
+                            </p:childTnLst>
+                          </p:cTn>
+                        </p:par>
+                      </p:childTnLst>
+                    </p:cTn>
+                  </p:par>
+                  <p:par>
+                    <p:cTn id="38" fill="hold">
+                      <p:stCondLst>
+                        <p:cond delay="indefinite"/>
+                      </p:stCondLst>
+                      <p:childTnLst>
+                        <p:par>
+                          <p:cTn id="39" fill="hold">
+                            <p:stCondLst>
+                              <p:cond delay="0"/>
+                            </p:stCondLst>
+                            <p:childTnLst>
+                              <p:par>
+                                <p:cTn id="40" presetID="10" presetClass="entr" presetSubtype="0" fill="hold" nodeType="clickEffect">
+                                  <p:stCondLst>
+                                    <p:cond delay="0"/>
+                                  </p:stCondLst>
+                                  <p:childTnLst>
+                                    <p:set>
+                                      <p:cBhvr>
+                                        <p:cTn id="41" dur="1" fill="hold">
+                                          <p:stCondLst>
+                                            <p:cond delay="0"/>
+                                          </p:stCondLst>
+                                        </p:cTn>
+                                        <p:tgtEl>
+                                          <p:spTgt spid="4">
+                                            <p:txEl>
+                                              <p:pRg st="2" end="2"/>
+                                            </p:txEl>
+                                          </p:spTgt>
+                                        </p:tgtEl>
+                                        <p:attrNameLst>
+                                          <p:attrName>style.visibility</p:attrName>
+                                        </p:attrNameLst>
+                                      </p:cBhvr>
+                                      <p:to>
+                                        <p:strVal val="visible"/>
+                                      </p:to>
+                                    </p:set>
+                                    <p:animEffect transition="in" filter="fade">
+                                      <p:cBhvr>
+                                        <p:cTn id="42" dur="500"/>
+                                        <p:tgtEl>
+                                          <p:spTgt spid="4">
+                                            <p:txEl>
+                                              <p:pRg st="2" end="2"/>
+                                            </p:txEl>
+                                          </p:spTgt>
+                                        </p:tgtEl>
+                                      </p:cBhvr>
+                                    </p:animEffect>
+                                  </p:childTnLst>
+                                </p:cTn>
+                              </p:par>
+                            </p:childTnLst>
+                          </p:cTn>
+                        </p:par>
+                      </p:childTnLst>
+                    </p:cTn>
+                  </p:par>
+                  <p:par>
+                    <p:cTn id="43" fill="hold">
+                      <p:stCondLst>
+                        <p:cond delay="indefinite"/>
+                      </p:stCondLst>
+                      <p:childTnLst>
+                        <p:par>
+                          <p:cTn id="44" fill="hold">
+                            <p:stCondLst>
+                              <p:cond delay="0"/>
+                            </p:stCondLst>
+                            <p:childTnLst>
+                              <p:par>
+                                <p:cTn id="45" presetID="10" presetClass="entr" presetSubtype="0" fill="hold" nodeType="clickEffect">
+                                  <p:stCondLst>
+                                    <p:cond delay="0"/>
+                                  </p:stCondLst>
+                                  <p:childTnLst>
+                                    <p:set>
+                                      <p:cBhvr>
+                                        <p:cTn id="46" dur="1" fill="hold">
+                                          <p:stCondLst>
+                                            <p:cond delay="0"/>
+                                          </p:stCondLst>
+                                        </p:cTn>
+                                        <p:tgtEl>
+                                          <p:spTgt spid="4">
+                                            <p:txEl>
+                                              <p:pRg st="3" end="3"/>
+                                            </p:txEl>
+                                          </p:spTgt>
+                                        </p:tgtEl>
+                                        <p:attrNameLst>
+                                          <p:attrName>style.visibility</p:attrName>
+                                        </p:attrNameLst>
+                                      </p:cBhvr>
+                                      <p:to>
+                                        <p:strVal val="visible"/>
+                                      </p:to>
+                                    </p:set>
+                                    <p:animEffect transition="in" filter="fade">
+                                      <p:cBhvr>
+                                        <p:cTn id="47" dur="500"/>
+                                        <p:tgtEl>
+                                          <p:spTgt spid="4">
+                                            <p:txEl>
+                                              <p:pRg st="3" end="3"/>
+                                            </p:txEl>
+                                          </p:spTgt>
+                                        </p:tgtEl>
+                                      </p:cBhvr>
+                                    </p:animEffect>
+                                  </p:childTnLst>
+                                </p:cTn>
+                              </p:par>
+                            </p:childTnLst>
+                          </p:cTn>
+                        </p:par>
+                      </p:childTnLst>
+                    </p:cTn>
+                  </p:par>
+                  <p:par>
+                    <p:cTn id="48" fill="hold">
+                      <p:stCondLst>
+                        <p:cond delay="indefinite"/>
+                      </p:stCondLst>
+                      <p:childTnLst>
+                        <p:par>
+                          <p:cTn id="49" fill="hold">
+                            <p:stCondLst>
+                              <p:cond delay="0"/>
+                            </p:stCondLst>
+                            <p:childTnLst>
+                              <p:par>
+                                <p:cTn id="50" presetID="10" presetClass="entr" presetSubtype="0" fill="hold" nodeType="clickEffect">
+                                  <p:stCondLst>
+                                    <p:cond delay="0"/>
+                                  </p:stCondLst>
+                                  <p:childTnLst>
+                                    <p:set>
+                                      <p:cBhvr>
+                                        <p:cTn id="51" dur="1" fill="hold">
+                                          <p:stCondLst>
+                                            <p:cond delay="0"/>
+                                          </p:stCondLst>
+                                        </p:cTn>
+                                        <p:tgtEl>
+                                          <p:spTgt spid="4">
+                                            <p:txEl>
+                                              <p:pRg st="4" end="4"/>
+                                            </p:txEl>
+                                          </p:spTgt>
+                                        </p:tgtEl>
+                                        <p:attrNameLst>
+                                          <p:attrName>style.visibility</p:attrName>
+                                        </p:attrNameLst>
+                                      </p:cBhvr>
+                                      <p:to>
+                                        <p:strVal val="visible"/>
+                                      </p:to>
+                                    </p:set>
+                                    <p:animEffect transition="in" filter="fade">
+                                      <p:cBhvr>
+                                        <p:cTn id="52" dur="500"/>
+                                        <p:tgtEl>
+                                          <p:spTgt spid="4">
+                                            <p:txEl>
+                                              <p:pRg st="4" end="4"/>
+                                            </p:txEl>
+                                          </p:spTgt>
+                                        </p:tgtEl>
+                                      </p:cBhvr>
+                                    </p:animEffect>
+                                  </p:childTnLst>
+                                </p:cTn>
+                              </p:par>
+                            </p:childTnLst>
+                          </p:cTn>
+                        </p:par>
+                      </p:childTnLst>
+                    </p:cTn>
+                  </p:par>
+                  <p:par>
+                    <p:cTn id="53" fill="hold">
+                      <p:stCondLst>
+                        <p:cond delay="indefinite"/>
+                      </p:stCondLst>
+                      <p:childTnLst>
+                        <p:par>
+                          <p:cTn id="54" fill="hold">
+                            <p:stCondLst>
+                              <p:cond delay="0"/>
+                            </p:stCondLst>
+                            <p:childTnLst>
+                              <p:par>
+                                <p:cTn id="55" presetID="10" presetClass="entr" presetSubtype="0" fill="hold" nodeType="clickEffect">
+                                  <p:stCondLst>
+                                    <p:cond delay="0"/>
+                                  </p:stCondLst>
+                                  <p:childTnLst>
+                                    <p:set>
+                                      <p:cBhvr>
+                                        <p:cTn id="56" dur="1" fill="hold">
+                                          <p:stCondLst>
+                                            <p:cond delay="0"/>
+                                          </p:stCondLst>
+                                        </p:cTn>
+                                        <p:tgtEl>
+                                          <p:spTgt spid="4">
+                                            <p:txEl>
+                                              <p:pRg st="5" end="5"/>
+                                            </p:txEl>
+                                          </p:spTgt>
+                                        </p:tgtEl>
+                                        <p:attrNameLst>
+                                          <p:attrName>style.visibility</p:attrName>
+                                        </p:attrNameLst>
+                                      </p:cBhvr>
+                                      <p:to>
+                                        <p:strVal val="visible"/>
+                                      </p:to>
+                                    </p:set>
+                                    <p:animEffect transition="in" filter="fade">
+                                      <p:cBhvr>
+                                        <p:cTn id="57" dur="500"/>
+                                        <p:tgtEl>
+                                          <p:spTgt spid="4">
+                                            <p:txEl>
+                                              <p:pRg st="5" end="5"/>
+                                            </p:txEl>
+                                          </p:spTgt>
+                                        </p:tgtEl>
+                                      </p:cBhvr>
+                                    </p:animEffect>
+                                  </p:childTnLst>
+                                </p:cTn>
+                              </p:par>
+                            </p:childTnLst>
+                          </p:cTn>
+                        </p:par>
+                      </p:childTnLst>
+                    </p:cTn>
+                  </p:par>
+                  <p:par>
+                    <p:cTn id="58" fill="hold">
+                      <p:stCondLst>
+                        <p:cond delay="indefinite"/>
+                      </p:stCondLst>
+                      <p:childTnLst>
+                        <p:par>
+                          <p:cTn id="59" fill="hold">
+                            <p:stCondLst>
+                              <p:cond delay="0"/>
+                            </p:stCondLst>
+                            <p:childTnLst>
+                              <p:par>
+                                <p:cTn id="60" presetID="10" presetClass="entr" presetSubtype="0" fill="hold" nodeType="clickEffect">
+                                  <p:stCondLst>
+                                    <p:cond delay="0"/>
+                                  </p:stCondLst>
+                                  <p:childTnLst>
+                                    <p:set>
+                                      <p:cBhvr>
+                                        <p:cTn id="61" dur="1" fill="hold">
+                                          <p:stCondLst>
+                                            <p:cond delay="0"/>
+                                          </p:stCondLst>
+                                        </p:cTn>
+                                        <p:tgtEl>
+                                          <p:spTgt spid="4">
+                                            <p:txEl>
+                                              <p:pRg st="6" end="6"/>
+                                            </p:txEl>
+                                          </p:spTgt>
+                                        </p:tgtEl>
+                                        <p:attrNameLst>
+                                          <p:attrName>style.visibility</p:attrName>
+                                        </p:attrNameLst>
+                                      </p:cBhvr>
+                                      <p:to>
+                                        <p:strVal val="visible"/>
+                                      </p:to>
+                                    </p:set>
+                                    <p:animEffect transition="in" filter="fade">
+                                      <p:cBhvr>
+                                        <p:cTn id="62" dur="500"/>
+                                        <p:tgtEl>
+                                          <p:spTgt spid="4">
+                                            <p:txEl>
+                                              <p:pRg st="6" end="6"/>
+                                            </p:txEl>
+                                          </p:spTgt>
+                                        </p:tgtEl>
+                                      </p:cBhvr>
+                                    </p:animEffect>
+                                  </p:childTnLst>
+                                </p:cTn>
+                              </p:par>
+                            </p:childTnLst>
+                          </p:cTn>
+                        </p:par>
+                      </p:childTnLst>
+                    </p:cTn>
+                  </p:par>
+                </p:childTnLst>
+              </p:cTn>
+              <p:prevCondLst>
+                <p:cond evt="onPrev" delay="0">
+                  <p:tgtEl>
+                    <p:sldTgt/>
+                  </p:tgtEl>
+                </p:cond>
+              </p:prevCondLst>
+              <p:nextCondLst>
+                <p:cond evt="onNext" delay="0">
+                  <p:tgtEl>
+                    <p:sldTgt/>
+                  </p:tgtEl>
+                </p:cond>
+              </p:nextCondLst>
+            </p:seq>
+          </p:childTnLst>
+        </p:cTn>
+      </p:par>
+    </p:tnLst>
+  </p:timing>
+</p:sld>
+</file>
+
+<file path=ppt/slides/slide30.xml><?xml version="1.0" encoding="utf-8"?>
 <p:sld xmlns:a="http://schemas.openxmlformats.org/drawingml/2006/main" xmlns:r="http://schemas.openxmlformats.org/officeDocument/2006/relationships" xmlns:p="http://schemas.openxmlformats.org/presentationml/2006/main">
   <p:cSld>
     <p:bg>
@@ -28122,127 +29697,7 @@
 </p:sld>
 </file>
 
-<file path=ppt/slides/slide3.xml><?xml version="1.0" encoding="utf-8"?>
-<p:sld xmlns:a="http://schemas.openxmlformats.org/drawingml/2006/main" xmlns:r="http://schemas.openxmlformats.org/officeDocument/2006/relationships" xmlns:p="http://schemas.openxmlformats.org/presentationml/2006/main">
-  <p:cSld>
-    <p:bg>
-      <p:bgPr>
-        <a:blipFill dpi="0" rotWithShape="1">
-          <a:blip r:embed="rId2">
-            <a:lum/>
-          </a:blip>
-          <a:srcRect/>
-          <a:stretch>
-            <a:fillRect/>
-          </a:stretch>
-        </a:blipFill>
-        <a:effectLst/>
-      </p:bgPr>
-    </p:bg>
-    <p:spTree>
-      <p:nvGrpSpPr>
-        <p:cNvPr id="1" name=""/>
-        <p:cNvGrpSpPr/>
-        <p:nvPr/>
-      </p:nvGrpSpPr>
-      <p:grpSpPr>
-        <a:xfrm>
-          <a:off x="0" y="0"/>
-          <a:ext cx="0" cy="0"/>
-          <a:chOff x="0" y="0"/>
-          <a:chExt cx="0" cy="0"/>
-        </a:xfrm>
-      </p:grpSpPr>
-      <p:sp>
-        <p:nvSpPr>
-          <p:cNvPr id="2" name="Title 1">
-            <a:extLst>
-              <a:ext uri="{FF2B5EF4-FFF2-40B4-BE49-F238E27FC236}">
-                <a16:creationId xmlns:a16="http://schemas.microsoft.com/office/drawing/2014/main" id="{9255DFBE-19DA-408D-84E6-F4043FC30BD3}"/>
-              </a:ext>
-            </a:extLst>
-          </p:cNvPr>
-          <p:cNvSpPr>
-            <a:spLocks noGrp="1"/>
-          </p:cNvSpPr>
-          <p:nvPr>
-            <p:ph type="ctrTitle"/>
-          </p:nvPr>
-        </p:nvSpPr>
-        <p:spPr/>
-        <p:txBody>
-          <a:bodyPr>
-            <a:normAutofit/>
-          </a:bodyPr>
-          <a:lstStyle/>
-          <a:p>
-            <a:r>
-              <a:rPr lang="en-US" sz="4800" b="1" dirty="0">
-                <a:solidFill>
-                  <a:srgbClr val="292D33"/>
-                </a:solidFill>
-                <a:latin typeface="Euclid Circular B" panose="020B0504000000000000" pitchFamily="34" charset="0"/>
-                <a:ea typeface="Euclid Circular B" panose="020B0504000000000000" pitchFamily="34" charset="0"/>
-              </a:rPr>
-              <a:t>INTRODUCTION</a:t>
-            </a:r>
-          </a:p>
-        </p:txBody>
-      </p:sp>
-      <p:sp>
-        <p:nvSpPr>
-          <p:cNvPr id="3" name="Subtitle 2">
-            <a:extLst>
-              <a:ext uri="{FF2B5EF4-FFF2-40B4-BE49-F238E27FC236}">
-                <a16:creationId xmlns:a16="http://schemas.microsoft.com/office/drawing/2014/main" id="{265612B9-B745-46CB-8A20-997CA82E05E7}"/>
-              </a:ext>
-            </a:extLst>
-          </p:cNvPr>
-          <p:cNvSpPr>
-            <a:spLocks noGrp="1"/>
-          </p:cNvSpPr>
-          <p:nvPr>
-            <p:ph type="subTitle" idx="1"/>
-          </p:nvPr>
-        </p:nvSpPr>
-        <p:spPr/>
-        <p:txBody>
-          <a:bodyPr>
-            <a:normAutofit/>
-          </a:bodyPr>
-          <a:lstStyle/>
-          <a:p>
-            <a:r>
-              <a:rPr lang="en-US" sz="2000" b="1" dirty="0">
-                <a:solidFill>
-                  <a:srgbClr val="292D33"/>
-                </a:solidFill>
-                <a:latin typeface="Euclid Circular B" panose="020B0504000000000000" pitchFamily="34" charset="0"/>
-                <a:ea typeface="Euclid Circular B" panose="020B0504000000000000" pitchFamily="34" charset="0"/>
-              </a:rPr>
-              <a:t>DESIGNING MONOLITH FIRST FOR MICROSERVICE ARCHITECTURE</a:t>
-            </a:r>
-            <a:endParaRPr lang="en-US" sz="2000" dirty="0">
-              <a:latin typeface="Euclid Circular B" panose="020B0504000000000000" pitchFamily="34" charset="0"/>
-              <a:ea typeface="Euclid Circular B" panose="020B0504000000000000" pitchFamily="34" charset="0"/>
-            </a:endParaRPr>
-          </a:p>
-        </p:txBody>
-      </p:sp>
-    </p:spTree>
-    <p:extLst>
-      <p:ext uri="{BB962C8B-B14F-4D97-AF65-F5344CB8AC3E}">
-        <p14:creationId xmlns:p14="http://schemas.microsoft.com/office/powerpoint/2010/main" val="96310647"/>
-      </p:ext>
-    </p:extLst>
-  </p:cSld>
-  <p:clrMapOvr>
-    <a:masterClrMapping/>
-  </p:clrMapOvr>
-</p:sld>
-</file>
-
-<file path=ppt/slides/slide30.xml><?xml version="1.0" encoding="utf-8"?>
+<file path=ppt/slides/slide31.xml><?xml version="1.0" encoding="utf-8"?>
 <p:sld xmlns:a="http://schemas.openxmlformats.org/drawingml/2006/main" xmlns:r="http://schemas.openxmlformats.org/officeDocument/2006/relationships" xmlns:p="http://schemas.openxmlformats.org/presentationml/2006/main">
   <p:cSld>
     <p:bg>
@@ -32106,7 +33561,7 @@
 </p:sld>
 </file>
 
-<file path=ppt/slides/slide31.xml><?xml version="1.0" encoding="utf-8"?>
+<file path=ppt/slides/slide32.xml><?xml version="1.0" encoding="utf-8"?>
 <p:sld xmlns:a="http://schemas.openxmlformats.org/drawingml/2006/main" xmlns:r="http://schemas.openxmlformats.org/officeDocument/2006/relationships" xmlns:p="http://schemas.openxmlformats.org/presentationml/2006/main">
   <p:cSld>
     <p:bg>
@@ -32413,7 +33868,7 @@
 </p:sld>
 </file>
 
-<file path=ppt/slides/slide32.xml><?xml version="1.0" encoding="utf-8"?>
+<file path=ppt/slides/slide33.xml><?xml version="1.0" encoding="utf-8"?>
 <p:sld xmlns:a="http://schemas.openxmlformats.org/drawingml/2006/main" xmlns:r="http://schemas.openxmlformats.org/officeDocument/2006/relationships" xmlns:p="http://schemas.openxmlformats.org/presentationml/2006/main">
   <p:cSld>
     <p:bg>
@@ -32554,7 +34009,7 @@
 </p:sld>
 </file>
 
-<file path=ppt/slides/slide33.xml><?xml version="1.0" encoding="utf-8"?>
+<file path=ppt/slides/slide34.xml><?xml version="1.0" encoding="utf-8"?>
 <p:sld xmlns:a="http://schemas.openxmlformats.org/drawingml/2006/main" xmlns:r="http://schemas.openxmlformats.org/officeDocument/2006/relationships" xmlns:p="http://schemas.openxmlformats.org/presentationml/2006/main">
   <p:cSld>
     <p:bg>
@@ -32920,7 +34375,7 @@
 </p:sld>
 </file>
 
-<file path=ppt/slides/slide34.xml><?xml version="1.0" encoding="utf-8"?>
+<file path=ppt/slides/slide35.xml><?xml version="1.0" encoding="utf-8"?>
 <p:sld xmlns:a="http://schemas.openxmlformats.org/drawingml/2006/main" xmlns:r="http://schemas.openxmlformats.org/officeDocument/2006/relationships" xmlns:p="http://schemas.openxmlformats.org/presentationml/2006/main">
   <p:cSld>
     <p:bg>
@@ -33370,7 +34825,7 @@
 </p:sld>
 </file>
 
-<file path=ppt/slides/slide35.xml><?xml version="1.0" encoding="utf-8"?>
+<file path=ppt/slides/slide36.xml><?xml version="1.0" encoding="utf-8"?>
 <p:sld xmlns:a="http://schemas.openxmlformats.org/drawingml/2006/main" xmlns:r="http://schemas.openxmlformats.org/officeDocument/2006/relationships" xmlns:p="http://schemas.openxmlformats.org/presentationml/2006/main">
   <p:cSld>
     <p:bg>
@@ -35187,7 +36642,7 @@
 </p:sld>
 </file>
 
-<file path=ppt/slides/slide36.xml><?xml version="1.0" encoding="utf-8"?>
+<file path=ppt/slides/slide37.xml><?xml version="1.0" encoding="utf-8"?>
 <p:sld xmlns:a="http://schemas.openxmlformats.org/drawingml/2006/main" xmlns:r="http://schemas.openxmlformats.org/officeDocument/2006/relationships" xmlns:p="http://schemas.openxmlformats.org/presentationml/2006/main">
   <p:cSld>
     <p:bg>
@@ -35307,7 +36762,7 @@
 </p:sld>
 </file>
 
-<file path=ppt/slides/slide37.xml><?xml version="1.0" encoding="utf-8"?>
+<file path=ppt/slides/slide38.xml><?xml version="1.0" encoding="utf-8"?>
 <p:sld xmlns:a="http://schemas.openxmlformats.org/drawingml/2006/main" xmlns:r="http://schemas.openxmlformats.org/officeDocument/2006/relationships" xmlns:p="http://schemas.openxmlformats.org/presentationml/2006/main">
   <p:cSld>
     <p:bg>
@@ -35834,7 +37289,7 @@
 </p:sld>
 </file>
 
-<file path=ppt/slides/slide38.xml><?xml version="1.0" encoding="utf-8"?>
+<file path=ppt/slides/slide39.xml><?xml version="1.0" encoding="utf-8"?>
 <p:sld xmlns:a="http://schemas.openxmlformats.org/drawingml/2006/main" xmlns:r="http://schemas.openxmlformats.org/officeDocument/2006/relationships" xmlns:p="http://schemas.openxmlformats.org/presentationml/2006/main">
   <p:cSld>
     <p:bg>
@@ -36205,147 +37660,6 @@
 </p:sld>
 </file>
 
-<file path=ppt/slides/slide39.xml><?xml version="1.0" encoding="utf-8"?>
-<p:sld xmlns:a="http://schemas.openxmlformats.org/drawingml/2006/main" xmlns:r="http://schemas.openxmlformats.org/officeDocument/2006/relationships" xmlns:p="http://schemas.openxmlformats.org/presentationml/2006/main">
-  <p:cSld>
-    <p:bg>
-      <p:bgPr>
-        <a:blipFill dpi="0" rotWithShape="1">
-          <a:blip r:embed="rId2">
-            <a:lum/>
-          </a:blip>
-          <a:srcRect/>
-          <a:stretch>
-            <a:fillRect/>
-          </a:stretch>
-        </a:blipFill>
-        <a:effectLst/>
-      </p:bgPr>
-    </p:bg>
-    <p:spTree>
-      <p:nvGrpSpPr>
-        <p:cNvPr id="1" name=""/>
-        <p:cNvGrpSpPr/>
-        <p:nvPr/>
-      </p:nvGrpSpPr>
-      <p:grpSpPr>
-        <a:xfrm>
-          <a:off x="0" y="0"/>
-          <a:ext cx="0" cy="0"/>
-          <a:chOff x="0" y="0"/>
-          <a:chExt cx="0" cy="0"/>
-        </a:xfrm>
-      </p:grpSpPr>
-      <p:sp>
-        <p:nvSpPr>
-          <p:cNvPr id="6" name="Title 1">
-            <a:extLst>
-              <a:ext uri="{FF2B5EF4-FFF2-40B4-BE49-F238E27FC236}">
-                <a16:creationId xmlns:a16="http://schemas.microsoft.com/office/drawing/2014/main" id="{331D04E0-6416-4CBE-AD16-B2D9C4FE44C3}"/>
-              </a:ext>
-            </a:extLst>
-          </p:cNvPr>
-          <p:cNvSpPr>
-            <a:spLocks noGrp="1"/>
-          </p:cNvSpPr>
-          <p:nvPr>
-            <p:ph type="title"/>
-          </p:nvPr>
-        </p:nvSpPr>
-        <p:spPr>
-          <a:xfrm>
-            <a:off x="838200" y="365125"/>
-            <a:ext cx="10515600" cy="1325563"/>
-          </a:xfrm>
-        </p:spPr>
-        <p:txBody>
-          <a:bodyPr>
-            <a:normAutofit/>
-          </a:bodyPr>
-          <a:lstStyle/>
-          <a:p>
-            <a:r>
-              <a:rPr lang="en-US" b="1" dirty="0">
-                <a:solidFill>
-                  <a:srgbClr val="292D33"/>
-                </a:solidFill>
-                <a:latin typeface="Euclid Circular B" panose="020B0504000000000000" pitchFamily="34" charset="0"/>
-                <a:ea typeface="Euclid Circular B" panose="020B0504000000000000" pitchFamily="34" charset="0"/>
-              </a:rPr>
-              <a:t>Migrating to microservices</a:t>
-            </a:r>
-            <a:br>
-              <a:rPr lang="en-US" sz="3200" b="1" dirty="0">
-                <a:solidFill>
-                  <a:srgbClr val="292D33"/>
-                </a:solidFill>
-                <a:latin typeface="Euclid Circular B" panose="020B0504000000000000" pitchFamily="34" charset="0"/>
-                <a:ea typeface="Euclid Circular B" panose="020B0504000000000000" pitchFamily="34" charset="0"/>
-              </a:rPr>
-            </a:br>
-            <a:r>
-              <a:rPr lang="en-US" sz="3200" b="1" i="1" dirty="0">
-                <a:solidFill>
-                  <a:srgbClr val="292D33"/>
-                </a:solidFill>
-                <a:latin typeface="Euclid Circular B" panose="020B0504000000000000" pitchFamily="34" charset="0"/>
-                <a:ea typeface="Euclid Circular B" panose="020B0504000000000000" pitchFamily="34" charset="0"/>
-              </a:rPr>
-              <a:t>Replacing in-process service calls: abstracting</a:t>
-            </a:r>
-            <a:endParaRPr lang="en-US" sz="3200" b="1" dirty="0">
-              <a:solidFill>
-                <a:srgbClr val="292D33"/>
-              </a:solidFill>
-              <a:latin typeface="Euclid Circular B" panose="020B0504000000000000" pitchFamily="34" charset="0"/>
-              <a:ea typeface="Euclid Circular B" panose="020B0504000000000000" pitchFamily="34" charset="0"/>
-            </a:endParaRPr>
-          </a:p>
-        </p:txBody>
-      </p:sp>
-      <p:pic>
-        <p:nvPicPr>
-          <p:cNvPr id="3" name="Picture 2">
-            <a:extLst>
-              <a:ext uri="{FF2B5EF4-FFF2-40B4-BE49-F238E27FC236}">
-                <a16:creationId xmlns:a16="http://schemas.microsoft.com/office/drawing/2014/main" id="{3614DC42-251D-45F6-981F-0F84C22555EE}"/>
-              </a:ext>
-            </a:extLst>
-          </p:cNvPr>
-          <p:cNvPicPr>
-            <a:picLocks noChangeAspect="1"/>
-          </p:cNvPicPr>
-          <p:nvPr/>
-        </p:nvPicPr>
-        <p:blipFill>
-          <a:blip r:embed="rId3"/>
-          <a:stretch>
-            <a:fillRect/>
-          </a:stretch>
-        </p:blipFill>
-        <p:spPr>
-          <a:xfrm>
-            <a:off x="838200" y="2008740"/>
-            <a:ext cx="8831966" cy="3684393"/>
-          </a:xfrm>
-          <a:prstGeom prst="rect">
-            <a:avLst/>
-          </a:prstGeom>
-        </p:spPr>
-      </p:pic>
-    </p:spTree>
-    <p:extLst>
-      <p:ext uri="{BB962C8B-B14F-4D97-AF65-F5344CB8AC3E}">
-        <p14:creationId xmlns:p14="http://schemas.microsoft.com/office/powerpoint/2010/main" val="4061750775"/>
-      </p:ext>
-    </p:extLst>
-  </p:cSld>
-  <p:clrMapOvr>
-    <a:masterClrMapping/>
-  </p:clrMapOvr>
-</p:sld>
-</file>
-
 <file path=ppt/slides/slide4.xml><?xml version="1.0" encoding="utf-8"?>
 <p:sld xmlns:a="http://schemas.openxmlformats.org/drawingml/2006/main" xmlns:r="http://schemas.openxmlformats.org/officeDocument/2006/relationships" xmlns:p="http://schemas.openxmlformats.org/presentationml/2006/main">
   <p:cSld>
@@ -36382,7 +37696,7 @@
           <p:cNvPr id="2" name="Title 1">
             <a:extLst>
               <a:ext uri="{FF2B5EF4-FFF2-40B4-BE49-F238E27FC236}">
-                <a16:creationId xmlns:a16="http://schemas.microsoft.com/office/drawing/2014/main" id="{55E11F08-6CA0-48F1-AD67-97430DDA07F0}"/>
+                <a16:creationId xmlns:a16="http://schemas.microsoft.com/office/drawing/2014/main" id="{9255DFBE-19DA-408D-84E6-F4043FC30BD3}"/>
               </a:ext>
             </a:extLst>
           </p:cNvPr>
@@ -36390,33 +37704,35 @@
             <a:spLocks noGrp="1"/>
           </p:cNvSpPr>
           <p:nvPr>
-            <p:ph type="title"/>
+            <p:ph type="ctrTitle"/>
           </p:nvPr>
         </p:nvSpPr>
         <p:spPr/>
         <p:txBody>
-          <a:bodyPr/>
+          <a:bodyPr>
+            <a:normAutofit/>
+          </a:bodyPr>
           <a:lstStyle/>
           <a:p>
             <a:r>
-              <a:rPr lang="en-US" b="1" dirty="0">
+              <a:rPr lang="en-US" sz="4800" b="1" dirty="0">
                 <a:solidFill>
                   <a:srgbClr val="292D33"/>
                 </a:solidFill>
                 <a:latin typeface="Euclid Circular B" panose="020B0504000000000000" pitchFamily="34" charset="0"/>
                 <a:ea typeface="Euclid Circular B" panose="020B0504000000000000" pitchFamily="34" charset="0"/>
               </a:rPr>
-              <a:t>Microservice trade-offs</a:t>
+              <a:t>INTRODUCTION</a:t>
             </a:r>
           </a:p>
         </p:txBody>
       </p:sp>
       <p:sp>
         <p:nvSpPr>
-          <p:cNvPr id="3" name="Content Placeholder 2">
-            <a:extLst>
-              <a:ext uri="{FF2B5EF4-FFF2-40B4-BE49-F238E27FC236}">
-                <a16:creationId xmlns:a16="http://schemas.microsoft.com/office/drawing/2014/main" id="{891C7693-D3DF-4635-96F4-97F3B4136FDF}"/>
+          <p:cNvPr id="3" name="Subtitle 2">
+            <a:extLst>
+              <a:ext uri="{FF2B5EF4-FFF2-40B4-BE49-F238E27FC236}">
+                <a16:creationId xmlns:a16="http://schemas.microsoft.com/office/drawing/2014/main" id="{265612B9-B745-46CB-8A20-997CA82E05E7}"/>
               </a:ext>
             </a:extLst>
           </p:cNvPr>
@@ -36424,697 +37740,43 @@
             <a:spLocks noGrp="1"/>
           </p:cNvSpPr>
           <p:nvPr>
-            <p:ph idx="1"/>
+            <p:ph type="subTitle" idx="1"/>
           </p:nvPr>
         </p:nvSpPr>
-        <p:spPr>
-          <a:xfrm>
-            <a:off x="838200" y="1825625"/>
-            <a:ext cx="5037814" cy="3072378"/>
-          </a:xfrm>
-        </p:spPr>
+        <p:spPr/>
         <p:txBody>
-          <a:bodyPr/>
+          <a:bodyPr>
+            <a:normAutofit/>
+          </a:bodyPr>
           <a:lstStyle/>
           <a:p>
-            <a:pPr marL="0" indent="0">
-              <a:buNone/>
-            </a:pPr>
-            <a:r>
-              <a:rPr lang="en-US" b="1" u="sng" dirty="0">
+            <a:r>
+              <a:rPr lang="en-US" sz="2000" b="1" dirty="0">
+                <a:solidFill>
+                  <a:srgbClr val="292D33"/>
+                </a:solidFill>
                 <a:latin typeface="Euclid Circular B" panose="020B0504000000000000" pitchFamily="34" charset="0"/>
                 <a:ea typeface="Euclid Circular B" panose="020B0504000000000000" pitchFamily="34" charset="0"/>
               </a:rPr>
-              <a:t>BENEFITS</a:t>
-            </a:r>
-          </a:p>
-          <a:p>
-            <a:r>
-              <a:rPr lang="en-US" dirty="0">
-                <a:latin typeface="Euclid Circular B" panose="020B0504000000000000" pitchFamily="34" charset="0"/>
-                <a:ea typeface="Euclid Circular B" panose="020B0504000000000000" pitchFamily="34" charset="0"/>
-              </a:rPr>
-              <a:t>Forcing the modularity and encapsulation</a:t>
-            </a:r>
-          </a:p>
-          <a:p>
-            <a:r>
-              <a:rPr lang="en-US" dirty="0">
-                <a:latin typeface="Euclid Circular B" panose="020B0504000000000000" pitchFamily="34" charset="0"/>
-                <a:ea typeface="Euclid Circular B" panose="020B0504000000000000" pitchFamily="34" charset="0"/>
-              </a:rPr>
-              <a:t>Independently developed, deployed and scaled</a:t>
-            </a:r>
-          </a:p>
-          <a:p>
-            <a:r>
-              <a:rPr lang="en-US" dirty="0">
-                <a:latin typeface="Euclid Circular B" panose="020B0504000000000000" pitchFamily="34" charset="0"/>
-                <a:ea typeface="Euclid Circular B" panose="020B0504000000000000" pitchFamily="34" charset="0"/>
-              </a:rPr>
-              <a:t>Technology diversity</a:t>
-            </a:r>
-          </a:p>
-        </p:txBody>
-      </p:sp>
-      <p:sp>
-        <p:nvSpPr>
-          <p:cNvPr id="4" name="Content Placeholder 2">
-            <a:extLst>
-              <a:ext uri="{FF2B5EF4-FFF2-40B4-BE49-F238E27FC236}">
-                <a16:creationId xmlns:a16="http://schemas.microsoft.com/office/drawing/2014/main" id="{3C6C15FB-DFA6-464B-86D0-05F848FB3810}"/>
-              </a:ext>
-            </a:extLst>
-          </p:cNvPr>
-          <p:cNvSpPr txBox="1">
-            <a:spLocks/>
-          </p:cNvSpPr>
-          <p:nvPr/>
-        </p:nvSpPr>
-        <p:spPr>
-          <a:xfrm>
-            <a:off x="6315988" y="1831727"/>
-            <a:ext cx="5037814" cy="3066276"/>
-          </a:xfrm>
-          <a:prstGeom prst="rect">
-            <a:avLst/>
-          </a:prstGeom>
-        </p:spPr>
-        <p:txBody>
-          <a:bodyPr vert="horz" lIns="91440" tIns="45720" rIns="91440" bIns="45720" rtlCol="0">
-            <a:normAutofit/>
-          </a:bodyPr>
-          <a:lstStyle>
-            <a:lvl1pPr marL="228600" indent="-228600" algn="l" defTabSz="914400" rtl="0" eaLnBrk="1" latinLnBrk="0" hangingPunct="1">
-              <a:lnSpc>
-                <a:spcPct val="90000"/>
-              </a:lnSpc>
-              <a:spcBef>
-                <a:spcPts val="1000"/>
-              </a:spcBef>
-              <a:buFont typeface="Arial" panose="020B0604020202020204" pitchFamily="34" charset="0"/>
-              <a:buChar char="•"/>
-              <a:defRPr sz="2800" kern="1200">
-                <a:solidFill>
-                  <a:schemeClr val="tx1"/>
-                </a:solidFill>
-                <a:latin typeface="+mn-lt"/>
-                <a:ea typeface="+mn-ea"/>
-                <a:cs typeface="+mn-cs"/>
-              </a:defRPr>
-            </a:lvl1pPr>
-            <a:lvl2pPr marL="685800" indent="-228600" algn="l" defTabSz="914400" rtl="0" eaLnBrk="1" latinLnBrk="0" hangingPunct="1">
-              <a:lnSpc>
-                <a:spcPct val="90000"/>
-              </a:lnSpc>
-              <a:spcBef>
-                <a:spcPts val="500"/>
-              </a:spcBef>
-              <a:buFont typeface="Arial" panose="020B0604020202020204" pitchFamily="34" charset="0"/>
-              <a:buChar char="•"/>
-              <a:defRPr sz="2400" kern="1200">
-                <a:solidFill>
-                  <a:schemeClr val="tx1"/>
-                </a:solidFill>
-                <a:latin typeface="+mn-lt"/>
-                <a:ea typeface="+mn-ea"/>
-                <a:cs typeface="+mn-cs"/>
-              </a:defRPr>
-            </a:lvl2pPr>
-            <a:lvl3pPr marL="1143000" indent="-228600" algn="l" defTabSz="914400" rtl="0" eaLnBrk="1" latinLnBrk="0" hangingPunct="1">
-              <a:lnSpc>
-                <a:spcPct val="90000"/>
-              </a:lnSpc>
-              <a:spcBef>
-                <a:spcPts val="500"/>
-              </a:spcBef>
-              <a:buFont typeface="Arial" panose="020B0604020202020204" pitchFamily="34" charset="0"/>
-              <a:buChar char="•"/>
-              <a:defRPr sz="2000" kern="1200">
-                <a:solidFill>
-                  <a:schemeClr val="tx1"/>
-                </a:solidFill>
-                <a:latin typeface="+mn-lt"/>
-                <a:ea typeface="+mn-ea"/>
-                <a:cs typeface="+mn-cs"/>
-              </a:defRPr>
-            </a:lvl3pPr>
-            <a:lvl4pPr marL="1600200" indent="-228600" algn="l" defTabSz="914400" rtl="0" eaLnBrk="1" latinLnBrk="0" hangingPunct="1">
-              <a:lnSpc>
-                <a:spcPct val="90000"/>
-              </a:lnSpc>
-              <a:spcBef>
-                <a:spcPts val="500"/>
-              </a:spcBef>
-              <a:buFont typeface="Arial" panose="020B0604020202020204" pitchFamily="34" charset="0"/>
-              <a:buChar char="•"/>
-              <a:defRPr sz="1800" kern="1200">
-                <a:solidFill>
-                  <a:schemeClr val="tx1"/>
-                </a:solidFill>
-                <a:latin typeface="+mn-lt"/>
-                <a:ea typeface="+mn-ea"/>
-                <a:cs typeface="+mn-cs"/>
-              </a:defRPr>
-            </a:lvl4pPr>
-            <a:lvl5pPr marL="2057400" indent="-228600" algn="l" defTabSz="914400" rtl="0" eaLnBrk="1" latinLnBrk="0" hangingPunct="1">
-              <a:lnSpc>
-                <a:spcPct val="90000"/>
-              </a:lnSpc>
-              <a:spcBef>
-                <a:spcPts val="500"/>
-              </a:spcBef>
-              <a:buFont typeface="Arial" panose="020B0604020202020204" pitchFamily="34" charset="0"/>
-              <a:buChar char="•"/>
-              <a:defRPr sz="1800" kern="1200">
-                <a:solidFill>
-                  <a:schemeClr val="tx1"/>
-                </a:solidFill>
-                <a:latin typeface="+mn-lt"/>
-                <a:ea typeface="+mn-ea"/>
-                <a:cs typeface="+mn-cs"/>
-              </a:defRPr>
-            </a:lvl5pPr>
-            <a:lvl6pPr marL="2514600" indent="-228600" algn="l" defTabSz="914400" rtl="0" eaLnBrk="1" latinLnBrk="0" hangingPunct="1">
-              <a:lnSpc>
-                <a:spcPct val="90000"/>
-              </a:lnSpc>
-              <a:spcBef>
-                <a:spcPts val="500"/>
-              </a:spcBef>
-              <a:buFont typeface="Arial" panose="020B0604020202020204" pitchFamily="34" charset="0"/>
-              <a:buChar char="•"/>
-              <a:defRPr sz="1800" kern="1200">
-                <a:solidFill>
-                  <a:schemeClr val="tx1"/>
-                </a:solidFill>
-                <a:latin typeface="+mn-lt"/>
-                <a:ea typeface="+mn-ea"/>
-                <a:cs typeface="+mn-cs"/>
-              </a:defRPr>
-            </a:lvl6pPr>
-            <a:lvl7pPr marL="2971800" indent="-228600" algn="l" defTabSz="914400" rtl="0" eaLnBrk="1" latinLnBrk="0" hangingPunct="1">
-              <a:lnSpc>
-                <a:spcPct val="90000"/>
-              </a:lnSpc>
-              <a:spcBef>
-                <a:spcPts val="500"/>
-              </a:spcBef>
-              <a:buFont typeface="Arial" panose="020B0604020202020204" pitchFamily="34" charset="0"/>
-              <a:buChar char="•"/>
-              <a:defRPr sz="1800" kern="1200">
-                <a:solidFill>
-                  <a:schemeClr val="tx1"/>
-                </a:solidFill>
-                <a:latin typeface="+mn-lt"/>
-                <a:ea typeface="+mn-ea"/>
-                <a:cs typeface="+mn-cs"/>
-              </a:defRPr>
-            </a:lvl7pPr>
-            <a:lvl8pPr marL="3429000" indent="-228600" algn="l" defTabSz="914400" rtl="0" eaLnBrk="1" latinLnBrk="0" hangingPunct="1">
-              <a:lnSpc>
-                <a:spcPct val="90000"/>
-              </a:lnSpc>
-              <a:spcBef>
-                <a:spcPts val="500"/>
-              </a:spcBef>
-              <a:buFont typeface="Arial" panose="020B0604020202020204" pitchFamily="34" charset="0"/>
-              <a:buChar char="•"/>
-              <a:defRPr sz="1800" kern="1200">
-                <a:solidFill>
-                  <a:schemeClr val="tx1"/>
-                </a:solidFill>
-                <a:latin typeface="+mn-lt"/>
-                <a:ea typeface="+mn-ea"/>
-                <a:cs typeface="+mn-cs"/>
-              </a:defRPr>
-            </a:lvl8pPr>
-            <a:lvl9pPr marL="3886200" indent="-228600" algn="l" defTabSz="914400" rtl="0" eaLnBrk="1" latinLnBrk="0" hangingPunct="1">
-              <a:lnSpc>
-                <a:spcPct val="90000"/>
-              </a:lnSpc>
-              <a:spcBef>
-                <a:spcPts val="500"/>
-              </a:spcBef>
-              <a:buFont typeface="Arial" panose="020B0604020202020204" pitchFamily="34" charset="0"/>
-              <a:buChar char="•"/>
-              <a:defRPr sz="1800" kern="1200">
-                <a:solidFill>
-                  <a:schemeClr val="tx1"/>
-                </a:solidFill>
-                <a:latin typeface="+mn-lt"/>
-                <a:ea typeface="+mn-ea"/>
-                <a:cs typeface="+mn-cs"/>
-              </a:defRPr>
-            </a:lvl9pPr>
-          </a:lstStyle>
-          <a:p>
-            <a:pPr marL="0" indent="0">
-              <a:buNone/>
-            </a:pPr>
-            <a:r>
-              <a:rPr lang="en-US" b="1" u="sng" dirty="0">
-                <a:latin typeface="Euclid Circular B" panose="020B0504000000000000" pitchFamily="34" charset="0"/>
-                <a:ea typeface="Euclid Circular B" panose="020B0504000000000000" pitchFamily="34" charset="0"/>
-              </a:rPr>
-              <a:t>COSTS</a:t>
-            </a:r>
-          </a:p>
-          <a:p>
-            <a:r>
-              <a:rPr lang="en-US" dirty="0">
-                <a:latin typeface="Euclid Circular B" panose="020B0504000000000000" pitchFamily="34" charset="0"/>
-                <a:ea typeface="Euclid Circular B" panose="020B0504000000000000" pitchFamily="34" charset="0"/>
-              </a:rPr>
-              <a:t>Distribution</a:t>
-            </a:r>
-          </a:p>
-          <a:p>
-            <a:r>
-              <a:rPr lang="en-US" dirty="0">
-                <a:latin typeface="Euclid Circular B" panose="020B0504000000000000" pitchFamily="34" charset="0"/>
-                <a:ea typeface="Euclid Circular B" panose="020B0504000000000000" pitchFamily="34" charset="0"/>
-              </a:rPr>
-              <a:t>Eventually consistency</a:t>
-            </a:r>
-          </a:p>
-          <a:p>
-            <a:r>
-              <a:rPr lang="en-US" dirty="0">
-                <a:latin typeface="Euclid Circular B" panose="020B0504000000000000" pitchFamily="34" charset="0"/>
-                <a:ea typeface="Euclid Circular B" panose="020B0504000000000000" pitchFamily="34" charset="0"/>
-              </a:rPr>
-              <a:t>Operational complexity</a:t>
-            </a:r>
+              <a:t>DESIGNING MONOLITH FIRST FOR MICROSERVICE ARCHITECTURE</a:t>
+            </a:r>
+            <a:endParaRPr lang="en-US" sz="2000" dirty="0">
+              <a:latin typeface="Euclid Circular B" panose="020B0504000000000000" pitchFamily="34" charset="0"/>
+              <a:ea typeface="Euclid Circular B" panose="020B0504000000000000" pitchFamily="34" charset="0"/>
+            </a:endParaRPr>
           </a:p>
         </p:txBody>
       </p:sp>
     </p:spTree>
     <p:extLst>
       <p:ext uri="{BB962C8B-B14F-4D97-AF65-F5344CB8AC3E}">
-        <p14:creationId xmlns:p14="http://schemas.microsoft.com/office/powerpoint/2010/main" val="3435363587"/>
+        <p14:creationId xmlns:p14="http://schemas.microsoft.com/office/powerpoint/2010/main" val="96310647"/>
       </p:ext>
     </p:extLst>
   </p:cSld>
   <p:clrMapOvr>
     <a:masterClrMapping/>
   </p:clrMapOvr>
-  <p:timing>
-    <p:tnLst>
-      <p:par>
-        <p:cTn id="1" dur="indefinite" restart="never" nodeType="tmRoot">
-          <p:childTnLst>
-            <p:seq concurrent="1" nextAc="seek">
-              <p:cTn id="2" dur="indefinite" nodeType="mainSeq">
-                <p:childTnLst>
-                  <p:par>
-                    <p:cTn id="3" fill="hold">
-                      <p:stCondLst>
-                        <p:cond delay="indefinite"/>
-                      </p:stCondLst>
-                      <p:childTnLst>
-                        <p:par>
-                          <p:cTn id="4" fill="hold">
-                            <p:stCondLst>
-                              <p:cond delay="0"/>
-                            </p:stCondLst>
-                            <p:childTnLst>
-                              <p:par>
-                                <p:cTn id="5" presetID="10" presetClass="entr" presetSubtype="0" fill="hold" nodeType="clickEffect">
-                                  <p:stCondLst>
-                                    <p:cond delay="0"/>
-                                  </p:stCondLst>
-                                  <p:childTnLst>
-                                    <p:set>
-                                      <p:cBhvr>
-                                        <p:cTn id="6" dur="1" fill="hold">
-                                          <p:stCondLst>
-                                            <p:cond delay="0"/>
-                                          </p:stCondLst>
-                                        </p:cTn>
-                                        <p:tgtEl>
-                                          <p:spTgt spid="3">
-                                            <p:txEl>
-                                              <p:pRg st="1" end="1"/>
-                                            </p:txEl>
-                                          </p:spTgt>
-                                        </p:tgtEl>
-                                        <p:attrNameLst>
-                                          <p:attrName>style.visibility</p:attrName>
-                                        </p:attrNameLst>
-                                      </p:cBhvr>
-                                      <p:to>
-                                        <p:strVal val="visible"/>
-                                      </p:to>
-                                    </p:set>
-                                    <p:animEffect transition="in" filter="fade">
-                                      <p:cBhvr>
-                                        <p:cTn id="7" dur="500"/>
-                                        <p:tgtEl>
-                                          <p:spTgt spid="3">
-                                            <p:txEl>
-                                              <p:pRg st="1" end="1"/>
-                                            </p:txEl>
-                                          </p:spTgt>
-                                        </p:tgtEl>
-                                      </p:cBhvr>
-                                    </p:animEffect>
-                                  </p:childTnLst>
-                                </p:cTn>
-                              </p:par>
-                            </p:childTnLst>
-                          </p:cTn>
-                        </p:par>
-                      </p:childTnLst>
-                    </p:cTn>
-                  </p:par>
-                  <p:par>
-                    <p:cTn id="8" fill="hold">
-                      <p:stCondLst>
-                        <p:cond delay="indefinite"/>
-                      </p:stCondLst>
-                      <p:childTnLst>
-                        <p:par>
-                          <p:cTn id="9" fill="hold">
-                            <p:stCondLst>
-                              <p:cond delay="0"/>
-                            </p:stCondLst>
-                            <p:childTnLst>
-                              <p:par>
-                                <p:cTn id="10" presetID="10" presetClass="entr" presetSubtype="0" fill="hold" nodeType="clickEffect">
-                                  <p:stCondLst>
-                                    <p:cond delay="0"/>
-                                  </p:stCondLst>
-                                  <p:childTnLst>
-                                    <p:set>
-                                      <p:cBhvr>
-                                        <p:cTn id="11" dur="1" fill="hold">
-                                          <p:stCondLst>
-                                            <p:cond delay="0"/>
-                                          </p:stCondLst>
-                                        </p:cTn>
-                                        <p:tgtEl>
-                                          <p:spTgt spid="3">
-                                            <p:txEl>
-                                              <p:pRg st="2" end="2"/>
-                                            </p:txEl>
-                                          </p:spTgt>
-                                        </p:tgtEl>
-                                        <p:attrNameLst>
-                                          <p:attrName>style.visibility</p:attrName>
-                                        </p:attrNameLst>
-                                      </p:cBhvr>
-                                      <p:to>
-                                        <p:strVal val="visible"/>
-                                      </p:to>
-                                    </p:set>
-                                    <p:animEffect transition="in" filter="fade">
-                                      <p:cBhvr>
-                                        <p:cTn id="12" dur="500"/>
-                                        <p:tgtEl>
-                                          <p:spTgt spid="3">
-                                            <p:txEl>
-                                              <p:pRg st="2" end="2"/>
-                                            </p:txEl>
-                                          </p:spTgt>
-                                        </p:tgtEl>
-                                      </p:cBhvr>
-                                    </p:animEffect>
-                                  </p:childTnLst>
-                                </p:cTn>
-                              </p:par>
-                            </p:childTnLst>
-                          </p:cTn>
-                        </p:par>
-                      </p:childTnLst>
-                    </p:cTn>
-                  </p:par>
-                  <p:par>
-                    <p:cTn id="13" fill="hold">
-                      <p:stCondLst>
-                        <p:cond delay="indefinite"/>
-                      </p:stCondLst>
-                      <p:childTnLst>
-                        <p:par>
-                          <p:cTn id="14" fill="hold">
-                            <p:stCondLst>
-                              <p:cond delay="0"/>
-                            </p:stCondLst>
-                            <p:childTnLst>
-                              <p:par>
-                                <p:cTn id="15" presetID="10" presetClass="entr" presetSubtype="0" fill="hold" nodeType="clickEffect">
-                                  <p:stCondLst>
-                                    <p:cond delay="0"/>
-                                  </p:stCondLst>
-                                  <p:childTnLst>
-                                    <p:set>
-                                      <p:cBhvr>
-                                        <p:cTn id="16" dur="1" fill="hold">
-                                          <p:stCondLst>
-                                            <p:cond delay="0"/>
-                                          </p:stCondLst>
-                                        </p:cTn>
-                                        <p:tgtEl>
-                                          <p:spTgt spid="3">
-                                            <p:txEl>
-                                              <p:pRg st="3" end="3"/>
-                                            </p:txEl>
-                                          </p:spTgt>
-                                        </p:tgtEl>
-                                        <p:attrNameLst>
-                                          <p:attrName>style.visibility</p:attrName>
-                                        </p:attrNameLst>
-                                      </p:cBhvr>
-                                      <p:to>
-                                        <p:strVal val="visible"/>
-                                      </p:to>
-                                    </p:set>
-                                    <p:animEffect transition="in" filter="fade">
-                                      <p:cBhvr>
-                                        <p:cTn id="17" dur="500"/>
-                                        <p:tgtEl>
-                                          <p:spTgt spid="3">
-                                            <p:txEl>
-                                              <p:pRg st="3" end="3"/>
-                                            </p:txEl>
-                                          </p:spTgt>
-                                        </p:tgtEl>
-                                      </p:cBhvr>
-                                    </p:animEffect>
-                                  </p:childTnLst>
-                                </p:cTn>
-                              </p:par>
-                            </p:childTnLst>
-                          </p:cTn>
-                        </p:par>
-                      </p:childTnLst>
-                    </p:cTn>
-                  </p:par>
-                  <p:par>
-                    <p:cTn id="18" fill="hold">
-                      <p:stCondLst>
-                        <p:cond delay="indefinite"/>
-                      </p:stCondLst>
-                      <p:childTnLst>
-                        <p:par>
-                          <p:cTn id="19" fill="hold">
-                            <p:stCondLst>
-                              <p:cond delay="0"/>
-                            </p:stCondLst>
-                            <p:childTnLst>
-                              <p:par>
-                                <p:cTn id="20" presetID="10" presetClass="entr" presetSubtype="0" fill="hold" nodeType="clickEffect">
-                                  <p:stCondLst>
-                                    <p:cond delay="0"/>
-                                  </p:stCondLst>
-                                  <p:childTnLst>
-                                    <p:set>
-                                      <p:cBhvr>
-                                        <p:cTn id="21" dur="1" fill="hold">
-                                          <p:stCondLst>
-                                            <p:cond delay="0"/>
-                                          </p:stCondLst>
-                                        </p:cTn>
-                                        <p:tgtEl>
-                                          <p:spTgt spid="4">
-                                            <p:txEl>
-                                              <p:pRg st="1" end="1"/>
-                                            </p:txEl>
-                                          </p:spTgt>
-                                        </p:tgtEl>
-                                        <p:attrNameLst>
-                                          <p:attrName>style.visibility</p:attrName>
-                                        </p:attrNameLst>
-                                      </p:cBhvr>
-                                      <p:to>
-                                        <p:strVal val="visible"/>
-                                      </p:to>
-                                    </p:set>
-                                    <p:animEffect transition="in" filter="fade">
-                                      <p:cBhvr>
-                                        <p:cTn id="22" dur="500"/>
-                                        <p:tgtEl>
-                                          <p:spTgt spid="4">
-                                            <p:txEl>
-                                              <p:pRg st="1" end="1"/>
-                                            </p:txEl>
-                                          </p:spTgt>
-                                        </p:tgtEl>
-                                      </p:cBhvr>
-                                    </p:animEffect>
-                                  </p:childTnLst>
-                                </p:cTn>
-                              </p:par>
-                            </p:childTnLst>
-                          </p:cTn>
-                        </p:par>
-                      </p:childTnLst>
-                    </p:cTn>
-                  </p:par>
-                  <p:par>
-                    <p:cTn id="23" fill="hold">
-                      <p:stCondLst>
-                        <p:cond delay="indefinite"/>
-                      </p:stCondLst>
-                      <p:childTnLst>
-                        <p:par>
-                          <p:cTn id="24" fill="hold">
-                            <p:stCondLst>
-                              <p:cond delay="0"/>
-                            </p:stCondLst>
-                            <p:childTnLst>
-                              <p:par>
-                                <p:cTn id="25" presetID="10" presetClass="entr" presetSubtype="0" fill="hold" nodeType="clickEffect">
-                                  <p:stCondLst>
-                                    <p:cond delay="0"/>
-                                  </p:stCondLst>
-                                  <p:childTnLst>
-                                    <p:set>
-                                      <p:cBhvr>
-                                        <p:cTn id="26" dur="1" fill="hold">
-                                          <p:stCondLst>
-                                            <p:cond delay="0"/>
-                                          </p:stCondLst>
-                                        </p:cTn>
-                                        <p:tgtEl>
-                                          <p:spTgt spid="4">
-                                            <p:txEl>
-                                              <p:pRg st="2" end="2"/>
-                                            </p:txEl>
-                                          </p:spTgt>
-                                        </p:tgtEl>
-                                        <p:attrNameLst>
-                                          <p:attrName>style.visibility</p:attrName>
-                                        </p:attrNameLst>
-                                      </p:cBhvr>
-                                      <p:to>
-                                        <p:strVal val="visible"/>
-                                      </p:to>
-                                    </p:set>
-                                    <p:animEffect transition="in" filter="fade">
-                                      <p:cBhvr>
-                                        <p:cTn id="27" dur="500"/>
-                                        <p:tgtEl>
-                                          <p:spTgt spid="4">
-                                            <p:txEl>
-                                              <p:pRg st="2" end="2"/>
-                                            </p:txEl>
-                                          </p:spTgt>
-                                        </p:tgtEl>
-                                      </p:cBhvr>
-                                    </p:animEffect>
-                                  </p:childTnLst>
-                                </p:cTn>
-                              </p:par>
-                            </p:childTnLst>
-                          </p:cTn>
-                        </p:par>
-                      </p:childTnLst>
-                    </p:cTn>
-                  </p:par>
-                  <p:par>
-                    <p:cTn id="28" fill="hold">
-                      <p:stCondLst>
-                        <p:cond delay="indefinite"/>
-                      </p:stCondLst>
-                      <p:childTnLst>
-                        <p:par>
-                          <p:cTn id="29" fill="hold">
-                            <p:stCondLst>
-                              <p:cond delay="0"/>
-                            </p:stCondLst>
-                            <p:childTnLst>
-                              <p:par>
-                                <p:cTn id="30" presetID="10" presetClass="entr" presetSubtype="0" fill="hold" nodeType="clickEffect">
-                                  <p:stCondLst>
-                                    <p:cond delay="0"/>
-                                  </p:stCondLst>
-                                  <p:childTnLst>
-                                    <p:set>
-                                      <p:cBhvr>
-                                        <p:cTn id="31" dur="1" fill="hold">
-                                          <p:stCondLst>
-                                            <p:cond delay="0"/>
-                                          </p:stCondLst>
-                                        </p:cTn>
-                                        <p:tgtEl>
-                                          <p:spTgt spid="4">
-                                            <p:txEl>
-                                              <p:pRg st="3" end="3"/>
-                                            </p:txEl>
-                                          </p:spTgt>
-                                        </p:tgtEl>
-                                        <p:attrNameLst>
-                                          <p:attrName>style.visibility</p:attrName>
-                                        </p:attrNameLst>
-                                      </p:cBhvr>
-                                      <p:to>
-                                        <p:strVal val="visible"/>
-                                      </p:to>
-                                    </p:set>
-                                    <p:animEffect transition="in" filter="fade">
-                                      <p:cBhvr>
-                                        <p:cTn id="32" dur="500"/>
-                                        <p:tgtEl>
-                                          <p:spTgt spid="4">
-                                            <p:txEl>
-                                              <p:pRg st="3" end="3"/>
-                                            </p:txEl>
-                                          </p:spTgt>
-                                        </p:tgtEl>
-                                      </p:cBhvr>
-                                    </p:animEffect>
-                                  </p:childTnLst>
-                                </p:cTn>
-                              </p:par>
-                            </p:childTnLst>
-                          </p:cTn>
-                        </p:par>
-                      </p:childTnLst>
-                    </p:cTn>
-                  </p:par>
-                </p:childTnLst>
-              </p:cTn>
-              <p:prevCondLst>
-                <p:cond evt="onPrev" delay="0">
-                  <p:tgtEl>
-                    <p:sldTgt/>
-                  </p:tgtEl>
-                </p:cond>
-              </p:prevCondLst>
-              <p:nextCondLst>
-                <p:cond evt="onNext" delay="0">
-                  <p:tgtEl>
-                    <p:sldTgt/>
-                  </p:tgtEl>
-                </p:cond>
-              </p:nextCondLst>
-            </p:seq>
-          </p:childTnLst>
-        </p:cTn>
-      </p:par>
-    </p:tnLst>
-  </p:timing>
 </p:sld>
 </file>
 
@@ -37204,6 +37866,147 @@
                 <a:latin typeface="Euclid Circular B" panose="020B0504000000000000" pitchFamily="34" charset="0"/>
                 <a:ea typeface="Euclid Circular B" panose="020B0504000000000000" pitchFamily="34" charset="0"/>
               </a:rPr>
+              <a:t>Replacing in-process service calls: abstracting</a:t>
+            </a:r>
+            <a:endParaRPr lang="en-US" sz="3200" b="1" dirty="0">
+              <a:solidFill>
+                <a:srgbClr val="292D33"/>
+              </a:solidFill>
+              <a:latin typeface="Euclid Circular B" panose="020B0504000000000000" pitchFamily="34" charset="0"/>
+              <a:ea typeface="Euclid Circular B" panose="020B0504000000000000" pitchFamily="34" charset="0"/>
+            </a:endParaRPr>
+          </a:p>
+        </p:txBody>
+      </p:sp>
+      <p:pic>
+        <p:nvPicPr>
+          <p:cNvPr id="3" name="Picture 2">
+            <a:extLst>
+              <a:ext uri="{FF2B5EF4-FFF2-40B4-BE49-F238E27FC236}">
+                <a16:creationId xmlns:a16="http://schemas.microsoft.com/office/drawing/2014/main" id="{3614DC42-251D-45F6-981F-0F84C22555EE}"/>
+              </a:ext>
+            </a:extLst>
+          </p:cNvPr>
+          <p:cNvPicPr>
+            <a:picLocks noChangeAspect="1"/>
+          </p:cNvPicPr>
+          <p:nvPr/>
+        </p:nvPicPr>
+        <p:blipFill>
+          <a:blip r:embed="rId3"/>
+          <a:stretch>
+            <a:fillRect/>
+          </a:stretch>
+        </p:blipFill>
+        <p:spPr>
+          <a:xfrm>
+            <a:off x="838200" y="2008740"/>
+            <a:ext cx="8831966" cy="3684393"/>
+          </a:xfrm>
+          <a:prstGeom prst="rect">
+            <a:avLst/>
+          </a:prstGeom>
+        </p:spPr>
+      </p:pic>
+    </p:spTree>
+    <p:extLst>
+      <p:ext uri="{BB962C8B-B14F-4D97-AF65-F5344CB8AC3E}">
+        <p14:creationId xmlns:p14="http://schemas.microsoft.com/office/powerpoint/2010/main" val="4061750775"/>
+      </p:ext>
+    </p:extLst>
+  </p:cSld>
+  <p:clrMapOvr>
+    <a:masterClrMapping/>
+  </p:clrMapOvr>
+</p:sld>
+</file>
+
+<file path=ppt/slides/slide41.xml><?xml version="1.0" encoding="utf-8"?>
+<p:sld xmlns:a="http://schemas.openxmlformats.org/drawingml/2006/main" xmlns:r="http://schemas.openxmlformats.org/officeDocument/2006/relationships" xmlns:p="http://schemas.openxmlformats.org/presentationml/2006/main">
+  <p:cSld>
+    <p:bg>
+      <p:bgPr>
+        <a:blipFill dpi="0" rotWithShape="1">
+          <a:blip r:embed="rId2">
+            <a:lum/>
+          </a:blip>
+          <a:srcRect/>
+          <a:stretch>
+            <a:fillRect/>
+          </a:stretch>
+        </a:blipFill>
+        <a:effectLst/>
+      </p:bgPr>
+    </p:bg>
+    <p:spTree>
+      <p:nvGrpSpPr>
+        <p:cNvPr id="1" name=""/>
+        <p:cNvGrpSpPr/>
+        <p:nvPr/>
+      </p:nvGrpSpPr>
+      <p:grpSpPr>
+        <a:xfrm>
+          <a:off x="0" y="0"/>
+          <a:ext cx="0" cy="0"/>
+          <a:chOff x="0" y="0"/>
+          <a:chExt cx="0" cy="0"/>
+        </a:xfrm>
+      </p:grpSpPr>
+      <p:sp>
+        <p:nvSpPr>
+          <p:cNvPr id="6" name="Title 1">
+            <a:extLst>
+              <a:ext uri="{FF2B5EF4-FFF2-40B4-BE49-F238E27FC236}">
+                <a16:creationId xmlns:a16="http://schemas.microsoft.com/office/drawing/2014/main" id="{331D04E0-6416-4CBE-AD16-B2D9C4FE44C3}"/>
+              </a:ext>
+            </a:extLst>
+          </p:cNvPr>
+          <p:cNvSpPr>
+            <a:spLocks noGrp="1"/>
+          </p:cNvSpPr>
+          <p:nvPr>
+            <p:ph type="title"/>
+          </p:nvPr>
+        </p:nvSpPr>
+        <p:spPr>
+          <a:xfrm>
+            <a:off x="838200" y="365125"/>
+            <a:ext cx="10515600" cy="1325563"/>
+          </a:xfrm>
+        </p:spPr>
+        <p:txBody>
+          <a:bodyPr>
+            <a:normAutofit/>
+          </a:bodyPr>
+          <a:lstStyle/>
+          <a:p>
+            <a:r>
+              <a:rPr lang="en-US" b="1" dirty="0">
+                <a:solidFill>
+                  <a:srgbClr val="292D33"/>
+                </a:solidFill>
+                <a:latin typeface="Euclid Circular B" panose="020B0504000000000000" pitchFamily="34" charset="0"/>
+                <a:ea typeface="Euclid Circular B" panose="020B0504000000000000" pitchFamily="34" charset="0"/>
+              </a:rPr>
+              <a:t>Migrating to microservices</a:t>
+            </a:r>
+            <a:br>
+              <a:rPr lang="en-US" sz="3200" b="1" dirty="0">
+                <a:solidFill>
+                  <a:srgbClr val="292D33"/>
+                </a:solidFill>
+                <a:latin typeface="Euclid Circular B" panose="020B0504000000000000" pitchFamily="34" charset="0"/>
+                <a:ea typeface="Euclid Circular B" panose="020B0504000000000000" pitchFamily="34" charset="0"/>
+              </a:rPr>
+            </a:br>
+            <a:r>
+              <a:rPr lang="en-US" sz="3200" b="1" i="1" dirty="0">
+                <a:solidFill>
+                  <a:srgbClr val="292D33"/>
+                </a:solidFill>
+                <a:latin typeface="Euclid Circular B" panose="020B0504000000000000" pitchFamily="34" charset="0"/>
+                <a:ea typeface="Euclid Circular B" panose="020B0504000000000000" pitchFamily="34" charset="0"/>
+              </a:rPr>
               <a:t>Replacing in-process service calls: retry policies</a:t>
             </a:r>
             <a:endParaRPr lang="en-US" sz="3200" b="1" dirty="0">
@@ -37259,7 +38062,7 @@
 </p:sld>
 </file>
 
-<file path=ppt/slides/slide41.xml><?xml version="1.0" encoding="utf-8"?>
+<file path=ppt/slides/slide42.xml><?xml version="1.0" encoding="utf-8"?>
 <p:sld xmlns:a="http://schemas.openxmlformats.org/drawingml/2006/main" xmlns:r="http://schemas.openxmlformats.org/officeDocument/2006/relationships" xmlns:p="http://schemas.openxmlformats.org/presentationml/2006/main">
   <p:cSld>
     <p:bg>
@@ -37566,7 +38369,7 @@
 </p:sld>
 </file>
 
-<file path=ppt/slides/slide42.xml><?xml version="1.0" encoding="utf-8"?>
+<file path=ppt/slides/slide43.xml><?xml version="1.0" encoding="utf-8"?>
 <p:sld xmlns:a="http://schemas.openxmlformats.org/drawingml/2006/main" xmlns:r="http://schemas.openxmlformats.org/officeDocument/2006/relationships" xmlns:p="http://schemas.openxmlformats.org/presentationml/2006/main">
   <p:cSld>
     <p:bg>
@@ -40099,7 +40902,7 @@
 </p:sld>
 </file>
 
-<file path=ppt/slides/slide43.xml><?xml version="1.0" encoding="utf-8"?>
+<file path=ppt/slides/slide44.xml><?xml version="1.0" encoding="utf-8"?>
 <p:sld xmlns:a="http://schemas.openxmlformats.org/drawingml/2006/main" xmlns:r="http://schemas.openxmlformats.org/officeDocument/2006/relationships" xmlns:p="http://schemas.openxmlformats.org/presentationml/2006/main">
   <p:cSld>
     <p:bg>
@@ -40481,7 +41284,7 @@
 </p:sld>
 </file>
 
-<file path=ppt/slides/slide44.xml><?xml version="1.0" encoding="utf-8"?>
+<file path=ppt/slides/slide45.xml><?xml version="1.0" encoding="utf-8"?>
 <p:sld xmlns:a="http://schemas.openxmlformats.org/drawingml/2006/main" xmlns:r="http://schemas.openxmlformats.org/officeDocument/2006/relationships" xmlns:p="http://schemas.openxmlformats.org/presentationml/2006/main">
   <p:cSld>
     <p:bg>
@@ -41723,7 +42526,7 @@
 </p:sld>
 </file>
 
-<file path=ppt/slides/slide45.xml><?xml version="1.0" encoding="utf-8"?>
+<file path=ppt/slides/slide46.xml><?xml version="1.0" encoding="utf-8"?>
 <p:sld xmlns:a="http://schemas.openxmlformats.org/drawingml/2006/main" xmlns:r="http://schemas.openxmlformats.org/officeDocument/2006/relationships" xmlns:p="http://schemas.openxmlformats.org/presentationml/2006/main">
   <p:cSld>
     <p:bg>
@@ -43382,7 +44185,7 @@
 </p:sld>
 </file>
 
-<file path=ppt/slides/slide46.xml><?xml version="1.0" encoding="utf-8"?>
+<file path=ppt/slides/slide47.xml><?xml version="1.0" encoding="utf-8"?>
 <p:sld xmlns:a="http://schemas.openxmlformats.org/drawingml/2006/main" xmlns:r="http://schemas.openxmlformats.org/officeDocument/2006/relationships" xmlns:p="http://schemas.openxmlformats.org/presentationml/2006/main">
   <p:cSld>
     <p:bg>
@@ -43985,7 +44788,7 @@
 </p:sld>
 </file>
 
-<file path=ppt/slides/slide47.xml><?xml version="1.0" encoding="utf-8"?>
+<file path=ppt/slides/slide48.xml><?xml version="1.0" encoding="utf-8"?>
 <p:sld xmlns:a="http://schemas.openxmlformats.org/drawingml/2006/main" xmlns:r="http://schemas.openxmlformats.org/officeDocument/2006/relationships" xmlns:p="http://schemas.openxmlformats.org/presentationml/2006/main">
   <p:cSld>
     <p:bg>
@@ -44724,7 +45527,7 @@
 </p:sld>
 </file>
 
-<file path=ppt/slides/slide48.xml><?xml version="1.0" encoding="utf-8"?>
+<file path=ppt/slides/slide49.xml><?xml version="1.0" encoding="utf-8"?>
 <p:sld xmlns:a="http://schemas.openxmlformats.org/drawingml/2006/main" xmlns:r="http://schemas.openxmlformats.org/officeDocument/2006/relationships" xmlns:p="http://schemas.openxmlformats.org/presentationml/2006/main">
   <p:cSld>
     <p:bg>
@@ -45293,7 +46096,779 @@
 </p:sld>
 </file>
 
-<file path=ppt/slides/slide49.xml><?xml version="1.0" encoding="utf-8"?>
+<file path=ppt/slides/slide5.xml><?xml version="1.0" encoding="utf-8"?>
+<p:sld xmlns:a="http://schemas.openxmlformats.org/drawingml/2006/main" xmlns:r="http://schemas.openxmlformats.org/officeDocument/2006/relationships" xmlns:p="http://schemas.openxmlformats.org/presentationml/2006/main">
+  <p:cSld>
+    <p:bg>
+      <p:bgPr>
+        <a:blipFill dpi="0" rotWithShape="1">
+          <a:blip r:embed="rId2">
+            <a:lum/>
+          </a:blip>
+          <a:srcRect/>
+          <a:stretch>
+            <a:fillRect/>
+          </a:stretch>
+        </a:blipFill>
+        <a:effectLst/>
+      </p:bgPr>
+    </p:bg>
+    <p:spTree>
+      <p:nvGrpSpPr>
+        <p:cNvPr id="1" name=""/>
+        <p:cNvGrpSpPr/>
+        <p:nvPr/>
+      </p:nvGrpSpPr>
+      <p:grpSpPr>
+        <a:xfrm>
+          <a:off x="0" y="0"/>
+          <a:ext cx="0" cy="0"/>
+          <a:chOff x="0" y="0"/>
+          <a:chExt cx="0" cy="0"/>
+        </a:xfrm>
+      </p:grpSpPr>
+      <p:sp>
+        <p:nvSpPr>
+          <p:cNvPr id="2" name="Title 1">
+            <a:extLst>
+              <a:ext uri="{FF2B5EF4-FFF2-40B4-BE49-F238E27FC236}">
+                <a16:creationId xmlns:a16="http://schemas.microsoft.com/office/drawing/2014/main" id="{55E11F08-6CA0-48F1-AD67-97430DDA07F0}"/>
+              </a:ext>
+            </a:extLst>
+          </p:cNvPr>
+          <p:cNvSpPr>
+            <a:spLocks noGrp="1"/>
+          </p:cNvSpPr>
+          <p:nvPr>
+            <p:ph type="title"/>
+          </p:nvPr>
+        </p:nvSpPr>
+        <p:spPr/>
+        <p:txBody>
+          <a:bodyPr/>
+          <a:lstStyle/>
+          <a:p>
+            <a:r>
+              <a:rPr lang="en-US" b="1" dirty="0">
+                <a:solidFill>
+                  <a:srgbClr val="292D33"/>
+                </a:solidFill>
+                <a:latin typeface="Euclid Circular B" panose="020B0504000000000000" pitchFamily="34" charset="0"/>
+                <a:ea typeface="Euclid Circular B" panose="020B0504000000000000" pitchFamily="34" charset="0"/>
+              </a:rPr>
+              <a:t>Microservice trade-offs</a:t>
+            </a:r>
+          </a:p>
+        </p:txBody>
+      </p:sp>
+      <p:sp>
+        <p:nvSpPr>
+          <p:cNvPr id="3" name="Content Placeholder 2">
+            <a:extLst>
+              <a:ext uri="{FF2B5EF4-FFF2-40B4-BE49-F238E27FC236}">
+                <a16:creationId xmlns:a16="http://schemas.microsoft.com/office/drawing/2014/main" id="{891C7693-D3DF-4635-96F4-97F3B4136FDF}"/>
+              </a:ext>
+            </a:extLst>
+          </p:cNvPr>
+          <p:cNvSpPr>
+            <a:spLocks noGrp="1"/>
+          </p:cNvSpPr>
+          <p:nvPr>
+            <p:ph idx="1"/>
+          </p:nvPr>
+        </p:nvSpPr>
+        <p:spPr>
+          <a:xfrm>
+            <a:off x="838200" y="1825625"/>
+            <a:ext cx="5037814" cy="3072378"/>
+          </a:xfrm>
+        </p:spPr>
+        <p:txBody>
+          <a:bodyPr/>
+          <a:lstStyle/>
+          <a:p>
+            <a:pPr marL="0" indent="0">
+              <a:buNone/>
+            </a:pPr>
+            <a:r>
+              <a:rPr lang="en-US" b="1" u="sng" dirty="0">
+                <a:latin typeface="Euclid Circular B" panose="020B0504000000000000" pitchFamily="34" charset="0"/>
+                <a:ea typeface="Euclid Circular B" panose="020B0504000000000000" pitchFamily="34" charset="0"/>
+              </a:rPr>
+              <a:t>BENEFITS</a:t>
+            </a:r>
+          </a:p>
+          <a:p>
+            <a:r>
+              <a:rPr lang="en-US" dirty="0">
+                <a:latin typeface="Euclid Circular B" panose="020B0504000000000000" pitchFamily="34" charset="0"/>
+                <a:ea typeface="Euclid Circular B" panose="020B0504000000000000" pitchFamily="34" charset="0"/>
+              </a:rPr>
+              <a:t>Forcing the modularity and encapsulation</a:t>
+            </a:r>
+          </a:p>
+          <a:p>
+            <a:r>
+              <a:rPr lang="en-US" dirty="0">
+                <a:latin typeface="Euclid Circular B" panose="020B0504000000000000" pitchFamily="34" charset="0"/>
+                <a:ea typeface="Euclid Circular B" panose="020B0504000000000000" pitchFamily="34" charset="0"/>
+              </a:rPr>
+              <a:t>Independently developed, deployed and scaled</a:t>
+            </a:r>
+          </a:p>
+          <a:p>
+            <a:r>
+              <a:rPr lang="en-US" dirty="0">
+                <a:latin typeface="Euclid Circular B" panose="020B0504000000000000" pitchFamily="34" charset="0"/>
+                <a:ea typeface="Euclid Circular B" panose="020B0504000000000000" pitchFamily="34" charset="0"/>
+              </a:rPr>
+              <a:t>Technology diversity</a:t>
+            </a:r>
+          </a:p>
+        </p:txBody>
+      </p:sp>
+      <p:sp>
+        <p:nvSpPr>
+          <p:cNvPr id="4" name="Content Placeholder 2">
+            <a:extLst>
+              <a:ext uri="{FF2B5EF4-FFF2-40B4-BE49-F238E27FC236}">
+                <a16:creationId xmlns:a16="http://schemas.microsoft.com/office/drawing/2014/main" id="{3C6C15FB-DFA6-464B-86D0-05F848FB3810}"/>
+              </a:ext>
+            </a:extLst>
+          </p:cNvPr>
+          <p:cNvSpPr txBox="1">
+            <a:spLocks/>
+          </p:cNvSpPr>
+          <p:nvPr/>
+        </p:nvSpPr>
+        <p:spPr>
+          <a:xfrm>
+            <a:off x="6315988" y="1831727"/>
+            <a:ext cx="5037814" cy="3066276"/>
+          </a:xfrm>
+          <a:prstGeom prst="rect">
+            <a:avLst/>
+          </a:prstGeom>
+        </p:spPr>
+        <p:txBody>
+          <a:bodyPr vert="horz" lIns="91440" tIns="45720" rIns="91440" bIns="45720" rtlCol="0">
+            <a:normAutofit/>
+          </a:bodyPr>
+          <a:lstStyle>
+            <a:lvl1pPr marL="228600" indent="-228600" algn="l" defTabSz="914400" rtl="0" eaLnBrk="1" latinLnBrk="0" hangingPunct="1">
+              <a:lnSpc>
+                <a:spcPct val="90000"/>
+              </a:lnSpc>
+              <a:spcBef>
+                <a:spcPts val="1000"/>
+              </a:spcBef>
+              <a:buFont typeface="Arial" panose="020B0604020202020204" pitchFamily="34" charset="0"/>
+              <a:buChar char="•"/>
+              <a:defRPr sz="2800" kern="1200">
+                <a:solidFill>
+                  <a:schemeClr val="tx1"/>
+                </a:solidFill>
+                <a:latin typeface="+mn-lt"/>
+                <a:ea typeface="+mn-ea"/>
+                <a:cs typeface="+mn-cs"/>
+              </a:defRPr>
+            </a:lvl1pPr>
+            <a:lvl2pPr marL="685800" indent="-228600" algn="l" defTabSz="914400" rtl="0" eaLnBrk="1" latinLnBrk="0" hangingPunct="1">
+              <a:lnSpc>
+                <a:spcPct val="90000"/>
+              </a:lnSpc>
+              <a:spcBef>
+                <a:spcPts val="500"/>
+              </a:spcBef>
+              <a:buFont typeface="Arial" panose="020B0604020202020204" pitchFamily="34" charset="0"/>
+              <a:buChar char="•"/>
+              <a:defRPr sz="2400" kern="1200">
+                <a:solidFill>
+                  <a:schemeClr val="tx1"/>
+                </a:solidFill>
+                <a:latin typeface="+mn-lt"/>
+                <a:ea typeface="+mn-ea"/>
+                <a:cs typeface="+mn-cs"/>
+              </a:defRPr>
+            </a:lvl2pPr>
+            <a:lvl3pPr marL="1143000" indent="-228600" algn="l" defTabSz="914400" rtl="0" eaLnBrk="1" latinLnBrk="0" hangingPunct="1">
+              <a:lnSpc>
+                <a:spcPct val="90000"/>
+              </a:lnSpc>
+              <a:spcBef>
+                <a:spcPts val="500"/>
+              </a:spcBef>
+              <a:buFont typeface="Arial" panose="020B0604020202020204" pitchFamily="34" charset="0"/>
+              <a:buChar char="•"/>
+              <a:defRPr sz="2000" kern="1200">
+                <a:solidFill>
+                  <a:schemeClr val="tx1"/>
+                </a:solidFill>
+                <a:latin typeface="+mn-lt"/>
+                <a:ea typeface="+mn-ea"/>
+                <a:cs typeface="+mn-cs"/>
+              </a:defRPr>
+            </a:lvl3pPr>
+            <a:lvl4pPr marL="1600200" indent="-228600" algn="l" defTabSz="914400" rtl="0" eaLnBrk="1" latinLnBrk="0" hangingPunct="1">
+              <a:lnSpc>
+                <a:spcPct val="90000"/>
+              </a:lnSpc>
+              <a:spcBef>
+                <a:spcPts val="500"/>
+              </a:spcBef>
+              <a:buFont typeface="Arial" panose="020B0604020202020204" pitchFamily="34" charset="0"/>
+              <a:buChar char="•"/>
+              <a:defRPr sz="1800" kern="1200">
+                <a:solidFill>
+                  <a:schemeClr val="tx1"/>
+                </a:solidFill>
+                <a:latin typeface="+mn-lt"/>
+                <a:ea typeface="+mn-ea"/>
+                <a:cs typeface="+mn-cs"/>
+              </a:defRPr>
+            </a:lvl4pPr>
+            <a:lvl5pPr marL="2057400" indent="-228600" algn="l" defTabSz="914400" rtl="0" eaLnBrk="1" latinLnBrk="0" hangingPunct="1">
+              <a:lnSpc>
+                <a:spcPct val="90000"/>
+              </a:lnSpc>
+              <a:spcBef>
+                <a:spcPts val="500"/>
+              </a:spcBef>
+              <a:buFont typeface="Arial" panose="020B0604020202020204" pitchFamily="34" charset="0"/>
+              <a:buChar char="•"/>
+              <a:defRPr sz="1800" kern="1200">
+                <a:solidFill>
+                  <a:schemeClr val="tx1"/>
+                </a:solidFill>
+                <a:latin typeface="+mn-lt"/>
+                <a:ea typeface="+mn-ea"/>
+                <a:cs typeface="+mn-cs"/>
+              </a:defRPr>
+            </a:lvl5pPr>
+            <a:lvl6pPr marL="2514600" indent="-228600" algn="l" defTabSz="914400" rtl="0" eaLnBrk="1" latinLnBrk="0" hangingPunct="1">
+              <a:lnSpc>
+                <a:spcPct val="90000"/>
+              </a:lnSpc>
+              <a:spcBef>
+                <a:spcPts val="500"/>
+              </a:spcBef>
+              <a:buFont typeface="Arial" panose="020B0604020202020204" pitchFamily="34" charset="0"/>
+              <a:buChar char="•"/>
+              <a:defRPr sz="1800" kern="1200">
+                <a:solidFill>
+                  <a:schemeClr val="tx1"/>
+                </a:solidFill>
+                <a:latin typeface="+mn-lt"/>
+                <a:ea typeface="+mn-ea"/>
+                <a:cs typeface="+mn-cs"/>
+              </a:defRPr>
+            </a:lvl6pPr>
+            <a:lvl7pPr marL="2971800" indent="-228600" algn="l" defTabSz="914400" rtl="0" eaLnBrk="1" latinLnBrk="0" hangingPunct="1">
+              <a:lnSpc>
+                <a:spcPct val="90000"/>
+              </a:lnSpc>
+              <a:spcBef>
+                <a:spcPts val="500"/>
+              </a:spcBef>
+              <a:buFont typeface="Arial" panose="020B0604020202020204" pitchFamily="34" charset="0"/>
+              <a:buChar char="•"/>
+              <a:defRPr sz="1800" kern="1200">
+                <a:solidFill>
+                  <a:schemeClr val="tx1"/>
+                </a:solidFill>
+                <a:latin typeface="+mn-lt"/>
+                <a:ea typeface="+mn-ea"/>
+                <a:cs typeface="+mn-cs"/>
+              </a:defRPr>
+            </a:lvl7pPr>
+            <a:lvl8pPr marL="3429000" indent="-228600" algn="l" defTabSz="914400" rtl="0" eaLnBrk="1" latinLnBrk="0" hangingPunct="1">
+              <a:lnSpc>
+                <a:spcPct val="90000"/>
+              </a:lnSpc>
+              <a:spcBef>
+                <a:spcPts val="500"/>
+              </a:spcBef>
+              <a:buFont typeface="Arial" panose="020B0604020202020204" pitchFamily="34" charset="0"/>
+              <a:buChar char="•"/>
+              <a:defRPr sz="1800" kern="1200">
+                <a:solidFill>
+                  <a:schemeClr val="tx1"/>
+                </a:solidFill>
+                <a:latin typeface="+mn-lt"/>
+                <a:ea typeface="+mn-ea"/>
+                <a:cs typeface="+mn-cs"/>
+              </a:defRPr>
+            </a:lvl8pPr>
+            <a:lvl9pPr marL="3886200" indent="-228600" algn="l" defTabSz="914400" rtl="0" eaLnBrk="1" latinLnBrk="0" hangingPunct="1">
+              <a:lnSpc>
+                <a:spcPct val="90000"/>
+              </a:lnSpc>
+              <a:spcBef>
+                <a:spcPts val="500"/>
+              </a:spcBef>
+              <a:buFont typeface="Arial" panose="020B0604020202020204" pitchFamily="34" charset="0"/>
+              <a:buChar char="•"/>
+              <a:defRPr sz="1800" kern="1200">
+                <a:solidFill>
+                  <a:schemeClr val="tx1"/>
+                </a:solidFill>
+                <a:latin typeface="+mn-lt"/>
+                <a:ea typeface="+mn-ea"/>
+                <a:cs typeface="+mn-cs"/>
+              </a:defRPr>
+            </a:lvl9pPr>
+          </a:lstStyle>
+          <a:p>
+            <a:pPr marL="0" indent="0">
+              <a:buNone/>
+            </a:pPr>
+            <a:r>
+              <a:rPr lang="en-US" b="1" u="sng" dirty="0">
+                <a:latin typeface="Euclid Circular B" panose="020B0504000000000000" pitchFamily="34" charset="0"/>
+                <a:ea typeface="Euclid Circular B" panose="020B0504000000000000" pitchFamily="34" charset="0"/>
+              </a:rPr>
+              <a:t>COSTS</a:t>
+            </a:r>
+          </a:p>
+          <a:p>
+            <a:r>
+              <a:rPr lang="en-US" dirty="0">
+                <a:latin typeface="Euclid Circular B" panose="020B0504000000000000" pitchFamily="34" charset="0"/>
+                <a:ea typeface="Euclid Circular B" panose="020B0504000000000000" pitchFamily="34" charset="0"/>
+              </a:rPr>
+              <a:t>Distribution</a:t>
+            </a:r>
+          </a:p>
+          <a:p>
+            <a:r>
+              <a:rPr lang="en-US" dirty="0">
+                <a:latin typeface="Euclid Circular B" panose="020B0504000000000000" pitchFamily="34" charset="0"/>
+                <a:ea typeface="Euclid Circular B" panose="020B0504000000000000" pitchFamily="34" charset="0"/>
+              </a:rPr>
+              <a:t>Eventually consistency</a:t>
+            </a:r>
+          </a:p>
+          <a:p>
+            <a:r>
+              <a:rPr lang="en-US" dirty="0">
+                <a:latin typeface="Euclid Circular B" panose="020B0504000000000000" pitchFamily="34" charset="0"/>
+                <a:ea typeface="Euclid Circular B" panose="020B0504000000000000" pitchFamily="34" charset="0"/>
+              </a:rPr>
+              <a:t>Operational complexity</a:t>
+            </a:r>
+          </a:p>
+        </p:txBody>
+      </p:sp>
+    </p:spTree>
+    <p:extLst>
+      <p:ext uri="{BB962C8B-B14F-4D97-AF65-F5344CB8AC3E}">
+        <p14:creationId xmlns:p14="http://schemas.microsoft.com/office/powerpoint/2010/main" val="3435363587"/>
+      </p:ext>
+    </p:extLst>
+  </p:cSld>
+  <p:clrMapOvr>
+    <a:masterClrMapping/>
+  </p:clrMapOvr>
+  <p:timing>
+    <p:tnLst>
+      <p:par>
+        <p:cTn id="1" dur="indefinite" restart="never" nodeType="tmRoot">
+          <p:childTnLst>
+            <p:seq concurrent="1" nextAc="seek">
+              <p:cTn id="2" dur="indefinite" nodeType="mainSeq">
+                <p:childTnLst>
+                  <p:par>
+                    <p:cTn id="3" fill="hold">
+                      <p:stCondLst>
+                        <p:cond delay="indefinite"/>
+                      </p:stCondLst>
+                      <p:childTnLst>
+                        <p:par>
+                          <p:cTn id="4" fill="hold">
+                            <p:stCondLst>
+                              <p:cond delay="0"/>
+                            </p:stCondLst>
+                            <p:childTnLst>
+                              <p:par>
+                                <p:cTn id="5" presetID="10" presetClass="entr" presetSubtype="0" fill="hold" nodeType="clickEffect">
+                                  <p:stCondLst>
+                                    <p:cond delay="0"/>
+                                  </p:stCondLst>
+                                  <p:childTnLst>
+                                    <p:set>
+                                      <p:cBhvr>
+                                        <p:cTn id="6" dur="1" fill="hold">
+                                          <p:stCondLst>
+                                            <p:cond delay="0"/>
+                                          </p:stCondLst>
+                                        </p:cTn>
+                                        <p:tgtEl>
+                                          <p:spTgt spid="3">
+                                            <p:txEl>
+                                              <p:pRg st="1" end="1"/>
+                                            </p:txEl>
+                                          </p:spTgt>
+                                        </p:tgtEl>
+                                        <p:attrNameLst>
+                                          <p:attrName>style.visibility</p:attrName>
+                                        </p:attrNameLst>
+                                      </p:cBhvr>
+                                      <p:to>
+                                        <p:strVal val="visible"/>
+                                      </p:to>
+                                    </p:set>
+                                    <p:animEffect transition="in" filter="fade">
+                                      <p:cBhvr>
+                                        <p:cTn id="7" dur="500"/>
+                                        <p:tgtEl>
+                                          <p:spTgt spid="3">
+                                            <p:txEl>
+                                              <p:pRg st="1" end="1"/>
+                                            </p:txEl>
+                                          </p:spTgt>
+                                        </p:tgtEl>
+                                      </p:cBhvr>
+                                    </p:animEffect>
+                                  </p:childTnLst>
+                                </p:cTn>
+                              </p:par>
+                            </p:childTnLst>
+                          </p:cTn>
+                        </p:par>
+                      </p:childTnLst>
+                    </p:cTn>
+                  </p:par>
+                  <p:par>
+                    <p:cTn id="8" fill="hold">
+                      <p:stCondLst>
+                        <p:cond delay="indefinite"/>
+                      </p:stCondLst>
+                      <p:childTnLst>
+                        <p:par>
+                          <p:cTn id="9" fill="hold">
+                            <p:stCondLst>
+                              <p:cond delay="0"/>
+                            </p:stCondLst>
+                            <p:childTnLst>
+                              <p:par>
+                                <p:cTn id="10" presetID="10" presetClass="entr" presetSubtype="0" fill="hold" nodeType="clickEffect">
+                                  <p:stCondLst>
+                                    <p:cond delay="0"/>
+                                  </p:stCondLst>
+                                  <p:childTnLst>
+                                    <p:set>
+                                      <p:cBhvr>
+                                        <p:cTn id="11" dur="1" fill="hold">
+                                          <p:stCondLst>
+                                            <p:cond delay="0"/>
+                                          </p:stCondLst>
+                                        </p:cTn>
+                                        <p:tgtEl>
+                                          <p:spTgt spid="3">
+                                            <p:txEl>
+                                              <p:pRg st="2" end="2"/>
+                                            </p:txEl>
+                                          </p:spTgt>
+                                        </p:tgtEl>
+                                        <p:attrNameLst>
+                                          <p:attrName>style.visibility</p:attrName>
+                                        </p:attrNameLst>
+                                      </p:cBhvr>
+                                      <p:to>
+                                        <p:strVal val="visible"/>
+                                      </p:to>
+                                    </p:set>
+                                    <p:animEffect transition="in" filter="fade">
+                                      <p:cBhvr>
+                                        <p:cTn id="12" dur="500"/>
+                                        <p:tgtEl>
+                                          <p:spTgt spid="3">
+                                            <p:txEl>
+                                              <p:pRg st="2" end="2"/>
+                                            </p:txEl>
+                                          </p:spTgt>
+                                        </p:tgtEl>
+                                      </p:cBhvr>
+                                    </p:animEffect>
+                                  </p:childTnLst>
+                                </p:cTn>
+                              </p:par>
+                            </p:childTnLst>
+                          </p:cTn>
+                        </p:par>
+                      </p:childTnLst>
+                    </p:cTn>
+                  </p:par>
+                  <p:par>
+                    <p:cTn id="13" fill="hold">
+                      <p:stCondLst>
+                        <p:cond delay="indefinite"/>
+                      </p:stCondLst>
+                      <p:childTnLst>
+                        <p:par>
+                          <p:cTn id="14" fill="hold">
+                            <p:stCondLst>
+                              <p:cond delay="0"/>
+                            </p:stCondLst>
+                            <p:childTnLst>
+                              <p:par>
+                                <p:cTn id="15" presetID="10" presetClass="entr" presetSubtype="0" fill="hold" nodeType="clickEffect">
+                                  <p:stCondLst>
+                                    <p:cond delay="0"/>
+                                  </p:stCondLst>
+                                  <p:childTnLst>
+                                    <p:set>
+                                      <p:cBhvr>
+                                        <p:cTn id="16" dur="1" fill="hold">
+                                          <p:stCondLst>
+                                            <p:cond delay="0"/>
+                                          </p:stCondLst>
+                                        </p:cTn>
+                                        <p:tgtEl>
+                                          <p:spTgt spid="3">
+                                            <p:txEl>
+                                              <p:pRg st="3" end="3"/>
+                                            </p:txEl>
+                                          </p:spTgt>
+                                        </p:tgtEl>
+                                        <p:attrNameLst>
+                                          <p:attrName>style.visibility</p:attrName>
+                                        </p:attrNameLst>
+                                      </p:cBhvr>
+                                      <p:to>
+                                        <p:strVal val="visible"/>
+                                      </p:to>
+                                    </p:set>
+                                    <p:animEffect transition="in" filter="fade">
+                                      <p:cBhvr>
+                                        <p:cTn id="17" dur="500"/>
+                                        <p:tgtEl>
+                                          <p:spTgt spid="3">
+                                            <p:txEl>
+                                              <p:pRg st="3" end="3"/>
+                                            </p:txEl>
+                                          </p:spTgt>
+                                        </p:tgtEl>
+                                      </p:cBhvr>
+                                    </p:animEffect>
+                                  </p:childTnLst>
+                                </p:cTn>
+                              </p:par>
+                            </p:childTnLst>
+                          </p:cTn>
+                        </p:par>
+                      </p:childTnLst>
+                    </p:cTn>
+                  </p:par>
+                  <p:par>
+                    <p:cTn id="18" fill="hold">
+                      <p:stCondLst>
+                        <p:cond delay="indefinite"/>
+                      </p:stCondLst>
+                      <p:childTnLst>
+                        <p:par>
+                          <p:cTn id="19" fill="hold">
+                            <p:stCondLst>
+                              <p:cond delay="0"/>
+                            </p:stCondLst>
+                            <p:childTnLst>
+                              <p:par>
+                                <p:cTn id="20" presetID="10" presetClass="entr" presetSubtype="0" fill="hold" nodeType="clickEffect">
+                                  <p:stCondLst>
+                                    <p:cond delay="0"/>
+                                  </p:stCondLst>
+                                  <p:childTnLst>
+                                    <p:set>
+                                      <p:cBhvr>
+                                        <p:cTn id="21" dur="1" fill="hold">
+                                          <p:stCondLst>
+                                            <p:cond delay="0"/>
+                                          </p:stCondLst>
+                                        </p:cTn>
+                                        <p:tgtEl>
+                                          <p:spTgt spid="4">
+                                            <p:txEl>
+                                              <p:pRg st="1" end="1"/>
+                                            </p:txEl>
+                                          </p:spTgt>
+                                        </p:tgtEl>
+                                        <p:attrNameLst>
+                                          <p:attrName>style.visibility</p:attrName>
+                                        </p:attrNameLst>
+                                      </p:cBhvr>
+                                      <p:to>
+                                        <p:strVal val="visible"/>
+                                      </p:to>
+                                    </p:set>
+                                    <p:animEffect transition="in" filter="fade">
+                                      <p:cBhvr>
+                                        <p:cTn id="22" dur="500"/>
+                                        <p:tgtEl>
+                                          <p:spTgt spid="4">
+                                            <p:txEl>
+                                              <p:pRg st="1" end="1"/>
+                                            </p:txEl>
+                                          </p:spTgt>
+                                        </p:tgtEl>
+                                      </p:cBhvr>
+                                    </p:animEffect>
+                                  </p:childTnLst>
+                                </p:cTn>
+                              </p:par>
+                            </p:childTnLst>
+                          </p:cTn>
+                        </p:par>
+                      </p:childTnLst>
+                    </p:cTn>
+                  </p:par>
+                  <p:par>
+                    <p:cTn id="23" fill="hold">
+                      <p:stCondLst>
+                        <p:cond delay="indefinite"/>
+                      </p:stCondLst>
+                      <p:childTnLst>
+                        <p:par>
+                          <p:cTn id="24" fill="hold">
+                            <p:stCondLst>
+                              <p:cond delay="0"/>
+                            </p:stCondLst>
+                            <p:childTnLst>
+                              <p:par>
+                                <p:cTn id="25" presetID="10" presetClass="entr" presetSubtype="0" fill="hold" nodeType="clickEffect">
+                                  <p:stCondLst>
+                                    <p:cond delay="0"/>
+                                  </p:stCondLst>
+                                  <p:childTnLst>
+                                    <p:set>
+                                      <p:cBhvr>
+                                        <p:cTn id="26" dur="1" fill="hold">
+                                          <p:stCondLst>
+                                            <p:cond delay="0"/>
+                                          </p:stCondLst>
+                                        </p:cTn>
+                                        <p:tgtEl>
+                                          <p:spTgt spid="4">
+                                            <p:txEl>
+                                              <p:pRg st="2" end="2"/>
+                                            </p:txEl>
+                                          </p:spTgt>
+                                        </p:tgtEl>
+                                        <p:attrNameLst>
+                                          <p:attrName>style.visibility</p:attrName>
+                                        </p:attrNameLst>
+                                      </p:cBhvr>
+                                      <p:to>
+                                        <p:strVal val="visible"/>
+                                      </p:to>
+                                    </p:set>
+                                    <p:animEffect transition="in" filter="fade">
+                                      <p:cBhvr>
+                                        <p:cTn id="27" dur="500"/>
+                                        <p:tgtEl>
+                                          <p:spTgt spid="4">
+                                            <p:txEl>
+                                              <p:pRg st="2" end="2"/>
+                                            </p:txEl>
+                                          </p:spTgt>
+                                        </p:tgtEl>
+                                      </p:cBhvr>
+                                    </p:animEffect>
+                                  </p:childTnLst>
+                                </p:cTn>
+                              </p:par>
+                            </p:childTnLst>
+                          </p:cTn>
+                        </p:par>
+                      </p:childTnLst>
+                    </p:cTn>
+                  </p:par>
+                  <p:par>
+                    <p:cTn id="28" fill="hold">
+                      <p:stCondLst>
+                        <p:cond delay="indefinite"/>
+                      </p:stCondLst>
+                      <p:childTnLst>
+                        <p:par>
+                          <p:cTn id="29" fill="hold">
+                            <p:stCondLst>
+                              <p:cond delay="0"/>
+                            </p:stCondLst>
+                            <p:childTnLst>
+                              <p:par>
+                                <p:cTn id="30" presetID="10" presetClass="entr" presetSubtype="0" fill="hold" nodeType="clickEffect">
+                                  <p:stCondLst>
+                                    <p:cond delay="0"/>
+                                  </p:stCondLst>
+                                  <p:childTnLst>
+                                    <p:set>
+                                      <p:cBhvr>
+                                        <p:cTn id="31" dur="1" fill="hold">
+                                          <p:stCondLst>
+                                            <p:cond delay="0"/>
+                                          </p:stCondLst>
+                                        </p:cTn>
+                                        <p:tgtEl>
+                                          <p:spTgt spid="4">
+                                            <p:txEl>
+                                              <p:pRg st="3" end="3"/>
+                                            </p:txEl>
+                                          </p:spTgt>
+                                        </p:tgtEl>
+                                        <p:attrNameLst>
+                                          <p:attrName>style.visibility</p:attrName>
+                                        </p:attrNameLst>
+                                      </p:cBhvr>
+                                      <p:to>
+                                        <p:strVal val="visible"/>
+                                      </p:to>
+                                    </p:set>
+                                    <p:animEffect transition="in" filter="fade">
+                                      <p:cBhvr>
+                                        <p:cTn id="32" dur="500"/>
+                                        <p:tgtEl>
+                                          <p:spTgt spid="4">
+                                            <p:txEl>
+                                              <p:pRg st="3" end="3"/>
+                                            </p:txEl>
+                                          </p:spTgt>
+                                        </p:tgtEl>
+                                      </p:cBhvr>
+                                    </p:animEffect>
+                                  </p:childTnLst>
+                                </p:cTn>
+                              </p:par>
+                            </p:childTnLst>
+                          </p:cTn>
+                        </p:par>
+                      </p:childTnLst>
+                    </p:cTn>
+                  </p:par>
+                </p:childTnLst>
+              </p:cTn>
+              <p:prevCondLst>
+                <p:cond evt="onPrev" delay="0">
+                  <p:tgtEl>
+                    <p:sldTgt/>
+                  </p:tgtEl>
+                </p:cond>
+              </p:prevCondLst>
+              <p:nextCondLst>
+                <p:cond evt="onNext" delay="0">
+                  <p:tgtEl>
+                    <p:sldTgt/>
+                  </p:tgtEl>
+                </p:cond>
+              </p:nextCondLst>
+            </p:seq>
+          </p:childTnLst>
+        </p:cTn>
+      </p:par>
+    </p:tnLst>
+  </p:timing>
+</p:sld>
+</file>
+
+<file path=ppt/slides/slide50.xml><?xml version="1.0" encoding="utf-8"?>
 <p:sld xmlns:a="http://schemas.openxmlformats.org/drawingml/2006/main" xmlns:r="http://schemas.openxmlformats.org/officeDocument/2006/relationships" xmlns:p="http://schemas.openxmlformats.org/presentationml/2006/main">
   <p:cSld>
     <p:bg>
@@ -45713,689 +47288,7 @@
 </p:sld>
 </file>
 
-<file path=ppt/slides/slide5.xml><?xml version="1.0" encoding="utf-8"?>
-<p:sld xmlns:a="http://schemas.openxmlformats.org/drawingml/2006/main" xmlns:r="http://schemas.openxmlformats.org/officeDocument/2006/relationships" xmlns:p="http://schemas.openxmlformats.org/presentationml/2006/main">
-  <p:cSld>
-    <p:bg>
-      <p:bgPr>
-        <a:blipFill dpi="0" rotWithShape="1">
-          <a:blip r:embed="rId2">
-            <a:lum/>
-          </a:blip>
-          <a:srcRect/>
-          <a:stretch>
-            <a:fillRect/>
-          </a:stretch>
-        </a:blipFill>
-        <a:effectLst/>
-      </p:bgPr>
-    </p:bg>
-    <p:spTree>
-      <p:nvGrpSpPr>
-        <p:cNvPr id="1" name=""/>
-        <p:cNvGrpSpPr/>
-        <p:nvPr/>
-      </p:nvGrpSpPr>
-      <p:grpSpPr>
-        <a:xfrm>
-          <a:off x="0" y="0"/>
-          <a:ext cx="0" cy="0"/>
-          <a:chOff x="0" y="0"/>
-          <a:chExt cx="0" cy="0"/>
-        </a:xfrm>
-      </p:grpSpPr>
-      <p:sp>
-        <p:nvSpPr>
-          <p:cNvPr id="2" name="Title 1">
-            <a:extLst>
-              <a:ext uri="{FF2B5EF4-FFF2-40B4-BE49-F238E27FC236}">
-                <a16:creationId xmlns:a16="http://schemas.microsoft.com/office/drawing/2014/main" id="{55E11F08-6CA0-48F1-AD67-97430DDA07F0}"/>
-              </a:ext>
-            </a:extLst>
-          </p:cNvPr>
-          <p:cNvSpPr>
-            <a:spLocks noGrp="1"/>
-          </p:cNvSpPr>
-          <p:nvPr>
-            <p:ph type="title"/>
-          </p:nvPr>
-        </p:nvSpPr>
-        <p:spPr/>
-        <p:txBody>
-          <a:bodyPr/>
-          <a:lstStyle/>
-          <a:p>
-            <a:r>
-              <a:rPr lang="en-US" b="1" dirty="0">
-                <a:solidFill>
-                  <a:srgbClr val="292D33"/>
-                </a:solidFill>
-                <a:latin typeface="Euclid Circular B" panose="020B0504000000000000" pitchFamily="34" charset="0"/>
-                <a:ea typeface="Euclid Circular B" panose="020B0504000000000000" pitchFamily="34" charset="0"/>
-              </a:rPr>
-              <a:t>Microservices</a:t>
-            </a:r>
-            <a:r>
-              <a:rPr lang="en-US" dirty="0">
-                <a:solidFill>
-                  <a:srgbClr val="292D33"/>
-                </a:solidFill>
-                <a:latin typeface="Euclid Circular B" panose="020B0504000000000000" pitchFamily="34" charset="0"/>
-                <a:ea typeface="Euclid Circular B" panose="020B0504000000000000" pitchFamily="34" charset="0"/>
-              </a:rPr>
-              <a:t>: Who is for?</a:t>
-            </a:r>
-          </a:p>
-        </p:txBody>
-      </p:sp>
-      <p:sp>
-        <p:nvSpPr>
-          <p:cNvPr id="3" name="Content Placeholder 2">
-            <a:extLst>
-              <a:ext uri="{FF2B5EF4-FFF2-40B4-BE49-F238E27FC236}">
-                <a16:creationId xmlns:a16="http://schemas.microsoft.com/office/drawing/2014/main" id="{891C7693-D3DF-4635-96F4-97F3B4136FDF}"/>
-              </a:ext>
-            </a:extLst>
-          </p:cNvPr>
-          <p:cNvSpPr>
-            <a:spLocks noGrp="1"/>
-          </p:cNvSpPr>
-          <p:nvPr>
-            <p:ph idx="1"/>
-          </p:nvPr>
-        </p:nvSpPr>
-        <p:spPr>
-          <a:xfrm>
-            <a:off x="1045590" y="4872659"/>
-            <a:ext cx="4746735" cy="1620216"/>
-          </a:xfrm>
-        </p:spPr>
-        <p:txBody>
-          <a:bodyPr>
-            <a:normAutofit/>
-          </a:bodyPr>
-          <a:lstStyle/>
-          <a:p>
-            <a:pPr marL="0" indent="0">
-              <a:buNone/>
-            </a:pPr>
-            <a:r>
-              <a:rPr lang="en-US" sz="3200" b="1" dirty="0">
-                <a:latin typeface="Euclid Circular B" panose="020B0504000000000000" pitchFamily="34" charset="0"/>
-                <a:ea typeface="Euclid Circular B" panose="020B0504000000000000" pitchFamily="34" charset="0"/>
-              </a:rPr>
-              <a:t>Large development team </a:t>
-            </a:r>
-            <a:r>
-              <a:rPr lang="en-US" sz="3200" dirty="0">
-                <a:latin typeface="Euclid Circular B" panose="020B0504000000000000" pitchFamily="34" charset="0"/>
-                <a:ea typeface="Euclid Circular B" panose="020B0504000000000000" pitchFamily="34" charset="0"/>
-              </a:rPr>
-              <a:t>with </a:t>
-            </a:r>
-            <a:r>
-              <a:rPr lang="en-US" sz="3200" b="1" dirty="0">
-                <a:latin typeface="Euclid Circular B" panose="020B0504000000000000" pitchFamily="34" charset="0"/>
-                <a:ea typeface="Euclid Circular B" panose="020B0504000000000000" pitchFamily="34" charset="0"/>
-              </a:rPr>
-              <a:t>DevOps</a:t>
-            </a:r>
-            <a:r>
-              <a:rPr lang="en-US" sz="3200" dirty="0">
-                <a:latin typeface="Euclid Circular B" panose="020B0504000000000000" pitchFamily="34" charset="0"/>
-                <a:ea typeface="Euclid Circular B" panose="020B0504000000000000" pitchFamily="34" charset="0"/>
-              </a:rPr>
-              <a:t> and automation culture</a:t>
-            </a:r>
-          </a:p>
-        </p:txBody>
-      </p:sp>
-      <p:pic>
-        <p:nvPicPr>
-          <p:cNvPr id="5122" name="Picture 2" descr="Uniland&amp;#39;s Portfolio Supports Growing Businesses | Best Office Space">
-            <a:extLst>
-              <a:ext uri="{FF2B5EF4-FFF2-40B4-BE49-F238E27FC236}">
-                <a16:creationId xmlns:a16="http://schemas.microsoft.com/office/drawing/2014/main" id="{89F52188-709F-46CE-9DD9-CBAC90F55AEE}"/>
-              </a:ext>
-            </a:extLst>
-          </p:cNvPr>
-          <p:cNvPicPr>
-            <a:picLocks noChangeAspect="1" noChangeArrowheads="1"/>
-          </p:cNvPicPr>
-          <p:nvPr/>
-        </p:nvPicPr>
-        <p:blipFill>
-          <a:blip r:embed="rId3">
-            <a:extLst>
-              <a:ext uri="{28A0092B-C50C-407E-A947-70E740481C1C}">
-                <a14:useLocalDpi xmlns:a14="http://schemas.microsoft.com/office/drawing/2010/main" val="0"/>
-              </a:ext>
-            </a:extLst>
-          </a:blip>
-          <a:srcRect/>
-          <a:stretch>
-            <a:fillRect/>
-          </a:stretch>
-        </p:blipFill>
-        <p:spPr bwMode="auto">
-          <a:xfrm>
-            <a:off x="1045590" y="1690688"/>
-            <a:ext cx="4539345" cy="3032141"/>
-          </a:xfrm>
-          <a:prstGeom prst="rect">
-            <a:avLst/>
-          </a:prstGeom>
-          <a:noFill/>
-          <a:extLst>
-            <a:ext uri="{909E8E84-426E-40DD-AFC4-6F175D3DCCD1}">
-              <a14:hiddenFill xmlns:a14="http://schemas.microsoft.com/office/drawing/2010/main">
-                <a:solidFill>
-                  <a:srgbClr val="FFFFFF"/>
-                </a:solidFill>
-              </a14:hiddenFill>
-            </a:ext>
-          </a:extLst>
-        </p:spPr>
-      </p:pic>
-      <p:pic>
-        <p:nvPicPr>
-          <p:cNvPr id="5124" name="Picture 4" descr="Why Is Business Important To Society - [10 REASONS ] SmallBusinessify.com">
-            <a:extLst>
-              <a:ext uri="{FF2B5EF4-FFF2-40B4-BE49-F238E27FC236}">
-                <a16:creationId xmlns:a16="http://schemas.microsoft.com/office/drawing/2014/main" id="{6613878B-8058-47F5-9F93-70ED91A3B093}"/>
-              </a:ext>
-            </a:extLst>
-          </p:cNvPr>
-          <p:cNvPicPr>
-            <a:picLocks noChangeAspect="1" noChangeArrowheads="1"/>
-          </p:cNvPicPr>
-          <p:nvPr/>
-        </p:nvPicPr>
-        <p:blipFill>
-          <a:blip r:embed="rId4">
-            <a:extLst>
-              <a:ext uri="{28A0092B-C50C-407E-A947-70E740481C1C}">
-                <a14:useLocalDpi xmlns:a14="http://schemas.microsoft.com/office/drawing/2010/main" val="0"/>
-              </a:ext>
-            </a:extLst>
-          </a:blip>
-          <a:srcRect/>
-          <a:stretch>
-            <a:fillRect/>
-          </a:stretch>
-        </p:blipFill>
-        <p:spPr bwMode="auto">
-          <a:xfrm>
-            <a:off x="6096000" y="1688157"/>
-            <a:ext cx="4141002" cy="3037203"/>
-          </a:xfrm>
-          <a:prstGeom prst="rect">
-            <a:avLst/>
-          </a:prstGeom>
-          <a:noFill/>
-          <a:extLst>
-            <a:ext uri="{909E8E84-426E-40DD-AFC4-6F175D3DCCD1}">
-              <a14:hiddenFill xmlns:a14="http://schemas.microsoft.com/office/drawing/2010/main">
-                <a:solidFill>
-                  <a:srgbClr val="FFFFFF"/>
-                </a:solidFill>
-              </a14:hiddenFill>
-            </a:ext>
-          </a:extLst>
-        </p:spPr>
-      </p:pic>
-      <p:sp>
-        <p:nvSpPr>
-          <p:cNvPr id="6" name="Content Placeholder 2">
-            <a:extLst>
-              <a:ext uri="{FF2B5EF4-FFF2-40B4-BE49-F238E27FC236}">
-                <a16:creationId xmlns:a16="http://schemas.microsoft.com/office/drawing/2014/main" id="{FB7F4021-E29E-48EC-86AF-260177BEB376}"/>
-              </a:ext>
-            </a:extLst>
-          </p:cNvPr>
-          <p:cNvSpPr txBox="1">
-            <a:spLocks/>
-          </p:cNvSpPr>
-          <p:nvPr/>
-        </p:nvSpPr>
-        <p:spPr>
-          <a:xfrm>
-            <a:off x="6096000" y="4871660"/>
-            <a:ext cx="4746735" cy="1620215"/>
-          </a:xfrm>
-          <a:prstGeom prst="rect">
-            <a:avLst/>
-          </a:prstGeom>
-        </p:spPr>
-        <p:txBody>
-          <a:bodyPr vert="horz" lIns="91440" tIns="45720" rIns="91440" bIns="45720" rtlCol="0">
-            <a:normAutofit/>
-          </a:bodyPr>
-          <a:lstStyle>
-            <a:lvl1pPr marL="228600" indent="-228600" algn="l" defTabSz="914400" rtl="0" eaLnBrk="1" latinLnBrk="0" hangingPunct="1">
-              <a:lnSpc>
-                <a:spcPct val="90000"/>
-              </a:lnSpc>
-              <a:spcBef>
-                <a:spcPts val="1000"/>
-              </a:spcBef>
-              <a:buFont typeface="Arial" panose="020B0604020202020204" pitchFamily="34" charset="0"/>
-              <a:buChar char="•"/>
-              <a:defRPr sz="2800" kern="1200">
-                <a:solidFill>
-                  <a:schemeClr val="tx1"/>
-                </a:solidFill>
-                <a:latin typeface="+mn-lt"/>
-                <a:ea typeface="+mn-ea"/>
-                <a:cs typeface="+mn-cs"/>
-              </a:defRPr>
-            </a:lvl1pPr>
-            <a:lvl2pPr marL="685800" indent="-228600" algn="l" defTabSz="914400" rtl="0" eaLnBrk="1" latinLnBrk="0" hangingPunct="1">
-              <a:lnSpc>
-                <a:spcPct val="90000"/>
-              </a:lnSpc>
-              <a:spcBef>
-                <a:spcPts val="500"/>
-              </a:spcBef>
-              <a:buFont typeface="Arial" panose="020B0604020202020204" pitchFamily="34" charset="0"/>
-              <a:buChar char="•"/>
-              <a:defRPr sz="2400" kern="1200">
-                <a:solidFill>
-                  <a:schemeClr val="tx1"/>
-                </a:solidFill>
-                <a:latin typeface="+mn-lt"/>
-                <a:ea typeface="+mn-ea"/>
-                <a:cs typeface="+mn-cs"/>
-              </a:defRPr>
-            </a:lvl2pPr>
-            <a:lvl3pPr marL="1143000" indent="-228600" algn="l" defTabSz="914400" rtl="0" eaLnBrk="1" latinLnBrk="0" hangingPunct="1">
-              <a:lnSpc>
-                <a:spcPct val="90000"/>
-              </a:lnSpc>
-              <a:spcBef>
-                <a:spcPts val="500"/>
-              </a:spcBef>
-              <a:buFont typeface="Arial" panose="020B0604020202020204" pitchFamily="34" charset="0"/>
-              <a:buChar char="•"/>
-              <a:defRPr sz="2000" kern="1200">
-                <a:solidFill>
-                  <a:schemeClr val="tx1"/>
-                </a:solidFill>
-                <a:latin typeface="+mn-lt"/>
-                <a:ea typeface="+mn-ea"/>
-                <a:cs typeface="+mn-cs"/>
-              </a:defRPr>
-            </a:lvl3pPr>
-            <a:lvl4pPr marL="1600200" indent="-228600" algn="l" defTabSz="914400" rtl="0" eaLnBrk="1" latinLnBrk="0" hangingPunct="1">
-              <a:lnSpc>
-                <a:spcPct val="90000"/>
-              </a:lnSpc>
-              <a:spcBef>
-                <a:spcPts val="500"/>
-              </a:spcBef>
-              <a:buFont typeface="Arial" panose="020B0604020202020204" pitchFamily="34" charset="0"/>
-              <a:buChar char="•"/>
-              <a:defRPr sz="1800" kern="1200">
-                <a:solidFill>
-                  <a:schemeClr val="tx1"/>
-                </a:solidFill>
-                <a:latin typeface="+mn-lt"/>
-                <a:ea typeface="+mn-ea"/>
-                <a:cs typeface="+mn-cs"/>
-              </a:defRPr>
-            </a:lvl4pPr>
-            <a:lvl5pPr marL="2057400" indent="-228600" algn="l" defTabSz="914400" rtl="0" eaLnBrk="1" latinLnBrk="0" hangingPunct="1">
-              <a:lnSpc>
-                <a:spcPct val="90000"/>
-              </a:lnSpc>
-              <a:spcBef>
-                <a:spcPts val="500"/>
-              </a:spcBef>
-              <a:buFont typeface="Arial" panose="020B0604020202020204" pitchFamily="34" charset="0"/>
-              <a:buChar char="•"/>
-              <a:defRPr sz="1800" kern="1200">
-                <a:solidFill>
-                  <a:schemeClr val="tx1"/>
-                </a:solidFill>
-                <a:latin typeface="+mn-lt"/>
-                <a:ea typeface="+mn-ea"/>
-                <a:cs typeface="+mn-cs"/>
-              </a:defRPr>
-            </a:lvl5pPr>
-            <a:lvl6pPr marL="2514600" indent="-228600" algn="l" defTabSz="914400" rtl="0" eaLnBrk="1" latinLnBrk="0" hangingPunct="1">
-              <a:lnSpc>
-                <a:spcPct val="90000"/>
-              </a:lnSpc>
-              <a:spcBef>
-                <a:spcPts val="500"/>
-              </a:spcBef>
-              <a:buFont typeface="Arial" panose="020B0604020202020204" pitchFamily="34" charset="0"/>
-              <a:buChar char="•"/>
-              <a:defRPr sz="1800" kern="1200">
-                <a:solidFill>
-                  <a:schemeClr val="tx1"/>
-                </a:solidFill>
-                <a:latin typeface="+mn-lt"/>
-                <a:ea typeface="+mn-ea"/>
-                <a:cs typeface="+mn-cs"/>
-              </a:defRPr>
-            </a:lvl6pPr>
-            <a:lvl7pPr marL="2971800" indent="-228600" algn="l" defTabSz="914400" rtl="0" eaLnBrk="1" latinLnBrk="0" hangingPunct="1">
-              <a:lnSpc>
-                <a:spcPct val="90000"/>
-              </a:lnSpc>
-              <a:spcBef>
-                <a:spcPts val="500"/>
-              </a:spcBef>
-              <a:buFont typeface="Arial" panose="020B0604020202020204" pitchFamily="34" charset="0"/>
-              <a:buChar char="•"/>
-              <a:defRPr sz="1800" kern="1200">
-                <a:solidFill>
-                  <a:schemeClr val="tx1"/>
-                </a:solidFill>
-                <a:latin typeface="+mn-lt"/>
-                <a:ea typeface="+mn-ea"/>
-                <a:cs typeface="+mn-cs"/>
-              </a:defRPr>
-            </a:lvl7pPr>
-            <a:lvl8pPr marL="3429000" indent="-228600" algn="l" defTabSz="914400" rtl="0" eaLnBrk="1" latinLnBrk="0" hangingPunct="1">
-              <a:lnSpc>
-                <a:spcPct val="90000"/>
-              </a:lnSpc>
-              <a:spcBef>
-                <a:spcPts val="500"/>
-              </a:spcBef>
-              <a:buFont typeface="Arial" panose="020B0604020202020204" pitchFamily="34" charset="0"/>
-              <a:buChar char="•"/>
-              <a:defRPr sz="1800" kern="1200">
-                <a:solidFill>
-                  <a:schemeClr val="tx1"/>
-                </a:solidFill>
-                <a:latin typeface="+mn-lt"/>
-                <a:ea typeface="+mn-ea"/>
-                <a:cs typeface="+mn-cs"/>
-              </a:defRPr>
-            </a:lvl8pPr>
-            <a:lvl9pPr marL="3886200" indent="-228600" algn="l" defTabSz="914400" rtl="0" eaLnBrk="1" latinLnBrk="0" hangingPunct="1">
-              <a:lnSpc>
-                <a:spcPct val="90000"/>
-              </a:lnSpc>
-              <a:spcBef>
-                <a:spcPts val="500"/>
-              </a:spcBef>
-              <a:buFont typeface="Arial" panose="020B0604020202020204" pitchFamily="34" charset="0"/>
-              <a:buChar char="•"/>
-              <a:defRPr sz="1800" kern="1200">
-                <a:solidFill>
-                  <a:schemeClr val="tx1"/>
-                </a:solidFill>
-                <a:latin typeface="+mn-lt"/>
-                <a:ea typeface="+mn-ea"/>
-                <a:cs typeface="+mn-cs"/>
-              </a:defRPr>
-            </a:lvl9pPr>
-          </a:lstStyle>
-          <a:p>
-            <a:pPr marL="0" indent="0">
-              <a:buFont typeface="Arial" panose="020B0604020202020204" pitchFamily="34" charset="0"/>
-              <a:buNone/>
-            </a:pPr>
-            <a:r>
-              <a:rPr lang="en-US" sz="3200" dirty="0">
-                <a:latin typeface="Euclid Circular B" panose="020B0504000000000000" pitchFamily="34" charset="0"/>
-                <a:ea typeface="Euclid Circular B" panose="020B0504000000000000" pitchFamily="34" charset="0"/>
-              </a:rPr>
-              <a:t>Large, complex and </a:t>
-            </a:r>
-            <a:r>
-              <a:rPr lang="en-US" sz="3200" b="1" dirty="0">
-                <a:latin typeface="Euclid Circular B" panose="020B0504000000000000" pitchFamily="34" charset="0"/>
-                <a:ea typeface="Euclid Circular B" panose="020B0504000000000000" pitchFamily="34" charset="0"/>
-              </a:rPr>
-              <a:t>mature</a:t>
-            </a:r>
-            <a:r>
-              <a:rPr lang="en-US" sz="3200" dirty="0">
-                <a:latin typeface="Euclid Circular B" panose="020B0504000000000000" pitchFamily="34" charset="0"/>
-                <a:ea typeface="Euclid Circular B" panose="020B0504000000000000" pitchFamily="34" charset="0"/>
-              </a:rPr>
-              <a:t> business or domain</a:t>
-            </a:r>
-          </a:p>
-        </p:txBody>
-      </p:sp>
-    </p:spTree>
-    <p:extLst>
-      <p:ext uri="{BB962C8B-B14F-4D97-AF65-F5344CB8AC3E}">
-        <p14:creationId xmlns:p14="http://schemas.microsoft.com/office/powerpoint/2010/main" val="749659056"/>
-      </p:ext>
-    </p:extLst>
-  </p:cSld>
-  <p:clrMapOvr>
-    <a:masterClrMapping/>
-  </p:clrMapOvr>
-  <p:timing>
-    <p:tnLst>
-      <p:par>
-        <p:cTn id="1" dur="indefinite" restart="never" nodeType="tmRoot">
-          <p:childTnLst>
-            <p:seq concurrent="1" nextAc="seek">
-              <p:cTn id="2" dur="indefinite" nodeType="mainSeq">
-                <p:childTnLst>
-                  <p:par>
-                    <p:cTn id="3" fill="hold">
-                      <p:stCondLst>
-                        <p:cond delay="indefinite"/>
-                      </p:stCondLst>
-                      <p:childTnLst>
-                        <p:par>
-                          <p:cTn id="4" fill="hold">
-                            <p:stCondLst>
-                              <p:cond delay="0"/>
-                            </p:stCondLst>
-                            <p:childTnLst>
-                              <p:par>
-                                <p:cTn id="5" presetID="10" presetClass="entr" presetSubtype="0" fill="hold" grpId="0" nodeType="clickEffect">
-                                  <p:stCondLst>
-                                    <p:cond delay="0"/>
-                                  </p:stCondLst>
-                                  <p:childTnLst>
-                                    <p:set>
-                                      <p:cBhvr>
-                                        <p:cTn id="6" dur="1" fill="hold">
-                                          <p:stCondLst>
-                                            <p:cond delay="0"/>
-                                          </p:stCondLst>
-                                        </p:cTn>
-                                        <p:tgtEl>
-                                          <p:spTgt spid="3">
-                                            <p:txEl>
-                                              <p:pRg st="0" end="0"/>
-                                            </p:txEl>
-                                          </p:spTgt>
-                                        </p:tgtEl>
-                                        <p:attrNameLst>
-                                          <p:attrName>style.visibility</p:attrName>
-                                        </p:attrNameLst>
-                                      </p:cBhvr>
-                                      <p:to>
-                                        <p:strVal val="visible"/>
-                                      </p:to>
-                                    </p:set>
-                                    <p:animEffect transition="in" filter="fade">
-                                      <p:cBhvr>
-                                        <p:cTn id="7" dur="500"/>
-                                        <p:tgtEl>
-                                          <p:spTgt spid="3">
-                                            <p:txEl>
-                                              <p:pRg st="0" end="0"/>
-                                            </p:txEl>
-                                          </p:spTgt>
-                                        </p:tgtEl>
-                                      </p:cBhvr>
-                                    </p:animEffect>
-                                  </p:childTnLst>
-                                </p:cTn>
-                              </p:par>
-                              <p:par>
-                                <p:cTn id="8" presetID="10" presetClass="entr" presetSubtype="0" fill="hold" nodeType="withEffect">
-                                  <p:stCondLst>
-                                    <p:cond delay="0"/>
-                                  </p:stCondLst>
-                                  <p:childTnLst>
-                                    <p:set>
-                                      <p:cBhvr>
-                                        <p:cTn id="9" dur="1" fill="hold">
-                                          <p:stCondLst>
-                                            <p:cond delay="0"/>
-                                          </p:stCondLst>
-                                        </p:cTn>
-                                        <p:tgtEl>
-                                          <p:spTgt spid="5122"/>
-                                        </p:tgtEl>
-                                        <p:attrNameLst>
-                                          <p:attrName>style.visibility</p:attrName>
-                                        </p:attrNameLst>
-                                      </p:cBhvr>
-                                      <p:to>
-                                        <p:strVal val="visible"/>
-                                      </p:to>
-                                    </p:set>
-                                    <p:animEffect transition="in" filter="fade">
-                                      <p:cBhvr>
-                                        <p:cTn id="10" dur="500"/>
-                                        <p:tgtEl>
-                                          <p:spTgt spid="5122"/>
-                                        </p:tgtEl>
-                                      </p:cBhvr>
-                                    </p:animEffect>
-                                  </p:childTnLst>
-                                </p:cTn>
-                              </p:par>
-                            </p:childTnLst>
-                          </p:cTn>
-                        </p:par>
-                      </p:childTnLst>
-                    </p:cTn>
-                  </p:par>
-                  <p:par>
-                    <p:cTn id="11" fill="hold">
-                      <p:stCondLst>
-                        <p:cond delay="indefinite"/>
-                      </p:stCondLst>
-                      <p:childTnLst>
-                        <p:par>
-                          <p:cTn id="12" fill="hold">
-                            <p:stCondLst>
-                              <p:cond delay="0"/>
-                            </p:stCondLst>
-                            <p:childTnLst>
-                              <p:par>
-                                <p:cTn id="13" presetID="10" presetClass="entr" presetSubtype="0" fill="hold" nodeType="clickEffect">
-                                  <p:stCondLst>
-                                    <p:cond delay="0"/>
-                                  </p:stCondLst>
-                                  <p:childTnLst>
-                                    <p:set>
-                                      <p:cBhvr>
-                                        <p:cTn id="14" dur="1" fill="hold">
-                                          <p:stCondLst>
-                                            <p:cond delay="0"/>
-                                          </p:stCondLst>
-                                        </p:cTn>
-                                        <p:tgtEl>
-                                          <p:spTgt spid="5124"/>
-                                        </p:tgtEl>
-                                        <p:attrNameLst>
-                                          <p:attrName>style.visibility</p:attrName>
-                                        </p:attrNameLst>
-                                      </p:cBhvr>
-                                      <p:to>
-                                        <p:strVal val="visible"/>
-                                      </p:to>
-                                    </p:set>
-                                    <p:animEffect transition="in" filter="fade">
-                                      <p:cBhvr>
-                                        <p:cTn id="15" dur="500"/>
-                                        <p:tgtEl>
-                                          <p:spTgt spid="5124"/>
-                                        </p:tgtEl>
-                                      </p:cBhvr>
-                                    </p:animEffect>
-                                  </p:childTnLst>
-                                </p:cTn>
-                              </p:par>
-                              <p:par>
-                                <p:cTn id="16" presetID="10" presetClass="entr" presetSubtype="0" fill="hold" grpId="0" nodeType="withEffect">
-                                  <p:stCondLst>
-                                    <p:cond delay="0"/>
-                                  </p:stCondLst>
-                                  <p:childTnLst>
-                                    <p:set>
-                                      <p:cBhvr>
-                                        <p:cTn id="17" dur="1" fill="hold">
-                                          <p:stCondLst>
-                                            <p:cond delay="0"/>
-                                          </p:stCondLst>
-                                        </p:cTn>
-                                        <p:tgtEl>
-                                          <p:spTgt spid="6"/>
-                                        </p:tgtEl>
-                                        <p:attrNameLst>
-                                          <p:attrName>style.visibility</p:attrName>
-                                        </p:attrNameLst>
-                                      </p:cBhvr>
-                                      <p:to>
-                                        <p:strVal val="visible"/>
-                                      </p:to>
-                                    </p:set>
-                                    <p:animEffect transition="in" filter="fade">
-                                      <p:cBhvr>
-                                        <p:cTn id="18" dur="500"/>
-                                        <p:tgtEl>
-                                          <p:spTgt spid="6"/>
-                                        </p:tgtEl>
-                                      </p:cBhvr>
-                                    </p:animEffect>
-                                  </p:childTnLst>
-                                </p:cTn>
-                              </p:par>
-                            </p:childTnLst>
-                          </p:cTn>
-                        </p:par>
-                      </p:childTnLst>
-                    </p:cTn>
-                  </p:par>
-                </p:childTnLst>
-              </p:cTn>
-              <p:prevCondLst>
-                <p:cond evt="onPrev" delay="0">
-                  <p:tgtEl>
-                    <p:sldTgt/>
-                  </p:tgtEl>
-                </p:cond>
-              </p:prevCondLst>
-              <p:nextCondLst>
-                <p:cond evt="onNext" delay="0">
-                  <p:tgtEl>
-                    <p:sldTgt/>
-                  </p:tgtEl>
-                </p:cond>
-              </p:nextCondLst>
-            </p:seq>
-          </p:childTnLst>
-        </p:cTn>
-      </p:par>
-    </p:tnLst>
-    <p:bldLst>
-      <p:bldP spid="3" grpId="0" build="p"/>
-      <p:bldP spid="6" grpId="0"/>
-    </p:bldLst>
-  </p:timing>
-</p:sld>
-</file>
-
-<file path=ppt/slides/slide50.xml><?xml version="1.0" encoding="utf-8"?>
+<file path=ppt/slides/slide51.xml><?xml version="1.0" encoding="utf-8"?>
 <p:sld xmlns:a="http://schemas.openxmlformats.org/drawingml/2006/main" xmlns:r="http://schemas.openxmlformats.org/officeDocument/2006/relationships" xmlns:p="http://schemas.openxmlformats.org/presentationml/2006/main">
   <p:cSld>
     <p:bg>
@@ -46962,27 +47855,7 @@
                 <a:latin typeface="Euclid Circular B" panose="020B0504000000000000" pitchFamily="34" charset="0"/>
                 <a:ea typeface="Euclid Circular B" panose="020B0504000000000000" pitchFamily="34" charset="0"/>
               </a:rPr>
-              <a:t>: Who is </a:t>
-            </a:r>
-            <a:r>
-              <a:rPr lang="tr-TR" b="1" dirty="0">
-                <a:solidFill>
-                  <a:srgbClr val="292D33"/>
-                </a:solidFill>
-                <a:latin typeface="Euclid Circular B" panose="020B0504000000000000" pitchFamily="34" charset="0"/>
-                <a:ea typeface="Euclid Circular B" panose="020B0504000000000000" pitchFamily="34" charset="0"/>
-              </a:rPr>
-              <a:t>NOT</a:t>
-            </a:r>
-            <a:r>
-              <a:rPr lang="en-US" dirty="0">
-                <a:solidFill>
-                  <a:srgbClr val="292D33"/>
-                </a:solidFill>
-                <a:latin typeface="Euclid Circular B" panose="020B0504000000000000" pitchFamily="34" charset="0"/>
-                <a:ea typeface="Euclid Circular B" panose="020B0504000000000000" pitchFamily="34" charset="0"/>
-              </a:rPr>
-              <a:t> for?</a:t>
+              <a:t>: Who is for?</a:t>
             </a:r>
           </a:p>
         </p:txBody>
@@ -47003,7 +47876,12 @@
             <p:ph idx="1"/>
           </p:nvPr>
         </p:nvSpPr>
-        <p:spPr/>
+        <p:spPr>
+          <a:xfrm>
+            <a:off x="1045590" y="4872659"/>
+            <a:ext cx="4746735" cy="1620216"/>
+          </a:xfrm>
+        </p:spPr>
         <p:txBody>
           <a:bodyPr>
             <a:normAutofit/>
@@ -47014,78 +47892,578 @@
               <a:buNone/>
             </a:pPr>
             <a:r>
+              <a:rPr lang="en-US" sz="3200" b="1" dirty="0">
+                <a:latin typeface="Euclid Circular B" panose="020B0504000000000000" pitchFamily="34" charset="0"/>
+                <a:ea typeface="Euclid Circular B" panose="020B0504000000000000" pitchFamily="34" charset="0"/>
+              </a:rPr>
+              <a:t>Large development team </a:t>
+            </a:r>
+            <a:r>
               <a:rPr lang="en-US" sz="3200" dirty="0">
                 <a:latin typeface="Euclid Circular B" panose="020B0504000000000000" pitchFamily="34" charset="0"/>
                 <a:ea typeface="Euclid Circular B" panose="020B0504000000000000" pitchFamily="34" charset="0"/>
               </a:rPr>
-              <a:t>My primary guideline would be </a:t>
+              <a:t>with </a:t>
             </a:r>
             <a:r>
               <a:rPr lang="en-US" sz="3200" b="1" dirty="0">
                 <a:latin typeface="Euclid Circular B" panose="020B0504000000000000" pitchFamily="34" charset="0"/>
                 <a:ea typeface="Euclid Circular B" panose="020B0504000000000000" pitchFamily="34" charset="0"/>
               </a:rPr>
-              <a:t>don't even consider microservices unless you have a system that's too complex to manage as a monolith</a:t>
+              <a:t>DevOps</a:t>
             </a:r>
             <a:r>
               <a:rPr lang="en-US" sz="3200" dirty="0">
                 <a:latin typeface="Euclid Circular B" panose="020B0504000000000000" pitchFamily="34" charset="0"/>
                 <a:ea typeface="Euclid Circular B" panose="020B0504000000000000" pitchFamily="34" charset="0"/>
               </a:rPr>
-              <a:t>. The majority of software systems should be built as a single monolithic application. Do pay attention to good </a:t>
+              <a:t> and automation culture</a:t>
+            </a:r>
+          </a:p>
+        </p:txBody>
+      </p:sp>
+      <p:pic>
+        <p:nvPicPr>
+          <p:cNvPr id="5122" name="Picture 2" descr="Uniland&amp;#39;s Portfolio Supports Growing Businesses | Best Office Space">
+            <a:extLst>
+              <a:ext uri="{FF2B5EF4-FFF2-40B4-BE49-F238E27FC236}">
+                <a16:creationId xmlns:a16="http://schemas.microsoft.com/office/drawing/2014/main" id="{89F52188-709F-46CE-9DD9-CBAC90F55AEE}"/>
+              </a:ext>
+            </a:extLst>
+          </p:cNvPr>
+          <p:cNvPicPr>
+            <a:picLocks noChangeAspect="1" noChangeArrowheads="1"/>
+          </p:cNvPicPr>
+          <p:nvPr/>
+        </p:nvPicPr>
+        <p:blipFill>
+          <a:blip r:embed="rId3">
+            <a:extLst>
+              <a:ext uri="{28A0092B-C50C-407E-A947-70E740481C1C}">
+                <a14:useLocalDpi xmlns:a14="http://schemas.microsoft.com/office/drawing/2010/main" val="0"/>
+              </a:ext>
+            </a:extLst>
+          </a:blip>
+          <a:srcRect/>
+          <a:stretch>
+            <a:fillRect/>
+          </a:stretch>
+        </p:blipFill>
+        <p:spPr bwMode="auto">
+          <a:xfrm>
+            <a:off x="1045590" y="1690688"/>
+            <a:ext cx="4539345" cy="3032141"/>
+          </a:xfrm>
+          <a:prstGeom prst="rect">
+            <a:avLst/>
+          </a:prstGeom>
+          <a:noFill/>
+          <a:extLst>
+            <a:ext uri="{909E8E84-426E-40DD-AFC4-6F175D3DCCD1}">
+              <a14:hiddenFill xmlns:a14="http://schemas.microsoft.com/office/drawing/2010/main">
+                <a:solidFill>
+                  <a:srgbClr val="FFFFFF"/>
+                </a:solidFill>
+              </a14:hiddenFill>
+            </a:ext>
+          </a:extLst>
+        </p:spPr>
+      </p:pic>
+      <p:pic>
+        <p:nvPicPr>
+          <p:cNvPr id="5124" name="Picture 4" descr="Why Is Business Important To Society - [10 REASONS ] SmallBusinessify.com">
+            <a:extLst>
+              <a:ext uri="{FF2B5EF4-FFF2-40B4-BE49-F238E27FC236}">
+                <a16:creationId xmlns:a16="http://schemas.microsoft.com/office/drawing/2014/main" id="{6613878B-8058-47F5-9F93-70ED91A3B093}"/>
+              </a:ext>
+            </a:extLst>
+          </p:cNvPr>
+          <p:cNvPicPr>
+            <a:picLocks noChangeAspect="1" noChangeArrowheads="1"/>
+          </p:cNvPicPr>
+          <p:nvPr/>
+        </p:nvPicPr>
+        <p:blipFill>
+          <a:blip r:embed="rId4">
+            <a:extLst>
+              <a:ext uri="{28A0092B-C50C-407E-A947-70E740481C1C}">
+                <a14:useLocalDpi xmlns:a14="http://schemas.microsoft.com/office/drawing/2010/main" val="0"/>
+              </a:ext>
+            </a:extLst>
+          </a:blip>
+          <a:srcRect/>
+          <a:stretch>
+            <a:fillRect/>
+          </a:stretch>
+        </p:blipFill>
+        <p:spPr bwMode="auto">
+          <a:xfrm>
+            <a:off x="6096000" y="1688157"/>
+            <a:ext cx="4141002" cy="3037203"/>
+          </a:xfrm>
+          <a:prstGeom prst="rect">
+            <a:avLst/>
+          </a:prstGeom>
+          <a:noFill/>
+          <a:extLst>
+            <a:ext uri="{909E8E84-426E-40DD-AFC4-6F175D3DCCD1}">
+              <a14:hiddenFill xmlns:a14="http://schemas.microsoft.com/office/drawing/2010/main">
+                <a:solidFill>
+                  <a:srgbClr val="FFFFFF"/>
+                </a:solidFill>
+              </a14:hiddenFill>
+            </a:ext>
+          </a:extLst>
+        </p:spPr>
+      </p:pic>
+      <p:sp>
+        <p:nvSpPr>
+          <p:cNvPr id="6" name="Content Placeholder 2">
+            <a:extLst>
+              <a:ext uri="{FF2B5EF4-FFF2-40B4-BE49-F238E27FC236}">
+                <a16:creationId xmlns:a16="http://schemas.microsoft.com/office/drawing/2014/main" id="{FB7F4021-E29E-48EC-86AF-260177BEB376}"/>
+              </a:ext>
+            </a:extLst>
+          </p:cNvPr>
+          <p:cNvSpPr txBox="1">
+            <a:spLocks/>
+          </p:cNvSpPr>
+          <p:nvPr/>
+        </p:nvSpPr>
+        <p:spPr>
+          <a:xfrm>
+            <a:off x="6096000" y="4871660"/>
+            <a:ext cx="4746735" cy="1620215"/>
+          </a:xfrm>
+          <a:prstGeom prst="rect">
+            <a:avLst/>
+          </a:prstGeom>
+        </p:spPr>
+        <p:txBody>
+          <a:bodyPr vert="horz" lIns="91440" tIns="45720" rIns="91440" bIns="45720" rtlCol="0">
+            <a:normAutofit/>
+          </a:bodyPr>
+          <a:lstStyle>
+            <a:lvl1pPr marL="228600" indent="-228600" algn="l" defTabSz="914400" rtl="0" eaLnBrk="1" latinLnBrk="0" hangingPunct="1">
+              <a:lnSpc>
+                <a:spcPct val="90000"/>
+              </a:lnSpc>
+              <a:spcBef>
+                <a:spcPts val="1000"/>
+              </a:spcBef>
+              <a:buFont typeface="Arial" panose="020B0604020202020204" pitchFamily="34" charset="0"/>
+              <a:buChar char="•"/>
+              <a:defRPr sz="2800" kern="1200">
+                <a:solidFill>
+                  <a:schemeClr val="tx1"/>
+                </a:solidFill>
+                <a:latin typeface="+mn-lt"/>
+                <a:ea typeface="+mn-ea"/>
+                <a:cs typeface="+mn-cs"/>
+              </a:defRPr>
+            </a:lvl1pPr>
+            <a:lvl2pPr marL="685800" indent="-228600" algn="l" defTabSz="914400" rtl="0" eaLnBrk="1" latinLnBrk="0" hangingPunct="1">
+              <a:lnSpc>
+                <a:spcPct val="90000"/>
+              </a:lnSpc>
+              <a:spcBef>
+                <a:spcPts val="500"/>
+              </a:spcBef>
+              <a:buFont typeface="Arial" panose="020B0604020202020204" pitchFamily="34" charset="0"/>
+              <a:buChar char="•"/>
+              <a:defRPr sz="2400" kern="1200">
+                <a:solidFill>
+                  <a:schemeClr val="tx1"/>
+                </a:solidFill>
+                <a:latin typeface="+mn-lt"/>
+                <a:ea typeface="+mn-ea"/>
+                <a:cs typeface="+mn-cs"/>
+              </a:defRPr>
+            </a:lvl2pPr>
+            <a:lvl3pPr marL="1143000" indent="-228600" algn="l" defTabSz="914400" rtl="0" eaLnBrk="1" latinLnBrk="0" hangingPunct="1">
+              <a:lnSpc>
+                <a:spcPct val="90000"/>
+              </a:lnSpc>
+              <a:spcBef>
+                <a:spcPts val="500"/>
+              </a:spcBef>
+              <a:buFont typeface="Arial" panose="020B0604020202020204" pitchFamily="34" charset="0"/>
+              <a:buChar char="•"/>
+              <a:defRPr sz="2000" kern="1200">
+                <a:solidFill>
+                  <a:schemeClr val="tx1"/>
+                </a:solidFill>
+                <a:latin typeface="+mn-lt"/>
+                <a:ea typeface="+mn-ea"/>
+                <a:cs typeface="+mn-cs"/>
+              </a:defRPr>
+            </a:lvl3pPr>
+            <a:lvl4pPr marL="1600200" indent="-228600" algn="l" defTabSz="914400" rtl="0" eaLnBrk="1" latinLnBrk="0" hangingPunct="1">
+              <a:lnSpc>
+                <a:spcPct val="90000"/>
+              </a:lnSpc>
+              <a:spcBef>
+                <a:spcPts val="500"/>
+              </a:spcBef>
+              <a:buFont typeface="Arial" panose="020B0604020202020204" pitchFamily="34" charset="0"/>
+              <a:buChar char="•"/>
+              <a:defRPr sz="1800" kern="1200">
+                <a:solidFill>
+                  <a:schemeClr val="tx1"/>
+                </a:solidFill>
+                <a:latin typeface="+mn-lt"/>
+                <a:ea typeface="+mn-ea"/>
+                <a:cs typeface="+mn-cs"/>
+              </a:defRPr>
+            </a:lvl4pPr>
+            <a:lvl5pPr marL="2057400" indent="-228600" algn="l" defTabSz="914400" rtl="0" eaLnBrk="1" latinLnBrk="0" hangingPunct="1">
+              <a:lnSpc>
+                <a:spcPct val="90000"/>
+              </a:lnSpc>
+              <a:spcBef>
+                <a:spcPts val="500"/>
+              </a:spcBef>
+              <a:buFont typeface="Arial" panose="020B0604020202020204" pitchFamily="34" charset="0"/>
+              <a:buChar char="•"/>
+              <a:defRPr sz="1800" kern="1200">
+                <a:solidFill>
+                  <a:schemeClr val="tx1"/>
+                </a:solidFill>
+                <a:latin typeface="+mn-lt"/>
+                <a:ea typeface="+mn-ea"/>
+                <a:cs typeface="+mn-cs"/>
+              </a:defRPr>
+            </a:lvl5pPr>
+            <a:lvl6pPr marL="2514600" indent="-228600" algn="l" defTabSz="914400" rtl="0" eaLnBrk="1" latinLnBrk="0" hangingPunct="1">
+              <a:lnSpc>
+                <a:spcPct val="90000"/>
+              </a:lnSpc>
+              <a:spcBef>
+                <a:spcPts val="500"/>
+              </a:spcBef>
+              <a:buFont typeface="Arial" panose="020B0604020202020204" pitchFamily="34" charset="0"/>
+              <a:buChar char="•"/>
+              <a:defRPr sz="1800" kern="1200">
+                <a:solidFill>
+                  <a:schemeClr val="tx1"/>
+                </a:solidFill>
+                <a:latin typeface="+mn-lt"/>
+                <a:ea typeface="+mn-ea"/>
+                <a:cs typeface="+mn-cs"/>
+              </a:defRPr>
+            </a:lvl6pPr>
+            <a:lvl7pPr marL="2971800" indent="-228600" algn="l" defTabSz="914400" rtl="0" eaLnBrk="1" latinLnBrk="0" hangingPunct="1">
+              <a:lnSpc>
+                <a:spcPct val="90000"/>
+              </a:lnSpc>
+              <a:spcBef>
+                <a:spcPts val="500"/>
+              </a:spcBef>
+              <a:buFont typeface="Arial" panose="020B0604020202020204" pitchFamily="34" charset="0"/>
+              <a:buChar char="•"/>
+              <a:defRPr sz="1800" kern="1200">
+                <a:solidFill>
+                  <a:schemeClr val="tx1"/>
+                </a:solidFill>
+                <a:latin typeface="+mn-lt"/>
+                <a:ea typeface="+mn-ea"/>
+                <a:cs typeface="+mn-cs"/>
+              </a:defRPr>
+            </a:lvl7pPr>
+            <a:lvl8pPr marL="3429000" indent="-228600" algn="l" defTabSz="914400" rtl="0" eaLnBrk="1" latinLnBrk="0" hangingPunct="1">
+              <a:lnSpc>
+                <a:spcPct val="90000"/>
+              </a:lnSpc>
+              <a:spcBef>
+                <a:spcPts val="500"/>
+              </a:spcBef>
+              <a:buFont typeface="Arial" panose="020B0604020202020204" pitchFamily="34" charset="0"/>
+              <a:buChar char="•"/>
+              <a:defRPr sz="1800" kern="1200">
+                <a:solidFill>
+                  <a:schemeClr val="tx1"/>
+                </a:solidFill>
+                <a:latin typeface="+mn-lt"/>
+                <a:ea typeface="+mn-ea"/>
+                <a:cs typeface="+mn-cs"/>
+              </a:defRPr>
+            </a:lvl8pPr>
+            <a:lvl9pPr marL="3886200" indent="-228600" algn="l" defTabSz="914400" rtl="0" eaLnBrk="1" latinLnBrk="0" hangingPunct="1">
+              <a:lnSpc>
+                <a:spcPct val="90000"/>
+              </a:lnSpc>
+              <a:spcBef>
+                <a:spcPts val="500"/>
+              </a:spcBef>
+              <a:buFont typeface="Arial" panose="020B0604020202020204" pitchFamily="34" charset="0"/>
+              <a:buChar char="•"/>
+              <a:defRPr sz="1800" kern="1200">
+                <a:solidFill>
+                  <a:schemeClr val="tx1"/>
+                </a:solidFill>
+                <a:latin typeface="+mn-lt"/>
+                <a:ea typeface="+mn-ea"/>
+                <a:cs typeface="+mn-cs"/>
+              </a:defRPr>
+            </a:lvl9pPr>
+          </a:lstStyle>
+          <a:p>
+            <a:pPr marL="0" indent="0">
+              <a:buFont typeface="Arial" panose="020B0604020202020204" pitchFamily="34" charset="0"/>
+              <a:buNone/>
+            </a:pPr>
+            <a:r>
+              <a:rPr lang="en-US" sz="3200" dirty="0">
+                <a:latin typeface="Euclid Circular B" panose="020B0504000000000000" pitchFamily="34" charset="0"/>
+                <a:ea typeface="Euclid Circular B" panose="020B0504000000000000" pitchFamily="34" charset="0"/>
+              </a:rPr>
+              <a:t>Large, complex and </a:t>
             </a:r>
             <a:r>
               <a:rPr lang="en-US" sz="3200" b="1" dirty="0">
                 <a:latin typeface="Euclid Circular B" panose="020B0504000000000000" pitchFamily="34" charset="0"/>
                 <a:ea typeface="Euclid Circular B" panose="020B0504000000000000" pitchFamily="34" charset="0"/>
               </a:rPr>
-              <a:t>modularity </a:t>
+              <a:t>mature</a:t>
             </a:r>
             <a:r>
               <a:rPr lang="en-US" sz="3200" dirty="0">
                 <a:latin typeface="Euclid Circular B" panose="020B0504000000000000" pitchFamily="34" charset="0"/>
                 <a:ea typeface="Euclid Circular B" panose="020B0504000000000000" pitchFamily="34" charset="0"/>
               </a:rPr>
-              <a:t>within that monolith, but don't try to separate it into separate services.</a:t>
-            </a:r>
-          </a:p>
-          <a:p>
-            <a:pPr marL="0" indent="0">
-              <a:buNone/>
-            </a:pPr>
-            <a:endParaRPr lang="en-US" sz="1800" dirty="0">
-              <a:latin typeface="Euclid Circular B" panose="020B0504000000000000" pitchFamily="34" charset="0"/>
-              <a:ea typeface="Euclid Circular B" panose="020B0504000000000000" pitchFamily="34" charset="0"/>
-            </a:endParaRPr>
-          </a:p>
-          <a:p>
-            <a:pPr marL="0" indent="0">
-              <a:buNone/>
-            </a:pPr>
-            <a:r>
-              <a:rPr lang="en-US" sz="3600" b="1" dirty="0">
-                <a:latin typeface="Euclid Circular B" panose="020B0504000000000000" pitchFamily="34" charset="0"/>
-                <a:ea typeface="Euclid Circular B" panose="020B0504000000000000" pitchFamily="34" charset="0"/>
-              </a:rPr>
-              <a:t>--- Martin Fowler</a:t>
-            </a:r>
-            <a:endParaRPr lang="en-US" sz="3600" i="1" dirty="0">
-              <a:latin typeface="Euclid Circular B" panose="020B0504000000000000" pitchFamily="34" charset="0"/>
-              <a:ea typeface="Euclid Circular B" panose="020B0504000000000000" pitchFamily="34" charset="0"/>
-            </a:endParaRPr>
+              <a:t> business or domain</a:t>
+            </a:r>
           </a:p>
         </p:txBody>
       </p:sp>
     </p:spTree>
     <p:extLst>
       <p:ext uri="{BB962C8B-B14F-4D97-AF65-F5344CB8AC3E}">
-        <p14:creationId xmlns:p14="http://schemas.microsoft.com/office/powerpoint/2010/main" val="3908682011"/>
+        <p14:creationId xmlns:p14="http://schemas.microsoft.com/office/powerpoint/2010/main" val="749659056"/>
       </p:ext>
     </p:extLst>
   </p:cSld>
   <p:clrMapOvr>
     <a:masterClrMapping/>
   </p:clrMapOvr>
+  <p:timing>
+    <p:tnLst>
+      <p:par>
+        <p:cTn id="1" dur="indefinite" restart="never" nodeType="tmRoot">
+          <p:childTnLst>
+            <p:seq concurrent="1" nextAc="seek">
+              <p:cTn id="2" dur="indefinite" nodeType="mainSeq">
+                <p:childTnLst>
+                  <p:par>
+                    <p:cTn id="3" fill="hold">
+                      <p:stCondLst>
+                        <p:cond delay="indefinite"/>
+                      </p:stCondLst>
+                      <p:childTnLst>
+                        <p:par>
+                          <p:cTn id="4" fill="hold">
+                            <p:stCondLst>
+                              <p:cond delay="0"/>
+                            </p:stCondLst>
+                            <p:childTnLst>
+                              <p:par>
+                                <p:cTn id="5" presetID="10" presetClass="entr" presetSubtype="0" fill="hold" grpId="0" nodeType="clickEffect">
+                                  <p:stCondLst>
+                                    <p:cond delay="0"/>
+                                  </p:stCondLst>
+                                  <p:childTnLst>
+                                    <p:set>
+                                      <p:cBhvr>
+                                        <p:cTn id="6" dur="1" fill="hold">
+                                          <p:stCondLst>
+                                            <p:cond delay="0"/>
+                                          </p:stCondLst>
+                                        </p:cTn>
+                                        <p:tgtEl>
+                                          <p:spTgt spid="3">
+                                            <p:txEl>
+                                              <p:pRg st="0" end="0"/>
+                                            </p:txEl>
+                                          </p:spTgt>
+                                        </p:tgtEl>
+                                        <p:attrNameLst>
+                                          <p:attrName>style.visibility</p:attrName>
+                                        </p:attrNameLst>
+                                      </p:cBhvr>
+                                      <p:to>
+                                        <p:strVal val="visible"/>
+                                      </p:to>
+                                    </p:set>
+                                    <p:animEffect transition="in" filter="fade">
+                                      <p:cBhvr>
+                                        <p:cTn id="7" dur="500"/>
+                                        <p:tgtEl>
+                                          <p:spTgt spid="3">
+                                            <p:txEl>
+                                              <p:pRg st="0" end="0"/>
+                                            </p:txEl>
+                                          </p:spTgt>
+                                        </p:tgtEl>
+                                      </p:cBhvr>
+                                    </p:animEffect>
+                                  </p:childTnLst>
+                                </p:cTn>
+                              </p:par>
+                              <p:par>
+                                <p:cTn id="8" presetID="10" presetClass="entr" presetSubtype="0" fill="hold" nodeType="withEffect">
+                                  <p:stCondLst>
+                                    <p:cond delay="0"/>
+                                  </p:stCondLst>
+                                  <p:childTnLst>
+                                    <p:set>
+                                      <p:cBhvr>
+                                        <p:cTn id="9" dur="1" fill="hold">
+                                          <p:stCondLst>
+                                            <p:cond delay="0"/>
+                                          </p:stCondLst>
+                                        </p:cTn>
+                                        <p:tgtEl>
+                                          <p:spTgt spid="5122"/>
+                                        </p:tgtEl>
+                                        <p:attrNameLst>
+                                          <p:attrName>style.visibility</p:attrName>
+                                        </p:attrNameLst>
+                                      </p:cBhvr>
+                                      <p:to>
+                                        <p:strVal val="visible"/>
+                                      </p:to>
+                                    </p:set>
+                                    <p:animEffect transition="in" filter="fade">
+                                      <p:cBhvr>
+                                        <p:cTn id="10" dur="500"/>
+                                        <p:tgtEl>
+                                          <p:spTgt spid="5122"/>
+                                        </p:tgtEl>
+                                      </p:cBhvr>
+                                    </p:animEffect>
+                                  </p:childTnLst>
+                                </p:cTn>
+                              </p:par>
+                            </p:childTnLst>
+                          </p:cTn>
+                        </p:par>
+                      </p:childTnLst>
+                    </p:cTn>
+                  </p:par>
+                  <p:par>
+                    <p:cTn id="11" fill="hold">
+                      <p:stCondLst>
+                        <p:cond delay="indefinite"/>
+                      </p:stCondLst>
+                      <p:childTnLst>
+                        <p:par>
+                          <p:cTn id="12" fill="hold">
+                            <p:stCondLst>
+                              <p:cond delay="0"/>
+                            </p:stCondLst>
+                            <p:childTnLst>
+                              <p:par>
+                                <p:cTn id="13" presetID="10" presetClass="entr" presetSubtype="0" fill="hold" nodeType="clickEffect">
+                                  <p:stCondLst>
+                                    <p:cond delay="0"/>
+                                  </p:stCondLst>
+                                  <p:childTnLst>
+                                    <p:set>
+                                      <p:cBhvr>
+                                        <p:cTn id="14" dur="1" fill="hold">
+                                          <p:stCondLst>
+                                            <p:cond delay="0"/>
+                                          </p:stCondLst>
+                                        </p:cTn>
+                                        <p:tgtEl>
+                                          <p:spTgt spid="5124"/>
+                                        </p:tgtEl>
+                                        <p:attrNameLst>
+                                          <p:attrName>style.visibility</p:attrName>
+                                        </p:attrNameLst>
+                                      </p:cBhvr>
+                                      <p:to>
+                                        <p:strVal val="visible"/>
+                                      </p:to>
+                                    </p:set>
+                                    <p:animEffect transition="in" filter="fade">
+                                      <p:cBhvr>
+                                        <p:cTn id="15" dur="500"/>
+                                        <p:tgtEl>
+                                          <p:spTgt spid="5124"/>
+                                        </p:tgtEl>
+                                      </p:cBhvr>
+                                    </p:animEffect>
+                                  </p:childTnLst>
+                                </p:cTn>
+                              </p:par>
+                              <p:par>
+                                <p:cTn id="16" presetID="10" presetClass="entr" presetSubtype="0" fill="hold" grpId="0" nodeType="withEffect">
+                                  <p:stCondLst>
+                                    <p:cond delay="0"/>
+                                  </p:stCondLst>
+                                  <p:childTnLst>
+                                    <p:set>
+                                      <p:cBhvr>
+                                        <p:cTn id="17" dur="1" fill="hold">
+                                          <p:stCondLst>
+                                            <p:cond delay="0"/>
+                                          </p:stCondLst>
+                                        </p:cTn>
+                                        <p:tgtEl>
+                                          <p:spTgt spid="6"/>
+                                        </p:tgtEl>
+                                        <p:attrNameLst>
+                                          <p:attrName>style.visibility</p:attrName>
+                                        </p:attrNameLst>
+                                      </p:cBhvr>
+                                      <p:to>
+                                        <p:strVal val="visible"/>
+                                      </p:to>
+                                    </p:set>
+                                    <p:animEffect transition="in" filter="fade">
+                                      <p:cBhvr>
+                                        <p:cTn id="18" dur="500"/>
+                                        <p:tgtEl>
+                                          <p:spTgt spid="6"/>
+                                        </p:tgtEl>
+                                      </p:cBhvr>
+                                    </p:animEffect>
+                                  </p:childTnLst>
+                                </p:cTn>
+                              </p:par>
+                            </p:childTnLst>
+                          </p:cTn>
+                        </p:par>
+                      </p:childTnLst>
+                    </p:cTn>
+                  </p:par>
+                </p:childTnLst>
+              </p:cTn>
+              <p:prevCondLst>
+                <p:cond evt="onPrev" delay="0">
+                  <p:tgtEl>
+                    <p:sldTgt/>
+                  </p:tgtEl>
+                </p:cond>
+              </p:prevCondLst>
+              <p:nextCondLst>
+                <p:cond evt="onNext" delay="0">
+                  <p:tgtEl>
+                    <p:sldTgt/>
+                  </p:tgtEl>
+                </p:cond>
+              </p:nextCondLst>
+            </p:seq>
+          </p:childTnLst>
+        </p:cTn>
+      </p:par>
+    </p:tnLst>
+    <p:bldLst>
+      <p:bldP spid="3" grpId="0" build="p"/>
+      <p:bldP spid="6" grpId="0"/>
+    </p:bldLst>
+  </p:timing>
 </p:sld>
 </file>
 
@@ -47149,6 +48527,203 @@
                 <a:latin typeface="Euclid Circular B" panose="020B0504000000000000" pitchFamily="34" charset="0"/>
                 <a:ea typeface="Euclid Circular B" panose="020B0504000000000000" pitchFamily="34" charset="0"/>
               </a:rPr>
+              <a:t>Microservices</a:t>
+            </a:r>
+            <a:r>
+              <a:rPr lang="en-US" dirty="0">
+                <a:solidFill>
+                  <a:srgbClr val="292D33"/>
+                </a:solidFill>
+                <a:latin typeface="Euclid Circular B" panose="020B0504000000000000" pitchFamily="34" charset="0"/>
+                <a:ea typeface="Euclid Circular B" panose="020B0504000000000000" pitchFamily="34" charset="0"/>
+              </a:rPr>
+              <a:t>: Who is </a:t>
+            </a:r>
+            <a:r>
+              <a:rPr lang="tr-TR" b="1" dirty="0">
+                <a:solidFill>
+                  <a:srgbClr val="292D33"/>
+                </a:solidFill>
+                <a:latin typeface="Euclid Circular B" panose="020B0504000000000000" pitchFamily="34" charset="0"/>
+                <a:ea typeface="Euclid Circular B" panose="020B0504000000000000" pitchFamily="34" charset="0"/>
+              </a:rPr>
+              <a:t>NOT</a:t>
+            </a:r>
+            <a:r>
+              <a:rPr lang="en-US" dirty="0">
+                <a:solidFill>
+                  <a:srgbClr val="292D33"/>
+                </a:solidFill>
+                <a:latin typeface="Euclid Circular B" panose="020B0504000000000000" pitchFamily="34" charset="0"/>
+                <a:ea typeface="Euclid Circular B" panose="020B0504000000000000" pitchFamily="34" charset="0"/>
+              </a:rPr>
+              <a:t> for?</a:t>
+            </a:r>
+          </a:p>
+        </p:txBody>
+      </p:sp>
+      <p:sp>
+        <p:nvSpPr>
+          <p:cNvPr id="3" name="Content Placeholder 2">
+            <a:extLst>
+              <a:ext uri="{FF2B5EF4-FFF2-40B4-BE49-F238E27FC236}">
+                <a16:creationId xmlns:a16="http://schemas.microsoft.com/office/drawing/2014/main" id="{891C7693-D3DF-4635-96F4-97F3B4136FDF}"/>
+              </a:ext>
+            </a:extLst>
+          </p:cNvPr>
+          <p:cNvSpPr>
+            <a:spLocks noGrp="1"/>
+          </p:cNvSpPr>
+          <p:nvPr>
+            <p:ph idx="1"/>
+          </p:nvPr>
+        </p:nvSpPr>
+        <p:spPr/>
+        <p:txBody>
+          <a:bodyPr>
+            <a:normAutofit/>
+          </a:bodyPr>
+          <a:lstStyle/>
+          <a:p>
+            <a:pPr marL="0" indent="0">
+              <a:buNone/>
+            </a:pPr>
+            <a:r>
+              <a:rPr lang="en-US" sz="3200" dirty="0">
+                <a:latin typeface="Euclid Circular B" panose="020B0504000000000000" pitchFamily="34" charset="0"/>
+                <a:ea typeface="Euclid Circular B" panose="020B0504000000000000" pitchFamily="34" charset="0"/>
+              </a:rPr>
+              <a:t>My primary guideline would be </a:t>
+            </a:r>
+            <a:r>
+              <a:rPr lang="en-US" sz="3200" b="1" dirty="0">
+                <a:latin typeface="Euclid Circular B" panose="020B0504000000000000" pitchFamily="34" charset="0"/>
+                <a:ea typeface="Euclid Circular B" panose="020B0504000000000000" pitchFamily="34" charset="0"/>
+              </a:rPr>
+              <a:t>don't even consider microservices unless you have a system that's too complex to manage as a monolith</a:t>
+            </a:r>
+            <a:r>
+              <a:rPr lang="en-US" sz="3200" dirty="0">
+                <a:latin typeface="Euclid Circular B" panose="020B0504000000000000" pitchFamily="34" charset="0"/>
+                <a:ea typeface="Euclid Circular B" panose="020B0504000000000000" pitchFamily="34" charset="0"/>
+              </a:rPr>
+              <a:t>. The majority of software systems should be built as a single monolithic application. Do pay attention to good </a:t>
+            </a:r>
+            <a:r>
+              <a:rPr lang="en-US" sz="3200" b="1" dirty="0">
+                <a:latin typeface="Euclid Circular B" panose="020B0504000000000000" pitchFamily="34" charset="0"/>
+                <a:ea typeface="Euclid Circular B" panose="020B0504000000000000" pitchFamily="34" charset="0"/>
+              </a:rPr>
+              <a:t>modularity </a:t>
+            </a:r>
+            <a:r>
+              <a:rPr lang="en-US" sz="3200" dirty="0">
+                <a:latin typeface="Euclid Circular B" panose="020B0504000000000000" pitchFamily="34" charset="0"/>
+                <a:ea typeface="Euclid Circular B" panose="020B0504000000000000" pitchFamily="34" charset="0"/>
+              </a:rPr>
+              <a:t>within that monolith, but don't try to separate it into separate services.</a:t>
+            </a:r>
+          </a:p>
+          <a:p>
+            <a:pPr marL="0" indent="0">
+              <a:buNone/>
+            </a:pPr>
+            <a:endParaRPr lang="en-US" sz="1800" dirty="0">
+              <a:latin typeface="Euclid Circular B" panose="020B0504000000000000" pitchFamily="34" charset="0"/>
+              <a:ea typeface="Euclid Circular B" panose="020B0504000000000000" pitchFamily="34" charset="0"/>
+            </a:endParaRPr>
+          </a:p>
+          <a:p>
+            <a:pPr marL="0" indent="0">
+              <a:buNone/>
+            </a:pPr>
+            <a:r>
+              <a:rPr lang="en-US" sz="3600" b="1" dirty="0">
+                <a:latin typeface="Euclid Circular B" panose="020B0504000000000000" pitchFamily="34" charset="0"/>
+                <a:ea typeface="Euclid Circular B" panose="020B0504000000000000" pitchFamily="34" charset="0"/>
+              </a:rPr>
+              <a:t>--- Martin Fowler</a:t>
+            </a:r>
+            <a:endParaRPr lang="en-US" sz="3600" i="1" dirty="0">
+              <a:latin typeface="Euclid Circular B" panose="020B0504000000000000" pitchFamily="34" charset="0"/>
+              <a:ea typeface="Euclid Circular B" panose="020B0504000000000000" pitchFamily="34" charset="0"/>
+            </a:endParaRPr>
+          </a:p>
+        </p:txBody>
+      </p:sp>
+    </p:spTree>
+    <p:extLst>
+      <p:ext uri="{BB962C8B-B14F-4D97-AF65-F5344CB8AC3E}">
+        <p14:creationId xmlns:p14="http://schemas.microsoft.com/office/powerpoint/2010/main" val="3908682011"/>
+      </p:ext>
+    </p:extLst>
+  </p:cSld>
+  <p:clrMapOvr>
+    <a:masterClrMapping/>
+  </p:clrMapOvr>
+</p:sld>
+</file>
+
+<file path=ppt/slides/slide8.xml><?xml version="1.0" encoding="utf-8"?>
+<p:sld xmlns:a="http://schemas.openxmlformats.org/drawingml/2006/main" xmlns:r="http://schemas.openxmlformats.org/officeDocument/2006/relationships" xmlns:p="http://schemas.openxmlformats.org/presentationml/2006/main">
+  <p:cSld>
+    <p:bg>
+      <p:bgPr>
+        <a:blipFill dpi="0" rotWithShape="1">
+          <a:blip r:embed="rId2">
+            <a:lum/>
+          </a:blip>
+          <a:srcRect/>
+          <a:stretch>
+            <a:fillRect/>
+          </a:stretch>
+        </a:blipFill>
+        <a:effectLst/>
+      </p:bgPr>
+    </p:bg>
+    <p:spTree>
+      <p:nvGrpSpPr>
+        <p:cNvPr id="1" name=""/>
+        <p:cNvGrpSpPr/>
+        <p:nvPr/>
+      </p:nvGrpSpPr>
+      <p:grpSpPr>
+        <a:xfrm>
+          <a:off x="0" y="0"/>
+          <a:ext cx="0" cy="0"/>
+          <a:chOff x="0" y="0"/>
+          <a:chExt cx="0" cy="0"/>
+        </a:xfrm>
+      </p:grpSpPr>
+      <p:sp>
+        <p:nvSpPr>
+          <p:cNvPr id="2" name="Title 1">
+            <a:extLst>
+              <a:ext uri="{FF2B5EF4-FFF2-40B4-BE49-F238E27FC236}">
+                <a16:creationId xmlns:a16="http://schemas.microsoft.com/office/drawing/2014/main" id="{55E11F08-6CA0-48F1-AD67-97430DDA07F0}"/>
+              </a:ext>
+            </a:extLst>
+          </p:cNvPr>
+          <p:cNvSpPr>
+            <a:spLocks noGrp="1"/>
+          </p:cNvSpPr>
+          <p:nvPr>
+            <p:ph type="title"/>
+          </p:nvPr>
+        </p:nvSpPr>
+        <p:spPr/>
+        <p:txBody>
+          <a:bodyPr/>
+          <a:lstStyle/>
+          <a:p>
+            <a:r>
+              <a:rPr lang="en-US" b="1" dirty="0">
+                <a:solidFill>
+                  <a:srgbClr val="292D33"/>
+                </a:solidFill>
+                <a:latin typeface="Euclid Circular B" panose="020B0504000000000000" pitchFamily="34" charset="0"/>
+                <a:ea typeface="Euclid Circular B" panose="020B0504000000000000" pitchFamily="34" charset="0"/>
+              </a:rPr>
               <a:t>Monolith first</a:t>
             </a:r>
             <a:r>
@@ -47336,7 +48911,7 @@
 </p:sld>
 </file>
 
-<file path=ppt/slides/slide8.xml><?xml version="1.0" encoding="utf-8"?>
+<file path=ppt/slides/slide9.xml><?xml version="1.0" encoding="utf-8"?>
 <p:sld xmlns:a="http://schemas.openxmlformats.org/drawingml/2006/main" xmlns:r="http://schemas.openxmlformats.org/officeDocument/2006/relationships" xmlns:p="http://schemas.openxmlformats.org/presentationml/2006/main">
   <p:cSld>
     <p:bg>
@@ -47569,145 +49144,6 @@
       </p:par>
     </p:tnLst>
   </p:timing>
-</p:sld>
-</file>
-
-<file path=ppt/slides/slide9.xml><?xml version="1.0" encoding="utf-8"?>
-<p:sld xmlns:a="http://schemas.openxmlformats.org/drawingml/2006/main" xmlns:r="http://schemas.openxmlformats.org/officeDocument/2006/relationships" xmlns:p="http://schemas.openxmlformats.org/presentationml/2006/main">
-  <p:cSld>
-    <p:bg>
-      <p:bgPr>
-        <a:blipFill dpi="0" rotWithShape="1">
-          <a:blip r:embed="rId2">
-            <a:lum/>
-          </a:blip>
-          <a:srcRect/>
-          <a:stretch>
-            <a:fillRect/>
-          </a:stretch>
-        </a:blipFill>
-        <a:effectLst/>
-      </p:bgPr>
-    </p:bg>
-    <p:spTree>
-      <p:nvGrpSpPr>
-        <p:cNvPr id="1" name=""/>
-        <p:cNvGrpSpPr/>
-        <p:nvPr/>
-      </p:nvGrpSpPr>
-      <p:grpSpPr>
-        <a:xfrm>
-          <a:off x="0" y="0"/>
-          <a:ext cx="0" cy="0"/>
-          <a:chOff x="0" y="0"/>
-          <a:chExt cx="0" cy="0"/>
-        </a:xfrm>
-      </p:grpSpPr>
-      <p:sp>
-        <p:nvSpPr>
-          <p:cNvPr id="2" name="Title 1">
-            <a:extLst>
-              <a:ext uri="{FF2B5EF4-FFF2-40B4-BE49-F238E27FC236}">
-                <a16:creationId xmlns:a16="http://schemas.microsoft.com/office/drawing/2014/main" id="{9255DFBE-19DA-408D-84E6-F4043FC30BD3}"/>
-              </a:ext>
-            </a:extLst>
-          </p:cNvPr>
-          <p:cNvSpPr>
-            <a:spLocks noGrp="1"/>
-          </p:cNvSpPr>
-          <p:nvPr>
-            <p:ph type="ctrTitle"/>
-          </p:nvPr>
-        </p:nvSpPr>
-        <p:spPr/>
-        <p:txBody>
-          <a:bodyPr>
-            <a:normAutofit/>
-          </a:bodyPr>
-          <a:lstStyle/>
-          <a:p>
-            <a:r>
-              <a:rPr lang="en-US" sz="4800" b="1" dirty="0">
-                <a:solidFill>
-                  <a:srgbClr val="292D33"/>
-                </a:solidFill>
-                <a:latin typeface="Euclid Circular B" panose="020B0504000000000000" pitchFamily="34" charset="0"/>
-                <a:ea typeface="Euclid Circular B" panose="020B0504000000000000" pitchFamily="34" charset="0"/>
-              </a:rPr>
-              <a:t>DESIGNING</a:t>
-            </a:r>
-            <a:br>
-              <a:rPr lang="en-US" sz="4800" b="1" dirty="0">
-                <a:solidFill>
-                  <a:srgbClr val="292D33"/>
-                </a:solidFill>
-                <a:latin typeface="Euclid Circular B" panose="020B0504000000000000" pitchFamily="34" charset="0"/>
-                <a:ea typeface="Euclid Circular B" panose="020B0504000000000000" pitchFamily="34" charset="0"/>
-              </a:rPr>
-            </a:br>
-            <a:r>
-              <a:rPr lang="en-US" sz="4800" b="1" dirty="0">
-                <a:solidFill>
-                  <a:srgbClr val="292D33"/>
-                </a:solidFill>
-                <a:latin typeface="Euclid Circular B" panose="020B0504000000000000" pitchFamily="34" charset="0"/>
-                <a:ea typeface="Euclid Circular B" panose="020B0504000000000000" pitchFamily="34" charset="0"/>
-              </a:rPr>
-              <a:t>A MODULAR MONOLITH</a:t>
-            </a:r>
-          </a:p>
-        </p:txBody>
-      </p:sp>
-      <p:sp>
-        <p:nvSpPr>
-          <p:cNvPr id="3" name="Subtitle 2">
-            <a:extLst>
-              <a:ext uri="{FF2B5EF4-FFF2-40B4-BE49-F238E27FC236}">
-                <a16:creationId xmlns:a16="http://schemas.microsoft.com/office/drawing/2014/main" id="{265612B9-B745-46CB-8A20-997CA82E05E7}"/>
-              </a:ext>
-            </a:extLst>
-          </p:cNvPr>
-          <p:cNvSpPr>
-            <a:spLocks noGrp="1"/>
-          </p:cNvSpPr>
-          <p:nvPr>
-            <p:ph type="subTitle" idx="1"/>
-          </p:nvPr>
-        </p:nvSpPr>
-        <p:spPr/>
-        <p:txBody>
-          <a:bodyPr>
-            <a:normAutofit/>
-          </a:bodyPr>
-          <a:lstStyle/>
-          <a:p>
-            <a:r>
-              <a:rPr lang="en-US" sz="2000" b="1" dirty="0">
-                <a:solidFill>
-                  <a:srgbClr val="292D33"/>
-                </a:solidFill>
-                <a:latin typeface="Euclid Circular B" panose="020B0504000000000000" pitchFamily="34" charset="0"/>
-                <a:ea typeface="Euclid Circular B" panose="020B0504000000000000" pitchFamily="34" charset="0"/>
-              </a:rPr>
-              <a:t>DESIGNING MONOLITH FIRST FOR MICROSERVICE ARCHITECTURE</a:t>
-            </a:r>
-            <a:endParaRPr lang="en-US" sz="2000" dirty="0">
-              <a:latin typeface="Euclid Circular B" panose="020B0504000000000000" pitchFamily="34" charset="0"/>
-              <a:ea typeface="Euclid Circular B" panose="020B0504000000000000" pitchFamily="34" charset="0"/>
-            </a:endParaRPr>
-          </a:p>
-        </p:txBody>
-      </p:sp>
-    </p:spTree>
-    <p:extLst>
-      <p:ext uri="{BB962C8B-B14F-4D97-AF65-F5344CB8AC3E}">
-        <p14:creationId xmlns:p14="http://schemas.microsoft.com/office/powerpoint/2010/main" val="3204605943"/>
-      </p:ext>
-    </p:extLst>
-  </p:cSld>
-  <p:clrMapOvr>
-    <a:masterClrMapping/>
-  </p:clrMapOvr>
 </p:sld>
 </file>
 

--- a/2025-04-16 Roma Designing Monolith First For Microservices/Monolith First Presentation.pptx
+++ b/2025-04-16 Roma Designing Monolith First For Microservices/Monolith First Presentation.pptx
@@ -370,7 +370,7 @@
           <a:p>
             <a:fld id="{2A14C9FE-EBC3-45D3-899C-58AAF4F8AF71}" type="datetimeFigureOut">
               <a:rPr lang="en-US" smtClean="0"/>
-              <a:t>4/3/2025</a:t>
+              <a:t>4/9/2025</a:t>
             </a:fld>
             <a:endParaRPr lang="en-US"/>
           </a:p>
@@ -568,7 +568,7 @@
           <a:p>
             <a:fld id="{2A14C9FE-EBC3-45D3-899C-58AAF4F8AF71}" type="datetimeFigureOut">
               <a:rPr lang="en-US" smtClean="0"/>
-              <a:t>4/3/2025</a:t>
+              <a:t>4/9/2025</a:t>
             </a:fld>
             <a:endParaRPr lang="en-US"/>
           </a:p>
@@ -776,7 +776,7 @@
           <a:p>
             <a:fld id="{2A14C9FE-EBC3-45D3-899C-58AAF4F8AF71}" type="datetimeFigureOut">
               <a:rPr lang="en-US" smtClean="0"/>
-              <a:t>4/3/2025</a:t>
+              <a:t>4/9/2025</a:t>
             </a:fld>
             <a:endParaRPr lang="en-US"/>
           </a:p>
@@ -974,7 +974,7 @@
           <a:p>
             <a:fld id="{2A14C9FE-EBC3-45D3-899C-58AAF4F8AF71}" type="datetimeFigureOut">
               <a:rPr lang="en-US" smtClean="0"/>
-              <a:t>4/3/2025</a:t>
+              <a:t>4/9/2025</a:t>
             </a:fld>
             <a:endParaRPr lang="en-US"/>
           </a:p>
@@ -1249,7 +1249,7 @@
           <a:p>
             <a:fld id="{2A14C9FE-EBC3-45D3-899C-58AAF4F8AF71}" type="datetimeFigureOut">
               <a:rPr lang="en-US" smtClean="0"/>
-              <a:t>4/3/2025</a:t>
+              <a:t>4/9/2025</a:t>
             </a:fld>
             <a:endParaRPr lang="en-US"/>
           </a:p>
@@ -1514,7 +1514,7 @@
           <a:p>
             <a:fld id="{2A14C9FE-EBC3-45D3-899C-58AAF4F8AF71}" type="datetimeFigureOut">
               <a:rPr lang="en-US" smtClean="0"/>
-              <a:t>4/3/2025</a:t>
+              <a:t>4/9/2025</a:t>
             </a:fld>
             <a:endParaRPr lang="en-US"/>
           </a:p>
@@ -1926,7 +1926,7 @@
           <a:p>
             <a:fld id="{2A14C9FE-EBC3-45D3-899C-58AAF4F8AF71}" type="datetimeFigureOut">
               <a:rPr lang="en-US" smtClean="0"/>
-              <a:t>4/3/2025</a:t>
+              <a:t>4/9/2025</a:t>
             </a:fld>
             <a:endParaRPr lang="en-US"/>
           </a:p>
@@ -2067,7 +2067,7 @@
           <a:p>
             <a:fld id="{2A14C9FE-EBC3-45D3-899C-58AAF4F8AF71}" type="datetimeFigureOut">
               <a:rPr lang="en-US" smtClean="0"/>
-              <a:t>4/3/2025</a:t>
+              <a:t>4/9/2025</a:t>
             </a:fld>
             <a:endParaRPr lang="en-US"/>
           </a:p>
@@ -2180,7 +2180,7 @@
           <a:p>
             <a:fld id="{2A14C9FE-EBC3-45D3-899C-58AAF4F8AF71}" type="datetimeFigureOut">
               <a:rPr lang="en-US" smtClean="0"/>
-              <a:t>4/3/2025</a:t>
+              <a:t>4/9/2025</a:t>
             </a:fld>
             <a:endParaRPr lang="en-US"/>
           </a:p>
@@ -2491,7 +2491,7 @@
           <a:p>
             <a:fld id="{2A14C9FE-EBC3-45D3-899C-58AAF4F8AF71}" type="datetimeFigureOut">
               <a:rPr lang="en-US" smtClean="0"/>
-              <a:t>4/3/2025</a:t>
+              <a:t>4/9/2025</a:t>
             </a:fld>
             <a:endParaRPr lang="en-US"/>
           </a:p>
@@ -2779,7 +2779,7 @@
           <a:p>
             <a:fld id="{2A14C9FE-EBC3-45D3-899C-58AAF4F8AF71}" type="datetimeFigureOut">
               <a:rPr lang="en-US" smtClean="0"/>
-              <a:t>4/3/2025</a:t>
+              <a:t>4/9/2025</a:t>
             </a:fld>
             <a:endParaRPr lang="en-US"/>
           </a:p>
@@ -3020,7 +3020,7 @@
           <a:p>
             <a:fld id="{2A14C9FE-EBC3-45D3-899C-58AAF4F8AF71}" type="datetimeFigureOut">
               <a:rPr lang="en-US" smtClean="0"/>
-              <a:t>4/3/2025</a:t>
+              <a:t>4/9/2025</a:t>
             </a:fld>
             <a:endParaRPr lang="en-US"/>
           </a:p>
@@ -10093,6 +10093,9 @@
           <a:p>
             <a:r>
               <a:rPr lang="en-US" sz="2400" b="1" dirty="0">
+                <a:solidFill>
+                  <a:srgbClr val="00B050"/>
+                </a:solidFill>
                 <a:latin typeface="Euclid Circular B" panose="020B0504000000000000" pitchFamily="34" charset="0"/>
                 <a:ea typeface="Euclid Circular B" panose="020B0504000000000000" pitchFamily="34" charset="0"/>
               </a:rPr>
@@ -10100,6 +10103,9 @@
             </a:r>
             <a:r>
               <a:rPr lang="en-US" sz="2400" dirty="0">
+                <a:solidFill>
+                  <a:srgbClr val="00B050"/>
+                </a:solidFill>
                 <a:latin typeface="Euclid Circular B" panose="020B0504000000000000" pitchFamily="34" charset="0"/>
                 <a:ea typeface="Euclid Circular B" panose="020B0504000000000000" pitchFamily="34" charset="0"/>
               </a:rPr>
@@ -10109,6 +10115,9 @@
           <a:p>
             <a:r>
               <a:rPr lang="en-US" sz="2400" b="1" dirty="0">
+                <a:solidFill>
+                  <a:srgbClr val="C00000"/>
+                </a:solidFill>
                 <a:latin typeface="Euclid Circular B" panose="020B0504000000000000" pitchFamily="34" charset="0"/>
                 <a:ea typeface="Euclid Circular B" panose="020B0504000000000000" pitchFamily="34" charset="0"/>
               </a:rPr>
@@ -10116,6 +10125,9 @@
             </a:r>
             <a:r>
               <a:rPr lang="en-US" sz="2400" dirty="0">
+                <a:solidFill>
+                  <a:srgbClr val="C00000"/>
+                </a:solidFill>
                 <a:latin typeface="Euclid Circular B" panose="020B0504000000000000" pitchFamily="34" charset="0"/>
                 <a:ea typeface="Euclid Circular B" panose="020B0504000000000000" pitchFamily="34" charset="0"/>
               </a:rPr>
@@ -10125,6 +10137,9 @@
           <a:p>
             <a:r>
               <a:rPr lang="en-US" sz="2400" b="1" dirty="0">
+                <a:solidFill>
+                  <a:srgbClr val="C00000"/>
+                </a:solidFill>
                 <a:latin typeface="Euclid Circular B" panose="020B0504000000000000" pitchFamily="34" charset="0"/>
                 <a:ea typeface="Euclid Circular B" panose="020B0504000000000000" pitchFamily="34" charset="0"/>
               </a:rPr>
@@ -10132,6 +10147,9 @@
             </a:r>
             <a:r>
               <a:rPr lang="en-US" sz="2400" dirty="0">
+                <a:solidFill>
+                  <a:srgbClr val="C00000"/>
+                </a:solidFill>
                 <a:latin typeface="Euclid Circular B" panose="020B0504000000000000" pitchFamily="34" charset="0"/>
                 <a:ea typeface="Euclid Circular B" panose="020B0504000000000000" pitchFamily="34" charset="0"/>
               </a:rPr>
@@ -14558,6 +14576,9 @@
           <a:p>
             <a:r>
               <a:rPr lang="en-US" sz="2400" b="1" dirty="0">
+                <a:solidFill>
+                  <a:srgbClr val="C00000"/>
+                </a:solidFill>
                 <a:latin typeface="Euclid Circular B" panose="020B0504000000000000" pitchFamily="34" charset="0"/>
                 <a:ea typeface="Euclid Circular B" panose="020B0504000000000000" pitchFamily="34" charset="0"/>
               </a:rPr>
@@ -14565,6 +14586,9 @@
             </a:r>
             <a:r>
               <a:rPr lang="en-US" sz="2400" dirty="0">
+                <a:solidFill>
+                  <a:srgbClr val="C00000"/>
+                </a:solidFill>
                 <a:latin typeface="Euclid Circular B" panose="020B0504000000000000" pitchFamily="34" charset="0"/>
                 <a:ea typeface="Euclid Circular B" panose="020B0504000000000000" pitchFamily="34" charset="0"/>
               </a:rPr>
@@ -14574,6 +14598,9 @@
           <a:p>
             <a:r>
               <a:rPr lang="en-US" sz="2400" b="1" dirty="0">
+                <a:solidFill>
+                  <a:srgbClr val="00B050"/>
+                </a:solidFill>
                 <a:latin typeface="Euclid Circular B" panose="020B0504000000000000" pitchFamily="34" charset="0"/>
                 <a:ea typeface="Euclid Circular B" panose="020B0504000000000000" pitchFamily="34" charset="0"/>
               </a:rPr>
@@ -14581,6 +14608,9 @@
             </a:r>
             <a:r>
               <a:rPr lang="en-US" sz="2400" dirty="0">
+                <a:solidFill>
+                  <a:srgbClr val="00B050"/>
+                </a:solidFill>
                 <a:latin typeface="Euclid Circular B" panose="020B0504000000000000" pitchFamily="34" charset="0"/>
                 <a:ea typeface="Euclid Circular B" panose="020B0504000000000000" pitchFamily="34" charset="0"/>
               </a:rPr>
@@ -14590,6 +14620,9 @@
           <a:p>
             <a:r>
               <a:rPr lang="en-US" sz="2400" b="1" dirty="0">
+                <a:solidFill>
+                  <a:srgbClr val="00B050"/>
+                </a:solidFill>
                 <a:latin typeface="Euclid Circular B" panose="020B0504000000000000" pitchFamily="34" charset="0"/>
                 <a:ea typeface="Euclid Circular B" panose="020B0504000000000000" pitchFamily="34" charset="0"/>
               </a:rPr>
@@ -14597,6 +14630,9 @@
             </a:r>
             <a:r>
               <a:rPr lang="en-US" sz="2400" dirty="0">
+                <a:solidFill>
+                  <a:srgbClr val="00B050"/>
+                </a:solidFill>
                 <a:latin typeface="Euclid Circular B" panose="020B0504000000000000" pitchFamily="34" charset="0"/>
                 <a:ea typeface="Euclid Circular B" panose="020B0504000000000000" pitchFamily="34" charset="0"/>
               </a:rPr>
@@ -14606,6 +14642,9 @@
           <a:p>
             <a:r>
               <a:rPr lang="en-US" sz="2400" b="1" dirty="0">
+                <a:solidFill>
+                  <a:srgbClr val="0070C0"/>
+                </a:solidFill>
                 <a:latin typeface="Euclid Circular B" panose="020B0504000000000000" pitchFamily="34" charset="0"/>
                 <a:ea typeface="Euclid Circular B" panose="020B0504000000000000" pitchFamily="34" charset="0"/>
               </a:rPr>
@@ -14613,6 +14652,9 @@
             </a:r>
             <a:r>
               <a:rPr lang="en-US" sz="2400" dirty="0">
+                <a:solidFill>
+                  <a:srgbClr val="0070C0"/>
+                </a:solidFill>
                 <a:latin typeface="Euclid Circular B" panose="020B0504000000000000" pitchFamily="34" charset="0"/>
                 <a:ea typeface="Euclid Circular B" panose="020B0504000000000000" pitchFamily="34" charset="0"/>
               </a:rPr>
@@ -21344,6 +21386,26 @@
           </a:p>
           <a:p>
             <a:r>
+              <a:rPr lang="tr-TR" b="1" dirty="0">
+                <a:solidFill>
+                  <a:srgbClr val="FF0000"/>
+                </a:solidFill>
+                <a:latin typeface="Euclid Circular B" panose="020B0504000000000000" pitchFamily="34" charset="0"/>
+                <a:ea typeface="Euclid Circular B" panose="020B0504000000000000" pitchFamily="34" charset="0"/>
+              </a:rPr>
+              <a:t>The m</a:t>
+            </a:r>
+            <a:r>
+              <a:rPr lang="en-US" b="1" dirty="0" err="1">
+                <a:solidFill>
+                  <a:srgbClr val="FF0000"/>
+                </a:solidFill>
+                <a:latin typeface="Euclid Circular B" panose="020B0504000000000000" pitchFamily="34" charset="0"/>
+                <a:ea typeface="Euclid Circular B" panose="020B0504000000000000" pitchFamily="34" charset="0"/>
+              </a:rPr>
+              <a:t>onolith</a:t>
+            </a:r>
+            <a:r>
               <a:rPr lang="en-US" b="1" dirty="0">
                 <a:solidFill>
                   <a:srgbClr val="FF0000"/>
@@ -21351,7 +21413,7 @@
                 <a:latin typeface="Euclid Circular B" panose="020B0504000000000000" pitchFamily="34" charset="0"/>
                 <a:ea typeface="Euclid Circular B" panose="020B0504000000000000" pitchFamily="34" charset="0"/>
               </a:rPr>
-              <a:t>Monolith hosting </a:t>
+              <a:t> hosting </a:t>
             </a:r>
             <a:r>
               <a:rPr lang="en-US" dirty="0">
@@ -26852,6 +26914,9 @@
           <a:p>
             <a:r>
               <a:rPr lang="en-US" sz="2400" b="1" dirty="0">
+                <a:solidFill>
+                  <a:srgbClr val="00B050"/>
+                </a:solidFill>
                 <a:latin typeface="Euclid Circular B" panose="020B0504000000000000" pitchFamily="34" charset="0"/>
                 <a:ea typeface="Euclid Circular B" panose="020B0504000000000000" pitchFamily="34" charset="0"/>
               </a:rPr>
@@ -26859,6 +26924,9 @@
             </a:r>
             <a:r>
               <a:rPr lang="en-US" sz="2400" dirty="0">
+                <a:solidFill>
+                  <a:srgbClr val="00B050"/>
+                </a:solidFill>
                 <a:latin typeface="Euclid Circular B" panose="020B0504000000000000" pitchFamily="34" charset="0"/>
                 <a:ea typeface="Euclid Circular B" panose="020B0504000000000000" pitchFamily="34" charset="0"/>
               </a:rPr>
@@ -26868,6 +26936,9 @@
           <a:p>
             <a:r>
               <a:rPr lang="en-US" sz="2400" b="1" dirty="0">
+                <a:solidFill>
+                  <a:srgbClr val="00B050"/>
+                </a:solidFill>
                 <a:latin typeface="Euclid Circular B" panose="020B0504000000000000" pitchFamily="34" charset="0"/>
                 <a:ea typeface="Euclid Circular B" panose="020B0504000000000000" pitchFamily="34" charset="0"/>
               </a:rPr>
@@ -26875,6 +26946,9 @@
             </a:r>
             <a:r>
               <a:rPr lang="en-US" sz="2400" dirty="0">
+                <a:solidFill>
+                  <a:srgbClr val="00B050"/>
+                </a:solidFill>
                 <a:latin typeface="Euclid Circular B" panose="020B0504000000000000" pitchFamily="34" charset="0"/>
                 <a:ea typeface="Euclid Circular B" panose="020B0504000000000000" pitchFamily="34" charset="0"/>
               </a:rPr>
@@ -26882,6 +26956,9 @@
             </a:r>
             <a:r>
               <a:rPr lang="en-US" sz="2400" b="1" dirty="0">
+                <a:solidFill>
+                  <a:srgbClr val="00B050"/>
+                </a:solidFill>
                 <a:latin typeface="Euclid Circular B" panose="020B0504000000000000" pitchFamily="34" charset="0"/>
                 <a:ea typeface="Euclid Circular B" panose="020B0504000000000000" pitchFamily="34" charset="0"/>
               </a:rPr>
@@ -26891,6 +26968,9 @@
           <a:p>
             <a:r>
               <a:rPr lang="en-US" sz="2400" b="1" dirty="0">
+                <a:solidFill>
+                  <a:srgbClr val="C00000"/>
+                </a:solidFill>
                 <a:latin typeface="Euclid Circular B" panose="020B0504000000000000" pitchFamily="34" charset="0"/>
                 <a:ea typeface="Euclid Circular B" panose="020B0504000000000000" pitchFamily="34" charset="0"/>
               </a:rPr>
@@ -26898,6 +26978,9 @@
             </a:r>
             <a:r>
               <a:rPr lang="en-US" sz="2400" dirty="0">
+                <a:solidFill>
+                  <a:srgbClr val="C00000"/>
+                </a:solidFill>
                 <a:latin typeface="Euclid Circular B" panose="020B0504000000000000" pitchFamily="34" charset="0"/>
                 <a:ea typeface="Euclid Circular B" panose="020B0504000000000000" pitchFamily="34" charset="0"/>
               </a:rPr>
@@ -26905,6 +26988,9 @@
             </a:r>
             <a:r>
               <a:rPr lang="en-US" sz="2400" b="1" dirty="0">
+                <a:solidFill>
+                  <a:srgbClr val="C00000"/>
+                </a:solidFill>
                 <a:latin typeface="Euclid Circular B" panose="020B0504000000000000" pitchFamily="34" charset="0"/>
                 <a:ea typeface="Euclid Circular B" panose="020B0504000000000000" pitchFamily="34" charset="0"/>
               </a:rPr>
@@ -26912,6 +26998,9 @@
             </a:r>
             <a:r>
               <a:rPr lang="en-US" sz="2400" dirty="0">
+                <a:solidFill>
+                  <a:srgbClr val="C00000"/>
+                </a:solidFill>
                 <a:latin typeface="Euclid Circular B" panose="020B0504000000000000" pitchFamily="34" charset="0"/>
                 <a:ea typeface="Euclid Circular B" panose="020B0504000000000000" pitchFamily="34" charset="0"/>
               </a:rPr>
@@ -26921,6 +27010,9 @@
           <a:p>
             <a:r>
               <a:rPr lang="en-US" sz="2400" b="1" dirty="0">
+                <a:solidFill>
+                  <a:srgbClr val="C00000"/>
+                </a:solidFill>
                 <a:latin typeface="Euclid Circular B" panose="020B0504000000000000" pitchFamily="34" charset="0"/>
                 <a:ea typeface="Euclid Circular B" panose="020B0504000000000000" pitchFamily="34" charset="0"/>
               </a:rPr>
@@ -26928,6 +27020,9 @@
             </a:r>
             <a:r>
               <a:rPr lang="en-US" sz="2400" dirty="0">
+                <a:solidFill>
+                  <a:srgbClr val="C00000"/>
+                </a:solidFill>
                 <a:latin typeface="Euclid Circular B" panose="020B0504000000000000" pitchFamily="34" charset="0"/>
                 <a:ea typeface="Euclid Circular B" panose="020B0504000000000000" pitchFamily="34" charset="0"/>
               </a:rPr>
@@ -26935,6 +27030,9 @@
             </a:r>
             <a:r>
               <a:rPr lang="en-US" sz="2400" b="1" dirty="0">
+                <a:solidFill>
+                  <a:srgbClr val="C00000"/>
+                </a:solidFill>
                 <a:latin typeface="Euclid Circular B" panose="020B0504000000000000" pitchFamily="34" charset="0"/>
                 <a:ea typeface="Euclid Circular B" panose="020B0504000000000000" pitchFamily="34" charset="0"/>
               </a:rPr>
@@ -26944,6 +27042,9 @@
           <a:p>
             <a:r>
               <a:rPr lang="en-US" sz="2400" dirty="0">
+                <a:solidFill>
+                  <a:schemeClr val="accent1"/>
+                </a:solidFill>
                 <a:latin typeface="Euclid Circular B" panose="020B0504000000000000" pitchFamily="34" charset="0"/>
                 <a:ea typeface="Euclid Circular B" panose="020B0504000000000000" pitchFamily="34" charset="0"/>
               </a:rPr>
@@ -26951,6 +27052,9 @@
             </a:r>
             <a:r>
               <a:rPr lang="en-US" sz="2400" b="1" dirty="0">
+                <a:solidFill>
+                  <a:schemeClr val="accent1"/>
+                </a:solidFill>
                 <a:latin typeface="Euclid Circular B" panose="020B0504000000000000" pitchFamily="34" charset="0"/>
                 <a:ea typeface="Euclid Circular B" panose="020B0504000000000000" pitchFamily="34" charset="0"/>
               </a:rPr>
@@ -26958,6 +27062,9 @@
             </a:r>
             <a:r>
               <a:rPr lang="en-US" sz="2400" dirty="0">
+                <a:solidFill>
+                  <a:schemeClr val="accent1"/>
+                </a:solidFill>
                 <a:latin typeface="Euclid Circular B" panose="020B0504000000000000" pitchFamily="34" charset="0"/>
                 <a:ea typeface="Euclid Circular B" panose="020B0504000000000000" pitchFamily="34" charset="0"/>
               </a:rPr>
@@ -27240,6 +27347,9 @@
           <a:p>
             <a:r>
               <a:rPr lang="en-US" sz="2400" b="1" dirty="0">
+                <a:solidFill>
+                  <a:srgbClr val="C00000"/>
+                </a:solidFill>
                 <a:latin typeface="Euclid Circular B" panose="020B0504000000000000" pitchFamily="34" charset="0"/>
                 <a:ea typeface="Euclid Circular B" panose="020B0504000000000000" pitchFamily="34" charset="0"/>
               </a:rPr>
@@ -27247,6 +27357,9 @@
             </a:r>
             <a:r>
               <a:rPr lang="en-US" sz="2400" dirty="0">
+                <a:solidFill>
+                  <a:srgbClr val="C00000"/>
+                </a:solidFill>
                 <a:latin typeface="Euclid Circular B" panose="020B0504000000000000" pitchFamily="34" charset="0"/>
                 <a:ea typeface="Euclid Circular B" panose="020B0504000000000000" pitchFamily="34" charset="0"/>
               </a:rPr>
@@ -27254,6 +27367,9 @@
             </a:r>
             <a:r>
               <a:rPr lang="en-US" sz="2400" b="1" dirty="0">
+                <a:solidFill>
+                  <a:srgbClr val="C00000"/>
+                </a:solidFill>
                 <a:latin typeface="Euclid Circular B" panose="020B0504000000000000" pitchFamily="34" charset="0"/>
                 <a:ea typeface="Euclid Circular B" panose="020B0504000000000000" pitchFamily="34" charset="0"/>
               </a:rPr>
@@ -27261,6 +27377,9 @@
             </a:r>
             <a:r>
               <a:rPr lang="en-US" sz="2400" dirty="0">
+                <a:solidFill>
+                  <a:srgbClr val="C00000"/>
+                </a:solidFill>
                 <a:latin typeface="Euclid Circular B" panose="020B0504000000000000" pitchFamily="34" charset="0"/>
                 <a:ea typeface="Euclid Circular B" panose="020B0504000000000000" pitchFamily="34" charset="0"/>
               </a:rPr>
@@ -27270,6 +27389,9 @@
           <a:p>
             <a:r>
               <a:rPr lang="en-US" sz="2400" b="1" dirty="0">
+                <a:solidFill>
+                  <a:srgbClr val="C00000"/>
+                </a:solidFill>
                 <a:latin typeface="Euclid Circular B" panose="020B0504000000000000" pitchFamily="34" charset="0"/>
                 <a:ea typeface="Euclid Circular B" panose="020B0504000000000000" pitchFamily="34" charset="0"/>
               </a:rPr>
@@ -27277,6 +27399,9 @@
             </a:r>
             <a:r>
               <a:rPr lang="en-US" sz="2400" dirty="0">
+                <a:solidFill>
+                  <a:srgbClr val="C00000"/>
+                </a:solidFill>
                 <a:latin typeface="Euclid Circular B" panose="020B0504000000000000" pitchFamily="34" charset="0"/>
                 <a:ea typeface="Euclid Circular B" panose="020B0504000000000000" pitchFamily="34" charset="0"/>
               </a:rPr>
@@ -27284,6 +27409,9 @@
             </a:r>
             <a:r>
               <a:rPr lang="en-US" sz="2400" b="1" dirty="0">
+                <a:solidFill>
+                  <a:srgbClr val="C00000"/>
+                </a:solidFill>
                 <a:latin typeface="Euclid Circular B" panose="020B0504000000000000" pitchFamily="34" charset="0"/>
                 <a:ea typeface="Euclid Circular B" panose="020B0504000000000000" pitchFamily="34" charset="0"/>
               </a:rPr>
@@ -27293,6 +27421,9 @@
           <a:p>
             <a:r>
               <a:rPr lang="en-US" sz="2400" b="1" dirty="0">
+                <a:solidFill>
+                  <a:srgbClr val="00B050"/>
+                </a:solidFill>
                 <a:latin typeface="Euclid Circular B" panose="020B0504000000000000" pitchFamily="34" charset="0"/>
                 <a:ea typeface="Euclid Circular B" panose="020B0504000000000000" pitchFamily="34" charset="0"/>
               </a:rPr>
@@ -27300,6 +27431,9 @@
             </a:r>
             <a:r>
               <a:rPr lang="en-US" sz="2400" dirty="0">
+                <a:solidFill>
+                  <a:srgbClr val="00B050"/>
+                </a:solidFill>
                 <a:latin typeface="Euclid Circular B" panose="020B0504000000000000" pitchFamily="34" charset="0"/>
                 <a:ea typeface="Euclid Circular B" panose="020B0504000000000000" pitchFamily="34" charset="0"/>
               </a:rPr>
@@ -27307,6 +27441,9 @@
             </a:r>
             <a:r>
               <a:rPr lang="en-US" sz="2400" b="1" dirty="0">
+                <a:solidFill>
+                  <a:srgbClr val="00B050"/>
+                </a:solidFill>
                 <a:latin typeface="Euclid Circular B" panose="020B0504000000000000" pitchFamily="34" charset="0"/>
                 <a:ea typeface="Euclid Circular B" panose="020B0504000000000000" pitchFamily="34" charset="0"/>
               </a:rPr>
@@ -27314,6 +27451,9 @@
             </a:r>
             <a:r>
               <a:rPr lang="en-US" sz="2400" dirty="0">
+                <a:solidFill>
+                  <a:srgbClr val="00B050"/>
+                </a:solidFill>
                 <a:latin typeface="Euclid Circular B" panose="020B0504000000000000" pitchFamily="34" charset="0"/>
                 <a:ea typeface="Euclid Circular B" panose="020B0504000000000000" pitchFamily="34" charset="0"/>
               </a:rPr>
@@ -27323,6 +27463,9 @@
           <a:p>
             <a:r>
               <a:rPr lang="en-US" sz="2400" b="1" dirty="0">
+                <a:solidFill>
+                  <a:srgbClr val="00B050"/>
+                </a:solidFill>
                 <a:latin typeface="Euclid Circular B" panose="020B0504000000000000" pitchFamily="34" charset="0"/>
                 <a:ea typeface="Euclid Circular B" panose="020B0504000000000000" pitchFamily="34" charset="0"/>
               </a:rPr>
@@ -27330,6 +27473,9 @@
             </a:r>
             <a:r>
               <a:rPr lang="en-US" sz="2400" dirty="0">
+                <a:solidFill>
+                  <a:srgbClr val="00B050"/>
+                </a:solidFill>
                 <a:latin typeface="Euclid Circular B" panose="020B0504000000000000" pitchFamily="34" charset="0"/>
                 <a:ea typeface="Euclid Circular B" panose="020B0504000000000000" pitchFamily="34" charset="0"/>
               </a:rPr>
@@ -27337,6 +27483,9 @@
             </a:r>
             <a:r>
               <a:rPr lang="en-US" sz="2400" b="1" dirty="0">
+                <a:solidFill>
+                  <a:srgbClr val="00B050"/>
+                </a:solidFill>
                 <a:latin typeface="Euclid Circular B" panose="020B0504000000000000" pitchFamily="34" charset="0"/>
                 <a:ea typeface="Euclid Circular B" panose="020B0504000000000000" pitchFamily="34" charset="0"/>
               </a:rPr>
@@ -27346,6 +27495,9 @@
           <a:p>
             <a:r>
               <a:rPr lang="en-US" sz="2400" dirty="0">
+                <a:solidFill>
+                  <a:schemeClr val="accent1"/>
+                </a:solidFill>
                 <a:latin typeface="Euclid Circular B" panose="020B0504000000000000" pitchFamily="34" charset="0"/>
                 <a:ea typeface="Euclid Circular B" panose="020B0504000000000000" pitchFamily="34" charset="0"/>
               </a:rPr>
@@ -27353,6 +27505,9 @@
             </a:r>
             <a:r>
               <a:rPr lang="en-US" sz="2400" b="1" dirty="0">
+                <a:solidFill>
+                  <a:schemeClr val="accent1"/>
+                </a:solidFill>
                 <a:latin typeface="Euclid Circular B" panose="020B0504000000000000" pitchFamily="34" charset="0"/>
                 <a:ea typeface="Euclid Circular B" panose="020B0504000000000000" pitchFamily="34" charset="0"/>
               </a:rPr>
@@ -27360,6 +27515,9 @@
             </a:r>
             <a:r>
               <a:rPr lang="en-US" sz="2400" dirty="0">
+                <a:solidFill>
+                  <a:schemeClr val="accent1"/>
+                </a:solidFill>
                 <a:latin typeface="Euclid Circular B" panose="020B0504000000000000" pitchFamily="34" charset="0"/>
                 <a:ea typeface="Euclid Circular B" panose="020B0504000000000000" pitchFamily="34" charset="0"/>
               </a:rPr>
@@ -27565,15 +27723,32 @@
               <a:buNone/>
             </a:pPr>
             <a:r>
-              <a:rPr lang="en-US" sz="2400" i="1" dirty="0">
+              <a:rPr lang="en-US" sz="2400" b="1" i="1" dirty="0">
                 <a:solidFill>
-                  <a:srgbClr val="C00000"/>
+                  <a:schemeClr val="accent1"/>
                 </a:solidFill>
                 <a:latin typeface="Euclid Circular B" panose="020B0504000000000000" pitchFamily="34" charset="0"/>
                 <a:ea typeface="Euclid Circular B" panose="020B0504000000000000" pitchFamily="34" charset="0"/>
               </a:rPr>
-              <a:t>YOU CAN ALWAYS COMBINE TOGETHER</a:t>
-            </a:r>
+              <a:t>YOU CAN ALWAYS COMBINE </a:t>
+            </a:r>
+            <a:r>
+              <a:rPr lang="tr-TR" sz="2400" b="1" i="1" dirty="0">
+                <a:solidFill>
+                  <a:schemeClr val="accent1"/>
+                </a:solidFill>
+                <a:latin typeface="Euclid Circular B" panose="020B0504000000000000" pitchFamily="34" charset="0"/>
+                <a:ea typeface="Euclid Circular B" panose="020B0504000000000000" pitchFamily="34" charset="0"/>
+              </a:rPr>
+              <a:t>THEM</a:t>
+            </a:r>
+            <a:endParaRPr lang="en-US" sz="2400" b="1" i="1" dirty="0">
+              <a:solidFill>
+                <a:schemeClr val="accent1"/>
+              </a:solidFill>
+              <a:latin typeface="Euclid Circular B" panose="020B0504000000000000" pitchFamily="34" charset="0"/>
+              <a:ea typeface="Euclid Circular B" panose="020B0504000000000000" pitchFamily="34" charset="0"/>
+            </a:endParaRPr>
           </a:p>
         </p:txBody>
       </p:sp>
@@ -44125,6 +44300,16 @@
                 <a:latin typeface="Euclid Circular B" panose="020B0504000000000000" pitchFamily="34" charset="0"/>
                 <a:ea typeface="Euclid Circular B" panose="020B0504000000000000" pitchFamily="34" charset="0"/>
               </a:rPr>
+              <a:t>.NET Aspire</a:t>
+            </a:r>
+          </a:p>
+          <a:p>
+            <a:pPr lvl="1"/>
+            <a:r>
+              <a:rPr lang="tr-TR" dirty="0">
+                <a:latin typeface="Euclid Circular B" panose="020B0504000000000000" pitchFamily="34" charset="0"/>
+                <a:ea typeface="Euclid Circular B" panose="020B0504000000000000" pitchFamily="34" charset="0"/>
+              </a:rPr>
               <a:t>ABP Studio</a:t>
             </a:r>
           </a:p>
@@ -44459,41 +44644,6 @@
                                   </p:childTnLst>
                                 </p:cTn>
                               </p:par>
-                              <p:par>
-                                <p:cTn id="18" presetID="10" presetClass="entr" presetSubtype="0" fill="hold" nodeType="withEffect">
-                                  <p:stCondLst>
-                                    <p:cond delay="0"/>
-                                  </p:stCondLst>
-                                  <p:childTnLst>
-                                    <p:set>
-                                      <p:cBhvr>
-                                        <p:cTn id="19" dur="1" fill="hold">
-                                          <p:stCondLst>
-                                            <p:cond delay="0"/>
-                                          </p:stCondLst>
-                                        </p:cTn>
-                                        <p:tgtEl>
-                                          <p:spTgt spid="1026"/>
-                                        </p:tgtEl>
-                                        <p:attrNameLst>
-                                          <p:attrName>style.visibility</p:attrName>
-                                        </p:attrNameLst>
-                                      </p:cBhvr>
-                                      <p:to>
-                                        <p:strVal val="visible"/>
-                                      </p:to>
-                                    </p:set>
-                                    <p:animEffect transition="in" filter="fade">
-                                      <p:cBhvr>
-                                        <p:cTn id="20" dur="500"/>
-                                        <p:tgtEl>
-                                          <p:spTgt spid="1026"/>
-                                        </p:tgtEl>
-                                      </p:cBhvr>
-                                    </p:animEffect>
-                                  </p:childTnLst>
-                                </p:cTn>
-                              </p:par>
                             </p:childTnLst>
                           </p:cTn>
                         </p:par>
@@ -44501,26 +44651,26 @@
                     </p:cTn>
                   </p:par>
                   <p:par>
-                    <p:cTn id="21" fill="hold">
+                    <p:cTn id="18" fill="hold">
                       <p:stCondLst>
                         <p:cond delay="indefinite"/>
                       </p:stCondLst>
                       <p:childTnLst>
                         <p:par>
-                          <p:cTn id="22" fill="hold">
+                          <p:cTn id="19" fill="hold">
                             <p:stCondLst>
                               <p:cond delay="0"/>
                             </p:stCondLst>
                             <p:childTnLst>
                               <p:par>
-                                <p:cTn id="23" presetID="10" presetClass="entr" presetSubtype="0" fill="hold" nodeType="clickEffect">
+                                <p:cTn id="20" presetID="10" presetClass="entr" presetSubtype="0" fill="hold" nodeType="clickEffect">
                                   <p:stCondLst>
                                     <p:cond delay="0"/>
                                   </p:stCondLst>
                                   <p:childTnLst>
                                     <p:set>
                                       <p:cBhvr>
-                                        <p:cTn id="24" dur="1" fill="hold">
+                                        <p:cTn id="21" dur="1" fill="hold">
                                           <p:stCondLst>
                                             <p:cond delay="0"/>
                                           </p:stCondLst>
@@ -44542,13 +44692,48 @@
                                     </p:set>
                                     <p:animEffect transition="in" filter="fade">
                                       <p:cBhvr>
-                                        <p:cTn id="25" dur="500"/>
+                                        <p:cTn id="22" dur="500"/>
                                         <p:tgtEl>
                                           <p:spTgt spid="3">
                                             <p:txEl>
                                               <p:pRg st="3" end="3"/>
                                             </p:txEl>
                                           </p:spTgt>
+                                        </p:tgtEl>
+                                      </p:cBhvr>
+                                    </p:animEffect>
+                                  </p:childTnLst>
+                                </p:cTn>
+                              </p:par>
+                              <p:par>
+                                <p:cTn id="23" presetID="10" presetClass="entr" presetSubtype="0" fill="hold" nodeType="withEffect">
+                                  <p:stCondLst>
+                                    <p:cond delay="0"/>
+                                  </p:stCondLst>
+                                  <p:childTnLst>
+                                    <p:set>
+                                      <p:cBhvr>
+                                        <p:cTn id="24" dur="1" fill="hold">
+                                          <p:stCondLst>
+                                            <p:cond delay="0"/>
+                                          </p:stCondLst>
+                                        </p:cTn>
+                                        <p:tgtEl>
+                                          <p:spTgt spid="1026"/>
+                                        </p:tgtEl>
+                                        <p:attrNameLst>
+                                          <p:attrName>style.visibility</p:attrName>
+                                        </p:attrNameLst>
+                                      </p:cBhvr>
+                                      <p:to>
+                                        <p:strVal val="visible"/>
+                                      </p:to>
+                                    </p:set>
+                                    <p:animEffect transition="in" filter="fade">
+                                      <p:cBhvr>
+                                        <p:cTn id="25" dur="500"/>
+                                        <p:tgtEl>
+                                          <p:spTgt spid="1026"/>
                                         </p:tgtEl>
                                       </p:cBhvr>
                                     </p:animEffect>
@@ -44608,6 +44793,67 @@
                                           <p:spTgt spid="3">
                                             <p:txEl>
                                               <p:pRg st="4" end="4"/>
+                                            </p:txEl>
+                                          </p:spTgt>
+                                        </p:tgtEl>
+                                      </p:cBhvr>
+                                    </p:animEffect>
+                                  </p:childTnLst>
+                                </p:cTn>
+                              </p:par>
+                            </p:childTnLst>
+                          </p:cTn>
+                        </p:par>
+                      </p:childTnLst>
+                    </p:cTn>
+                  </p:par>
+                  <p:par>
+                    <p:cTn id="31" fill="hold">
+                      <p:stCondLst>
+                        <p:cond delay="indefinite"/>
+                      </p:stCondLst>
+                      <p:childTnLst>
+                        <p:par>
+                          <p:cTn id="32" fill="hold">
+                            <p:stCondLst>
+                              <p:cond delay="0"/>
+                            </p:stCondLst>
+                            <p:childTnLst>
+                              <p:par>
+                                <p:cTn id="33" presetID="10" presetClass="entr" presetSubtype="0" fill="hold" nodeType="clickEffect">
+                                  <p:stCondLst>
+                                    <p:cond delay="0"/>
+                                  </p:stCondLst>
+                                  <p:childTnLst>
+                                    <p:set>
+                                      <p:cBhvr>
+                                        <p:cTn id="34" dur="1" fill="hold">
+                                          <p:stCondLst>
+                                            <p:cond delay="0"/>
+                                          </p:stCondLst>
+                                        </p:cTn>
+                                        <p:tgtEl>
+                                          <p:spTgt spid="3">
+                                            <p:txEl>
+                                              <p:pRg st="5" end="5"/>
+                                            </p:txEl>
+                                          </p:spTgt>
+                                        </p:tgtEl>
+                                        <p:attrNameLst>
+                                          <p:attrName>style.visibility</p:attrName>
+                                        </p:attrNameLst>
+                                      </p:cBhvr>
+                                      <p:to>
+                                        <p:strVal val="visible"/>
+                                      </p:to>
+                                    </p:set>
+                                    <p:animEffect transition="in" filter="fade">
+                                      <p:cBhvr>
+                                        <p:cTn id="35" dur="500"/>
+                                        <p:tgtEl>
+                                          <p:spTgt spid="3">
+                                            <p:txEl>
+                                              <p:pRg st="5" end="5"/>
                                             </p:txEl>
                                           </p:spTgt>
                                         </p:tgtEl>

--- a/2025-04-16 Roma Designing Monolith First For Microservices/Monolith First Presentation.pptx
+++ b/2025-04-16 Roma Designing Monolith First For Microservices/Monolith First Presentation.pptx
@@ -370,7 +370,7 @@
           <a:p>
             <a:fld id="{2A14C9FE-EBC3-45D3-899C-58AAF4F8AF71}" type="datetimeFigureOut">
               <a:rPr lang="en-US" smtClean="0"/>
-              <a:t>4/9/2025</a:t>
+              <a:t>4/14/2025</a:t>
             </a:fld>
             <a:endParaRPr lang="en-US"/>
           </a:p>
@@ -568,7 +568,7 @@
           <a:p>
             <a:fld id="{2A14C9FE-EBC3-45D3-899C-58AAF4F8AF71}" type="datetimeFigureOut">
               <a:rPr lang="en-US" smtClean="0"/>
-              <a:t>4/9/2025</a:t>
+              <a:t>4/14/2025</a:t>
             </a:fld>
             <a:endParaRPr lang="en-US"/>
           </a:p>
@@ -776,7 +776,7 @@
           <a:p>
             <a:fld id="{2A14C9FE-EBC3-45D3-899C-58AAF4F8AF71}" type="datetimeFigureOut">
               <a:rPr lang="en-US" smtClean="0"/>
-              <a:t>4/9/2025</a:t>
+              <a:t>4/14/2025</a:t>
             </a:fld>
             <a:endParaRPr lang="en-US"/>
           </a:p>
@@ -974,7 +974,7 @@
           <a:p>
             <a:fld id="{2A14C9FE-EBC3-45D3-899C-58AAF4F8AF71}" type="datetimeFigureOut">
               <a:rPr lang="en-US" smtClean="0"/>
-              <a:t>4/9/2025</a:t>
+              <a:t>4/14/2025</a:t>
             </a:fld>
             <a:endParaRPr lang="en-US"/>
           </a:p>
@@ -1249,7 +1249,7 @@
           <a:p>
             <a:fld id="{2A14C9FE-EBC3-45D3-899C-58AAF4F8AF71}" type="datetimeFigureOut">
               <a:rPr lang="en-US" smtClean="0"/>
-              <a:t>4/9/2025</a:t>
+              <a:t>4/14/2025</a:t>
             </a:fld>
             <a:endParaRPr lang="en-US"/>
           </a:p>
@@ -1514,7 +1514,7 @@
           <a:p>
             <a:fld id="{2A14C9FE-EBC3-45D3-899C-58AAF4F8AF71}" type="datetimeFigureOut">
               <a:rPr lang="en-US" smtClean="0"/>
-              <a:t>4/9/2025</a:t>
+              <a:t>4/14/2025</a:t>
             </a:fld>
             <a:endParaRPr lang="en-US"/>
           </a:p>
@@ -1926,7 +1926,7 @@
           <a:p>
             <a:fld id="{2A14C9FE-EBC3-45D3-899C-58AAF4F8AF71}" type="datetimeFigureOut">
               <a:rPr lang="en-US" smtClean="0"/>
-              <a:t>4/9/2025</a:t>
+              <a:t>4/14/2025</a:t>
             </a:fld>
             <a:endParaRPr lang="en-US"/>
           </a:p>
@@ -2067,7 +2067,7 @@
           <a:p>
             <a:fld id="{2A14C9FE-EBC3-45D3-899C-58AAF4F8AF71}" type="datetimeFigureOut">
               <a:rPr lang="en-US" smtClean="0"/>
-              <a:t>4/9/2025</a:t>
+              <a:t>4/14/2025</a:t>
             </a:fld>
             <a:endParaRPr lang="en-US"/>
           </a:p>
@@ -2180,7 +2180,7 @@
           <a:p>
             <a:fld id="{2A14C9FE-EBC3-45D3-899C-58AAF4F8AF71}" type="datetimeFigureOut">
               <a:rPr lang="en-US" smtClean="0"/>
-              <a:t>4/9/2025</a:t>
+              <a:t>4/14/2025</a:t>
             </a:fld>
             <a:endParaRPr lang="en-US"/>
           </a:p>
@@ -2491,7 +2491,7 @@
           <a:p>
             <a:fld id="{2A14C9FE-EBC3-45D3-899C-58AAF4F8AF71}" type="datetimeFigureOut">
               <a:rPr lang="en-US" smtClean="0"/>
-              <a:t>4/9/2025</a:t>
+              <a:t>4/14/2025</a:t>
             </a:fld>
             <a:endParaRPr lang="en-US"/>
           </a:p>
@@ -2779,7 +2779,7 @@
           <a:p>
             <a:fld id="{2A14C9FE-EBC3-45D3-899C-58AAF4F8AF71}" type="datetimeFigureOut">
               <a:rPr lang="en-US" smtClean="0"/>
-              <a:t>4/9/2025</a:t>
+              <a:t>4/14/2025</a:t>
             </a:fld>
             <a:endParaRPr lang="en-US"/>
           </a:p>
@@ -3020,7 +3020,7 @@
           <a:p>
             <a:fld id="{2A14C9FE-EBC3-45D3-899C-58AAF4F8AF71}" type="datetimeFigureOut">
               <a:rPr lang="en-US" smtClean="0"/>
-              <a:t>4/9/2025</a:t>
+              <a:t>4/14/2025</a:t>
             </a:fld>
             <a:endParaRPr lang="en-US"/>
           </a:p>
@@ -19562,7 +19562,7 @@
         </p:spPr>
         <p:txBody>
           <a:bodyPr>
-            <a:normAutofit fontScale="92500" lnSpcReduction="10000"/>
+            <a:normAutofit/>
           </a:bodyPr>
           <a:lstStyle/>
           <a:p>
@@ -19591,17 +19591,14 @@
                 <a:latin typeface="Euclid Circular B" panose="020B0504000000000000" pitchFamily="34" charset="0"/>
                 <a:ea typeface="Euclid Circular B" panose="020B0504000000000000" pitchFamily="34" charset="0"/>
               </a:rPr>
-              <a:t>Best for;</a:t>
-            </a:r>
-          </a:p>
-          <a:p>
-            <a:pPr lvl="1"/>
+              <a:t>Best for </a:t>
+            </a:r>
             <a:r>
               <a:rPr lang="en-US" b="1" dirty="0">
                 <a:latin typeface="Euclid Circular B" panose="020B0504000000000000" pitchFamily="34" charset="0"/>
                 <a:ea typeface="Euclid Circular B" panose="020B0504000000000000" pitchFamily="34" charset="0"/>
               </a:rPr>
-              <a:t>Read </a:t>
+              <a:t>read </a:t>
             </a:r>
             <a:r>
               <a:rPr lang="en-US" dirty="0">
@@ -19609,23 +19606,6 @@
                 <a:ea typeface="Euclid Circular B" panose="020B0504000000000000" pitchFamily="34" charset="0"/>
               </a:rPr>
               <a:t>(query) operations</a:t>
-            </a:r>
-          </a:p>
-          <a:p>
-            <a:pPr lvl="1"/>
-            <a:r>
-              <a:rPr lang="en-US" b="1" dirty="0">
-                <a:latin typeface="Euclid Circular B" panose="020B0504000000000000" pitchFamily="34" charset="0"/>
-                <a:ea typeface="Euclid Circular B" panose="020B0504000000000000" pitchFamily="34" charset="0"/>
-              </a:rPr>
-              <a:t>Repeatable </a:t>
-            </a:r>
-            <a:r>
-              <a:rPr lang="en-US" dirty="0">
-                <a:latin typeface="Euclid Circular B" panose="020B0504000000000000" pitchFamily="34" charset="0"/>
-                <a:ea typeface="Euclid Circular B" panose="020B0504000000000000" pitchFamily="34" charset="0"/>
-              </a:rPr>
-              <a:t>(idempotent) write (update/delete) operations</a:t>
             </a:r>
           </a:p>
           <a:p>
@@ -20927,15 +20907,33 @@
                                   </p:childTnLst>
                                 </p:cTn>
                               </p:par>
+                            </p:childTnLst>
+                          </p:cTn>
+                        </p:par>
+                      </p:childTnLst>
+                    </p:cTn>
+                  </p:par>
+                  <p:par>
+                    <p:cTn id="21" fill="hold">
+                      <p:stCondLst>
+                        <p:cond delay="indefinite"/>
+                      </p:stCondLst>
+                      <p:childTnLst>
+                        <p:par>
+                          <p:cTn id="22" fill="hold">
+                            <p:stCondLst>
+                              <p:cond delay="0"/>
+                            </p:stCondLst>
+                            <p:childTnLst>
                               <p:par>
-                                <p:cTn id="21" presetID="10" presetClass="entr" presetSubtype="0" fill="hold" nodeType="withEffect">
+                                <p:cTn id="23" presetID="10" presetClass="entr" presetSubtype="0" fill="hold" nodeType="clickEffect">
                                   <p:stCondLst>
                                     <p:cond delay="0"/>
                                   </p:stCondLst>
                                   <p:childTnLst>
                                     <p:set>
                                       <p:cBhvr>
-                                        <p:cTn id="22" dur="1" fill="hold">
+                                        <p:cTn id="24" dur="1" fill="hold">
                                           <p:stCondLst>
                                             <p:cond delay="0"/>
                                           </p:stCondLst>
@@ -20957,7 +20955,7 @@
                                     </p:set>
                                     <p:animEffect transition="in" filter="fade">
                                       <p:cBhvr>
-                                        <p:cTn id="23" dur="500"/>
+                                        <p:cTn id="25" dur="500"/>
                                         <p:tgtEl>
                                           <p:spTgt spid="3">
                                             <p:txEl>
@@ -20970,15 +20968,33 @@
                                   </p:childTnLst>
                                 </p:cTn>
                               </p:par>
+                            </p:childTnLst>
+                          </p:cTn>
+                        </p:par>
+                      </p:childTnLst>
+                    </p:cTn>
+                  </p:par>
+                  <p:par>
+                    <p:cTn id="26" fill="hold">
+                      <p:stCondLst>
+                        <p:cond delay="indefinite"/>
+                      </p:stCondLst>
+                      <p:childTnLst>
+                        <p:par>
+                          <p:cTn id="27" fill="hold">
+                            <p:stCondLst>
+                              <p:cond delay="0"/>
+                            </p:stCondLst>
+                            <p:childTnLst>
                               <p:par>
-                                <p:cTn id="24" presetID="10" presetClass="entr" presetSubtype="0" fill="hold" nodeType="withEffect">
+                                <p:cTn id="28" presetID="10" presetClass="entr" presetSubtype="0" fill="hold" nodeType="clickEffect">
                                   <p:stCondLst>
                                     <p:cond delay="0"/>
                                   </p:stCondLst>
                                   <p:childTnLst>
                                     <p:set>
                                       <p:cBhvr>
-                                        <p:cTn id="25" dur="1" fill="hold">
+                                        <p:cTn id="29" dur="1" fill="hold">
                                           <p:stCondLst>
                                             <p:cond delay="0"/>
                                           </p:stCondLst>
@@ -21000,7 +21016,7 @@
                                     </p:set>
                                     <p:animEffect transition="in" filter="fade">
                                       <p:cBhvr>
-                                        <p:cTn id="26" dur="500"/>
+                                        <p:cTn id="30" dur="500"/>
                                         <p:tgtEl>
                                           <p:spTgt spid="3">
                                             <p:txEl>
@@ -21020,26 +21036,26 @@
                     </p:cTn>
                   </p:par>
                   <p:par>
-                    <p:cTn id="27" fill="hold">
+                    <p:cTn id="31" fill="hold">
                       <p:stCondLst>
                         <p:cond delay="indefinite"/>
                       </p:stCondLst>
                       <p:childTnLst>
                         <p:par>
-                          <p:cTn id="28" fill="hold">
+                          <p:cTn id="32" fill="hold">
                             <p:stCondLst>
                               <p:cond delay="0"/>
                             </p:stCondLst>
                             <p:childTnLst>
                               <p:par>
-                                <p:cTn id="29" presetID="10" presetClass="entr" presetSubtype="0" fill="hold" nodeType="clickEffect">
+                                <p:cTn id="33" presetID="10" presetClass="entr" presetSubtype="0" fill="hold" nodeType="clickEffect">
                                   <p:stCondLst>
                                     <p:cond delay="0"/>
                                   </p:stCondLst>
                                   <p:childTnLst>
                                     <p:set>
                                       <p:cBhvr>
-                                        <p:cTn id="30" dur="1" fill="hold">
+                                        <p:cTn id="34" dur="1" fill="hold">
                                           <p:stCondLst>
                                             <p:cond delay="0"/>
                                           </p:stCondLst>
@@ -21061,133 +21077,11 @@
                                     </p:set>
                                     <p:animEffect transition="in" filter="fade">
                                       <p:cBhvr>
-                                        <p:cTn id="31" dur="500"/>
+                                        <p:cTn id="35" dur="500"/>
                                         <p:tgtEl>
                                           <p:spTgt spid="3">
                                             <p:txEl>
                                               <p:pRg st="4" end="4"/>
-                                            </p:txEl>
-                                          </p:spTgt>
-                                        </p:tgtEl>
-                                      </p:cBhvr>
-                                    </p:animEffect>
-                                  </p:childTnLst>
-                                </p:cTn>
-                              </p:par>
-                            </p:childTnLst>
-                          </p:cTn>
-                        </p:par>
-                      </p:childTnLst>
-                    </p:cTn>
-                  </p:par>
-                  <p:par>
-                    <p:cTn id="32" fill="hold">
-                      <p:stCondLst>
-                        <p:cond delay="indefinite"/>
-                      </p:stCondLst>
-                      <p:childTnLst>
-                        <p:par>
-                          <p:cTn id="33" fill="hold">
-                            <p:stCondLst>
-                              <p:cond delay="0"/>
-                            </p:stCondLst>
-                            <p:childTnLst>
-                              <p:par>
-                                <p:cTn id="34" presetID="10" presetClass="entr" presetSubtype="0" fill="hold" nodeType="clickEffect">
-                                  <p:stCondLst>
-                                    <p:cond delay="0"/>
-                                  </p:stCondLst>
-                                  <p:childTnLst>
-                                    <p:set>
-                                      <p:cBhvr>
-                                        <p:cTn id="35" dur="1" fill="hold">
-                                          <p:stCondLst>
-                                            <p:cond delay="0"/>
-                                          </p:stCondLst>
-                                        </p:cTn>
-                                        <p:tgtEl>
-                                          <p:spTgt spid="3">
-                                            <p:txEl>
-                                              <p:pRg st="5" end="5"/>
-                                            </p:txEl>
-                                          </p:spTgt>
-                                        </p:tgtEl>
-                                        <p:attrNameLst>
-                                          <p:attrName>style.visibility</p:attrName>
-                                        </p:attrNameLst>
-                                      </p:cBhvr>
-                                      <p:to>
-                                        <p:strVal val="visible"/>
-                                      </p:to>
-                                    </p:set>
-                                    <p:animEffect transition="in" filter="fade">
-                                      <p:cBhvr>
-                                        <p:cTn id="36" dur="500"/>
-                                        <p:tgtEl>
-                                          <p:spTgt spid="3">
-                                            <p:txEl>
-                                              <p:pRg st="5" end="5"/>
-                                            </p:txEl>
-                                          </p:spTgt>
-                                        </p:tgtEl>
-                                      </p:cBhvr>
-                                    </p:animEffect>
-                                  </p:childTnLst>
-                                </p:cTn>
-                              </p:par>
-                            </p:childTnLst>
-                          </p:cTn>
-                        </p:par>
-                      </p:childTnLst>
-                    </p:cTn>
-                  </p:par>
-                  <p:par>
-                    <p:cTn id="37" fill="hold">
-                      <p:stCondLst>
-                        <p:cond delay="indefinite"/>
-                      </p:stCondLst>
-                      <p:childTnLst>
-                        <p:par>
-                          <p:cTn id="38" fill="hold">
-                            <p:stCondLst>
-                              <p:cond delay="0"/>
-                            </p:stCondLst>
-                            <p:childTnLst>
-                              <p:par>
-                                <p:cTn id="39" presetID="10" presetClass="entr" presetSubtype="0" fill="hold" nodeType="clickEffect">
-                                  <p:stCondLst>
-                                    <p:cond delay="0"/>
-                                  </p:stCondLst>
-                                  <p:childTnLst>
-                                    <p:set>
-                                      <p:cBhvr>
-                                        <p:cTn id="40" dur="1" fill="hold">
-                                          <p:stCondLst>
-                                            <p:cond delay="0"/>
-                                          </p:stCondLst>
-                                        </p:cTn>
-                                        <p:tgtEl>
-                                          <p:spTgt spid="3">
-                                            <p:txEl>
-                                              <p:pRg st="6" end="6"/>
-                                            </p:txEl>
-                                          </p:spTgt>
-                                        </p:tgtEl>
-                                        <p:attrNameLst>
-                                          <p:attrName>style.visibility</p:attrName>
-                                        </p:attrNameLst>
-                                      </p:cBhvr>
-                                      <p:to>
-                                        <p:strVal val="visible"/>
-                                      </p:to>
-                                    </p:set>
-                                    <p:animEffect transition="in" filter="fade">
-                                      <p:cBhvr>
-                                        <p:cTn id="41" dur="500"/>
-                                        <p:tgtEl>
-                                          <p:spTgt spid="3">
-                                            <p:txEl>
-                                              <p:pRg st="6" end="6"/>
                                             </p:txEl>
                                           </p:spTgt>
                                         </p:tgtEl>
@@ -21331,7 +21225,7 @@
                 <a:latin typeface="Euclid Circular B" panose="020B0504000000000000" pitchFamily="34" charset="0"/>
                 <a:ea typeface="Euclid Circular B" panose="020B0504000000000000" pitchFamily="34" charset="0"/>
               </a:rPr>
-              <a:t>Customers.Application.Contracts</a:t>
+              <a:t>Customers.Contracts</a:t>
             </a:r>
             <a:r>
               <a:rPr lang="en-US" b="1" i="1" dirty="0">
